--- a/images/naacl2018.pptx
+++ b/images/naacl2018.pptx
@@ -5,7 +5,7 @@
     <p:sldMasterId id="2147483660" r:id="rId1"/>
   </p:sldMasterIdLst>
   <p:notesMasterIdLst>
-    <p:notesMasterId r:id="rId23"/>
+    <p:notesMasterId r:id="rId24"/>
   </p:notesMasterIdLst>
   <p:sldIdLst>
     <p:sldId id="256" r:id="rId2"/>
@@ -26,9 +26,10 @@
     <p:sldId id="334" r:id="rId17"/>
     <p:sldId id="335" r:id="rId18"/>
     <p:sldId id="336" r:id="rId19"/>
-    <p:sldId id="295" r:id="rId20"/>
-    <p:sldId id="271" r:id="rId21"/>
-    <p:sldId id="273" r:id="rId22"/>
+    <p:sldId id="271" r:id="rId20"/>
+    <p:sldId id="273" r:id="rId21"/>
+    <p:sldId id="295" r:id="rId22"/>
+    <p:sldId id="337" r:id="rId23"/>
   </p:sldIdLst>
   <p:sldSz cx="9144000" cy="6858000" type="screen4x3"/>
   <p:notesSz cx="6858000" cy="9144000"/>
@@ -1235,7 +1236,7 @@
           <a:p>
             <a:fld id="{85D840C7-9F23-7A46-B96D-52B8AE08AF7D}" type="datetimeFigureOut">
               <a:rPr lang="en-US" smtClean="0"/>
-              <a:t>6/2/18</a:t>
+              <a:t>6/3/18</a:t>
             </a:fld>
             <a:endParaRPr lang="en-US"/>
           </a:p>
@@ -2155,7 +2156,7 @@
           <a:p>
             <a:fld id="{7693DCF1-F9EF-AA44-A123-FD1B42A0E006}" type="slidenum">
               <a:rPr lang="en-US" smtClean="0"/>
-              <a:t>20</a:t>
+              <a:t>19</a:t>
             </a:fld>
             <a:endParaRPr lang="en-US"/>
           </a:p>
@@ -2239,7 +2240,7 @@
           <a:p>
             <a:fld id="{7693DCF1-F9EF-AA44-A123-FD1B42A0E006}" type="slidenum">
               <a:rPr lang="en-US" smtClean="0"/>
-              <a:t>21</a:t>
+              <a:t>20</a:t>
             </a:fld>
             <a:endParaRPr lang="en-US"/>
           </a:p>
@@ -2393,7 +2394,7 @@
           <a:p>
             <a:fld id="{8999D4E4-FF10-C349-8645-B54EC115892F}" type="datetime1">
               <a:rPr lang="en-US" smtClean="0"/>
-              <a:t>6/2/18</a:t>
+              <a:t>6/3/18</a:t>
             </a:fld>
             <a:endParaRPr lang="en-US"/>
           </a:p>
@@ -2572,7 +2573,7 @@
           <a:p>
             <a:fld id="{97DB7F4A-DEB0-9E42-BEFA-DA0BB8C545A8}" type="datetime1">
               <a:rPr lang="en-US" smtClean="0"/>
-              <a:t>6/2/18</a:t>
+              <a:t>6/3/18</a:t>
             </a:fld>
             <a:endParaRPr lang="en-US"/>
           </a:p>
@@ -2696,7 +2697,7 @@
           <a:p>
             <a:fld id="{6493F8BD-0F31-8248-94C2-20516F6AEB54}" type="datetime1">
               <a:rPr lang="en-US" smtClean="0"/>
-              <a:t>6/2/18</a:t>
+              <a:t>6/3/18</a:t>
             </a:fld>
             <a:endParaRPr lang="en-US"/>
           </a:p>
@@ -2824,7 +2825,7 @@
           <a:p>
             <a:fld id="{AB561103-8F37-D347-9CA8-20AB17F9D6CF}" type="datetime1">
               <a:rPr lang="en-US" smtClean="0"/>
-              <a:t>6/2/18</a:t>
+              <a:t>6/3/18</a:t>
             </a:fld>
             <a:endParaRPr lang="en-US"/>
           </a:p>
@@ -2944,7 +2945,7 @@
           <a:p>
             <a:fld id="{6493F8BD-0F31-8248-94C2-20516F6AEB54}" type="datetime1">
               <a:rPr lang="en-US" smtClean="0"/>
-              <a:t>6/2/18</a:t>
+              <a:t>6/3/18</a:t>
             </a:fld>
             <a:endParaRPr lang="en-US"/>
           </a:p>
@@ -3162,7 +3163,7 @@
           <a:p>
             <a:fld id="{6493F8BD-0F31-8248-94C2-20516F6AEB54}" type="datetime1">
               <a:rPr lang="en-US" smtClean="0"/>
-              <a:t>6/2/18</a:t>
+              <a:t>6/3/18</a:t>
             </a:fld>
             <a:endParaRPr lang="en-US"/>
           </a:p>
@@ -3934,9 +3935,34 @@
                     </m:d>
                   </m:oMath>
                 </a14:m>
+                <a:endParaRPr lang="en-US" dirty="0" smtClean="0"/>
+              </a:p>
+              <a:p>
                 <a:r>
                   <a:rPr lang="en-US" dirty="0"/>
-                  <a:t> and prior </a:t>
+                  <a:t>We view </a:t>
+                </a:r>
+                <a:r>
+                  <a:rPr lang="en-US" dirty="0" smtClean="0"/>
+                  <a:t>the sampling of latent </a:t>
+                </a:r>
+                <a:r>
+                  <a:rPr lang="en-US" dirty="0"/>
+                  <a:t>variable as </a:t>
+                </a:r>
+                <a:r>
+                  <a:rPr lang="en-US" dirty="0" smtClean="0"/>
+                  <a:t>a Markov Decision </a:t>
+                </a:r>
+                <a:r>
+                  <a:rPr lang="en-US" dirty="0" smtClean="0"/>
+                  <a:t>Process</a:t>
+                </a:r>
+              </a:p>
+              <a:p>
+                <a:r>
+                  <a:rPr lang="en-US" dirty="0" smtClean="0"/>
+                  <a:t>Our prior distribution </a:t>
                 </a:r>
                 <a14:m>
                   <m:oMath xmlns:m="http://schemas.openxmlformats.org/officeDocument/2006/math">
@@ -4068,26 +4094,9 @@
                 </a14:m>
                 <a:r>
                   <a:rPr lang="en-US" dirty="0" smtClean="0"/>
-                  <a:t>.</a:t>
+                  <a:t> is trainable</a:t>
                 </a:r>
-              </a:p>
-              <a:p>
-                <a:r>
-                  <a:rPr lang="en-US" dirty="0"/>
-                  <a:t>We view </a:t>
-                </a:r>
-                <a:r>
-                  <a:rPr lang="en-US" dirty="0" smtClean="0"/>
-                  <a:t>the sampling of latent </a:t>
-                </a:r>
-                <a:r>
-                  <a:rPr lang="en-US" dirty="0"/>
-                  <a:t>variable as </a:t>
-                </a:r>
-                <a:r>
-                  <a:rPr lang="en-US" dirty="0" smtClean="0"/>
-                  <a:t>a Markov Decision Process.</a:t>
-                </a:r>
+                <a:endParaRPr lang="en-US" dirty="0" smtClean="0"/>
               </a:p>
             </p:txBody>
           </p:sp>
@@ -4149,8 +4158,8 @@
           </a:p>
         </p:txBody>
       </p:sp>
-      <mc:AlternateContent xmlns:mc="http://schemas.openxmlformats.org/markup-compatibility/2006">
-        <mc:Choice xmlns:a14="http://schemas.microsoft.com/office/drawing/2010/main" Requires="a14">
+      <mc:AlternateContent xmlns:mc="http://schemas.openxmlformats.org/markup-compatibility/2006" xmlns:a14="http://schemas.microsoft.com/office/drawing/2010/main">
+        <mc:Choice Requires="a14">
           <p:sp>
             <p:nvSpPr>
               <p:cNvPr id="5" name="Oval 4"/>
@@ -4246,7 +4255,7 @@
             </p:txBody>
           </p:sp>
         </mc:Choice>
-        <mc:Fallback>
+        <mc:Fallback xmlns="">
           <p:sp>
             <p:nvSpPr>
               <p:cNvPr id="5" name="Oval 4"/>
@@ -4288,8 +4297,8 @@
           </p:sp>
         </mc:Fallback>
       </mc:AlternateContent>
-      <mc:AlternateContent xmlns:mc="http://schemas.openxmlformats.org/markup-compatibility/2006">
-        <mc:Choice xmlns:a14="http://schemas.microsoft.com/office/drawing/2010/main" Requires="a14">
+      <mc:AlternateContent xmlns:mc="http://schemas.openxmlformats.org/markup-compatibility/2006" xmlns:a14="http://schemas.microsoft.com/office/drawing/2010/main">
+        <mc:Choice Requires="a14">
           <p:sp>
             <p:nvSpPr>
               <p:cNvPr id="6" name="Oval 5"/>
@@ -4387,7 +4396,7 @@
             </p:txBody>
           </p:sp>
         </mc:Choice>
-        <mc:Fallback>
+        <mc:Fallback xmlns="">
           <p:sp>
             <p:nvSpPr>
               <p:cNvPr id="6" name="Oval 5"/>
@@ -4468,8 +4477,8 @@
           </a:fontRef>
         </p:style>
       </p:cxnSp>
-      <mc:AlternateContent xmlns:mc="http://schemas.openxmlformats.org/markup-compatibility/2006">
-        <mc:Choice xmlns:a14="http://schemas.microsoft.com/office/drawing/2010/main" Requires="a14">
+      <mc:AlternateContent xmlns:mc="http://schemas.openxmlformats.org/markup-compatibility/2006" xmlns:a14="http://schemas.microsoft.com/office/drawing/2010/main">
+        <mc:Choice Requires="a14">
           <p:sp>
             <p:nvSpPr>
               <p:cNvPr id="8" name="Rectangle 7"/>
@@ -4537,7 +4546,7 @@
             </p:txBody>
           </p:sp>
         </mc:Choice>
-        <mc:Fallback>
+        <mc:Fallback xmlns="">
           <p:sp>
             <p:nvSpPr>
               <p:cNvPr id="8" name="Rectangle 7"/>
@@ -4579,8 +4588,8 @@
           </p:sp>
         </mc:Fallback>
       </mc:AlternateContent>
-      <mc:AlternateContent xmlns:mc="http://schemas.openxmlformats.org/markup-compatibility/2006">
-        <mc:Choice xmlns:a14="http://schemas.microsoft.com/office/drawing/2010/main" Requires="a14">
+      <mc:AlternateContent xmlns:mc="http://schemas.openxmlformats.org/markup-compatibility/2006" xmlns:a14="http://schemas.microsoft.com/office/drawing/2010/main">
+        <mc:Choice Requires="a14">
           <p:sp>
             <p:nvSpPr>
               <p:cNvPr id="9" name="Oval 8"/>
@@ -4689,7 +4698,7 @@
             </p:txBody>
           </p:sp>
         </mc:Choice>
-        <mc:Fallback>
+        <mc:Fallback xmlns="">
           <p:sp>
             <p:nvSpPr>
               <p:cNvPr id="9" name="Oval 8"/>
@@ -4807,8 +4816,8 @@
           </a:fontRef>
         </p:style>
       </p:cxnSp>
-      <mc:AlternateContent xmlns:mc="http://schemas.openxmlformats.org/markup-compatibility/2006">
-        <mc:Choice xmlns:a14="http://schemas.microsoft.com/office/drawing/2010/main" Requires="a14">
+      <mc:AlternateContent xmlns:mc="http://schemas.openxmlformats.org/markup-compatibility/2006" xmlns:a14="http://schemas.microsoft.com/office/drawing/2010/main">
+        <mc:Choice Requires="a14">
           <p:sp>
             <p:nvSpPr>
               <p:cNvPr id="12" name="Oval 11"/>
@@ -4917,7 +4926,7 @@
             </p:txBody>
           </p:sp>
         </mc:Choice>
-        <mc:Fallback>
+        <mc:Fallback xmlns="">
           <p:sp>
             <p:nvSpPr>
               <p:cNvPr id="12" name="Oval 11"/>
@@ -4959,8 +4968,8 @@
           </p:sp>
         </mc:Fallback>
       </mc:AlternateContent>
-      <mc:AlternateContent xmlns:mc="http://schemas.openxmlformats.org/markup-compatibility/2006">
-        <mc:Choice xmlns:a14="http://schemas.microsoft.com/office/drawing/2010/main" Requires="a14">
+      <mc:AlternateContent xmlns:mc="http://schemas.openxmlformats.org/markup-compatibility/2006" xmlns:a14="http://schemas.microsoft.com/office/drawing/2010/main">
+        <mc:Choice Requires="a14">
           <p:sp>
             <p:nvSpPr>
               <p:cNvPr id="13" name="Oval 12"/>
@@ -5069,7 +5078,7 @@
             </p:txBody>
           </p:sp>
         </mc:Choice>
-        <mc:Fallback>
+        <mc:Fallback xmlns="">
           <p:sp>
             <p:nvSpPr>
               <p:cNvPr id="13" name="Oval 12"/>
@@ -5111,8 +5120,8 @@
           </p:sp>
         </mc:Fallback>
       </mc:AlternateContent>
-      <mc:AlternateContent xmlns:mc="http://schemas.openxmlformats.org/markup-compatibility/2006">
-        <mc:Choice xmlns:a14="http://schemas.microsoft.com/office/drawing/2010/main" Requires="a14">
+      <mc:AlternateContent xmlns:mc="http://schemas.openxmlformats.org/markup-compatibility/2006" xmlns:a14="http://schemas.microsoft.com/office/drawing/2010/main">
+        <mc:Choice Requires="a14">
           <p:sp>
             <p:nvSpPr>
               <p:cNvPr id="14" name="Oval 13"/>
@@ -5221,7 +5230,7 @@
             </p:txBody>
           </p:sp>
         </mc:Choice>
-        <mc:Fallback>
+        <mc:Fallback xmlns="">
           <p:sp>
             <p:nvSpPr>
               <p:cNvPr id="14" name="Oval 13"/>
@@ -5263,8 +5272,8 @@
           </p:sp>
         </mc:Fallback>
       </mc:AlternateContent>
-      <mc:AlternateContent xmlns:mc="http://schemas.openxmlformats.org/markup-compatibility/2006">
-        <mc:Choice xmlns:a14="http://schemas.microsoft.com/office/drawing/2010/main" Requires="a14">
+      <mc:AlternateContent xmlns:mc="http://schemas.openxmlformats.org/markup-compatibility/2006" xmlns:a14="http://schemas.microsoft.com/office/drawing/2010/main">
+        <mc:Choice Requires="a14">
           <p:sp>
             <p:nvSpPr>
               <p:cNvPr id="15" name="Oval 14"/>
@@ -5373,7 +5382,7 @@
             </p:txBody>
           </p:sp>
         </mc:Choice>
-        <mc:Fallback>
+        <mc:Fallback xmlns="">
           <p:sp>
             <p:nvSpPr>
               <p:cNvPr id="15" name="Oval 14"/>
@@ -5489,8 +5498,8 @@
           </a:fontRef>
         </p:style>
       </p:cxnSp>
-      <mc:AlternateContent xmlns:mc="http://schemas.openxmlformats.org/markup-compatibility/2006">
-        <mc:Choice xmlns:a14="http://schemas.microsoft.com/office/drawing/2010/main" Requires="a14">
+      <mc:AlternateContent xmlns:mc="http://schemas.openxmlformats.org/markup-compatibility/2006" xmlns:a14="http://schemas.microsoft.com/office/drawing/2010/main">
+        <mc:Choice Requires="a14">
           <p:sp>
             <p:nvSpPr>
               <p:cNvPr id="18" name="Oval 17"/>
@@ -5588,7 +5597,7 @@
             </p:txBody>
           </p:sp>
         </mc:Choice>
-        <mc:Fallback>
+        <mc:Fallback xmlns="">
           <p:sp>
             <p:nvSpPr>
               <p:cNvPr id="18" name="Oval 17"/>
@@ -5740,8 +5749,8 @@
           </a:fontRef>
         </p:style>
       </p:cxnSp>
-      <mc:AlternateContent xmlns:mc="http://schemas.openxmlformats.org/markup-compatibility/2006">
-        <mc:Choice xmlns:a14="http://schemas.microsoft.com/office/drawing/2010/main" Requires="a14">
+      <mc:AlternateContent xmlns:mc="http://schemas.openxmlformats.org/markup-compatibility/2006" xmlns:a14="http://schemas.microsoft.com/office/drawing/2010/main">
+        <mc:Choice Requires="a14">
           <p:sp>
             <p:nvSpPr>
               <p:cNvPr id="22" name="Oval 21"/>
@@ -5850,7 +5859,7 @@
             </p:txBody>
           </p:sp>
         </mc:Choice>
-        <mc:Fallback>
+        <mc:Fallback xmlns="">
           <p:sp>
             <p:nvSpPr>
               <p:cNvPr id="22" name="Oval 21"/>
@@ -5892,8 +5901,8 @@
           </p:sp>
         </mc:Fallback>
       </mc:AlternateContent>
-      <mc:AlternateContent xmlns:mc="http://schemas.openxmlformats.org/markup-compatibility/2006">
-        <mc:Choice xmlns:a14="http://schemas.microsoft.com/office/drawing/2010/main" Requires="a14">
+      <mc:AlternateContent xmlns:mc="http://schemas.openxmlformats.org/markup-compatibility/2006" xmlns:a14="http://schemas.microsoft.com/office/drawing/2010/main">
+        <mc:Choice Requires="a14">
           <p:sp>
             <p:nvSpPr>
               <p:cNvPr id="24" name="Rectangle 23"/>
@@ -5969,7 +5978,7 @@
             </p:txBody>
           </p:sp>
         </mc:Choice>
-        <mc:Fallback>
+        <mc:Fallback xmlns="">
           <p:sp>
             <p:nvSpPr>
               <p:cNvPr id="24" name="Rectangle 23"/>
@@ -6011,8 +6020,8 @@
           </p:sp>
         </mc:Fallback>
       </mc:AlternateContent>
-      <mc:AlternateContent xmlns:mc="http://schemas.openxmlformats.org/markup-compatibility/2006">
-        <mc:Choice xmlns:a14="http://schemas.microsoft.com/office/drawing/2010/main" Requires="a14">
+      <mc:AlternateContent xmlns:mc="http://schemas.openxmlformats.org/markup-compatibility/2006" xmlns:a14="http://schemas.microsoft.com/office/drawing/2010/main">
+        <mc:Choice Requires="a14">
           <p:sp>
             <p:nvSpPr>
               <p:cNvPr id="25" name="Rectangle 24"/>
@@ -6088,7 +6097,7 @@
             </p:txBody>
           </p:sp>
         </mc:Choice>
-        <mc:Fallback>
+        <mc:Fallback xmlns="">
           <p:sp>
             <p:nvSpPr>
               <p:cNvPr id="25" name="Rectangle 24"/>
@@ -7015,8 +7024,8 @@
           </a:p>
         </p:txBody>
       </p:sp>
-      <mc:AlternateContent xmlns:mc="http://schemas.openxmlformats.org/markup-compatibility/2006">
-        <mc:Choice xmlns:a14="http://schemas.microsoft.com/office/drawing/2010/main" Requires="a14">
+      <mc:AlternateContent xmlns:mc="http://schemas.openxmlformats.org/markup-compatibility/2006" xmlns:a14="http://schemas.microsoft.com/office/drawing/2010/main">
+        <mc:Choice Requires="a14">
           <p:sp>
             <p:nvSpPr>
               <p:cNvPr id="3" name="Content Placeholder 2"/>
@@ -7039,11 +7048,7 @@
               <a:p>
                 <a:r>
                   <a:rPr lang="en-US" dirty="0" smtClean="0"/>
-                  <a:t>We </a:t>
-                </a:r>
-                <a:r>
-                  <a:rPr lang="en-US" dirty="0" smtClean="0"/>
-                  <a:t>view likelihood </a:t>
+                  <a:t>We view likelihood </a:t>
                 </a:r>
                 <a14:m>
                   <m:oMath xmlns:m="http://schemas.openxmlformats.org/officeDocument/2006/math">
@@ -7122,18 +7127,14 @@
                 </a14:m>
                 <a:r>
                   <a:rPr lang="en-US" dirty="0" smtClean="0"/>
-                  <a:t> as a sequence classification </a:t>
-                </a:r>
-                <a:r>
-                  <a:rPr lang="en-US" dirty="0" smtClean="0"/>
-                  <a:t>model.</a:t>
+                  <a:t> as a sequence classification model.</a:t>
                 </a:r>
                 <a:endParaRPr lang="en-US" dirty="0"/>
               </a:p>
             </p:txBody>
           </p:sp>
         </mc:Choice>
-        <mc:Fallback>
+        <mc:Fallback xmlns="">
           <p:sp>
             <p:nvSpPr>
               <p:cNvPr id="3" name="Content Placeholder 2"/>
@@ -7194,8 +7195,8 @@
           </a:p>
         </p:txBody>
       </p:sp>
-      <mc:AlternateContent xmlns:mc="http://schemas.openxmlformats.org/markup-compatibility/2006">
-        <mc:Choice xmlns:a14="http://schemas.microsoft.com/office/drawing/2010/main" Requires="a14">
+      <mc:AlternateContent xmlns:mc="http://schemas.openxmlformats.org/markup-compatibility/2006" xmlns:a14="http://schemas.microsoft.com/office/drawing/2010/main">
+        <mc:Choice Requires="a14">
           <p:sp>
             <p:nvSpPr>
               <p:cNvPr id="5" name="Oval 4"/>
@@ -7291,7 +7292,7 @@
             </p:txBody>
           </p:sp>
         </mc:Choice>
-        <mc:Fallback>
+        <mc:Fallback xmlns="">
           <p:sp>
             <p:nvSpPr>
               <p:cNvPr id="5" name="Oval 4"/>
@@ -7373,8 +7374,8 @@
           </a:fontRef>
         </p:style>
       </p:cxnSp>
-      <mc:AlternateContent xmlns:mc="http://schemas.openxmlformats.org/markup-compatibility/2006">
-        <mc:Choice xmlns:a14="http://schemas.microsoft.com/office/drawing/2010/main" Requires="a14">
+      <mc:AlternateContent xmlns:mc="http://schemas.openxmlformats.org/markup-compatibility/2006" xmlns:a14="http://schemas.microsoft.com/office/drawing/2010/main">
+        <mc:Choice Requires="a14">
           <p:sp>
             <p:nvSpPr>
               <p:cNvPr id="9" name="Oval 8"/>
@@ -7467,7 +7468,7 @@
             </p:txBody>
           </p:sp>
         </mc:Choice>
-        <mc:Fallback>
+        <mc:Fallback xmlns="">
           <p:sp>
             <p:nvSpPr>
               <p:cNvPr id="9" name="Oval 8"/>
@@ -7509,8 +7510,8 @@
           </p:sp>
         </mc:Fallback>
       </mc:AlternateContent>
-      <mc:AlternateContent xmlns:mc="http://schemas.openxmlformats.org/markup-compatibility/2006">
-        <mc:Choice xmlns:a14="http://schemas.microsoft.com/office/drawing/2010/main" Requires="a14">
+      <mc:AlternateContent xmlns:mc="http://schemas.openxmlformats.org/markup-compatibility/2006" xmlns:a14="http://schemas.microsoft.com/office/drawing/2010/main">
+        <mc:Choice Requires="a14">
           <p:sp>
             <p:nvSpPr>
               <p:cNvPr id="11" name="Oval 10"/>
@@ -7606,7 +7607,7 @@
             </p:txBody>
           </p:sp>
         </mc:Choice>
-        <mc:Fallback>
+        <mc:Fallback xmlns="">
           <p:sp>
             <p:nvSpPr>
               <p:cNvPr id="11" name="Oval 10"/>
@@ -7648,8 +7649,8 @@
           </p:sp>
         </mc:Fallback>
       </mc:AlternateContent>
-      <mc:AlternateContent xmlns:mc="http://schemas.openxmlformats.org/markup-compatibility/2006">
-        <mc:Choice xmlns:a14="http://schemas.microsoft.com/office/drawing/2010/main" Requires="a14">
+      <mc:AlternateContent xmlns:mc="http://schemas.openxmlformats.org/markup-compatibility/2006" xmlns:a14="http://schemas.microsoft.com/office/drawing/2010/main">
+        <mc:Choice Requires="a14">
           <p:sp>
             <p:nvSpPr>
               <p:cNvPr id="15" name="Oval 14"/>
@@ -7745,7 +7746,7 @@
             </p:txBody>
           </p:sp>
         </mc:Choice>
-        <mc:Fallback>
+        <mc:Fallback xmlns="">
           <p:sp>
             <p:nvSpPr>
               <p:cNvPr id="15" name="Oval 14"/>
@@ -7787,8 +7788,8 @@
           </p:sp>
         </mc:Fallback>
       </mc:AlternateContent>
-      <mc:AlternateContent xmlns:mc="http://schemas.openxmlformats.org/markup-compatibility/2006">
-        <mc:Choice xmlns:a14="http://schemas.microsoft.com/office/drawing/2010/main" Requires="a14">
+      <mc:AlternateContent xmlns:mc="http://schemas.openxmlformats.org/markup-compatibility/2006" xmlns:a14="http://schemas.microsoft.com/office/drawing/2010/main">
+        <mc:Choice Requires="a14">
           <p:sp>
             <p:nvSpPr>
               <p:cNvPr id="16" name="Oval 15"/>
@@ -7884,7 +7885,7 @@
             </p:txBody>
           </p:sp>
         </mc:Choice>
-        <mc:Fallback>
+        <mc:Fallback xmlns="">
           <p:sp>
             <p:nvSpPr>
               <p:cNvPr id="16" name="Oval 15"/>
@@ -8276,8 +8277,8 @@
           </a:fontRef>
         </p:style>
       </p:cxnSp>
-      <mc:AlternateContent xmlns:mc="http://schemas.openxmlformats.org/markup-compatibility/2006">
-        <mc:Choice xmlns:a14="http://schemas.microsoft.com/office/drawing/2010/main" Requires="a14">
+      <mc:AlternateContent xmlns:mc="http://schemas.openxmlformats.org/markup-compatibility/2006" xmlns:a14="http://schemas.microsoft.com/office/drawing/2010/main">
+        <mc:Choice Requires="a14">
           <p:sp>
             <p:nvSpPr>
               <p:cNvPr id="34" name="Oval 33"/>
@@ -8373,7 +8374,7 @@
             </p:txBody>
           </p:sp>
         </mc:Choice>
-        <mc:Fallback>
+        <mc:Fallback xmlns="">
           <p:sp>
             <p:nvSpPr>
               <p:cNvPr id="34" name="Oval 33"/>
@@ -8415,8 +8416,8 @@
           </p:sp>
         </mc:Fallback>
       </mc:AlternateContent>
-      <mc:AlternateContent xmlns:mc="http://schemas.openxmlformats.org/markup-compatibility/2006">
-        <mc:Choice xmlns:a14="http://schemas.microsoft.com/office/drawing/2010/main" Requires="a14">
+      <mc:AlternateContent xmlns:mc="http://schemas.openxmlformats.org/markup-compatibility/2006" xmlns:a14="http://schemas.microsoft.com/office/drawing/2010/main">
+        <mc:Choice Requires="a14">
           <p:sp>
             <p:nvSpPr>
               <p:cNvPr id="35" name="Oval 34"/>
@@ -8512,7 +8513,7 @@
             </p:txBody>
           </p:sp>
         </mc:Choice>
-        <mc:Fallback>
+        <mc:Fallback xmlns="">
           <p:sp>
             <p:nvSpPr>
               <p:cNvPr id="35" name="Oval 34"/>
@@ -8865,8 +8866,8 @@
           </p:txBody>
         </p:sp>
       </p:grpSp>
-      <mc:AlternateContent xmlns:mc="http://schemas.openxmlformats.org/markup-compatibility/2006">
-        <mc:Choice xmlns:a14="http://schemas.microsoft.com/office/drawing/2010/main" Requires="a14">
+      <mc:AlternateContent xmlns:mc="http://schemas.openxmlformats.org/markup-compatibility/2006" xmlns:a14="http://schemas.microsoft.com/office/drawing/2010/main">
+        <mc:Choice Requires="a14">
           <p:sp>
             <p:nvSpPr>
               <p:cNvPr id="86" name="Oval 85"/>
@@ -8959,7 +8960,7 @@
             </p:txBody>
           </p:sp>
         </mc:Choice>
-        <mc:Fallback>
+        <mc:Fallback xmlns="">
           <p:sp>
             <p:nvSpPr>
               <p:cNvPr id="86" name="Oval 85"/>
@@ -9001,8 +9002,8 @@
           </p:sp>
         </mc:Fallback>
       </mc:AlternateContent>
-      <mc:AlternateContent xmlns:mc="http://schemas.openxmlformats.org/markup-compatibility/2006">
-        <mc:Choice xmlns:a14="http://schemas.microsoft.com/office/drawing/2010/main" Requires="a14">
+      <mc:AlternateContent xmlns:mc="http://schemas.openxmlformats.org/markup-compatibility/2006" xmlns:a14="http://schemas.microsoft.com/office/drawing/2010/main">
+        <mc:Choice Requires="a14">
           <p:sp>
             <p:nvSpPr>
               <p:cNvPr id="88" name="Oval 87"/>
@@ -9095,7 +9096,7 @@
             </p:txBody>
           </p:sp>
         </mc:Choice>
-        <mc:Fallback>
+        <mc:Fallback xmlns="">
           <p:sp>
             <p:nvSpPr>
               <p:cNvPr id="88" name="Oval 87"/>
@@ -9634,8 +9635,8 @@
           </p:sp>
         </mc:Fallback>
       </mc:AlternateContent>
-      <mc:AlternateContent xmlns:mc="http://schemas.openxmlformats.org/markup-compatibility/2006">
-        <mc:Choice xmlns:a14="http://schemas.microsoft.com/office/drawing/2010/main" Requires="a14">
+      <mc:AlternateContent xmlns:mc="http://schemas.openxmlformats.org/markup-compatibility/2006" xmlns:a14="http://schemas.microsoft.com/office/drawing/2010/main">
+        <mc:Choice Requires="a14">
           <p:sp>
             <p:nvSpPr>
               <p:cNvPr id="99" name="TextBox 98"/>
@@ -9691,7 +9692,7 @@
             </p:txBody>
           </p:sp>
         </mc:Choice>
-        <mc:Fallback>
+        <mc:Fallback xmlns="">
           <p:sp>
             <p:nvSpPr>
               <p:cNvPr id="99" name="TextBox 98"/>
@@ -13494,8 +13495,8 @@
           </mc:Fallback>
         </mc:AlternateContent>
       </p:grpSp>
-      <mc:AlternateContent xmlns:mc="http://schemas.openxmlformats.org/markup-compatibility/2006">
-        <mc:Choice xmlns:a14="http://schemas.microsoft.com/office/drawing/2010/main" Requires="a14">
+      <mc:AlternateContent xmlns:mc="http://schemas.openxmlformats.org/markup-compatibility/2006" xmlns:a14="http://schemas.microsoft.com/office/drawing/2010/main">
+        <mc:Choice Requires="a14">
           <p:sp>
             <p:nvSpPr>
               <p:cNvPr id="46" name="Rectangle 45"/>
@@ -13587,7 +13588,7 @@
             </p:txBody>
           </p:sp>
         </mc:Choice>
-        <mc:Fallback>
+        <mc:Fallback xmlns="">
           <p:sp>
             <p:nvSpPr>
               <p:cNvPr id="46" name="Rectangle 45"/>
@@ -14385,8 +14386,8 @@
           </a:fontRef>
         </p:style>
       </p:cxnSp>
-      <mc:AlternateContent xmlns:mc="http://schemas.openxmlformats.org/markup-compatibility/2006">
-        <mc:Choice xmlns:a14="http://schemas.microsoft.com/office/drawing/2010/main" Requires="a14">
+      <mc:AlternateContent xmlns:mc="http://schemas.openxmlformats.org/markup-compatibility/2006" xmlns:a14="http://schemas.microsoft.com/office/drawing/2010/main">
+        <mc:Choice Requires="a14">
           <p:sp>
             <p:nvSpPr>
               <p:cNvPr id="49" name="Rectangle 48"/>
@@ -14713,7 +14714,7 @@
             </p:txBody>
           </p:sp>
         </mc:Choice>
-        <mc:Fallback>
+        <mc:Fallback xmlns="">
           <p:sp>
             <p:nvSpPr>
               <p:cNvPr id="49" name="Rectangle 48"/>
@@ -14824,8 +14825,8 @@
           </a:fontRef>
         </p:style>
       </p:cxnSp>
-      <mc:AlternateContent xmlns:mc="http://schemas.openxmlformats.org/markup-compatibility/2006">
-        <mc:Choice xmlns:a14="http://schemas.microsoft.com/office/drawing/2010/main" Requires="a14">
+      <mc:AlternateContent xmlns:mc="http://schemas.openxmlformats.org/markup-compatibility/2006" xmlns:a14="http://schemas.microsoft.com/office/drawing/2010/main">
+        <mc:Choice Requires="a14">
           <p:sp>
             <p:nvSpPr>
               <p:cNvPr id="73" name="Rectangle 72"/>
@@ -14933,7 +14934,7 @@
             </p:txBody>
           </p:sp>
         </mc:Choice>
-        <mc:Fallback>
+        <mc:Fallback xmlns="">
           <p:sp>
             <p:nvSpPr>
               <p:cNvPr id="73" name="Rectangle 72"/>
@@ -14972,8 +14973,8 @@
           </p:sp>
         </mc:Fallback>
       </mc:AlternateContent>
-      <mc:AlternateContent xmlns:mc="http://schemas.openxmlformats.org/markup-compatibility/2006">
-        <mc:Choice xmlns:a14="http://schemas.microsoft.com/office/drawing/2010/main" Requires="a14">
+      <mc:AlternateContent xmlns:mc="http://schemas.openxmlformats.org/markup-compatibility/2006" xmlns:a14="http://schemas.microsoft.com/office/drawing/2010/main">
+        <mc:Choice Requires="a14">
           <p:sp>
             <p:nvSpPr>
               <p:cNvPr id="74" name="Rectangle 73"/>
@@ -15065,7 +15066,7 @@
             </p:txBody>
           </p:sp>
         </mc:Choice>
-        <mc:Fallback>
+        <mc:Fallback xmlns="">
           <p:sp>
             <p:nvSpPr>
               <p:cNvPr id="74" name="Rectangle 73"/>
@@ -15843,8 +15844,8 @@
           </p:style>
         </p:cxnSp>
       </p:grpSp>
-      <mc:AlternateContent xmlns:mc="http://schemas.openxmlformats.org/markup-compatibility/2006">
-        <mc:Choice xmlns:a14="http://schemas.microsoft.com/office/drawing/2010/main" Requires="a14">
+      <mc:AlternateContent xmlns:mc="http://schemas.openxmlformats.org/markup-compatibility/2006" xmlns:a14="http://schemas.microsoft.com/office/drawing/2010/main">
+        <mc:Choice Requires="a14">
           <p:sp>
             <p:nvSpPr>
               <p:cNvPr id="76" name="Rectangle 75"/>
@@ -16135,7 +16136,7 @@
             </p:txBody>
           </p:sp>
         </mc:Choice>
-        <mc:Fallback>
+        <mc:Fallback xmlns="">
           <p:sp>
             <p:nvSpPr>
               <p:cNvPr id="76" name="Rectangle 75"/>
@@ -18105,7 +18106,7 @@
       </mc:AlternateContent>
       <p:grpSp>
         <p:nvGrpSpPr>
-          <p:cNvPr id="5" name="Group 4"/>
+          <p:cNvPr id="10" name="Group 9"/>
           <p:cNvGrpSpPr/>
           <p:nvPr/>
         </p:nvGrpSpPr>
@@ -18119,891 +18120,80 @@
         </p:grpSpPr>
         <p:grpSp>
           <p:nvGrpSpPr>
-            <p:cNvPr id="65" name="Group 64"/>
+            <p:cNvPr id="88" name="Group 87"/>
             <p:cNvGrpSpPr/>
             <p:nvPr/>
           </p:nvGrpSpPr>
           <p:grpSpPr>
             <a:xfrm>
-              <a:off x="924851" y="4597475"/>
-              <a:ext cx="4731484" cy="1623068"/>
-              <a:chOff x="924851" y="4597475"/>
-              <a:chExt cx="4731484" cy="1623068"/>
+              <a:off x="2952089" y="5020830"/>
+              <a:ext cx="2704246" cy="1199713"/>
+              <a:chOff x="2748615" y="2842111"/>
+              <a:chExt cx="2704246" cy="1199713"/>
             </a:xfrm>
           </p:grpSpPr>
-          <mc:AlternateContent xmlns:mc="http://schemas.openxmlformats.org/markup-compatibility/2006" xmlns:a14="http://schemas.microsoft.com/office/drawing/2010/main">
-            <mc:Choice Requires="a14">
-              <p:sp>
-                <p:nvSpPr>
-                  <p:cNvPr id="86" name="Rectangle 85"/>
-                  <p:cNvSpPr/>
-                  <p:nvPr/>
-                </p:nvSpPr>
-                <p:spPr>
-                  <a:xfrm>
-                    <a:off x="1756708" y="5432195"/>
-                    <a:ext cx="858633" cy="394082"/>
-                  </a:xfrm>
-                  <a:prstGeom prst="rect">
-                    <a:avLst/>
-                  </a:prstGeom>
-                </p:spPr>
-                <p:txBody>
-                  <a:bodyPr wrap="none">
-                    <a:spAutoFit/>
-                  </a:bodyPr>
-                  <a:lstStyle/>
-                  <a:p>
-                    <a:pPr/>
-                    <a14:m>
-                      <m:oMathPara xmlns:m="http://schemas.openxmlformats.org/officeDocument/2006/math">
-                        <m:oMathParaPr>
-                          <m:jc m:val="centerGroup"/>
-                        </m:oMathParaPr>
-                        <m:oMath xmlns:m="http://schemas.openxmlformats.org/officeDocument/2006/math">
-                          <m:sSub>
-                            <m:sSubPr>
-                              <m:ctrlPr>
-                                <a:rPr lang="en-US" i="1" smtClean="0">
-                                  <a:latin typeface="Cambria Math" charset="0"/>
-                                  <a:ea typeface="Cambria Math" charset="0"/>
-                                  <a:cs typeface="Cambria Math" charset="0"/>
-                                </a:rPr>
-                              </m:ctrlPr>
-                            </m:sSubPr>
-                            <m:e>
-                              <m:r>
-                                <a:rPr lang="en-US" i="1">
-                                  <a:latin typeface="Cambria Math" charset="0"/>
-                                  <a:ea typeface="Cambria Math" charset="0"/>
-                                  <a:cs typeface="Cambria Math" charset="0"/>
-                                </a:rPr>
-                                <m:t>𝑝</m:t>
-                              </m:r>
-                            </m:e>
-                            <m:sub>
-                              <m:r>
-                                <a:rPr lang="en-US" i="1">
-                                  <a:latin typeface="Cambria Math" charset="0"/>
-                                  <a:ea typeface="Cambria Math" charset="0"/>
-                                  <a:cs typeface="Cambria Math" charset="0"/>
-                                </a:rPr>
-                                <m:t>𝛽</m:t>
-                              </m:r>
-                            </m:sub>
-                          </m:sSub>
-                          <m:r>
-                            <a:rPr lang="en-US" i="1">
-                              <a:latin typeface="Cambria Math" charset="0"/>
-                              <a:ea typeface="Cambria Math" charset="0"/>
-                              <a:cs typeface="Cambria Math" charset="0"/>
-                            </a:rPr>
-                            <m:t> (</m:t>
-                          </m:r>
-                          <m:r>
-                            <a:rPr lang="en-US" i="1">
-                              <a:latin typeface="Cambria Math" charset="0"/>
-                              <a:ea typeface="Cambria Math" charset="0"/>
-                              <a:cs typeface="Cambria Math" charset="0"/>
-                            </a:rPr>
-                            <m:t>𝐿</m:t>
-                          </m:r>
-                          <m:r>
-                            <a:rPr lang="en-US" b="0" i="1" smtClean="0">
-                              <a:latin typeface="Cambria Math" charset="0"/>
-                              <a:ea typeface="Cambria Math" charset="0"/>
-                              <a:cs typeface="Cambria Math" charset="0"/>
-                            </a:rPr>
-                            <m:t>)</m:t>
-                          </m:r>
-                        </m:oMath>
-                      </m:oMathPara>
-                    </a14:m>
-                    <a:endParaRPr lang="en-US" dirty="0"/>
-                  </a:p>
-                </p:txBody>
-              </p:sp>
-            </mc:Choice>
-            <mc:Fallback xmlns="">
-              <p:sp>
-                <p:nvSpPr>
-                  <p:cNvPr id="169" name="Rectangle 168"/>
-                  <p:cNvSpPr>
-                    <a:spLocks noRot="1" noChangeAspect="1" noMove="1" noResize="1" noEditPoints="1" noAdjustHandles="1" noChangeArrowheads="1" noChangeShapeType="1" noTextEdit="1"/>
-                  </p:cNvSpPr>
-                  <p:nvPr/>
-                </p:nvSpPr>
-                <p:spPr>
-                  <a:xfrm>
-                    <a:off x="1756708" y="5432195"/>
-                    <a:ext cx="858633" cy="394082"/>
-                  </a:xfrm>
-                  <a:prstGeom prst="rect">
-                    <a:avLst/>
-                  </a:prstGeom>
-                  <a:blipFill rotWithShape="0">
-                    <a:blip r:embed="rId15"/>
-                    <a:stretch>
-                      <a:fillRect t="-89231" b="-107692"/>
-                    </a:stretch>
-                  </a:blipFill>
-                </p:spPr>
-                <p:txBody>
-                  <a:bodyPr/>
-                  <a:lstStyle/>
-                  <a:p>
-                    <a:r>
-                      <a:rPr lang="en-US">
-                        <a:noFill/>
-                      </a:rPr>
-                      <a:t> </a:t>
-                    </a:r>
-                  </a:p>
-                </p:txBody>
-              </p:sp>
-            </mc:Fallback>
-          </mc:AlternateContent>
-          <p:grpSp>
-            <p:nvGrpSpPr>
-              <p:cNvPr id="88" name="Group 87"/>
-              <p:cNvGrpSpPr/>
+          <p:sp>
+            <p:nvSpPr>
+              <p:cNvPr id="97" name="Oval 96"/>
+              <p:cNvSpPr/>
               <p:nvPr/>
-            </p:nvGrpSpPr>
-            <p:grpSpPr>
+            </p:nvSpPr>
+            <p:spPr>
               <a:xfrm>
-                <a:off x="2952089" y="5020830"/>
-                <a:ext cx="2704246" cy="1199713"/>
-                <a:chOff x="2748615" y="2842111"/>
-                <a:chExt cx="2704246" cy="1199713"/>
+                <a:off x="3519720" y="3160179"/>
+                <a:ext cx="362462" cy="280729"/>
               </a:xfrm>
-            </p:grpSpPr>
-            <p:sp>
-              <p:nvSpPr>
-                <p:cNvPr id="97" name="Oval 96"/>
-                <p:cNvSpPr/>
-                <p:nvPr/>
-              </p:nvSpPr>
-              <p:spPr>
-                <a:xfrm>
-                  <a:off x="3519720" y="3160179"/>
-                  <a:ext cx="362462" cy="280729"/>
-                </a:xfrm>
-                <a:prstGeom prst="ellipse">
-                  <a:avLst/>
-                </a:prstGeom>
-                <a:solidFill>
-                  <a:schemeClr val="accent1">
-                    <a:lumMod val="60000"/>
-                    <a:lumOff val="40000"/>
-                  </a:schemeClr>
-                </a:solidFill>
-                <a:ln>
-                  <a:noFill/>
-                </a:ln>
-              </p:spPr>
-              <p:style>
-                <a:lnRef idx="2">
-                  <a:schemeClr val="accent6"/>
-                </a:lnRef>
-                <a:fillRef idx="1">
-                  <a:schemeClr val="lt1"/>
-                </a:fillRef>
-                <a:effectRef idx="0">
-                  <a:schemeClr val="accent6"/>
-                </a:effectRef>
-                <a:fontRef idx="minor">
-                  <a:schemeClr val="dk1"/>
-                </a:fontRef>
-              </p:style>
-              <p:txBody>
-                <a:bodyPr rtlCol="0" anchor="ctr"/>
-                <a:lstStyle/>
-                <a:p>
-                  <a:pPr algn="ctr"/>
-                  <a:endParaRPr lang="en-US" sz="1200" dirty="0"/>
-                </a:p>
-              </p:txBody>
-            </p:sp>
-            <p:cxnSp>
-              <p:nvCxnSpPr>
-                <p:cNvPr id="98" name="Straight Arrow Connector 97"/>
-                <p:cNvCxnSpPr/>
-                <p:nvPr/>
-              </p:nvCxnSpPr>
-              <p:spPr>
-                <a:xfrm flipV="1">
-                  <a:off x="3206065" y="3300544"/>
-                  <a:ext cx="313655" cy="125256"/>
-                </a:xfrm>
-                <a:prstGeom prst="straightConnector1">
-                  <a:avLst/>
-                </a:prstGeom>
-                <a:ln w="31750">
-                  <a:tailEnd type="triangle"/>
-                </a:ln>
-              </p:spPr>
-              <p:style>
-                <a:lnRef idx="1">
-                  <a:schemeClr val="dk1"/>
-                </a:lnRef>
-                <a:fillRef idx="0">
-                  <a:schemeClr val="dk1"/>
-                </a:fillRef>
-                <a:effectRef idx="0">
-                  <a:schemeClr val="dk1"/>
-                </a:effectRef>
-                <a:fontRef idx="minor">
-                  <a:schemeClr val="tx1"/>
-                </a:fontRef>
-              </p:style>
-            </p:cxnSp>
-            <p:cxnSp>
-              <p:nvCxnSpPr>
-                <p:cNvPr id="99" name="Straight Arrow Connector 98"/>
-                <p:cNvCxnSpPr/>
-                <p:nvPr/>
-              </p:nvCxnSpPr>
-              <p:spPr>
-                <a:xfrm>
-                  <a:off x="3206065" y="3624306"/>
-                  <a:ext cx="316630" cy="174343"/>
-                </a:xfrm>
-                <a:prstGeom prst="straightConnector1">
-                  <a:avLst/>
-                </a:prstGeom>
-                <a:ln w="31750">
-                  <a:tailEnd type="triangle"/>
-                </a:ln>
-              </p:spPr>
-              <p:style>
-                <a:lnRef idx="1">
-                  <a:schemeClr val="dk1"/>
-                </a:lnRef>
-                <a:fillRef idx="0">
-                  <a:schemeClr val="dk1"/>
-                </a:fillRef>
-                <a:effectRef idx="0">
-                  <a:schemeClr val="dk1"/>
-                </a:effectRef>
-                <a:fontRef idx="minor">
-                  <a:schemeClr val="tx1"/>
-                </a:fontRef>
-              </p:style>
-            </p:cxnSp>
-            <p:sp>
-              <p:nvSpPr>
-                <p:cNvPr id="100" name="Rounded Rectangle 99"/>
-                <p:cNvSpPr/>
-                <p:nvPr/>
-              </p:nvSpPr>
-              <p:spPr>
-                <a:xfrm>
-                  <a:off x="2748615" y="2842111"/>
-                  <a:ext cx="2704246" cy="1199713"/>
-                </a:xfrm>
-                <a:prstGeom prst="roundRect">
-                  <a:avLst/>
-                </a:prstGeom>
+              <a:prstGeom prst="ellipse">
+                <a:avLst/>
+              </a:prstGeom>
+              <a:solidFill>
+                <a:schemeClr val="accent1">
+                  <a:lumMod val="60000"/>
+                  <a:lumOff val="40000"/>
+                </a:schemeClr>
+              </a:solidFill>
+              <a:ln>
                 <a:noFill/>
-                <a:ln>
-                  <a:solidFill>
-                    <a:schemeClr val="tx1"/>
-                  </a:solidFill>
-                </a:ln>
-              </p:spPr>
-              <p:style>
-                <a:lnRef idx="2">
-                  <a:schemeClr val="accent1">
-                    <a:shade val="50000"/>
-                  </a:schemeClr>
-                </a:lnRef>
-                <a:fillRef idx="1">
-                  <a:schemeClr val="accent1"/>
-                </a:fillRef>
-                <a:effectRef idx="0">
-                  <a:schemeClr val="accent1"/>
-                </a:effectRef>
-                <a:fontRef idx="minor">
-                  <a:schemeClr val="lt1"/>
-                </a:fontRef>
-              </p:style>
-              <p:txBody>
-                <a:bodyPr rtlCol="0" anchor="ctr"/>
-                <a:lstStyle/>
-                <a:p>
-                  <a:pPr algn="ctr"/>
-                  <a:endParaRPr lang="en-US"/>
-                </a:p>
-              </p:txBody>
-            </p:sp>
-            <p:sp>
-              <p:nvSpPr>
-                <p:cNvPr id="112" name="Rectangle 111"/>
-                <p:cNvSpPr/>
-                <p:nvPr/>
-              </p:nvSpPr>
-              <p:spPr>
-                <a:xfrm>
-                  <a:off x="3272897" y="2842111"/>
-                  <a:ext cx="1755945" cy="269298"/>
-                </a:xfrm>
-                <a:prstGeom prst="rect">
-                  <a:avLst/>
-                </a:prstGeom>
-              </p:spPr>
-              <p:txBody>
-                <a:bodyPr wrap="none">
-                  <a:spAutoFit/>
-                </a:bodyPr>
-                <a:lstStyle/>
-                <a:p>
-                  <a:pPr algn="ctr"/>
-                  <a:r>
-                    <a:rPr lang="en-US" dirty="0" smtClean="0"/>
-                    <a:t>KG connected Path</a:t>
-                  </a:r>
-                  <a:endParaRPr lang="en-US" dirty="0"/>
-                </a:p>
-              </p:txBody>
-            </p:sp>
-            <p:cxnSp>
-              <p:nvCxnSpPr>
-                <p:cNvPr id="113" name="Straight Arrow Connector 112"/>
-                <p:cNvCxnSpPr/>
-                <p:nvPr/>
-              </p:nvCxnSpPr>
-              <p:spPr>
-                <a:xfrm>
-                  <a:off x="3882182" y="3300544"/>
-                  <a:ext cx="249956" cy="891"/>
-                </a:xfrm>
-                <a:prstGeom prst="straightConnector1">
-                  <a:avLst/>
-                </a:prstGeom>
-                <a:ln w="31750">
-                  <a:tailEnd type="triangle"/>
-                </a:ln>
-              </p:spPr>
-              <p:style>
-                <a:lnRef idx="1">
-                  <a:schemeClr val="dk1"/>
-                </a:lnRef>
-                <a:fillRef idx="0">
-                  <a:schemeClr val="dk1"/>
-                </a:fillRef>
-                <a:effectRef idx="0">
-                  <a:schemeClr val="dk1"/>
-                </a:effectRef>
-                <a:fontRef idx="minor">
-                  <a:schemeClr val="tx1"/>
-                </a:fontRef>
-              </p:style>
-            </p:cxnSp>
-            <p:sp>
-              <p:nvSpPr>
-                <p:cNvPr id="114" name="Oval 113"/>
-                <p:cNvSpPr/>
-                <p:nvPr/>
-              </p:nvSpPr>
-              <p:spPr>
-                <a:xfrm>
-                  <a:off x="3522696" y="3658284"/>
-                  <a:ext cx="362462" cy="280729"/>
-                </a:xfrm>
-                <a:prstGeom prst="ellipse">
-                  <a:avLst/>
-                </a:prstGeom>
-                <a:solidFill>
-                  <a:schemeClr val="accent1">
-                    <a:lumMod val="60000"/>
-                    <a:lumOff val="40000"/>
-                  </a:schemeClr>
-                </a:solidFill>
-                <a:ln>
-                  <a:noFill/>
-                </a:ln>
-              </p:spPr>
-              <p:style>
-                <a:lnRef idx="2">
-                  <a:schemeClr val="accent6"/>
-                </a:lnRef>
-                <a:fillRef idx="1">
-                  <a:schemeClr val="lt1"/>
-                </a:fillRef>
-                <a:effectRef idx="0">
-                  <a:schemeClr val="accent6"/>
-                </a:effectRef>
-                <a:fontRef idx="minor">
-                  <a:schemeClr val="dk1"/>
-                </a:fontRef>
-              </p:style>
-              <p:txBody>
-                <a:bodyPr rtlCol="0" anchor="ctr"/>
-                <a:lstStyle/>
-                <a:p>
-                  <a:pPr algn="ctr"/>
-                  <a:endParaRPr lang="en-US" sz="1200" dirty="0"/>
-                </a:p>
-              </p:txBody>
-            </p:sp>
-            <p:sp>
-              <p:nvSpPr>
-                <p:cNvPr id="115" name="Oval 114"/>
-                <p:cNvSpPr/>
-                <p:nvPr/>
-              </p:nvSpPr>
-              <p:spPr>
-                <a:xfrm>
-                  <a:off x="4147736" y="3658063"/>
-                  <a:ext cx="362462" cy="280729"/>
-                </a:xfrm>
-                <a:prstGeom prst="ellipse">
-                  <a:avLst/>
-                </a:prstGeom>
-                <a:solidFill>
-                  <a:schemeClr val="accent1">
-                    <a:lumMod val="60000"/>
-                    <a:lumOff val="40000"/>
-                  </a:schemeClr>
-                </a:solidFill>
-                <a:ln>
-                  <a:noFill/>
-                </a:ln>
-              </p:spPr>
-              <p:style>
-                <a:lnRef idx="2">
-                  <a:schemeClr val="accent6"/>
-                </a:lnRef>
-                <a:fillRef idx="1">
-                  <a:schemeClr val="lt1"/>
-                </a:fillRef>
-                <a:effectRef idx="0">
-                  <a:schemeClr val="accent6"/>
-                </a:effectRef>
-                <a:fontRef idx="minor">
-                  <a:schemeClr val="dk1"/>
-                </a:fontRef>
-              </p:style>
-              <p:txBody>
-                <a:bodyPr rtlCol="0" anchor="ctr"/>
-                <a:lstStyle/>
-                <a:p>
-                  <a:pPr algn="ctr"/>
-                  <a:endParaRPr lang="en-US" sz="1400" dirty="0"/>
-                </a:p>
-              </p:txBody>
-            </p:sp>
-            <mc:AlternateContent xmlns:mc="http://schemas.openxmlformats.org/markup-compatibility/2006" xmlns:a14="http://schemas.microsoft.com/office/drawing/2010/main">
-              <mc:Choice Requires="a14">
-                <p:sp>
-                  <p:nvSpPr>
-                    <p:cNvPr id="116" name="Oval 115"/>
-                    <p:cNvSpPr/>
-                    <p:nvPr/>
-                  </p:nvSpPr>
-                  <p:spPr>
-                    <a:xfrm>
-                      <a:off x="2896684" y="3384688"/>
-                      <a:ext cx="362462" cy="280729"/>
-                    </a:xfrm>
-                    <a:prstGeom prst="ellipse">
-                      <a:avLst/>
-                    </a:prstGeom>
-                    <a:solidFill>
-                      <a:schemeClr val="accent2">
-                        <a:lumMod val="40000"/>
-                        <a:lumOff val="60000"/>
-                      </a:schemeClr>
-                    </a:solidFill>
-                    <a:ln>
-                      <a:noFill/>
-                    </a:ln>
-                  </p:spPr>
-                  <p:style>
-                    <a:lnRef idx="2">
-                      <a:schemeClr val="accent6"/>
-                    </a:lnRef>
-                    <a:fillRef idx="1">
-                      <a:schemeClr val="lt1"/>
-                    </a:fillRef>
-                    <a:effectRef idx="0">
-                      <a:schemeClr val="accent6"/>
-                    </a:effectRef>
-                    <a:fontRef idx="minor">
-                      <a:schemeClr val="dk1"/>
-                    </a:fontRef>
-                  </p:style>
-                  <p:txBody>
-                    <a:bodyPr rtlCol="0" anchor="ctr"/>
-                    <a:lstStyle/>
-                    <a:p>
-                      <a:pPr algn="ctr"/>
-                      <a14:m>
-                        <m:oMathPara xmlns:m="http://schemas.openxmlformats.org/officeDocument/2006/math">
-                          <m:oMathParaPr>
-                            <m:jc m:val="centerGroup"/>
-                          </m:oMathParaPr>
-                          <m:oMath xmlns:m="http://schemas.openxmlformats.org/officeDocument/2006/math">
-                            <m:sSub>
-                              <m:sSubPr>
-                                <m:ctrlPr>
-                                  <a:rPr lang="en-US" sz="1600" i="1" smtClean="0">
-                                    <a:latin typeface="Cambria Math" charset="0"/>
-                                  </a:rPr>
-                                </m:ctrlPr>
-                              </m:sSubPr>
-                              <m:e>
-                                <m:r>
-                                  <a:rPr lang="en-US" sz="1600" b="0" i="1" smtClean="0">
-                                    <a:latin typeface="Cambria Math" charset="0"/>
-                                  </a:rPr>
-                                  <m:t>𝑒</m:t>
-                                </m:r>
-                              </m:e>
-                              <m:sub>
-                                <m:r>
-                                  <a:rPr lang="en-US" sz="1600" b="0" i="1" smtClean="0">
-                                    <a:latin typeface="Cambria Math" charset="0"/>
-                                  </a:rPr>
-                                  <m:t>𝑠</m:t>
-                                </m:r>
-                              </m:sub>
-                            </m:sSub>
-                          </m:oMath>
-                        </m:oMathPara>
-                      </a14:m>
-                      <a:endParaRPr lang="en-US" sz="1200" dirty="0"/>
-                    </a:p>
-                  </p:txBody>
-                </p:sp>
-              </mc:Choice>
-              <mc:Fallback xmlns="">
-                <p:sp>
-                  <p:nvSpPr>
-                    <p:cNvPr id="116" name="Oval 115"/>
-                    <p:cNvSpPr>
-                      <a:spLocks noRot="1" noChangeAspect="1" noMove="1" noResize="1" noEditPoints="1" noAdjustHandles="1" noChangeArrowheads="1" noChangeShapeType="1" noTextEdit="1"/>
-                    </p:cNvSpPr>
-                    <p:nvPr/>
-                  </p:nvSpPr>
-                  <p:spPr>
-                    <a:xfrm>
-                      <a:off x="2896684" y="3384688"/>
-                      <a:ext cx="362462" cy="280729"/>
-                    </a:xfrm>
-                    <a:prstGeom prst="ellipse">
-                      <a:avLst/>
-                    </a:prstGeom>
-                    <a:blipFill rotWithShape="0">
-                      <a:blip r:embed="rId16"/>
-                      <a:stretch>
-                        <a:fillRect b="-2174"/>
-                      </a:stretch>
-                    </a:blipFill>
-                    <a:ln>
-                      <a:noFill/>
-                    </a:ln>
-                  </p:spPr>
-                  <p:txBody>
-                    <a:bodyPr/>
-                    <a:lstStyle/>
-                    <a:p>
-                      <a:r>
-                        <a:rPr lang="en-US">
-                          <a:noFill/>
-                        </a:rPr>
-                        <a:t> </a:t>
-                      </a:r>
-                    </a:p>
-                  </p:txBody>
-                </p:sp>
-              </mc:Fallback>
-            </mc:AlternateContent>
-            <p:sp>
-              <p:nvSpPr>
-                <p:cNvPr id="117" name="Oval 116"/>
-                <p:cNvSpPr/>
-                <p:nvPr/>
-              </p:nvSpPr>
-              <p:spPr>
-                <a:xfrm>
-                  <a:off x="4132138" y="3161070"/>
-                  <a:ext cx="362462" cy="280729"/>
-                </a:xfrm>
-                <a:prstGeom prst="ellipse">
-                  <a:avLst/>
-                </a:prstGeom>
-                <a:solidFill>
-                  <a:schemeClr val="accent1">
-                    <a:lumMod val="60000"/>
-                    <a:lumOff val="40000"/>
-                  </a:schemeClr>
-                </a:solidFill>
-                <a:ln>
-                  <a:noFill/>
-                </a:ln>
-              </p:spPr>
-              <p:style>
-                <a:lnRef idx="2">
-                  <a:schemeClr val="accent6"/>
-                </a:lnRef>
-                <a:fillRef idx="1">
-                  <a:schemeClr val="lt1"/>
-                </a:fillRef>
-                <a:effectRef idx="0">
-                  <a:schemeClr val="accent6"/>
-                </a:effectRef>
-                <a:fontRef idx="minor">
-                  <a:schemeClr val="dk1"/>
-                </a:fontRef>
-              </p:style>
-              <p:txBody>
-                <a:bodyPr rtlCol="0" anchor="ctr"/>
-                <a:lstStyle/>
-                <a:p>
-                  <a:pPr algn="ctr"/>
-                  <a:endParaRPr lang="en-US" sz="1400" dirty="0"/>
-                </a:p>
-              </p:txBody>
-            </p:sp>
-            <mc:AlternateContent xmlns:mc="http://schemas.openxmlformats.org/markup-compatibility/2006" xmlns:a14="http://schemas.microsoft.com/office/drawing/2010/main">
-              <mc:Choice Requires="a14">
-                <p:sp>
-                  <p:nvSpPr>
-                    <p:cNvPr id="118" name="Oval 117"/>
-                    <p:cNvSpPr/>
-                    <p:nvPr/>
-                  </p:nvSpPr>
-                  <p:spPr>
-                    <a:xfrm>
-                      <a:off x="4808493" y="3390443"/>
-                      <a:ext cx="362462" cy="280729"/>
-                    </a:xfrm>
-                    <a:prstGeom prst="ellipse">
-                      <a:avLst/>
-                    </a:prstGeom>
-                    <a:solidFill>
-                      <a:schemeClr val="accent4"/>
-                    </a:solidFill>
-                    <a:ln>
-                      <a:noFill/>
-                    </a:ln>
-                  </p:spPr>
-                  <p:style>
-                    <a:lnRef idx="2">
-                      <a:schemeClr val="accent6"/>
-                    </a:lnRef>
-                    <a:fillRef idx="1">
-                      <a:schemeClr val="lt1"/>
-                    </a:fillRef>
-                    <a:effectRef idx="0">
-                      <a:schemeClr val="accent6"/>
-                    </a:effectRef>
-                    <a:fontRef idx="minor">
-                      <a:schemeClr val="dk1"/>
-                    </a:fontRef>
-                  </p:style>
-                  <p:txBody>
-                    <a:bodyPr rtlCol="0" anchor="ctr"/>
-                    <a:lstStyle/>
-                    <a:p>
-                      <a:pPr algn="ctr"/>
-                      <a14:m>
-                        <m:oMathPara xmlns:m="http://schemas.openxmlformats.org/officeDocument/2006/math">
-                          <m:oMathParaPr>
-                            <m:jc m:val="centerGroup"/>
-                          </m:oMathParaPr>
-                          <m:oMath xmlns:m="http://schemas.openxmlformats.org/officeDocument/2006/math">
-                            <m:sSub>
-                              <m:sSubPr>
-                                <m:ctrlPr>
-                                  <a:rPr lang="en-US" sz="1600" i="1" smtClean="0">
-                                    <a:latin typeface="Cambria Math" charset="0"/>
-                                  </a:rPr>
-                                </m:ctrlPr>
-                              </m:sSubPr>
-                              <m:e>
-                                <m:r>
-                                  <a:rPr lang="en-US" sz="1600" b="0" i="1" smtClean="0">
-                                    <a:latin typeface="Cambria Math" charset="0"/>
-                                  </a:rPr>
-                                  <m:t>𝑒</m:t>
-                                </m:r>
-                              </m:e>
-                              <m:sub>
-                                <m:r>
-                                  <a:rPr lang="en-US" sz="1600" b="0" i="1" smtClean="0">
-                                    <a:latin typeface="Cambria Math" charset="0"/>
-                                  </a:rPr>
-                                  <m:t>𝑑</m:t>
-                                </m:r>
-                              </m:sub>
-                            </m:sSub>
-                          </m:oMath>
-                        </m:oMathPara>
-                      </a14:m>
-                      <a:endParaRPr lang="en-US" sz="1200" dirty="0"/>
-                    </a:p>
-                  </p:txBody>
-                </p:sp>
-              </mc:Choice>
-              <mc:Fallback xmlns="">
-                <p:sp>
-                  <p:nvSpPr>
-                    <p:cNvPr id="118" name="Oval 117"/>
-                    <p:cNvSpPr>
-                      <a:spLocks noRot="1" noChangeAspect="1" noMove="1" noResize="1" noEditPoints="1" noAdjustHandles="1" noChangeArrowheads="1" noChangeShapeType="1" noTextEdit="1"/>
-                    </p:cNvSpPr>
-                    <p:nvPr/>
-                  </p:nvSpPr>
-                  <p:spPr>
-                    <a:xfrm>
-                      <a:off x="4808493" y="3390443"/>
-                      <a:ext cx="362462" cy="280729"/>
-                    </a:xfrm>
-                    <a:prstGeom prst="ellipse">
-                      <a:avLst/>
-                    </a:prstGeom>
-                    <a:blipFill rotWithShape="0">
-                      <a:blip r:embed="rId17"/>
-                      <a:stretch>
-                        <a:fillRect b="-6522"/>
-                      </a:stretch>
-                    </a:blipFill>
-                    <a:ln>
-                      <a:noFill/>
-                    </a:ln>
-                  </p:spPr>
-                  <p:txBody>
-                    <a:bodyPr/>
-                    <a:lstStyle/>
-                    <a:p>
-                      <a:r>
-                        <a:rPr lang="en-US">
-                          <a:noFill/>
-                        </a:rPr>
-                        <a:t> </a:t>
-                      </a:r>
-                    </a:p>
-                  </p:txBody>
-                </p:sp>
-              </mc:Fallback>
-            </mc:AlternateContent>
-            <p:cxnSp>
-              <p:nvCxnSpPr>
-                <p:cNvPr id="119" name="Straight Arrow Connector 118"/>
-                <p:cNvCxnSpPr/>
-                <p:nvPr/>
-              </p:nvCxnSpPr>
-              <p:spPr>
-                <a:xfrm>
-                  <a:off x="4494600" y="3301435"/>
-                  <a:ext cx="366974" cy="130120"/>
-                </a:xfrm>
-                <a:prstGeom prst="straightConnector1">
-                  <a:avLst/>
-                </a:prstGeom>
-                <a:ln w="31750">
-                  <a:tailEnd type="triangle"/>
-                </a:ln>
-              </p:spPr>
-              <p:style>
-                <a:lnRef idx="1">
-                  <a:schemeClr val="dk1"/>
-                </a:lnRef>
-                <a:fillRef idx="0">
-                  <a:schemeClr val="dk1"/>
-                </a:fillRef>
-                <a:effectRef idx="0">
-                  <a:schemeClr val="dk1"/>
-                </a:effectRef>
-                <a:fontRef idx="minor">
-                  <a:schemeClr val="tx1"/>
-                </a:fontRef>
-              </p:style>
-            </p:cxnSp>
-            <p:cxnSp>
-              <p:nvCxnSpPr>
-                <p:cNvPr id="120" name="Straight Arrow Connector 119"/>
-                <p:cNvCxnSpPr/>
-                <p:nvPr/>
-              </p:nvCxnSpPr>
-              <p:spPr>
-                <a:xfrm flipV="1">
-                  <a:off x="4510198" y="3630061"/>
-                  <a:ext cx="351377" cy="168366"/>
-                </a:xfrm>
-                <a:prstGeom prst="straightConnector1">
-                  <a:avLst/>
-                </a:prstGeom>
-                <a:ln w="31750">
-                  <a:tailEnd type="triangle"/>
-                </a:ln>
-              </p:spPr>
-              <p:style>
-                <a:lnRef idx="1">
-                  <a:schemeClr val="dk1"/>
-                </a:lnRef>
-                <a:fillRef idx="0">
-                  <a:schemeClr val="dk1"/>
-                </a:fillRef>
-                <a:effectRef idx="0">
-                  <a:schemeClr val="dk1"/>
-                </a:effectRef>
-                <a:fontRef idx="minor">
-                  <a:schemeClr val="tx1"/>
-                </a:fontRef>
-              </p:style>
-            </p:cxnSp>
-            <p:cxnSp>
-              <p:nvCxnSpPr>
-                <p:cNvPr id="121" name="Straight Arrow Connector 120"/>
-                <p:cNvCxnSpPr/>
-                <p:nvPr/>
-              </p:nvCxnSpPr>
-              <p:spPr>
-                <a:xfrm flipV="1">
-                  <a:off x="3885158" y="3798428"/>
-                  <a:ext cx="262578" cy="221"/>
-                </a:xfrm>
-                <a:prstGeom prst="straightConnector1">
-                  <a:avLst/>
-                </a:prstGeom>
-                <a:ln w="31750">
-                  <a:tailEnd type="triangle"/>
-                </a:ln>
-              </p:spPr>
-              <p:style>
-                <a:lnRef idx="1">
-                  <a:schemeClr val="dk1"/>
-                </a:lnRef>
-                <a:fillRef idx="0">
-                  <a:schemeClr val="dk1"/>
-                </a:fillRef>
-                <a:effectRef idx="0">
-                  <a:schemeClr val="dk1"/>
-                </a:effectRef>
-                <a:fontRef idx="minor">
-                  <a:schemeClr val="tx1"/>
-                </a:fontRef>
-              </p:style>
-            </p:cxnSp>
-          </p:grpSp>
+              </a:ln>
+            </p:spPr>
+            <p:style>
+              <a:lnRef idx="2">
+                <a:schemeClr val="accent6"/>
+              </a:lnRef>
+              <a:fillRef idx="1">
+                <a:schemeClr val="lt1"/>
+              </a:fillRef>
+              <a:effectRef idx="0">
+                <a:schemeClr val="accent6"/>
+              </a:effectRef>
+              <a:fontRef idx="minor">
+                <a:schemeClr val="dk1"/>
+              </a:fontRef>
+            </p:style>
+            <p:txBody>
+              <a:bodyPr rtlCol="0" anchor="ctr"/>
+              <a:lstStyle/>
+              <a:p>
+                <a:pPr algn="ctr"/>
+                <a:endParaRPr lang="en-US" sz="1200" dirty="0"/>
+              </a:p>
+            </p:txBody>
+          </p:sp>
           <p:cxnSp>
             <p:nvCxnSpPr>
-              <p:cNvPr id="90" name="Straight Arrow Connector 89"/>
+              <p:cNvPr id="98" name="Straight Arrow Connector 97"/>
               <p:cNvCxnSpPr/>
               <p:nvPr/>
             </p:nvCxnSpPr>
             <p:spPr>
               <a:xfrm flipV="1">
-                <a:off x="2615341" y="5620687"/>
-                <a:ext cx="336748" cy="8549"/>
+                <a:off x="3206065" y="3300544"/>
+                <a:ext cx="313655" cy="125256"/>
               </a:xfrm>
               <a:prstGeom prst="straightConnector1">
                 <a:avLst/>
               </a:prstGeom>
-              <a:ln>
+              <a:ln w="31750">
                 <a:tailEnd type="triangle"/>
               </a:ln>
             </p:spPr>
@@ -19024,34 +18214,563 @@
           </p:cxnSp>
           <p:cxnSp>
             <p:nvCxnSpPr>
-              <p:cNvPr id="91" name="Elbow Connector 90"/>
+              <p:cNvPr id="99" name="Straight Arrow Connector 98"/>
               <p:cNvCxnSpPr/>
               <p:nvPr/>
             </p:nvCxnSpPr>
             <p:spPr>
-              <a:xfrm rot="16200000" flipH="1">
-                <a:off x="1138078" y="4384248"/>
-                <a:ext cx="834720" cy="1261173"/>
+              <a:xfrm>
+                <a:off x="3206065" y="3624306"/>
+                <a:ext cx="316630" cy="174343"/>
               </a:xfrm>
-              <a:prstGeom prst="bentConnector3">
+              <a:prstGeom prst="straightConnector1">
                 <a:avLst/>
               </a:prstGeom>
-              <a:ln>
-                <a:solidFill>
-                  <a:schemeClr val="tx1"/>
-                </a:solidFill>
+              <a:ln w="31750">
                 <a:tailEnd type="triangle"/>
               </a:ln>
             </p:spPr>
             <p:style>
               <a:lnRef idx="1">
-                <a:schemeClr val="accent1"/>
+                <a:schemeClr val="dk1"/>
               </a:lnRef>
               <a:fillRef idx="0">
+                <a:schemeClr val="dk1"/>
+              </a:fillRef>
+              <a:effectRef idx="0">
+                <a:schemeClr val="dk1"/>
+              </a:effectRef>
+              <a:fontRef idx="minor">
+                <a:schemeClr val="tx1"/>
+              </a:fontRef>
+            </p:style>
+          </p:cxnSp>
+          <p:sp>
+            <p:nvSpPr>
+              <p:cNvPr id="100" name="Rounded Rectangle 99"/>
+              <p:cNvSpPr/>
+              <p:nvPr/>
+            </p:nvSpPr>
+            <p:spPr>
+              <a:xfrm>
+                <a:off x="2748615" y="2842111"/>
+                <a:ext cx="2704246" cy="1199713"/>
+              </a:xfrm>
+              <a:prstGeom prst="roundRect">
+                <a:avLst/>
+              </a:prstGeom>
+              <a:noFill/>
+              <a:ln>
+                <a:solidFill>
+                  <a:schemeClr val="tx1"/>
+                </a:solidFill>
+              </a:ln>
+            </p:spPr>
+            <p:style>
+              <a:lnRef idx="2">
+                <a:schemeClr val="accent1">
+                  <a:shade val="50000"/>
+                </a:schemeClr>
+              </a:lnRef>
+              <a:fillRef idx="1">
                 <a:schemeClr val="accent1"/>
               </a:fillRef>
               <a:effectRef idx="0">
                 <a:schemeClr val="accent1"/>
+              </a:effectRef>
+              <a:fontRef idx="minor">
+                <a:schemeClr val="lt1"/>
+              </a:fontRef>
+            </p:style>
+            <p:txBody>
+              <a:bodyPr rtlCol="0" anchor="ctr"/>
+              <a:lstStyle/>
+              <a:p>
+                <a:pPr algn="ctr"/>
+                <a:endParaRPr lang="en-US"/>
+              </a:p>
+            </p:txBody>
+          </p:sp>
+          <p:sp>
+            <p:nvSpPr>
+              <p:cNvPr id="112" name="Rectangle 111"/>
+              <p:cNvSpPr/>
+              <p:nvPr/>
+            </p:nvSpPr>
+            <p:spPr>
+              <a:xfrm>
+                <a:off x="3272897" y="2842111"/>
+                <a:ext cx="1755945" cy="269298"/>
+              </a:xfrm>
+              <a:prstGeom prst="rect">
+                <a:avLst/>
+              </a:prstGeom>
+            </p:spPr>
+            <p:txBody>
+              <a:bodyPr wrap="none">
+                <a:spAutoFit/>
+              </a:bodyPr>
+              <a:lstStyle/>
+              <a:p>
+                <a:pPr algn="ctr"/>
+                <a:r>
+                  <a:rPr lang="en-US" dirty="0" smtClean="0"/>
+                  <a:t>KG connected Path</a:t>
+                </a:r>
+                <a:endParaRPr lang="en-US" dirty="0"/>
+              </a:p>
+            </p:txBody>
+          </p:sp>
+          <p:cxnSp>
+            <p:nvCxnSpPr>
+              <p:cNvPr id="113" name="Straight Arrow Connector 112"/>
+              <p:cNvCxnSpPr/>
+              <p:nvPr/>
+            </p:nvCxnSpPr>
+            <p:spPr>
+              <a:xfrm>
+                <a:off x="3882182" y="3300544"/>
+                <a:ext cx="249956" cy="891"/>
+              </a:xfrm>
+              <a:prstGeom prst="straightConnector1">
+                <a:avLst/>
+              </a:prstGeom>
+              <a:ln w="31750">
+                <a:tailEnd type="triangle"/>
+              </a:ln>
+            </p:spPr>
+            <p:style>
+              <a:lnRef idx="1">
+                <a:schemeClr val="dk1"/>
+              </a:lnRef>
+              <a:fillRef idx="0">
+                <a:schemeClr val="dk1"/>
+              </a:fillRef>
+              <a:effectRef idx="0">
+                <a:schemeClr val="dk1"/>
+              </a:effectRef>
+              <a:fontRef idx="minor">
+                <a:schemeClr val="tx1"/>
+              </a:fontRef>
+            </p:style>
+          </p:cxnSp>
+          <p:sp>
+            <p:nvSpPr>
+              <p:cNvPr id="114" name="Oval 113"/>
+              <p:cNvSpPr/>
+              <p:nvPr/>
+            </p:nvSpPr>
+            <p:spPr>
+              <a:xfrm>
+                <a:off x="3522696" y="3658284"/>
+                <a:ext cx="362462" cy="280729"/>
+              </a:xfrm>
+              <a:prstGeom prst="ellipse">
+                <a:avLst/>
+              </a:prstGeom>
+              <a:solidFill>
+                <a:schemeClr val="accent1">
+                  <a:lumMod val="60000"/>
+                  <a:lumOff val="40000"/>
+                </a:schemeClr>
+              </a:solidFill>
+              <a:ln>
+                <a:noFill/>
+              </a:ln>
+            </p:spPr>
+            <p:style>
+              <a:lnRef idx="2">
+                <a:schemeClr val="accent6"/>
+              </a:lnRef>
+              <a:fillRef idx="1">
+                <a:schemeClr val="lt1"/>
+              </a:fillRef>
+              <a:effectRef idx="0">
+                <a:schemeClr val="accent6"/>
+              </a:effectRef>
+              <a:fontRef idx="minor">
+                <a:schemeClr val="dk1"/>
+              </a:fontRef>
+            </p:style>
+            <p:txBody>
+              <a:bodyPr rtlCol="0" anchor="ctr"/>
+              <a:lstStyle/>
+              <a:p>
+                <a:pPr algn="ctr"/>
+                <a:endParaRPr lang="en-US" sz="1200" dirty="0"/>
+              </a:p>
+            </p:txBody>
+          </p:sp>
+          <p:sp>
+            <p:nvSpPr>
+              <p:cNvPr id="115" name="Oval 114"/>
+              <p:cNvSpPr/>
+              <p:nvPr/>
+            </p:nvSpPr>
+            <p:spPr>
+              <a:xfrm>
+                <a:off x="4147736" y="3658063"/>
+                <a:ext cx="362462" cy="280729"/>
+              </a:xfrm>
+              <a:prstGeom prst="ellipse">
+                <a:avLst/>
+              </a:prstGeom>
+              <a:solidFill>
+                <a:schemeClr val="accent1">
+                  <a:lumMod val="60000"/>
+                  <a:lumOff val="40000"/>
+                </a:schemeClr>
+              </a:solidFill>
+              <a:ln>
+                <a:noFill/>
+              </a:ln>
+            </p:spPr>
+            <p:style>
+              <a:lnRef idx="2">
+                <a:schemeClr val="accent6"/>
+              </a:lnRef>
+              <a:fillRef idx="1">
+                <a:schemeClr val="lt1"/>
+              </a:fillRef>
+              <a:effectRef idx="0">
+                <a:schemeClr val="accent6"/>
+              </a:effectRef>
+              <a:fontRef idx="minor">
+                <a:schemeClr val="dk1"/>
+              </a:fontRef>
+            </p:style>
+            <p:txBody>
+              <a:bodyPr rtlCol="0" anchor="ctr"/>
+              <a:lstStyle/>
+              <a:p>
+                <a:pPr algn="ctr"/>
+                <a:endParaRPr lang="en-US" sz="1400" dirty="0"/>
+              </a:p>
+            </p:txBody>
+          </p:sp>
+          <mc:AlternateContent xmlns:mc="http://schemas.openxmlformats.org/markup-compatibility/2006" xmlns:a14="http://schemas.microsoft.com/office/drawing/2010/main">
+            <mc:Choice Requires="a14">
+              <p:sp>
+                <p:nvSpPr>
+                  <p:cNvPr id="116" name="Oval 115"/>
+                  <p:cNvSpPr/>
+                  <p:nvPr/>
+                </p:nvSpPr>
+                <p:spPr>
+                  <a:xfrm>
+                    <a:off x="2896684" y="3384688"/>
+                    <a:ext cx="362462" cy="280729"/>
+                  </a:xfrm>
+                  <a:prstGeom prst="ellipse">
+                    <a:avLst/>
+                  </a:prstGeom>
+                  <a:solidFill>
+                    <a:schemeClr val="accent2">
+                      <a:lumMod val="40000"/>
+                      <a:lumOff val="60000"/>
+                    </a:schemeClr>
+                  </a:solidFill>
+                  <a:ln>
+                    <a:noFill/>
+                  </a:ln>
+                </p:spPr>
+                <p:style>
+                  <a:lnRef idx="2">
+                    <a:schemeClr val="accent6"/>
+                  </a:lnRef>
+                  <a:fillRef idx="1">
+                    <a:schemeClr val="lt1"/>
+                  </a:fillRef>
+                  <a:effectRef idx="0">
+                    <a:schemeClr val="accent6"/>
+                  </a:effectRef>
+                  <a:fontRef idx="minor">
+                    <a:schemeClr val="dk1"/>
+                  </a:fontRef>
+                </p:style>
+                <p:txBody>
+                  <a:bodyPr rtlCol="0" anchor="ctr"/>
+                  <a:lstStyle/>
+                  <a:p>
+                    <a:pPr algn="ctr"/>
+                    <a14:m>
+                      <m:oMathPara xmlns:m="http://schemas.openxmlformats.org/officeDocument/2006/math">
+                        <m:oMathParaPr>
+                          <m:jc m:val="centerGroup"/>
+                        </m:oMathParaPr>
+                        <m:oMath xmlns:m="http://schemas.openxmlformats.org/officeDocument/2006/math">
+                          <m:sSub>
+                            <m:sSubPr>
+                              <m:ctrlPr>
+                                <a:rPr lang="en-US" sz="1600" i="1" smtClean="0">
+                                  <a:latin typeface="Cambria Math" charset="0"/>
+                                </a:rPr>
+                              </m:ctrlPr>
+                            </m:sSubPr>
+                            <m:e>
+                              <m:r>
+                                <a:rPr lang="en-US" sz="1600" b="0" i="1" smtClean="0">
+                                  <a:latin typeface="Cambria Math" charset="0"/>
+                                </a:rPr>
+                                <m:t>𝑒</m:t>
+                              </m:r>
+                            </m:e>
+                            <m:sub>
+                              <m:r>
+                                <a:rPr lang="en-US" sz="1600" b="0" i="1" smtClean="0">
+                                  <a:latin typeface="Cambria Math" charset="0"/>
+                                </a:rPr>
+                                <m:t>𝑠</m:t>
+                              </m:r>
+                            </m:sub>
+                          </m:sSub>
+                        </m:oMath>
+                      </m:oMathPara>
+                    </a14:m>
+                    <a:endParaRPr lang="en-US" sz="1200" dirty="0"/>
+                  </a:p>
+                </p:txBody>
+              </p:sp>
+            </mc:Choice>
+            <mc:Fallback xmlns="">
+              <p:sp>
+                <p:nvSpPr>
+                  <p:cNvPr id="116" name="Oval 115"/>
+                  <p:cNvSpPr>
+                    <a:spLocks noRot="1" noChangeAspect="1" noMove="1" noResize="1" noEditPoints="1" noAdjustHandles="1" noChangeArrowheads="1" noChangeShapeType="1" noTextEdit="1"/>
+                  </p:cNvSpPr>
+                  <p:nvPr/>
+                </p:nvSpPr>
+                <p:spPr>
+                  <a:xfrm>
+                    <a:off x="2896684" y="3384688"/>
+                    <a:ext cx="362462" cy="280729"/>
+                  </a:xfrm>
+                  <a:prstGeom prst="ellipse">
+                    <a:avLst/>
+                  </a:prstGeom>
+                  <a:blipFill rotWithShape="0">
+                    <a:blip r:embed="rId16"/>
+                    <a:stretch>
+                      <a:fillRect b="-2174"/>
+                    </a:stretch>
+                  </a:blipFill>
+                  <a:ln>
+                    <a:noFill/>
+                  </a:ln>
+                </p:spPr>
+                <p:txBody>
+                  <a:bodyPr/>
+                  <a:lstStyle/>
+                  <a:p>
+                    <a:r>
+                      <a:rPr lang="en-US">
+                        <a:noFill/>
+                      </a:rPr>
+                      <a:t> </a:t>
+                    </a:r>
+                  </a:p>
+                </p:txBody>
+              </p:sp>
+            </mc:Fallback>
+          </mc:AlternateContent>
+          <p:sp>
+            <p:nvSpPr>
+              <p:cNvPr id="117" name="Oval 116"/>
+              <p:cNvSpPr/>
+              <p:nvPr/>
+            </p:nvSpPr>
+            <p:spPr>
+              <a:xfrm>
+                <a:off x="4132138" y="3161070"/>
+                <a:ext cx="362462" cy="280729"/>
+              </a:xfrm>
+              <a:prstGeom prst="ellipse">
+                <a:avLst/>
+              </a:prstGeom>
+              <a:solidFill>
+                <a:schemeClr val="accent1">
+                  <a:lumMod val="60000"/>
+                  <a:lumOff val="40000"/>
+                </a:schemeClr>
+              </a:solidFill>
+              <a:ln>
+                <a:noFill/>
+              </a:ln>
+            </p:spPr>
+            <p:style>
+              <a:lnRef idx="2">
+                <a:schemeClr val="accent6"/>
+              </a:lnRef>
+              <a:fillRef idx="1">
+                <a:schemeClr val="lt1"/>
+              </a:fillRef>
+              <a:effectRef idx="0">
+                <a:schemeClr val="accent6"/>
+              </a:effectRef>
+              <a:fontRef idx="minor">
+                <a:schemeClr val="dk1"/>
+              </a:fontRef>
+            </p:style>
+            <p:txBody>
+              <a:bodyPr rtlCol="0" anchor="ctr"/>
+              <a:lstStyle/>
+              <a:p>
+                <a:pPr algn="ctr"/>
+                <a:endParaRPr lang="en-US" sz="1400" dirty="0"/>
+              </a:p>
+            </p:txBody>
+          </p:sp>
+          <mc:AlternateContent xmlns:mc="http://schemas.openxmlformats.org/markup-compatibility/2006" xmlns:a14="http://schemas.microsoft.com/office/drawing/2010/main">
+            <mc:Choice Requires="a14">
+              <p:sp>
+                <p:nvSpPr>
+                  <p:cNvPr id="118" name="Oval 117"/>
+                  <p:cNvSpPr/>
+                  <p:nvPr/>
+                </p:nvSpPr>
+                <p:spPr>
+                  <a:xfrm>
+                    <a:off x="4808493" y="3390443"/>
+                    <a:ext cx="362462" cy="280729"/>
+                  </a:xfrm>
+                  <a:prstGeom prst="ellipse">
+                    <a:avLst/>
+                  </a:prstGeom>
+                  <a:solidFill>
+                    <a:schemeClr val="accent4"/>
+                  </a:solidFill>
+                  <a:ln>
+                    <a:noFill/>
+                  </a:ln>
+                </p:spPr>
+                <p:style>
+                  <a:lnRef idx="2">
+                    <a:schemeClr val="accent6"/>
+                  </a:lnRef>
+                  <a:fillRef idx="1">
+                    <a:schemeClr val="lt1"/>
+                  </a:fillRef>
+                  <a:effectRef idx="0">
+                    <a:schemeClr val="accent6"/>
+                  </a:effectRef>
+                  <a:fontRef idx="minor">
+                    <a:schemeClr val="dk1"/>
+                  </a:fontRef>
+                </p:style>
+                <p:txBody>
+                  <a:bodyPr rtlCol="0" anchor="ctr"/>
+                  <a:lstStyle/>
+                  <a:p>
+                    <a:pPr algn="ctr"/>
+                    <a14:m>
+                      <m:oMathPara xmlns:m="http://schemas.openxmlformats.org/officeDocument/2006/math">
+                        <m:oMathParaPr>
+                          <m:jc m:val="centerGroup"/>
+                        </m:oMathParaPr>
+                        <m:oMath xmlns:m="http://schemas.openxmlformats.org/officeDocument/2006/math">
+                          <m:sSub>
+                            <m:sSubPr>
+                              <m:ctrlPr>
+                                <a:rPr lang="en-US" sz="1600" i="1" smtClean="0">
+                                  <a:latin typeface="Cambria Math" charset="0"/>
+                                </a:rPr>
+                              </m:ctrlPr>
+                            </m:sSubPr>
+                            <m:e>
+                              <m:r>
+                                <a:rPr lang="en-US" sz="1600" b="0" i="1" smtClean="0">
+                                  <a:latin typeface="Cambria Math" charset="0"/>
+                                </a:rPr>
+                                <m:t>𝑒</m:t>
+                              </m:r>
+                            </m:e>
+                            <m:sub>
+                              <m:r>
+                                <a:rPr lang="en-US" sz="1600" b="0" i="1" smtClean="0">
+                                  <a:latin typeface="Cambria Math" charset="0"/>
+                                </a:rPr>
+                                <m:t>𝑑</m:t>
+                              </m:r>
+                            </m:sub>
+                          </m:sSub>
+                        </m:oMath>
+                      </m:oMathPara>
+                    </a14:m>
+                    <a:endParaRPr lang="en-US" sz="1200" dirty="0"/>
+                  </a:p>
+                </p:txBody>
+              </p:sp>
+            </mc:Choice>
+            <mc:Fallback xmlns="">
+              <p:sp>
+                <p:nvSpPr>
+                  <p:cNvPr id="118" name="Oval 117"/>
+                  <p:cNvSpPr>
+                    <a:spLocks noRot="1" noChangeAspect="1" noMove="1" noResize="1" noEditPoints="1" noAdjustHandles="1" noChangeArrowheads="1" noChangeShapeType="1" noTextEdit="1"/>
+                  </p:cNvSpPr>
+                  <p:nvPr/>
+                </p:nvSpPr>
+                <p:spPr>
+                  <a:xfrm>
+                    <a:off x="4808493" y="3390443"/>
+                    <a:ext cx="362462" cy="280729"/>
+                  </a:xfrm>
+                  <a:prstGeom prst="ellipse">
+                    <a:avLst/>
+                  </a:prstGeom>
+                  <a:blipFill rotWithShape="0">
+                    <a:blip r:embed="rId17"/>
+                    <a:stretch>
+                      <a:fillRect b="-6522"/>
+                    </a:stretch>
+                  </a:blipFill>
+                  <a:ln>
+                    <a:noFill/>
+                  </a:ln>
+                </p:spPr>
+                <p:txBody>
+                  <a:bodyPr/>
+                  <a:lstStyle/>
+                  <a:p>
+                    <a:r>
+                      <a:rPr lang="en-US">
+                        <a:noFill/>
+                      </a:rPr>
+                      <a:t> </a:t>
+                    </a:r>
+                  </a:p>
+                </p:txBody>
+              </p:sp>
+            </mc:Fallback>
+          </mc:AlternateContent>
+          <p:cxnSp>
+            <p:nvCxnSpPr>
+              <p:cNvPr id="119" name="Straight Arrow Connector 118"/>
+              <p:cNvCxnSpPr/>
+              <p:nvPr/>
+            </p:nvCxnSpPr>
+            <p:spPr>
+              <a:xfrm>
+                <a:off x="4494600" y="3301435"/>
+                <a:ext cx="366974" cy="130120"/>
+              </a:xfrm>
+              <a:prstGeom prst="straightConnector1">
+                <a:avLst/>
+              </a:prstGeom>
+              <a:ln w="31750">
+                <a:tailEnd type="triangle"/>
+              </a:ln>
+            </p:spPr>
+            <p:style>
+              <a:lnRef idx="1">
+                <a:schemeClr val="dk1"/>
+              </a:lnRef>
+              <a:fillRef idx="0">
+                <a:schemeClr val="dk1"/>
+              </a:fillRef>
+              <a:effectRef idx="0">
+                <a:schemeClr val="dk1"/>
               </a:effectRef>
               <a:fontRef idx="minor">
                 <a:schemeClr val="tx1"/>
@@ -19060,34 +18779,64 @@
           </p:cxnSp>
           <p:cxnSp>
             <p:nvCxnSpPr>
-              <p:cNvPr id="94" name="Elbow Connector 93"/>
+              <p:cNvPr id="120" name="Straight Arrow Connector 119"/>
               <p:cNvCxnSpPr/>
               <p:nvPr/>
             </p:nvCxnSpPr>
             <p:spPr>
-              <a:xfrm rot="16200000" flipH="1">
-                <a:off x="1452065" y="4698235"/>
-                <a:ext cx="832298" cy="635622"/>
+              <a:xfrm flipV="1">
+                <a:off x="4510198" y="3630061"/>
+                <a:ext cx="351377" cy="168366"/>
               </a:xfrm>
-              <a:prstGeom prst="bentConnector3">
+              <a:prstGeom prst="straightConnector1">
                 <a:avLst/>
               </a:prstGeom>
-              <a:ln>
-                <a:solidFill>
-                  <a:schemeClr val="tx1"/>
-                </a:solidFill>
+              <a:ln w="31750">
                 <a:tailEnd type="triangle"/>
               </a:ln>
             </p:spPr>
             <p:style>
               <a:lnRef idx="1">
-                <a:schemeClr val="accent1"/>
+                <a:schemeClr val="dk1"/>
               </a:lnRef>
               <a:fillRef idx="0">
-                <a:schemeClr val="accent1"/>
+                <a:schemeClr val="dk1"/>
               </a:fillRef>
               <a:effectRef idx="0">
-                <a:schemeClr val="accent1"/>
+                <a:schemeClr val="dk1"/>
+              </a:effectRef>
+              <a:fontRef idx="minor">
+                <a:schemeClr val="tx1"/>
+              </a:fontRef>
+            </p:style>
+          </p:cxnSp>
+          <p:cxnSp>
+            <p:nvCxnSpPr>
+              <p:cNvPr id="121" name="Straight Arrow Connector 120"/>
+              <p:cNvCxnSpPr/>
+              <p:nvPr/>
+            </p:nvCxnSpPr>
+            <p:spPr>
+              <a:xfrm flipV="1">
+                <a:off x="3885158" y="3798428"/>
+                <a:ext cx="262578" cy="221"/>
+              </a:xfrm>
+              <a:prstGeom prst="straightConnector1">
+                <a:avLst/>
+              </a:prstGeom>
+              <a:ln w="31750">
+                <a:tailEnd type="triangle"/>
+              </a:ln>
+            </p:spPr>
+            <p:style>
+              <a:lnRef idx="1">
+                <a:schemeClr val="dk1"/>
+              </a:lnRef>
+              <a:fillRef idx="0">
+                <a:schemeClr val="dk1"/>
+              </a:fillRef>
+              <a:effectRef idx="0">
+                <a:schemeClr val="dk1"/>
               </a:effectRef>
               <a:fontRef idx="minor">
                 <a:schemeClr val="tx1"/>
@@ -19095,6 +18844,243 @@
             </p:style>
           </p:cxnSp>
         </p:grpSp>
+        <mc:AlternateContent xmlns:mc="http://schemas.openxmlformats.org/markup-compatibility/2006">
+          <mc:Choice xmlns:a14="http://schemas.microsoft.com/office/drawing/2010/main" Requires="a14">
+            <p:sp>
+              <p:nvSpPr>
+                <p:cNvPr id="86" name="Rectangle 85"/>
+                <p:cNvSpPr/>
+                <p:nvPr/>
+              </p:nvSpPr>
+              <p:spPr>
+                <a:xfrm>
+                  <a:off x="1756708" y="5432195"/>
+                  <a:ext cx="858633" cy="394082"/>
+                </a:xfrm>
+                <a:prstGeom prst="rect">
+                  <a:avLst/>
+                </a:prstGeom>
+              </p:spPr>
+              <p:txBody>
+                <a:bodyPr wrap="none">
+                  <a:spAutoFit/>
+                </a:bodyPr>
+                <a:lstStyle/>
+                <a:p>
+                  <a:pPr/>
+                  <a14:m>
+                    <m:oMathPara xmlns:m="http://schemas.openxmlformats.org/officeDocument/2006/math">
+                      <m:oMathParaPr>
+                        <m:jc m:val="centerGroup"/>
+                      </m:oMathParaPr>
+                      <m:oMath xmlns:m="http://schemas.openxmlformats.org/officeDocument/2006/math">
+                        <m:sSub>
+                          <m:sSubPr>
+                            <m:ctrlPr>
+                              <a:rPr lang="en-US" i="1" smtClean="0">
+                                <a:latin typeface="Cambria Math" charset="0"/>
+                                <a:ea typeface="Cambria Math" charset="0"/>
+                                <a:cs typeface="Cambria Math" charset="0"/>
+                              </a:rPr>
+                            </m:ctrlPr>
+                          </m:sSubPr>
+                          <m:e>
+                            <m:r>
+                              <a:rPr lang="en-US" i="1">
+                                <a:latin typeface="Cambria Math" charset="0"/>
+                                <a:ea typeface="Cambria Math" charset="0"/>
+                                <a:cs typeface="Cambria Math" charset="0"/>
+                              </a:rPr>
+                              <m:t>𝑝</m:t>
+                            </m:r>
+                          </m:e>
+                          <m:sub>
+                            <m:r>
+                              <a:rPr lang="en-US" i="1">
+                                <a:latin typeface="Cambria Math" charset="0"/>
+                                <a:ea typeface="Cambria Math" charset="0"/>
+                                <a:cs typeface="Cambria Math" charset="0"/>
+                              </a:rPr>
+                              <m:t>𝛽</m:t>
+                            </m:r>
+                          </m:sub>
+                        </m:sSub>
+                        <m:r>
+                          <a:rPr lang="en-US" i="1">
+                            <a:latin typeface="Cambria Math" charset="0"/>
+                            <a:ea typeface="Cambria Math" charset="0"/>
+                            <a:cs typeface="Cambria Math" charset="0"/>
+                          </a:rPr>
+                          <m:t> (</m:t>
+                        </m:r>
+                        <m:r>
+                          <a:rPr lang="en-US" i="1">
+                            <a:latin typeface="Cambria Math" charset="0"/>
+                            <a:ea typeface="Cambria Math" charset="0"/>
+                            <a:cs typeface="Cambria Math" charset="0"/>
+                          </a:rPr>
+                          <m:t>𝐿</m:t>
+                        </m:r>
+                        <m:r>
+                          <a:rPr lang="en-US" b="0" i="1" smtClean="0">
+                            <a:latin typeface="Cambria Math" charset="0"/>
+                            <a:ea typeface="Cambria Math" charset="0"/>
+                            <a:cs typeface="Cambria Math" charset="0"/>
+                          </a:rPr>
+                          <m:t>)</m:t>
+                        </m:r>
+                      </m:oMath>
+                    </m:oMathPara>
+                  </a14:m>
+                  <a:endParaRPr lang="en-US" dirty="0"/>
+                </a:p>
+              </p:txBody>
+            </p:sp>
+          </mc:Choice>
+          <mc:Fallback>
+            <p:sp>
+              <p:nvSpPr>
+                <p:cNvPr id="86" name="Rectangle 85"/>
+                <p:cNvSpPr>
+                  <a:spLocks noRot="1" noChangeAspect="1" noMove="1" noResize="1" noEditPoints="1" noAdjustHandles="1" noChangeArrowheads="1" noChangeShapeType="1" noTextEdit="1"/>
+                </p:cNvSpPr>
+                <p:nvPr/>
+              </p:nvSpPr>
+              <p:spPr>
+                <a:xfrm>
+                  <a:off x="1756708" y="5432195"/>
+                  <a:ext cx="858633" cy="394082"/>
+                </a:xfrm>
+                <a:prstGeom prst="rect">
+                  <a:avLst/>
+                </a:prstGeom>
+                <a:blipFill rotWithShape="0">
+                  <a:blip r:embed="rId18"/>
+                  <a:stretch>
+                    <a:fillRect t="-89231" b="-107692"/>
+                  </a:stretch>
+                </a:blipFill>
+              </p:spPr>
+              <p:txBody>
+                <a:bodyPr/>
+                <a:lstStyle/>
+                <a:p>
+                  <a:r>
+                    <a:rPr lang="en-US">
+                      <a:noFill/>
+                    </a:rPr>
+                    <a:t> </a:t>
+                  </a:r>
+                </a:p>
+              </p:txBody>
+            </p:sp>
+          </mc:Fallback>
+        </mc:AlternateContent>
+        <p:cxnSp>
+          <p:nvCxnSpPr>
+            <p:cNvPr id="90" name="Straight Arrow Connector 89"/>
+            <p:cNvCxnSpPr/>
+            <p:nvPr/>
+          </p:nvCxnSpPr>
+          <p:spPr>
+            <a:xfrm flipV="1">
+              <a:off x="2615341" y="5620687"/>
+              <a:ext cx="336748" cy="8549"/>
+            </a:xfrm>
+            <a:prstGeom prst="straightConnector1">
+              <a:avLst/>
+            </a:prstGeom>
+            <a:ln>
+              <a:tailEnd type="triangle"/>
+            </a:ln>
+          </p:spPr>
+          <p:style>
+            <a:lnRef idx="1">
+              <a:schemeClr val="dk1"/>
+            </a:lnRef>
+            <a:fillRef idx="0">
+              <a:schemeClr val="dk1"/>
+            </a:fillRef>
+            <a:effectRef idx="0">
+              <a:schemeClr val="dk1"/>
+            </a:effectRef>
+            <a:fontRef idx="minor">
+              <a:schemeClr val="tx1"/>
+            </a:fontRef>
+          </p:style>
+        </p:cxnSp>
+        <p:cxnSp>
+          <p:nvCxnSpPr>
+            <p:cNvPr id="91" name="Elbow Connector 90"/>
+            <p:cNvCxnSpPr/>
+            <p:nvPr/>
+          </p:nvCxnSpPr>
+          <p:spPr>
+            <a:xfrm rot="16200000" flipH="1">
+              <a:off x="1138078" y="4384248"/>
+              <a:ext cx="834720" cy="1261173"/>
+            </a:xfrm>
+            <a:prstGeom prst="bentConnector3">
+              <a:avLst/>
+            </a:prstGeom>
+            <a:ln>
+              <a:solidFill>
+                <a:schemeClr val="tx1"/>
+              </a:solidFill>
+              <a:tailEnd type="triangle"/>
+            </a:ln>
+          </p:spPr>
+          <p:style>
+            <a:lnRef idx="1">
+              <a:schemeClr val="accent1"/>
+            </a:lnRef>
+            <a:fillRef idx="0">
+              <a:schemeClr val="accent1"/>
+            </a:fillRef>
+            <a:effectRef idx="0">
+              <a:schemeClr val="accent1"/>
+            </a:effectRef>
+            <a:fontRef idx="minor">
+              <a:schemeClr val="tx1"/>
+            </a:fontRef>
+          </p:style>
+        </p:cxnSp>
+        <p:cxnSp>
+          <p:nvCxnSpPr>
+            <p:cNvPr id="94" name="Elbow Connector 93"/>
+            <p:cNvCxnSpPr/>
+            <p:nvPr/>
+          </p:nvCxnSpPr>
+          <p:spPr>
+            <a:xfrm rot="16200000" flipH="1">
+              <a:off x="1452065" y="4698235"/>
+              <a:ext cx="832298" cy="635622"/>
+            </a:xfrm>
+            <a:prstGeom prst="bentConnector3">
+              <a:avLst/>
+            </a:prstGeom>
+            <a:ln>
+              <a:solidFill>
+                <a:schemeClr val="tx1"/>
+              </a:solidFill>
+              <a:tailEnd type="triangle"/>
+            </a:ln>
+          </p:spPr>
+          <p:style>
+            <a:lnRef idx="1">
+              <a:schemeClr val="accent1"/>
+            </a:lnRef>
+            <a:fillRef idx="0">
+              <a:schemeClr val="accent1"/>
+            </a:fillRef>
+            <a:effectRef idx="0">
+              <a:schemeClr val="accent1"/>
+            </a:effectRef>
+            <a:fontRef idx="minor">
+              <a:schemeClr val="tx1"/>
+            </a:fontRef>
+          </p:style>
+        </p:cxnSp>
         <p:sp>
           <p:nvSpPr>
             <p:cNvPr id="122" name="Oval 121"/>
@@ -19154,18 +19140,208 @@
             </a:p>
           </p:txBody>
         </p:sp>
+        <mc:AlternateContent xmlns:mc="http://schemas.openxmlformats.org/markup-compatibility/2006">
+          <mc:Choice xmlns:a14="http://schemas.microsoft.com/office/drawing/2010/main" Requires="a14">
+            <p:sp>
+              <p:nvSpPr>
+                <p:cNvPr id="32" name="Rectangle 31"/>
+                <p:cNvSpPr/>
+                <p:nvPr/>
+              </p:nvSpPr>
+              <p:spPr>
+                <a:xfrm>
+                  <a:off x="5990919" y="4159828"/>
+                  <a:ext cx="934062" cy="269298"/>
+                </a:xfrm>
+                <a:prstGeom prst="rect">
+                  <a:avLst/>
+                </a:prstGeom>
+              </p:spPr>
+              <p:txBody>
+                <a:bodyPr wrap="none">
+                  <a:spAutoFit/>
+                </a:bodyPr>
+                <a:lstStyle/>
+                <a:p>
+                  <a:pPr/>
+                  <a14:m>
+                    <m:oMathPara xmlns:m="http://schemas.openxmlformats.org/officeDocument/2006/math">
+                      <m:oMathParaPr>
+                        <m:jc m:val="centerGroup"/>
+                      </m:oMathParaPr>
+                      <m:oMath xmlns:m="http://schemas.openxmlformats.org/officeDocument/2006/math">
+                        <m:sSub>
+                          <m:sSubPr>
+                            <m:ctrlPr>
+                              <a:rPr lang="en-US" i="1" smtClean="0">
+                                <a:latin typeface="Cambria Math" charset="0"/>
+                                <a:ea typeface="Cambria Math" charset="0"/>
+                                <a:cs typeface="Cambria Math" charset="0"/>
+                              </a:rPr>
+                            </m:ctrlPr>
+                          </m:sSubPr>
+                          <m:e>
+                            <m:r>
+                              <a:rPr lang="en-US" i="1">
+                                <a:latin typeface="Cambria Math" charset="0"/>
+                                <a:ea typeface="Cambria Math" charset="0"/>
+                                <a:cs typeface="Cambria Math" charset="0"/>
+                              </a:rPr>
+                              <m:t>𝑝</m:t>
+                            </m:r>
+                          </m:e>
+                          <m:sub>
+                            <m:r>
+                              <a:rPr lang="en-US" i="1">
+                                <a:latin typeface="Cambria Math" charset="0"/>
+                                <a:ea typeface="Cambria Math" charset="0"/>
+                                <a:cs typeface="Cambria Math" charset="0"/>
+                              </a:rPr>
+                              <m:t>𝜃</m:t>
+                            </m:r>
+                          </m:sub>
+                        </m:sSub>
+                        <m:r>
+                          <a:rPr lang="en-US" i="1">
+                            <a:latin typeface="Cambria Math" charset="0"/>
+                            <a:ea typeface="Cambria Math" charset="0"/>
+                            <a:cs typeface="Cambria Math" charset="0"/>
+                          </a:rPr>
+                          <m:t> (</m:t>
+                        </m:r>
+                        <m:r>
+                          <a:rPr lang="en-US" b="0" i="1" smtClean="0">
+                            <a:latin typeface="Cambria Math" charset="0"/>
+                            <a:ea typeface="Cambria Math" charset="0"/>
+                            <a:cs typeface="Cambria Math" charset="0"/>
+                          </a:rPr>
+                          <m:t>𝑟</m:t>
+                        </m:r>
+                        <m:r>
+                          <a:rPr lang="en-US" i="1">
+                            <a:latin typeface="Cambria Math" charset="0"/>
+                            <a:ea typeface="Cambria Math" charset="0"/>
+                            <a:cs typeface="Cambria Math" charset="0"/>
+                          </a:rPr>
+                          <m:t>|</m:t>
+                        </m:r>
+                        <m:r>
+                          <a:rPr lang="en-US" i="1">
+                            <a:latin typeface="Cambria Math" charset="0"/>
+                            <a:ea typeface="Cambria Math" charset="0"/>
+                            <a:cs typeface="Cambria Math" charset="0"/>
+                          </a:rPr>
+                          <m:t>𝐿</m:t>
+                        </m:r>
+                        <m:r>
+                          <a:rPr lang="en-US" i="1">
+                            <a:latin typeface="Cambria Math" charset="0"/>
+                            <a:ea typeface="Cambria Math" charset="0"/>
+                            <a:cs typeface="Cambria Math" charset="0"/>
+                          </a:rPr>
+                          <m:t>)</m:t>
+                        </m:r>
+                      </m:oMath>
+                    </m:oMathPara>
+                  </a14:m>
+                  <a:endParaRPr lang="en-US" dirty="0"/>
+                </a:p>
+              </p:txBody>
+            </p:sp>
+          </mc:Choice>
+          <mc:Fallback>
+            <p:sp>
+              <p:nvSpPr>
+                <p:cNvPr id="32" name="Rectangle 31"/>
+                <p:cNvSpPr>
+                  <a:spLocks noRot="1" noChangeAspect="1" noMove="1" noResize="1" noEditPoints="1" noAdjustHandles="1" noChangeArrowheads="1" noChangeShapeType="1" noTextEdit="1"/>
+                </p:cNvSpPr>
+                <p:nvPr/>
+              </p:nvSpPr>
+              <p:spPr>
+                <a:xfrm>
+                  <a:off x="5990919" y="4159828"/>
+                  <a:ext cx="934062" cy="269298"/>
+                </a:xfrm>
+                <a:prstGeom prst="rect">
+                  <a:avLst/>
+                </a:prstGeom>
+                <a:blipFill rotWithShape="0">
+                  <a:blip r:embed="rId19"/>
+                  <a:stretch>
+                    <a:fillRect t="-128889" r="-7190" b="-200000"/>
+                  </a:stretch>
+                </a:blipFill>
+              </p:spPr>
+              <p:txBody>
+                <a:bodyPr/>
+                <a:lstStyle/>
+                <a:p>
+                  <a:r>
+                    <a:rPr lang="en-US">
+                      <a:noFill/>
+                    </a:rPr>
+                    <a:t> </a:t>
+                  </a:r>
+                </a:p>
+              </p:txBody>
+            </p:sp>
+          </mc:Fallback>
+        </mc:AlternateContent>
         <p:cxnSp>
           <p:nvCxnSpPr>
-            <p:cNvPr id="123" name="Elbow Connector 122"/>
-            <p:cNvCxnSpPr/>
+            <p:cNvPr id="34" name="Elbow Connector 33"/>
+            <p:cNvCxnSpPr>
+              <a:stCxn id="32" idx="0"/>
+              <a:endCxn id="122" idx="2"/>
+            </p:cNvCxnSpPr>
+            <p:nvPr/>
+          </p:nvCxnSpPr>
+          <p:spPr>
+            <a:xfrm rot="5400000" flipH="1" flipV="1">
+              <a:off x="6515515" y="3208391"/>
+              <a:ext cx="893873" cy="1009002"/>
+            </a:xfrm>
+            <a:prstGeom prst="bentConnector2">
+              <a:avLst/>
+            </a:prstGeom>
+            <a:ln>
+              <a:solidFill>
+                <a:schemeClr val="tx1"/>
+              </a:solidFill>
+              <a:tailEnd type="triangle"/>
+            </a:ln>
+          </p:spPr>
+          <p:style>
+            <a:lnRef idx="1">
+              <a:schemeClr val="accent1"/>
+            </a:lnRef>
+            <a:fillRef idx="0">
+              <a:schemeClr val="accent1"/>
+            </a:fillRef>
+            <a:effectRef idx="0">
+              <a:schemeClr val="accent1"/>
+            </a:effectRef>
+            <a:fontRef idx="minor">
+              <a:schemeClr val="tx1"/>
+            </a:fontRef>
+          </p:style>
+        </p:cxnSp>
+        <p:cxnSp>
+          <p:nvCxnSpPr>
+            <p:cNvPr id="35" name="Elbow Connector 34"/>
+            <p:cNvCxnSpPr>
+              <a:stCxn id="100" idx="3"/>
+              <a:endCxn id="32" idx="2"/>
+            </p:cNvCxnSpPr>
             <p:nvPr/>
           </p:nvCxnSpPr>
           <p:spPr>
             <a:xfrm flipV="1">
-              <a:off x="5656335" y="3265955"/>
-              <a:ext cx="1810617" cy="2354732"/>
+              <a:off x="5656335" y="4429126"/>
+              <a:ext cx="801615" cy="1191561"/>
             </a:xfrm>
-            <a:prstGeom prst="bentConnector3">
+            <a:prstGeom prst="bentConnector2">
               <a:avLst/>
             </a:prstGeom>
             <a:ln>
@@ -19288,7 +19464,7 @@
                                           </p:stCondLst>
                                         </p:cTn>
                                         <p:tgtEl>
-                                          <p:spTgt spid="5"/>
+                                          <p:spTgt spid="10"/>
                                         </p:tgtEl>
                                         <p:attrNameLst>
                                           <p:attrName>style.visibility</p:attrName>
@@ -19302,7 +19478,7 @@
                                       <p:cBhvr>
                                         <p:cTn id="12" dur="500"/>
                                         <p:tgtEl>
-                                          <p:spTgt spid="5"/>
+                                          <p:spTgt spid="10"/>
                                         </p:tgtEl>
                                       </p:cBhvr>
                                     </p:animEffect>
@@ -19374,11 +19550,7 @@
           <a:p>
             <a:r>
               <a:rPr lang="en-US" dirty="0" smtClean="0"/>
-              <a:t>Comparison with </a:t>
-            </a:r>
-            <a:r>
-              <a:rPr lang="en-US" dirty="0" smtClean="0"/>
-              <a:t>MINERVA (Path-Finder)</a:t>
+              <a:t>Comparison with MINERVA (Path-Finder)</a:t>
             </a:r>
             <a:endParaRPr lang="en-US" dirty="0"/>
           </a:p>
@@ -23370,7 +23542,7 @@
             <p:spPr>
               <a:xfrm>
                 <a:off x="81908" y="6321438"/>
-                <a:ext cx="1852366" cy="531877"/>
+                <a:ext cx="2148280" cy="531877"/>
               </a:xfrm>
               <a:prstGeom prst="rect">
                 <a:avLst/>
@@ -23540,6 +23712,17 @@
                         </a:rPr>
                         <m:t>−</m:t>
                       </m:r>
+                      <m:r>
+                        <a:rPr lang="en-US" sz="1400" b="0" i="1" smtClean="0">
+                          <a:solidFill>
+                            <a:prstClr val="black"/>
+                          </a:solidFill>
+                          <a:latin typeface="Cambria Math" charset="0"/>
+                          <a:ea typeface="Cambria Math" charset="0"/>
+                          <a:cs typeface="Cambria Math" charset="0"/>
+                        </a:rPr>
+                        <m:t>𝑙𝑜𝑔</m:t>
+                      </m:r>
                       <m:f>
                         <m:fPr>
                           <m:ctrlPr>
@@ -23652,7 +23835,7 @@
             <p:spPr>
               <a:xfrm>
                 <a:off x="81908" y="6321438"/>
-                <a:ext cx="1852366" cy="531877"/>
+                <a:ext cx="2148280" cy="531877"/>
               </a:xfrm>
               <a:prstGeom prst="rect">
                 <a:avLst/>
@@ -24107,8 +24290,8 @@
           </a:graphicData>
         </a:graphic>
       </p:graphicFrame>
-      <mc:AlternateContent xmlns:mc="http://schemas.openxmlformats.org/markup-compatibility/2006">
-        <mc:Choice xmlns:a14="http://schemas.microsoft.com/office/drawing/2010/main" Requires="a14">
+      <mc:AlternateContent xmlns:mc="http://schemas.openxmlformats.org/markup-compatibility/2006" xmlns:a14="http://schemas.microsoft.com/office/drawing/2010/main">
+        <mc:Choice Requires="a14">
           <p:graphicFrame>
             <p:nvGraphicFramePr>
               <p:cNvPr id="8" name="Table 7"/>
@@ -24438,13 +24621,7 @@
                                   <a:rPr lang="en-US" sz="1600" b="0" i="1" smtClean="0">
                                     <a:latin typeface="Cambria Math" charset="0"/>
                                   </a:rPr>
-                                  <m:t>=</m:t>
-                                </m:r>
-                                <m:r>
-                                  <a:rPr lang="en-US" sz="1600" b="0" i="1" smtClean="0">
-                                    <a:latin typeface="Cambria Math" charset="0"/>
-                                  </a:rPr>
-                                  <m:t>16</m:t>
+                                  <m:t>=16</m:t>
                                 </m:r>
                               </m:oMath>
                             </m:oMathPara>
@@ -24460,7 +24637,7 @@
             </a:graphic>
           </p:graphicFrame>
         </mc:Choice>
-        <mc:Fallback>
+        <mc:Fallback xmlns="">
           <p:graphicFrame>
             <p:nvGraphicFramePr>
               <p:cNvPr id="8" name="Table 7"/>
@@ -24796,8 +24973,8 @@
           </a:p>
         </p:txBody>
       </p:sp>
-      <mc:AlternateContent xmlns:mc="http://schemas.openxmlformats.org/markup-compatibility/2006">
-        <mc:Choice xmlns:a14="http://schemas.microsoft.com/office/drawing/2010/main" Requires="a14">
+      <mc:AlternateContent xmlns:mc="http://schemas.openxmlformats.org/markup-compatibility/2006" xmlns:a14="http://schemas.microsoft.com/office/drawing/2010/main">
+        <mc:Choice Requires="a14">
           <p:sp>
             <p:nvSpPr>
               <p:cNvPr id="11" name="TextBox 10"/>
@@ -24952,7 +25129,7 @@
             </p:txBody>
           </p:sp>
         </mc:Choice>
-        <mc:Fallback>
+        <mc:Fallback xmlns="">
           <p:sp>
             <p:nvSpPr>
               <p:cNvPr id="11" name="TextBox 10"/>
@@ -28596,7 +28773,7 @@
                             </p:stCondLst>
                             <p:childTnLst>
                               <p:par>
-                                <p:cTn id="5" presetID="3" presetClass="entr" presetSubtype="10" fill="hold" grpId="0" nodeType="clickEffect">
+                                <p:cTn id="5" presetID="3" presetClass="entr" presetSubtype="10" fill="hold" nodeType="clickEffect">
                                   <p:stCondLst>
                                     <p:cond delay="0"/>
                                   </p:stCondLst>
@@ -28609,7 +28786,7 @@
                                           </p:stCondLst>
                                         </p:cTn>
                                         <p:tgtEl>
-                                          <p:spTgt spid="11"/>
+                                          <p:spTgt spid="79"/>
                                         </p:tgtEl>
                                         <p:attrNameLst>
                                           <p:attrName>style.visibility</p:attrName>
@@ -28623,7 +28800,7 @@
                                       <p:cBhvr>
                                         <p:cTn id="7" dur="500"/>
                                         <p:tgtEl>
-                                          <p:spTgt spid="11"/>
+                                          <p:spTgt spid="79"/>
                                         </p:tgtEl>
                                       </p:cBhvr>
                                     </p:animEffect>
@@ -28662,7 +28839,7 @@
                                           </p:stCondLst>
                                         </p:cTn>
                                         <p:tgtEl>
-                                          <p:spTgt spid="79"/>
+                                          <p:spTgt spid="96"/>
                                         </p:tgtEl>
                                         <p:attrNameLst>
                                           <p:attrName>style.visibility</p:attrName>
@@ -28676,7 +28853,7 @@
                                       <p:cBhvr>
                                         <p:cTn id="12" dur="500"/>
                                         <p:tgtEl>
-                                          <p:spTgt spid="79"/>
+                                          <p:spTgt spid="96"/>
                                         </p:tgtEl>
                                       </p:cBhvr>
                                     </p:animEffect>
@@ -28715,7 +28892,7 @@
                                           </p:stCondLst>
                                         </p:cTn>
                                         <p:tgtEl>
-                                          <p:spTgt spid="96"/>
+                                          <p:spTgt spid="85"/>
                                         </p:tgtEl>
                                         <p:attrNameLst>
                                           <p:attrName>style.visibility</p:attrName>
@@ -28729,7 +28906,7 @@
                                       <p:cBhvr>
                                         <p:cTn id="17" dur="500"/>
                                         <p:tgtEl>
-                                          <p:spTgt spid="96"/>
+                                          <p:spTgt spid="85"/>
                                         </p:tgtEl>
                                       </p:cBhvr>
                                     </p:animEffect>
@@ -28755,7 +28932,7 @@
                             </p:stCondLst>
                             <p:childTnLst>
                               <p:par>
-                                <p:cTn id="20" presetID="3" presetClass="entr" presetSubtype="10" fill="hold" nodeType="clickEffect">
+                                <p:cTn id="20" presetID="3" presetClass="entr" presetSubtype="10" fill="hold" grpId="1" nodeType="clickEffect">
                                   <p:stCondLst>
                                     <p:cond delay="0"/>
                                   </p:stCondLst>
@@ -28768,7 +28945,7 @@
                                           </p:stCondLst>
                                         </p:cTn>
                                         <p:tgtEl>
-                                          <p:spTgt spid="85"/>
+                                          <p:spTgt spid="11"/>
                                         </p:tgtEl>
                                         <p:attrNameLst>
                                           <p:attrName>style.visibility</p:attrName>
@@ -28782,7 +28959,7 @@
                                       <p:cBhvr>
                                         <p:cTn id="22" dur="500"/>
                                         <p:tgtEl>
-                                          <p:spTgt spid="85"/>
+                                          <p:spTgt spid="11"/>
                                         </p:tgtEl>
                                       </p:cBhvr>
                                     </p:animEffect>
@@ -28817,7 +28994,7 @@
       </p:par>
     </p:tnLst>
     <p:bldLst>
-      <p:bldP spid="11" grpId="0"/>
+      <p:bldP spid="11" grpId="1"/>
     </p:bldLst>
   </p:timing>
 </p:sld>
@@ -29644,10 +29821,105 @@
           <a:lstStyle/>
           <a:p>
             <a:r>
+              <a:rPr lang="en-US" dirty="0"/>
+              <a:t>Conclusion and Future Work</a:t>
+            </a:r>
+          </a:p>
+        </p:txBody>
+      </p:sp>
+      <p:sp>
+        <p:nvSpPr>
+          <p:cNvPr id="3" name="Content Placeholder 2"/>
+          <p:cNvSpPr>
+            <a:spLocks noGrp="1"/>
+          </p:cNvSpPr>
+          <p:nvPr>
+            <p:ph idx="1"/>
+          </p:nvPr>
+        </p:nvSpPr>
+        <p:spPr/>
+        <p:txBody>
+          <a:bodyPr>
+            <a:normAutofit/>
+          </a:bodyPr>
+          <a:lstStyle/>
+          <a:p>
+            <a:pPr>
+              <a:buFont typeface="Wingdings" charset="2"/>
+              <a:buChar char="Ø"/>
+            </a:pPr>
+            <a:r>
               <a:rPr lang="en-US" dirty="0" smtClean="0"/>
-              <a:t>Error Analysis</a:t>
+              <a:t> Conclusions</a:t>
+            </a:r>
+          </a:p>
+          <a:p>
+            <a:pPr lvl="1">
+              <a:buFont typeface="Wingdings" charset="2"/>
+              <a:buChar char="Ø"/>
+            </a:pPr>
+            <a:r>
+              <a:rPr lang="en-US" dirty="0" smtClean="0"/>
+              <a:t> Our framework can be seen as a new </a:t>
+            </a:r>
+            <a:r>
+              <a:rPr lang="en-US" dirty="0" err="1" smtClean="0"/>
+              <a:t>variational</a:t>
+            </a:r>
+            <a:r>
+              <a:rPr lang="en-US" dirty="0" smtClean="0"/>
+              <a:t> inference framework to deal </a:t>
+            </a:r>
+            <a:r>
+              <a:rPr lang="en-US" dirty="0"/>
+              <a:t>with sequential </a:t>
+            </a:r>
+            <a:r>
+              <a:rPr lang="en-US" dirty="0" smtClean="0"/>
+              <a:t>latent variables.</a:t>
+            </a:r>
+          </a:p>
+          <a:p>
+            <a:pPr lvl="1">
+              <a:buFont typeface="Wingdings" charset="2"/>
+              <a:buChar char="Ø"/>
+            </a:pPr>
+            <a:r>
+              <a:rPr lang="en-US" dirty="0" smtClean="0"/>
+              <a:t> Our model shows its strength to deal with more complex graph structures.</a:t>
             </a:r>
             <a:endParaRPr lang="en-US" dirty="0"/>
+          </a:p>
+          <a:p>
+            <a:pPr lvl="1">
+              <a:buFont typeface="Wingdings" charset="2"/>
+              <a:buChar char="Ø"/>
+            </a:pPr>
+            <a:endParaRPr lang="en-US" dirty="0"/>
+          </a:p>
+          <a:p>
+            <a:pPr>
+              <a:buFont typeface="Wingdings" charset="2"/>
+              <a:buChar char="Ø"/>
+            </a:pPr>
+            <a:r>
+              <a:rPr lang="en-US" dirty="0" smtClean="0"/>
+              <a:t> Future Directions</a:t>
+            </a:r>
+          </a:p>
+          <a:p>
+            <a:pPr lvl="1">
+              <a:buFont typeface="Wingdings" charset="2"/>
+              <a:buChar char="Ø"/>
+            </a:pPr>
+            <a:r>
+              <a:rPr lang="en-US" dirty="0"/>
+              <a:t> </a:t>
+            </a:r>
+            <a:r>
+              <a:rPr lang="en-US" dirty="0" smtClean="0"/>
+              <a:t>Extend our model to resolve more tasks with sequential latent variables.</a:t>
+            </a:r>
           </a:p>
         </p:txBody>
       </p:sp>
@@ -29674,908 +29946,63 @@
           </a:p>
         </p:txBody>
       </p:sp>
-      <mc:AlternateContent xmlns:mc="http://schemas.openxmlformats.org/markup-compatibility/2006">
-        <mc:Choice xmlns:a14="http://schemas.microsoft.com/office/drawing/2010/main" Requires="a14">
-          <p:graphicFrame>
-            <p:nvGraphicFramePr>
-              <p:cNvPr id="5" name="Table 4"/>
-              <p:cNvGraphicFramePr>
-                <a:graphicFrameLocks noGrp="1"/>
-              </p:cNvGraphicFramePr>
-              <p:nvPr>
-                <p:extLst>
-                  <p:ext uri="{D42A27DB-BD31-4B8C-83A1-F6EECF244321}">
-                    <p14:modId xmlns:p14="http://schemas.microsoft.com/office/powerpoint/2010/main" val="1638251691"/>
-                  </p:ext>
-                </p:extLst>
-              </p:nvPr>
-            </p:nvGraphicFramePr>
-            <p:xfrm>
-              <a:off x="1031966" y="1420559"/>
-              <a:ext cx="6645767" cy="1463040"/>
-            </p:xfrm>
-            <a:graphic>
-              <a:graphicData uri="http://schemas.openxmlformats.org/drawingml/2006/table">
-                <a:tbl>
-                  <a:tblPr firstRow="1" bandRow="1">
-                    <a:tableStyleId>{5C22544A-7EE6-4342-B048-85BDC9FD1C3A}</a:tableStyleId>
-                  </a:tblPr>
-                  <a:tblGrid>
-                    <a:gridCol w="2194559"/>
-                    <a:gridCol w="2116183"/>
-                    <a:gridCol w="2335025"/>
-                  </a:tblGrid>
-                  <a:tr h="288388">
-                    <a:tc>
-                      <a:txBody>
-                        <a:bodyPr/>
-                        <a:lstStyle/>
-                        <a:p>
-                          <a:r>
-                            <a:rPr lang="en-US" dirty="0" smtClean="0"/>
-                            <a:t>Error Type</a:t>
-                          </a:r>
-                          <a:endParaRPr lang="en-US" dirty="0"/>
-                        </a:p>
-                      </a:txBody>
-                      <a:tcPr/>
-                    </a:tc>
-                    <a:tc>
-                      <a:txBody>
-                        <a:bodyPr/>
-                        <a:lstStyle/>
-                        <a:p>
-                          <a:r>
-                            <a:rPr lang="en-US" dirty="0" smtClean="0"/>
-                            <a:t>Positive Sample</a:t>
-                          </a:r>
-                          <a:endParaRPr lang="en-US" dirty="0"/>
-                        </a:p>
-                      </a:txBody>
-                      <a:tcPr/>
-                    </a:tc>
-                    <a:tc>
-                      <a:txBody>
-                        <a:bodyPr/>
-                        <a:lstStyle/>
-                        <a:p>
-                          <a:r>
-                            <a:rPr lang="en-US" dirty="0" smtClean="0"/>
-                            <a:t>Negative Sample</a:t>
-                          </a:r>
-                          <a:endParaRPr lang="en-US" dirty="0"/>
-                        </a:p>
-                      </a:txBody>
-                      <a:tcPr/>
-                    </a:tc>
-                  </a:tr>
-                  <a:tr h="288388">
-                    <a:tc rowSpan="2">
-                      <a:txBody>
-                        <a:bodyPr/>
-                        <a:lstStyle/>
-                        <a:p>
-                          <a:pPr algn="ctr"/>
-                          <a:r>
-                            <a:rPr lang="en-US" dirty="0" smtClean="0"/>
-                            <a:t>Path-finder</a:t>
-                          </a:r>
-                          <a:r>
-                            <a:rPr lang="en-US" baseline="0" dirty="0" smtClean="0"/>
-                            <a:t> Error</a:t>
-                          </a:r>
-                          <a:endParaRPr lang="en-US" dirty="0"/>
-                        </a:p>
-                      </a:txBody>
-                      <a:tcPr/>
-                    </a:tc>
-                    <a:tc>
-                      <a:txBody>
-                        <a:bodyPr/>
-                        <a:lstStyle/>
-                        <a:p>
-                          <a:r>
-                            <a:rPr lang="en-US" dirty="0" smtClean="0"/>
-                            <a:t>✖ (find no paths)</a:t>
-                          </a:r>
-                          <a:endParaRPr lang="en-US" dirty="0"/>
-                        </a:p>
-                      </a:txBody>
-                      <a:tcPr/>
-                    </a:tc>
-                    <a:tc>
-                      <a:txBody>
-                        <a:bodyPr/>
-                        <a:lstStyle/>
-                        <a:p>
-                          <a:pPr marL="0" marR="0" indent="0" algn="l" defTabSz="914400" rtl="0" eaLnBrk="1" fontAlgn="auto" latinLnBrk="0" hangingPunct="1">
-                            <a:lnSpc>
-                              <a:spcPct val="100000"/>
-                            </a:lnSpc>
-                            <a:spcBef>
-                              <a:spcPts val="0"/>
-                            </a:spcBef>
-                            <a:spcAft>
-                              <a:spcPts val="0"/>
-                            </a:spcAft>
-                            <a:buClrTx/>
-                            <a:buSzTx/>
-                            <a:buFontTx/>
-                            <a:buNone/>
-                            <a:tabLst/>
-                            <a:defRPr/>
-                          </a:pPr>
-                          <a:r>
-                            <a:rPr lang="en-US" dirty="0" smtClean="0"/>
-                            <a:t>✔ (find paths)</a:t>
-                          </a:r>
-                        </a:p>
-                      </a:txBody>
-                      <a:tcPr/>
-                    </a:tc>
-                  </a:tr>
-                  <a:tr h="288388">
-                    <a:tc vMerge="1">
-                      <a:txBody>
-                        <a:bodyPr/>
-                        <a:lstStyle/>
-                        <a:p>
-                          <a:endParaRPr lang="en-US" dirty="0"/>
-                        </a:p>
-                      </a:txBody>
-                      <a:tcPr/>
-                    </a:tc>
-                    <a:tc>
-                      <a:txBody>
-                        <a:bodyPr/>
-                        <a:lstStyle/>
-                        <a:p>
-                          <a:pPr marL="0" marR="0" indent="0" algn="l" defTabSz="914400" rtl="0" eaLnBrk="1" fontAlgn="auto" latinLnBrk="0" hangingPunct="1">
-                            <a:lnSpc>
-                              <a:spcPct val="100000"/>
-                            </a:lnSpc>
-                            <a:spcBef>
-                              <a:spcPts val="0"/>
-                            </a:spcBef>
-                            <a:spcAft>
-                              <a:spcPts val="0"/>
-                            </a:spcAft>
-                            <a:buClrTx/>
-                            <a:buSzTx/>
-                            <a:buFontTx/>
-                            <a:buNone/>
-                            <a:tabLst/>
-                            <a:defRPr/>
-                          </a:pPr>
-                          <a:r>
-                            <a:rPr lang="en-US" dirty="0" smtClean="0"/>
-                            <a:t>✖ (find no paths)</a:t>
-                          </a:r>
-                        </a:p>
-                      </a:txBody>
-                      <a:tcPr/>
-                    </a:tc>
-                    <a:tc>
-                      <a:txBody>
-                        <a:bodyPr/>
-                        <a:lstStyle/>
-                        <a:p>
-                          <a:pPr marL="0" marR="0" indent="0" algn="l" defTabSz="914400" rtl="0" eaLnBrk="1" fontAlgn="auto" latinLnBrk="0" hangingPunct="1">
-                            <a:lnSpc>
-                              <a:spcPct val="100000"/>
-                            </a:lnSpc>
-                            <a:spcBef>
-                              <a:spcPts val="0"/>
-                            </a:spcBef>
-                            <a:spcAft>
-                              <a:spcPts val="0"/>
-                            </a:spcAft>
-                            <a:buClrTx/>
-                            <a:buSzTx/>
-                            <a:buFontTx/>
-                            <a:buNone/>
-                            <a:tabLst/>
-                            <a:defRPr/>
-                          </a:pPr>
-                          <a:r>
-                            <a:rPr lang="en-US" dirty="0" smtClean="0"/>
-                            <a:t>✖ (find no paths)</a:t>
-                          </a:r>
-                        </a:p>
-                      </a:txBody>
-                      <a:tcPr/>
-                    </a:tc>
-                  </a:tr>
-                  <a:tr h="288388">
-                    <a:tc>
-                      <a:txBody>
-                        <a:bodyPr/>
-                        <a:lstStyle/>
-                        <a:p>
-                          <a:pPr marL="0" marR="0" indent="0" algn="ctr" defTabSz="914400" rtl="0" eaLnBrk="1" fontAlgn="auto" latinLnBrk="0" hangingPunct="1">
-                            <a:lnSpc>
-                              <a:spcPct val="100000"/>
-                            </a:lnSpc>
-                            <a:spcBef>
-                              <a:spcPts val="0"/>
-                            </a:spcBef>
-                            <a:spcAft>
-                              <a:spcPts val="0"/>
-                            </a:spcAft>
-                            <a:buClrTx/>
-                            <a:buSzTx/>
-                            <a:buFontTx/>
-                            <a:buNone/>
-                            <a:tabLst/>
-                            <a:defRPr/>
-                          </a:pPr>
-                          <a:r>
-                            <a:rPr lang="en-US" dirty="0" smtClean="0"/>
-                            <a:t>Path-reasoner</a:t>
-                          </a:r>
-                          <a:r>
-                            <a:rPr lang="en-US" baseline="0" dirty="0" smtClean="0"/>
-                            <a:t> Error</a:t>
-                          </a:r>
-                          <a:endParaRPr lang="en-US" dirty="0" smtClean="0"/>
-                        </a:p>
-                      </a:txBody>
-                      <a:tcPr/>
-                    </a:tc>
-                    <a:tc gridSpan="2">
-                      <a:txBody>
-                        <a:bodyPr/>
-                        <a:lstStyle/>
-                        <a:p>
-                          <a:pPr marL="0" marR="0" indent="0" algn="ctr" defTabSz="914400" rtl="0" eaLnBrk="1" fontAlgn="auto" latinLnBrk="0" hangingPunct="1">
-                            <a:lnSpc>
-                              <a:spcPct val="100000"/>
-                            </a:lnSpc>
-                            <a:spcBef>
-                              <a:spcPts val="0"/>
-                            </a:spcBef>
-                            <a:spcAft>
-                              <a:spcPts val="0"/>
-                            </a:spcAft>
-                            <a:buClrTx/>
-                            <a:buSzTx/>
-                            <a:buFontTx/>
-                            <a:buNone/>
-                            <a:tabLst/>
-                            <a:defRPr/>
-                          </a:pPr>
-                          <a14:m>
-                            <m:oMath xmlns:m="http://schemas.openxmlformats.org/officeDocument/2006/math">
-                              <m:r>
-                                <a:rPr lang="en-US" b="0" i="1" smtClean="0">
-                                  <a:latin typeface="Cambria Math" charset="0"/>
-                                </a:rPr>
-                                <m:t>𝑝</m:t>
-                              </m:r>
-                              <m:r>
-                                <a:rPr lang="en-US" b="0" i="1" smtClean="0">
-                                  <a:latin typeface="Cambria Math" charset="0"/>
-                                </a:rPr>
-                                <m:t>(</m:t>
-                              </m:r>
-                              <m:r>
-                                <a:rPr lang="en-US" b="0" i="1" smtClean="0">
-                                  <a:latin typeface="Cambria Math" charset="0"/>
-                                </a:rPr>
-                                <m:t>𝑟</m:t>
-                              </m:r>
-                              <m:r>
-                                <a:rPr lang="en-US" b="0" i="1" smtClean="0">
-                                  <a:latin typeface="Cambria Math" charset="0"/>
-                                </a:rPr>
-                                <m:t>|</m:t>
-                              </m:r>
-                              <m:sSup>
-                                <m:sSupPr>
-                                  <m:ctrlPr>
-                                    <a:rPr lang="en-US" b="0" i="1" smtClean="0">
-                                      <a:latin typeface="Cambria Math" charset="0"/>
-                                    </a:rPr>
-                                  </m:ctrlPr>
-                                </m:sSupPr>
-                                <m:e>
-                                  <m:r>
-                                    <a:rPr lang="en-US" b="0" i="1" smtClean="0">
-                                      <a:latin typeface="Cambria Math" charset="0"/>
-                                    </a:rPr>
-                                    <m:t>𝐿</m:t>
-                                  </m:r>
-                                </m:e>
-                                <m:sup>
-                                  <m:r>
-                                    <a:rPr lang="en-US" b="0" i="1" smtClean="0">
-                                      <a:latin typeface="Cambria Math" charset="0"/>
-                                    </a:rPr>
-                                    <m:t>+</m:t>
-                                  </m:r>
-                                </m:sup>
-                              </m:sSup>
-                              <m:r>
-                                <a:rPr lang="en-US" b="0" i="1" smtClean="0">
-                                  <a:latin typeface="Cambria Math" charset="0"/>
-                                </a:rPr>
-                                <m:t>)</m:t>
-                              </m:r>
-                            </m:oMath>
-                          </a14:m>
-                          <a:r>
-                            <a:rPr lang="en-US" baseline="0" dirty="0" smtClean="0"/>
-                            <a:t> &lt; </a:t>
-                          </a:r>
-                          <a14:m>
-                            <m:oMath xmlns:m="http://schemas.openxmlformats.org/officeDocument/2006/math">
-                              <m:r>
-                                <a:rPr lang="en-US" b="0" i="1" smtClean="0">
-                                  <a:latin typeface="Cambria Math" charset="0"/>
-                                </a:rPr>
-                                <m:t>𝑝</m:t>
-                              </m:r>
-                              <m:r>
-                                <a:rPr lang="en-US" b="0" i="1" smtClean="0">
-                                  <a:latin typeface="Cambria Math" charset="0"/>
-                                </a:rPr>
-                                <m:t>(</m:t>
-                              </m:r>
-                              <m:r>
-                                <a:rPr lang="en-US" b="0" i="1" smtClean="0">
-                                  <a:latin typeface="Cambria Math" charset="0"/>
-                                </a:rPr>
-                                <m:t>𝑟</m:t>
-                              </m:r>
-                              <m:r>
-                                <a:rPr lang="en-US" b="0" i="1" smtClean="0">
-                                  <a:latin typeface="Cambria Math" charset="0"/>
-                                </a:rPr>
-                                <m:t>|</m:t>
-                              </m:r>
-                              <m:sSup>
-                                <m:sSupPr>
-                                  <m:ctrlPr>
-                                    <a:rPr lang="en-US" b="0" i="1" smtClean="0">
-                                      <a:latin typeface="Cambria Math" charset="0"/>
-                                    </a:rPr>
-                                  </m:ctrlPr>
-                                </m:sSupPr>
-                                <m:e>
-                                  <m:r>
-                                    <a:rPr lang="en-US" b="0" i="1" smtClean="0">
-                                      <a:latin typeface="Cambria Math" charset="0"/>
-                                    </a:rPr>
-                                    <m:t>𝐿</m:t>
-                                  </m:r>
-                                </m:e>
-                                <m:sup>
-                                  <m:r>
-                                    <a:rPr lang="en-US" b="0" i="1" smtClean="0">
-                                      <a:latin typeface="Cambria Math" charset="0"/>
-                                    </a:rPr>
-                                    <m:t>−</m:t>
-                                  </m:r>
-                                </m:sup>
-                              </m:sSup>
-                              <m:r>
-                                <a:rPr lang="en-US" b="0" i="1" smtClean="0">
-                                  <a:latin typeface="Cambria Math" charset="0"/>
-                                </a:rPr>
-                                <m:t>)</m:t>
-                              </m:r>
-                            </m:oMath>
-                          </a14:m>
-                          <a:endParaRPr lang="en-US" dirty="0" smtClean="0"/>
-                        </a:p>
-                      </a:txBody>
-                      <a:tcPr/>
-                    </a:tc>
-                    <a:tc hMerge="1">
-                      <a:txBody>
-                        <a:bodyPr/>
-                        <a:lstStyle/>
-                        <a:p>
-                          <a:pPr marL="0" marR="0" indent="0" algn="ctr" defTabSz="914400" rtl="0" eaLnBrk="1" fontAlgn="auto" latinLnBrk="0" hangingPunct="1">
-                            <a:lnSpc>
-                              <a:spcPct val="100000"/>
-                            </a:lnSpc>
-                            <a:spcBef>
-                              <a:spcPts val="0"/>
-                            </a:spcBef>
-                            <a:spcAft>
-                              <a:spcPts val="0"/>
-                            </a:spcAft>
-                            <a:buClrTx/>
-                            <a:buSzTx/>
-                            <a:buFontTx/>
-                            <a:buNone/>
-                            <a:tabLst/>
-                            <a:defRPr/>
-                          </a:pPr>
-                          <a:endParaRPr lang="en-US" dirty="0" smtClean="0"/>
-                        </a:p>
-                      </a:txBody>
-                      <a:tcPr/>
-                    </a:tc>
-                  </a:tr>
-                </a:tbl>
-              </a:graphicData>
-            </a:graphic>
-          </p:graphicFrame>
-        </mc:Choice>
-        <mc:Fallback>
-          <p:graphicFrame>
-            <p:nvGraphicFramePr>
-              <p:cNvPr id="5" name="Table 4"/>
-              <p:cNvGraphicFramePr>
-                <a:graphicFrameLocks noGrp="1"/>
-              </p:cNvGraphicFramePr>
-              <p:nvPr>
-                <p:extLst>
-                  <p:ext uri="{D42A27DB-BD31-4B8C-83A1-F6EECF244321}">
-                    <p14:modId xmlns:p14="http://schemas.microsoft.com/office/powerpoint/2010/main" val="1638251691"/>
-                  </p:ext>
-                </p:extLst>
-              </p:nvPr>
-            </p:nvGraphicFramePr>
-            <p:xfrm>
-              <a:off x="1031966" y="1420559"/>
-              <a:ext cx="6645767" cy="1463040"/>
-            </p:xfrm>
-            <a:graphic>
-              <a:graphicData uri="http://schemas.openxmlformats.org/drawingml/2006/table">
-                <a:tbl>
-                  <a:tblPr firstRow="1" bandRow="1">
-                    <a:tableStyleId>{5C22544A-7EE6-4342-B048-85BDC9FD1C3A}</a:tableStyleId>
-                  </a:tblPr>
-                  <a:tblGrid>
-                    <a:gridCol w="2194559"/>
-                    <a:gridCol w="2116183"/>
-                    <a:gridCol w="2335025"/>
-                  </a:tblGrid>
-                  <a:tr h="365760">
-                    <a:tc>
-                      <a:txBody>
-                        <a:bodyPr/>
-                        <a:lstStyle/>
-                        <a:p>
-                          <a:r>
-                            <a:rPr lang="en-US" dirty="0" smtClean="0"/>
-                            <a:t>Error Type</a:t>
-                          </a:r>
-                          <a:endParaRPr lang="en-US" dirty="0"/>
-                        </a:p>
-                      </a:txBody>
-                      <a:tcPr/>
-                    </a:tc>
-                    <a:tc>
-                      <a:txBody>
-                        <a:bodyPr/>
-                        <a:lstStyle/>
-                        <a:p>
-                          <a:r>
-                            <a:rPr lang="en-US" dirty="0" smtClean="0"/>
-                            <a:t>Positive Sample</a:t>
-                          </a:r>
-                          <a:endParaRPr lang="en-US" dirty="0"/>
-                        </a:p>
-                      </a:txBody>
-                      <a:tcPr/>
-                    </a:tc>
-                    <a:tc>
-                      <a:txBody>
-                        <a:bodyPr/>
-                        <a:lstStyle/>
-                        <a:p>
-                          <a:r>
-                            <a:rPr lang="en-US" dirty="0" smtClean="0"/>
-                            <a:t>Negative Sample</a:t>
-                          </a:r>
-                          <a:endParaRPr lang="en-US" dirty="0"/>
-                        </a:p>
-                      </a:txBody>
-                      <a:tcPr/>
-                    </a:tc>
-                  </a:tr>
-                  <a:tr h="365760">
-                    <a:tc rowSpan="2">
-                      <a:txBody>
-                        <a:bodyPr/>
-                        <a:lstStyle/>
-                        <a:p>
-                          <a:pPr algn="ctr"/>
-                          <a:r>
-                            <a:rPr lang="en-US" dirty="0" smtClean="0"/>
-                            <a:t>Path-finder</a:t>
-                          </a:r>
-                          <a:r>
-                            <a:rPr lang="en-US" baseline="0" dirty="0" smtClean="0"/>
-                            <a:t> Error</a:t>
-                          </a:r>
-                          <a:endParaRPr lang="en-US" dirty="0"/>
-                        </a:p>
-                      </a:txBody>
-                      <a:tcPr/>
-                    </a:tc>
-                    <a:tc>
-                      <a:txBody>
-                        <a:bodyPr/>
-                        <a:lstStyle/>
-                        <a:p>
-                          <a:r>
-                            <a:rPr lang="en-US" dirty="0" smtClean="0"/>
-                            <a:t>✖ (find no paths)</a:t>
-                          </a:r>
-                          <a:endParaRPr lang="en-US" dirty="0"/>
-                        </a:p>
-                      </a:txBody>
-                      <a:tcPr/>
-                    </a:tc>
-                    <a:tc>
-                      <a:txBody>
-                        <a:bodyPr/>
-                        <a:lstStyle/>
-                        <a:p>
-                          <a:pPr marL="0" marR="0" indent="0" algn="l" defTabSz="914400" rtl="0" eaLnBrk="1" fontAlgn="auto" latinLnBrk="0" hangingPunct="1">
-                            <a:lnSpc>
-                              <a:spcPct val="100000"/>
-                            </a:lnSpc>
-                            <a:spcBef>
-                              <a:spcPts val="0"/>
-                            </a:spcBef>
-                            <a:spcAft>
-                              <a:spcPts val="0"/>
-                            </a:spcAft>
-                            <a:buClrTx/>
-                            <a:buSzTx/>
-                            <a:buFontTx/>
-                            <a:buNone/>
-                            <a:tabLst/>
-                            <a:defRPr/>
-                          </a:pPr>
-                          <a:r>
-                            <a:rPr lang="en-US" dirty="0" smtClean="0"/>
-                            <a:t>✔ (find paths)</a:t>
-                          </a:r>
-                        </a:p>
-                      </a:txBody>
-                      <a:tcPr/>
-                    </a:tc>
-                  </a:tr>
-                  <a:tr h="365760">
-                    <a:tc vMerge="1">
-                      <a:txBody>
-                        <a:bodyPr/>
-                        <a:lstStyle/>
-                        <a:p>
-                          <a:endParaRPr lang="en-US" dirty="0"/>
-                        </a:p>
-                      </a:txBody>
-                      <a:tcPr/>
-                    </a:tc>
-                    <a:tc>
-                      <a:txBody>
-                        <a:bodyPr/>
-                        <a:lstStyle/>
-                        <a:p>
-                          <a:pPr marL="0" marR="0" indent="0" algn="l" defTabSz="914400" rtl="0" eaLnBrk="1" fontAlgn="auto" latinLnBrk="0" hangingPunct="1">
-                            <a:lnSpc>
-                              <a:spcPct val="100000"/>
-                            </a:lnSpc>
-                            <a:spcBef>
-                              <a:spcPts val="0"/>
-                            </a:spcBef>
-                            <a:spcAft>
-                              <a:spcPts val="0"/>
-                            </a:spcAft>
-                            <a:buClrTx/>
-                            <a:buSzTx/>
-                            <a:buFontTx/>
-                            <a:buNone/>
-                            <a:tabLst/>
-                            <a:defRPr/>
-                          </a:pPr>
-                          <a:r>
-                            <a:rPr lang="en-US" dirty="0" smtClean="0"/>
-                            <a:t>✖ (find no paths)</a:t>
-                          </a:r>
-                        </a:p>
-                      </a:txBody>
-                      <a:tcPr/>
-                    </a:tc>
-                    <a:tc>
-                      <a:txBody>
-                        <a:bodyPr/>
-                        <a:lstStyle/>
-                        <a:p>
-                          <a:pPr marL="0" marR="0" indent="0" algn="l" defTabSz="914400" rtl="0" eaLnBrk="1" fontAlgn="auto" latinLnBrk="0" hangingPunct="1">
-                            <a:lnSpc>
-                              <a:spcPct val="100000"/>
-                            </a:lnSpc>
-                            <a:spcBef>
-                              <a:spcPts val="0"/>
-                            </a:spcBef>
-                            <a:spcAft>
-                              <a:spcPts val="0"/>
-                            </a:spcAft>
-                            <a:buClrTx/>
-                            <a:buSzTx/>
-                            <a:buFontTx/>
-                            <a:buNone/>
-                            <a:tabLst/>
-                            <a:defRPr/>
-                          </a:pPr>
-                          <a:r>
-                            <a:rPr lang="en-US" dirty="0" smtClean="0"/>
-                            <a:t>✖ (find no paths)</a:t>
-                          </a:r>
-                        </a:p>
-                      </a:txBody>
-                      <a:tcPr/>
-                    </a:tc>
-                  </a:tr>
-                  <a:tr h="365760">
-                    <a:tc>
-                      <a:txBody>
-                        <a:bodyPr/>
-                        <a:lstStyle/>
-                        <a:p>
-                          <a:pPr marL="0" marR="0" indent="0" algn="ctr" defTabSz="914400" rtl="0" eaLnBrk="1" fontAlgn="auto" latinLnBrk="0" hangingPunct="1">
-                            <a:lnSpc>
-                              <a:spcPct val="100000"/>
-                            </a:lnSpc>
-                            <a:spcBef>
-                              <a:spcPts val="0"/>
-                            </a:spcBef>
-                            <a:spcAft>
-                              <a:spcPts val="0"/>
-                            </a:spcAft>
-                            <a:buClrTx/>
-                            <a:buSzTx/>
-                            <a:buFontTx/>
-                            <a:buNone/>
-                            <a:tabLst/>
-                            <a:defRPr/>
-                          </a:pPr>
-                          <a:r>
-                            <a:rPr lang="en-US" dirty="0" smtClean="0"/>
-                            <a:t>Path-reasoner</a:t>
-                          </a:r>
-                          <a:r>
-                            <a:rPr lang="en-US" baseline="0" dirty="0" smtClean="0"/>
-                            <a:t> Error</a:t>
-                          </a:r>
-                          <a:endParaRPr lang="en-US" dirty="0" smtClean="0"/>
-                        </a:p>
-                      </a:txBody>
-                      <a:tcPr/>
-                    </a:tc>
-                    <a:tc gridSpan="2">
-                      <a:txBody>
-                        <a:bodyPr/>
-                        <a:lstStyle/>
-                        <a:p>
-                          <a:endParaRPr lang="en-US"/>
-                        </a:p>
-                      </a:txBody>
-                      <a:tcPr>
-                        <a:blipFill rotWithShape="0">
-                          <a:blip r:embed="rId2"/>
-                          <a:stretch>
-                            <a:fillRect l="-49384" t="-310000" r="-547" b="-25000"/>
-                          </a:stretch>
-                        </a:blipFill>
-                      </a:tcPr>
-                    </a:tc>
-                    <a:tc hMerge="1">
-                      <a:txBody>
-                        <a:bodyPr/>
-                        <a:lstStyle/>
-                        <a:p>
-                          <a:pPr marL="0" marR="0" indent="0" algn="ctr" defTabSz="914400" rtl="0" eaLnBrk="1" fontAlgn="auto" latinLnBrk="0" hangingPunct="1">
-                            <a:lnSpc>
-                              <a:spcPct val="100000"/>
-                            </a:lnSpc>
-                            <a:spcBef>
-                              <a:spcPts val="0"/>
-                            </a:spcBef>
-                            <a:spcAft>
-                              <a:spcPts val="0"/>
-                            </a:spcAft>
-                            <a:buClrTx/>
-                            <a:buSzTx/>
-                            <a:buFontTx/>
-                            <a:buNone/>
-                            <a:tabLst/>
-                            <a:defRPr/>
-                          </a:pPr>
-                          <a:endParaRPr lang="en-US" dirty="0" smtClean="0"/>
-                        </a:p>
-                      </a:txBody>
-                      <a:tcPr/>
-                    </a:tc>
-                  </a:tr>
-                </a:tbl>
-              </a:graphicData>
-            </a:graphic>
-          </p:graphicFrame>
-        </mc:Fallback>
-      </mc:AlternateContent>
-      <p:graphicFrame>
-        <p:nvGraphicFramePr>
-          <p:cNvPr id="14" name="Content Placeholder 3"/>
-          <p:cNvGraphicFramePr>
-            <a:graphicFrameLocks/>
-          </p:cNvGraphicFramePr>
-          <p:nvPr>
-            <p:extLst>
-              <p:ext uri="{D42A27DB-BD31-4B8C-83A1-F6EECF244321}">
-                <p14:modId xmlns:p14="http://schemas.microsoft.com/office/powerpoint/2010/main" val="1185522998"/>
-              </p:ext>
-            </p:extLst>
-          </p:nvPr>
-        </p:nvGraphicFramePr>
-        <p:xfrm>
-          <a:off x="2629327" y="3188240"/>
-          <a:ext cx="3451044" cy="3046350"/>
-        </p:xfrm>
-        <a:graphic>
-          <a:graphicData uri="http://schemas.openxmlformats.org/drawingml/2006/chart">
-            <c:chart xmlns:c="http://schemas.openxmlformats.org/drawingml/2006/chart" xmlns:r="http://schemas.openxmlformats.org/officeDocument/2006/relationships" r:id="rId3"/>
-          </a:graphicData>
-        </a:graphic>
-      </p:graphicFrame>
+      <p:sp>
+        <p:nvSpPr>
+          <p:cNvPr id="5" name="TextBox 4"/>
+          <p:cNvSpPr txBox="1"/>
+          <p:nvPr/>
+        </p:nvSpPr>
+        <p:spPr>
+          <a:xfrm>
+            <a:off x="409153" y="6420126"/>
+            <a:ext cx="3653396" cy="369332"/>
+          </a:xfrm>
+          <a:prstGeom prst="rect">
+            <a:avLst/>
+          </a:prstGeom>
+          <a:noFill/>
+        </p:spPr>
+        <p:txBody>
+          <a:bodyPr wrap="square" rtlCol="0">
+            <a:spAutoFit/>
+          </a:bodyPr>
+          <a:lstStyle/>
+          <a:p>
+            <a:r>
+              <a:rPr lang="en-US" dirty="0" smtClean="0"/>
+              <a:t>Das el al. 2017</a:t>
+            </a:r>
+            <a:endParaRPr lang="en-US" dirty="0"/>
+          </a:p>
+        </p:txBody>
+      </p:sp>
     </p:spTree>
+    <p:custDataLst>
+      <p:tags r:id="rId1"/>
+    </p:custDataLst>
     <p:extLst>
       <p:ext uri="{BB962C8B-B14F-4D97-AF65-F5344CB8AC3E}">
-        <p14:creationId xmlns:p14="http://schemas.microsoft.com/office/powerpoint/2010/main" val="688513463"/>
+        <p14:creationId xmlns:p14="http://schemas.microsoft.com/office/powerpoint/2010/main" val="303657901"/>
       </p:ext>
     </p:extLst>
   </p:cSld>
   <p:clrMapOvr>
     <a:masterClrMapping/>
   </p:clrMapOvr>
+  <mc:AlternateContent xmlns:mc="http://schemas.openxmlformats.org/markup-compatibility/2006" xmlns:p14="http://schemas.microsoft.com/office/powerpoint/2010/main">
+    <mc:Choice Requires="p14">
+      <p:transition spd="slow" p14:dur="2000" advTm="6384"/>
+    </mc:Choice>
+    <mc:Fallback xmlns="">
+      <p:transition spd="slow" advTm="6384"/>
+    </mc:Fallback>
+  </mc:AlternateContent>
   <p:timing>
     <p:tnLst>
       <p:par>
-        <p:cTn id="1" dur="indefinite" restart="never" nodeType="tmRoot">
-          <p:childTnLst>
-            <p:seq concurrent="1" nextAc="seek">
-              <p:cTn id="2" dur="indefinite" nodeType="mainSeq">
-                <p:childTnLst>
-                  <p:par>
-                    <p:cTn id="3" fill="hold">
-                      <p:stCondLst>
-                        <p:cond delay="indefinite"/>
-                      </p:stCondLst>
-                      <p:childTnLst>
-                        <p:par>
-                          <p:cTn id="4" fill="hold">
-                            <p:stCondLst>
-                              <p:cond delay="0"/>
-                            </p:stCondLst>
-                            <p:childTnLst>
-                              <p:par>
-                                <p:cTn id="5" presetID="3" presetClass="entr" presetSubtype="10" fill="hold" nodeType="clickEffect">
-                                  <p:stCondLst>
-                                    <p:cond delay="0"/>
-                                  </p:stCondLst>
-                                  <p:childTnLst>
-                                    <p:set>
-                                      <p:cBhvr>
-                                        <p:cTn id="6" dur="1" fill="hold">
-                                          <p:stCondLst>
-                                            <p:cond delay="0"/>
-                                          </p:stCondLst>
-                                        </p:cTn>
-                                        <p:tgtEl>
-                                          <p:spTgt spid="5"/>
-                                        </p:tgtEl>
-                                        <p:attrNameLst>
-                                          <p:attrName>style.visibility</p:attrName>
-                                        </p:attrNameLst>
-                                      </p:cBhvr>
-                                      <p:to>
-                                        <p:strVal val="visible"/>
-                                      </p:to>
-                                    </p:set>
-                                    <p:animEffect transition="in" filter="blinds(horizontal)">
-                                      <p:cBhvr>
-                                        <p:cTn id="7" dur="500"/>
-                                        <p:tgtEl>
-                                          <p:spTgt spid="5"/>
-                                        </p:tgtEl>
-                                      </p:cBhvr>
-                                    </p:animEffect>
-                                  </p:childTnLst>
-                                </p:cTn>
-                              </p:par>
-                            </p:childTnLst>
-                          </p:cTn>
-                        </p:par>
-                      </p:childTnLst>
-                    </p:cTn>
-                  </p:par>
-                  <p:par>
-                    <p:cTn id="8" fill="hold">
-                      <p:stCondLst>
-                        <p:cond delay="indefinite"/>
-                      </p:stCondLst>
-                      <p:childTnLst>
-                        <p:par>
-                          <p:cTn id="9" fill="hold">
-                            <p:stCondLst>
-                              <p:cond delay="0"/>
-                            </p:stCondLst>
-                            <p:childTnLst>
-                              <p:par>
-                                <p:cTn id="10" presetID="3" presetClass="entr" presetSubtype="10" fill="hold" grpId="0" nodeType="clickEffect">
-                                  <p:stCondLst>
-                                    <p:cond delay="0"/>
-                                  </p:stCondLst>
-                                  <p:childTnLst>
-                                    <p:set>
-                                      <p:cBhvr>
-                                        <p:cTn id="11" dur="1" fill="hold">
-                                          <p:stCondLst>
-                                            <p:cond delay="0"/>
-                                          </p:stCondLst>
-                                        </p:cTn>
-                                        <p:tgtEl>
-                                          <p:spTgt spid="14"/>
-                                        </p:tgtEl>
-                                        <p:attrNameLst>
-                                          <p:attrName>style.visibility</p:attrName>
-                                        </p:attrNameLst>
-                                      </p:cBhvr>
-                                      <p:to>
-                                        <p:strVal val="visible"/>
-                                      </p:to>
-                                    </p:set>
-                                    <p:animEffect transition="in" filter="blinds(horizontal)">
-                                      <p:cBhvr>
-                                        <p:cTn id="12" dur="500"/>
-                                        <p:tgtEl>
-                                          <p:spTgt spid="14"/>
-                                        </p:tgtEl>
-                                      </p:cBhvr>
-                                    </p:animEffect>
-                                  </p:childTnLst>
-                                </p:cTn>
-                              </p:par>
-                            </p:childTnLst>
-                          </p:cTn>
-                        </p:par>
-                      </p:childTnLst>
-                    </p:cTn>
-                  </p:par>
-                </p:childTnLst>
-              </p:cTn>
-              <p:prevCondLst>
-                <p:cond evt="onPrev" delay="0">
-                  <p:tgtEl>
-                    <p:sldTgt/>
-                  </p:tgtEl>
-                </p:cond>
-              </p:prevCondLst>
-              <p:nextCondLst>
-                <p:cond evt="onNext" delay="0">
-                  <p:tgtEl>
-                    <p:sldTgt/>
-                  </p:tgtEl>
-                </p:cond>
-              </p:nextCondLst>
-            </p:seq>
-          </p:childTnLst>
-        </p:cTn>
+        <p:cTn id="1" dur="indefinite" restart="never" nodeType="tmRoot"/>
       </p:par>
     </p:tnLst>
-    <p:bldLst>
-      <p:bldGraphic spid="14" grpId="0">
-        <p:bldAsOne/>
-      </p:bldGraphic>
-    </p:bldLst>
   </p:timing>
 </p:sld>
 </file>
@@ -32553,126 +31980,6 @@
       </p:grpSpPr>
       <p:sp>
         <p:nvSpPr>
-          <p:cNvPr id="2" name="Title 1"/>
-          <p:cNvSpPr>
-            <a:spLocks noGrp="1"/>
-          </p:cNvSpPr>
-          <p:nvPr>
-            <p:ph type="title"/>
-          </p:nvPr>
-        </p:nvSpPr>
-        <p:spPr/>
-        <p:txBody>
-          <a:bodyPr/>
-          <a:lstStyle/>
-          <a:p>
-            <a:r>
-              <a:rPr lang="en-US" dirty="0"/>
-              <a:t>Conclusion and Future Work</a:t>
-            </a:r>
-          </a:p>
-        </p:txBody>
-      </p:sp>
-      <p:sp>
-        <p:nvSpPr>
-          <p:cNvPr id="3" name="Content Placeholder 2"/>
-          <p:cNvSpPr>
-            <a:spLocks noGrp="1"/>
-          </p:cNvSpPr>
-          <p:nvPr>
-            <p:ph idx="1"/>
-          </p:nvPr>
-        </p:nvSpPr>
-        <p:spPr/>
-        <p:txBody>
-          <a:bodyPr>
-            <a:normAutofit/>
-          </a:bodyPr>
-          <a:lstStyle/>
-          <a:p>
-            <a:pPr>
-              <a:buFont typeface="Wingdings" charset="2"/>
-              <a:buChar char="Ø"/>
-            </a:pPr>
-            <a:r>
-              <a:rPr lang="en-US" dirty="0" smtClean="0"/>
-              <a:t> Conclusions</a:t>
-            </a:r>
-          </a:p>
-          <a:p>
-            <a:pPr lvl="1">
-              <a:buFont typeface="Wingdings" charset="2"/>
-              <a:buChar char="Ø"/>
-            </a:pPr>
-            <a:r>
-              <a:rPr lang="en-US" dirty="0" smtClean="0"/>
-              <a:t> Our framework can be seen as a new </a:t>
-            </a:r>
-            <a:r>
-              <a:rPr lang="en-US" dirty="0" err="1" smtClean="0"/>
-              <a:t>variational</a:t>
-            </a:r>
-            <a:r>
-              <a:rPr lang="en-US" dirty="0" smtClean="0"/>
-              <a:t> inference framework to deal </a:t>
-            </a:r>
-            <a:r>
-              <a:rPr lang="en-US" dirty="0"/>
-              <a:t>with sequential </a:t>
-            </a:r>
-            <a:r>
-              <a:rPr lang="en-US" dirty="0" smtClean="0"/>
-              <a:t>latent variables.</a:t>
-            </a:r>
-            <a:endParaRPr lang="en-US" dirty="0" smtClean="0"/>
-          </a:p>
-          <a:p>
-            <a:pPr lvl="1">
-              <a:buFont typeface="Wingdings" charset="2"/>
-              <a:buChar char="Ø"/>
-            </a:pPr>
-            <a:r>
-              <a:rPr lang="en-US" dirty="0" smtClean="0"/>
-              <a:t> Our model shows its strength to deal with more complex graph structures.</a:t>
-            </a:r>
-            <a:endParaRPr lang="en-US" dirty="0"/>
-          </a:p>
-          <a:p>
-            <a:pPr lvl="1">
-              <a:buFont typeface="Wingdings" charset="2"/>
-              <a:buChar char="Ø"/>
-            </a:pPr>
-            <a:endParaRPr lang="en-US" dirty="0"/>
-          </a:p>
-          <a:p>
-            <a:pPr>
-              <a:buFont typeface="Wingdings" charset="2"/>
-              <a:buChar char="Ø"/>
-            </a:pPr>
-            <a:r>
-              <a:rPr lang="en-US" dirty="0" smtClean="0"/>
-              <a:t> Future Directions</a:t>
-            </a:r>
-          </a:p>
-          <a:p>
-            <a:pPr lvl="1">
-              <a:buFont typeface="Wingdings" charset="2"/>
-              <a:buChar char="Ø"/>
-            </a:pPr>
-            <a:r>
-              <a:rPr lang="en-US" dirty="0"/>
-              <a:t> </a:t>
-            </a:r>
-            <a:r>
-              <a:rPr lang="en-US" dirty="0" smtClean="0"/>
-              <a:t>Extend our model to resolve more tasks with sequential latent variables.</a:t>
-            </a:r>
-            <a:endParaRPr lang="en-US" dirty="0" smtClean="0"/>
-          </a:p>
-        </p:txBody>
-      </p:sp>
-      <p:sp>
-        <p:nvSpPr>
           <p:cNvPr id="4" name="Slide Number Placeholder 3"/>
           <p:cNvSpPr>
             <a:spLocks noGrp="1"/>
@@ -32689,107 +31996,6 @@
             <a:fld id="{7065BB2C-E040-0B41-A79C-72407BBCFFEE}" type="slidenum">
               <a:rPr lang="en-US" smtClean="0"/>
               <a:t>20</a:t>
-            </a:fld>
-            <a:endParaRPr lang="en-US"/>
-          </a:p>
-        </p:txBody>
-      </p:sp>
-      <p:sp>
-        <p:nvSpPr>
-          <p:cNvPr id="5" name="TextBox 4"/>
-          <p:cNvSpPr txBox="1"/>
-          <p:nvPr/>
-        </p:nvSpPr>
-        <p:spPr>
-          <a:xfrm>
-            <a:off x="409153" y="6420126"/>
-            <a:ext cx="3653396" cy="369332"/>
-          </a:xfrm>
-          <a:prstGeom prst="rect">
-            <a:avLst/>
-          </a:prstGeom>
-          <a:noFill/>
-        </p:spPr>
-        <p:txBody>
-          <a:bodyPr wrap="square" rtlCol="0">
-            <a:spAutoFit/>
-          </a:bodyPr>
-          <a:lstStyle/>
-          <a:p>
-            <a:r>
-              <a:rPr lang="en-US" dirty="0" smtClean="0"/>
-              <a:t>Das el al. 2017</a:t>
-            </a:r>
-            <a:endParaRPr lang="en-US" dirty="0"/>
-          </a:p>
-        </p:txBody>
-      </p:sp>
-    </p:spTree>
-    <p:custDataLst>
-      <p:tags r:id="rId1"/>
-    </p:custDataLst>
-    <p:extLst>
-      <p:ext uri="{BB962C8B-B14F-4D97-AF65-F5344CB8AC3E}">
-        <p14:creationId xmlns:p14="http://schemas.microsoft.com/office/powerpoint/2010/main" val="303657901"/>
-      </p:ext>
-    </p:extLst>
-  </p:cSld>
-  <p:clrMapOvr>
-    <a:masterClrMapping/>
-  </p:clrMapOvr>
-  <mc:AlternateContent xmlns:mc="http://schemas.openxmlformats.org/markup-compatibility/2006" xmlns:p14="http://schemas.microsoft.com/office/powerpoint/2010/main">
-    <mc:Choice Requires="p14">
-      <p:transition spd="slow" p14:dur="2000" advTm="6384"/>
-    </mc:Choice>
-    <mc:Fallback xmlns="">
-      <p:transition spd="slow" advTm="6384"/>
-    </mc:Fallback>
-  </mc:AlternateContent>
-  <p:timing>
-    <p:tnLst>
-      <p:par>
-        <p:cTn id="1" dur="indefinite" restart="never" nodeType="tmRoot"/>
-      </p:par>
-    </p:tnLst>
-  </p:timing>
-</p:sld>
-</file>
-
-<file path=ppt/slides/slide21.xml><?xml version="1.0" encoding="utf-8"?>
-<p:sld xmlns:a="http://schemas.openxmlformats.org/drawingml/2006/main" xmlns:r="http://schemas.openxmlformats.org/officeDocument/2006/relationships" xmlns:p="http://schemas.openxmlformats.org/presentationml/2006/main">
-  <p:cSld>
-    <p:spTree>
-      <p:nvGrpSpPr>
-        <p:cNvPr id="1" name=""/>
-        <p:cNvGrpSpPr/>
-        <p:nvPr/>
-      </p:nvGrpSpPr>
-      <p:grpSpPr>
-        <a:xfrm>
-          <a:off x="0" y="0"/>
-          <a:ext cx="0" cy="0"/>
-          <a:chOff x="0" y="0"/>
-          <a:chExt cx="0" cy="0"/>
-        </a:xfrm>
-      </p:grpSpPr>
-      <p:sp>
-        <p:nvSpPr>
-          <p:cNvPr id="4" name="Slide Number Placeholder 3"/>
-          <p:cNvSpPr>
-            <a:spLocks noGrp="1"/>
-          </p:cNvSpPr>
-          <p:nvPr>
-            <p:ph type="sldNum" sz="quarter" idx="12"/>
-          </p:nvPr>
-        </p:nvSpPr>
-        <p:spPr/>
-        <p:txBody>
-          <a:bodyPr/>
-          <a:lstStyle/>
-          <a:p>
-            <a:fld id="{7065BB2C-E040-0B41-A79C-72407BBCFFEE}" type="slidenum">
-              <a:rPr lang="en-US" smtClean="0"/>
-              <a:t>21</a:t>
             </a:fld>
             <a:endParaRPr lang="en-US"/>
           </a:p>
@@ -32826,6 +32032,72 @@
           </a:p>
         </p:txBody>
       </p:sp>
+      <p:sp>
+        <p:nvSpPr>
+          <p:cNvPr id="2" name="Rectangle 1"/>
+          <p:cNvSpPr/>
+          <p:nvPr/>
+        </p:nvSpPr>
+        <p:spPr>
+          <a:xfrm>
+            <a:off x="1205151" y="4412121"/>
+            <a:ext cx="6936378" cy="646331"/>
+          </a:xfrm>
+          <a:prstGeom prst="rect">
+            <a:avLst/>
+          </a:prstGeom>
+        </p:spPr>
+        <p:txBody>
+          <a:bodyPr wrap="square">
+            <a:spAutoFit/>
+          </a:bodyPr>
+          <a:lstStyle/>
+          <a:p>
+            <a:r>
+              <a:rPr lang="en-US" dirty="0" smtClean="0"/>
+              <a:t>PPT Link: </a:t>
+            </a:r>
+            <a:r>
+              <a:rPr lang="en-US" dirty="0" smtClean="0">
+                <a:hlinkClick r:id="rId3"/>
+              </a:rPr>
+              <a:t>https</a:t>
+            </a:r>
+            <a:r>
+              <a:rPr lang="en-US" dirty="0">
+                <a:hlinkClick r:id="rId3"/>
+              </a:rPr>
+              <a:t>://</a:t>
+            </a:r>
+            <a:r>
+              <a:rPr lang="en-US" dirty="0" smtClean="0">
+                <a:hlinkClick r:id="rId3"/>
+              </a:rPr>
+              <a:t>wenhuchen.github.io/images/naacl2018.pptx</a:t>
+            </a:r>
+            <a:endParaRPr lang="en-US" dirty="0" smtClean="0"/>
+          </a:p>
+          <a:p>
+            <a:r>
+              <a:rPr lang="en-US" dirty="0"/>
+              <a:t>Dataset link: </a:t>
+            </a:r>
+            <a:r>
+              <a:rPr lang="en-US" dirty="0">
+                <a:hlinkClick r:id="rId4"/>
+              </a:rPr>
+              <a:t>http://cs.ucsb.edu/~</a:t>
+            </a:r>
+            <a:r>
+              <a:rPr lang="en-US" dirty="0" smtClean="0">
+                <a:hlinkClick r:id="rId4"/>
+              </a:rPr>
+              <a:t>xwhan/datasets/NELL-995.zip</a:t>
+            </a:r>
+            <a:endParaRPr lang="en-US" dirty="0" smtClean="0"/>
+          </a:p>
+        </p:txBody>
+      </p:sp>
     </p:spTree>
     <p:extLst>
       <p:ext uri="{BB962C8B-B14F-4D97-AF65-F5344CB8AC3E}">
@@ -32844,6 +32116,1869 @@
       <p:transition spd="slow" advTm="30633"/>
     </mc:Fallback>
   </mc:AlternateContent>
+  <p:timing>
+    <p:tnLst>
+      <p:par>
+        <p:cTn id="1" dur="indefinite" restart="never" nodeType="tmRoot"/>
+      </p:par>
+    </p:tnLst>
+  </p:timing>
+</p:sld>
+</file>
+
+<file path=ppt/slides/slide21.xml><?xml version="1.0" encoding="utf-8"?>
+<p:sld xmlns:a="http://schemas.openxmlformats.org/drawingml/2006/main" xmlns:r="http://schemas.openxmlformats.org/officeDocument/2006/relationships" xmlns:p="http://schemas.openxmlformats.org/presentationml/2006/main">
+  <p:cSld>
+    <p:spTree>
+      <p:nvGrpSpPr>
+        <p:cNvPr id="1" name=""/>
+        <p:cNvGrpSpPr/>
+        <p:nvPr/>
+      </p:nvGrpSpPr>
+      <p:grpSpPr>
+        <a:xfrm>
+          <a:off x="0" y="0"/>
+          <a:ext cx="0" cy="0"/>
+          <a:chOff x="0" y="0"/>
+          <a:chExt cx="0" cy="0"/>
+        </a:xfrm>
+      </p:grpSpPr>
+      <p:sp>
+        <p:nvSpPr>
+          <p:cNvPr id="2" name="Title 1"/>
+          <p:cNvSpPr>
+            <a:spLocks noGrp="1"/>
+          </p:cNvSpPr>
+          <p:nvPr>
+            <p:ph type="title"/>
+          </p:nvPr>
+        </p:nvSpPr>
+        <p:spPr/>
+        <p:txBody>
+          <a:bodyPr/>
+          <a:lstStyle/>
+          <a:p>
+            <a:r>
+              <a:rPr lang="en-US" dirty="0" smtClean="0"/>
+              <a:t>Error Analysis</a:t>
+            </a:r>
+            <a:endParaRPr lang="en-US" dirty="0"/>
+          </a:p>
+        </p:txBody>
+      </p:sp>
+      <p:sp>
+        <p:nvSpPr>
+          <p:cNvPr id="4" name="Slide Number Placeholder 3"/>
+          <p:cNvSpPr>
+            <a:spLocks noGrp="1"/>
+          </p:cNvSpPr>
+          <p:nvPr>
+            <p:ph type="sldNum" sz="quarter" idx="12"/>
+          </p:nvPr>
+        </p:nvSpPr>
+        <p:spPr/>
+        <p:txBody>
+          <a:bodyPr/>
+          <a:lstStyle/>
+          <a:p>
+            <a:fld id="{7065BB2C-E040-0B41-A79C-72407BBCFFEE}" type="slidenum">
+              <a:rPr lang="en-US" smtClean="0"/>
+              <a:t>21</a:t>
+            </a:fld>
+            <a:endParaRPr lang="en-US"/>
+          </a:p>
+        </p:txBody>
+      </p:sp>
+      <mc:AlternateContent xmlns:mc="http://schemas.openxmlformats.org/markup-compatibility/2006" xmlns:a14="http://schemas.microsoft.com/office/drawing/2010/main">
+        <mc:Choice Requires="a14">
+          <p:graphicFrame>
+            <p:nvGraphicFramePr>
+              <p:cNvPr id="5" name="Table 4"/>
+              <p:cNvGraphicFramePr>
+                <a:graphicFrameLocks noGrp="1"/>
+              </p:cNvGraphicFramePr>
+              <p:nvPr>
+                <p:extLst>
+                  <p:ext uri="{D42A27DB-BD31-4B8C-83A1-F6EECF244321}">
+                    <p14:modId xmlns:p14="http://schemas.microsoft.com/office/powerpoint/2010/main" val="1638251691"/>
+                  </p:ext>
+                </p:extLst>
+              </p:nvPr>
+            </p:nvGraphicFramePr>
+            <p:xfrm>
+              <a:off x="1031966" y="1420559"/>
+              <a:ext cx="6645767" cy="1463040"/>
+            </p:xfrm>
+            <a:graphic>
+              <a:graphicData uri="http://schemas.openxmlformats.org/drawingml/2006/table">
+                <a:tbl>
+                  <a:tblPr firstRow="1" bandRow="1">
+                    <a:tableStyleId>{5C22544A-7EE6-4342-B048-85BDC9FD1C3A}</a:tableStyleId>
+                  </a:tblPr>
+                  <a:tblGrid>
+                    <a:gridCol w="2194559"/>
+                    <a:gridCol w="2116183"/>
+                    <a:gridCol w="2335025"/>
+                  </a:tblGrid>
+                  <a:tr h="288388">
+                    <a:tc>
+                      <a:txBody>
+                        <a:bodyPr/>
+                        <a:lstStyle/>
+                        <a:p>
+                          <a:r>
+                            <a:rPr lang="en-US" dirty="0" smtClean="0"/>
+                            <a:t>Error Type</a:t>
+                          </a:r>
+                          <a:endParaRPr lang="en-US" dirty="0"/>
+                        </a:p>
+                      </a:txBody>
+                      <a:tcPr/>
+                    </a:tc>
+                    <a:tc>
+                      <a:txBody>
+                        <a:bodyPr/>
+                        <a:lstStyle/>
+                        <a:p>
+                          <a:r>
+                            <a:rPr lang="en-US" dirty="0" smtClean="0"/>
+                            <a:t>Positive Sample</a:t>
+                          </a:r>
+                          <a:endParaRPr lang="en-US" dirty="0"/>
+                        </a:p>
+                      </a:txBody>
+                      <a:tcPr/>
+                    </a:tc>
+                    <a:tc>
+                      <a:txBody>
+                        <a:bodyPr/>
+                        <a:lstStyle/>
+                        <a:p>
+                          <a:r>
+                            <a:rPr lang="en-US" dirty="0" smtClean="0"/>
+                            <a:t>Negative Sample</a:t>
+                          </a:r>
+                          <a:endParaRPr lang="en-US" dirty="0"/>
+                        </a:p>
+                      </a:txBody>
+                      <a:tcPr/>
+                    </a:tc>
+                  </a:tr>
+                  <a:tr h="288388">
+                    <a:tc rowSpan="2">
+                      <a:txBody>
+                        <a:bodyPr/>
+                        <a:lstStyle/>
+                        <a:p>
+                          <a:pPr algn="ctr"/>
+                          <a:r>
+                            <a:rPr lang="en-US" dirty="0" smtClean="0"/>
+                            <a:t>Path-finder</a:t>
+                          </a:r>
+                          <a:r>
+                            <a:rPr lang="en-US" baseline="0" dirty="0" smtClean="0"/>
+                            <a:t> Error</a:t>
+                          </a:r>
+                          <a:endParaRPr lang="en-US" dirty="0"/>
+                        </a:p>
+                      </a:txBody>
+                      <a:tcPr/>
+                    </a:tc>
+                    <a:tc>
+                      <a:txBody>
+                        <a:bodyPr/>
+                        <a:lstStyle/>
+                        <a:p>
+                          <a:r>
+                            <a:rPr lang="en-US" dirty="0" smtClean="0"/>
+                            <a:t>✖ (find no paths)</a:t>
+                          </a:r>
+                          <a:endParaRPr lang="en-US" dirty="0"/>
+                        </a:p>
+                      </a:txBody>
+                      <a:tcPr/>
+                    </a:tc>
+                    <a:tc>
+                      <a:txBody>
+                        <a:bodyPr/>
+                        <a:lstStyle/>
+                        <a:p>
+                          <a:pPr marL="0" marR="0" indent="0" algn="l" defTabSz="914400" rtl="0" eaLnBrk="1" fontAlgn="auto" latinLnBrk="0" hangingPunct="1">
+                            <a:lnSpc>
+                              <a:spcPct val="100000"/>
+                            </a:lnSpc>
+                            <a:spcBef>
+                              <a:spcPts val="0"/>
+                            </a:spcBef>
+                            <a:spcAft>
+                              <a:spcPts val="0"/>
+                            </a:spcAft>
+                            <a:buClrTx/>
+                            <a:buSzTx/>
+                            <a:buFontTx/>
+                            <a:buNone/>
+                            <a:tabLst/>
+                            <a:defRPr/>
+                          </a:pPr>
+                          <a:r>
+                            <a:rPr lang="en-US" dirty="0" smtClean="0"/>
+                            <a:t>✔ (find paths)</a:t>
+                          </a:r>
+                        </a:p>
+                      </a:txBody>
+                      <a:tcPr/>
+                    </a:tc>
+                  </a:tr>
+                  <a:tr h="288388">
+                    <a:tc vMerge="1">
+                      <a:txBody>
+                        <a:bodyPr/>
+                        <a:lstStyle/>
+                        <a:p>
+                          <a:endParaRPr lang="en-US" dirty="0"/>
+                        </a:p>
+                      </a:txBody>
+                      <a:tcPr/>
+                    </a:tc>
+                    <a:tc>
+                      <a:txBody>
+                        <a:bodyPr/>
+                        <a:lstStyle/>
+                        <a:p>
+                          <a:pPr marL="0" marR="0" indent="0" algn="l" defTabSz="914400" rtl="0" eaLnBrk="1" fontAlgn="auto" latinLnBrk="0" hangingPunct="1">
+                            <a:lnSpc>
+                              <a:spcPct val="100000"/>
+                            </a:lnSpc>
+                            <a:spcBef>
+                              <a:spcPts val="0"/>
+                            </a:spcBef>
+                            <a:spcAft>
+                              <a:spcPts val="0"/>
+                            </a:spcAft>
+                            <a:buClrTx/>
+                            <a:buSzTx/>
+                            <a:buFontTx/>
+                            <a:buNone/>
+                            <a:tabLst/>
+                            <a:defRPr/>
+                          </a:pPr>
+                          <a:r>
+                            <a:rPr lang="en-US" dirty="0" smtClean="0"/>
+                            <a:t>✖ (find no paths)</a:t>
+                          </a:r>
+                        </a:p>
+                      </a:txBody>
+                      <a:tcPr/>
+                    </a:tc>
+                    <a:tc>
+                      <a:txBody>
+                        <a:bodyPr/>
+                        <a:lstStyle/>
+                        <a:p>
+                          <a:pPr marL="0" marR="0" indent="0" algn="l" defTabSz="914400" rtl="0" eaLnBrk="1" fontAlgn="auto" latinLnBrk="0" hangingPunct="1">
+                            <a:lnSpc>
+                              <a:spcPct val="100000"/>
+                            </a:lnSpc>
+                            <a:spcBef>
+                              <a:spcPts val="0"/>
+                            </a:spcBef>
+                            <a:spcAft>
+                              <a:spcPts val="0"/>
+                            </a:spcAft>
+                            <a:buClrTx/>
+                            <a:buSzTx/>
+                            <a:buFontTx/>
+                            <a:buNone/>
+                            <a:tabLst/>
+                            <a:defRPr/>
+                          </a:pPr>
+                          <a:r>
+                            <a:rPr lang="en-US" dirty="0" smtClean="0"/>
+                            <a:t>✖ (find no paths)</a:t>
+                          </a:r>
+                        </a:p>
+                      </a:txBody>
+                      <a:tcPr/>
+                    </a:tc>
+                  </a:tr>
+                  <a:tr h="288388">
+                    <a:tc>
+                      <a:txBody>
+                        <a:bodyPr/>
+                        <a:lstStyle/>
+                        <a:p>
+                          <a:pPr marL="0" marR="0" indent="0" algn="ctr" defTabSz="914400" rtl="0" eaLnBrk="1" fontAlgn="auto" latinLnBrk="0" hangingPunct="1">
+                            <a:lnSpc>
+                              <a:spcPct val="100000"/>
+                            </a:lnSpc>
+                            <a:spcBef>
+                              <a:spcPts val="0"/>
+                            </a:spcBef>
+                            <a:spcAft>
+                              <a:spcPts val="0"/>
+                            </a:spcAft>
+                            <a:buClrTx/>
+                            <a:buSzTx/>
+                            <a:buFontTx/>
+                            <a:buNone/>
+                            <a:tabLst/>
+                            <a:defRPr/>
+                          </a:pPr>
+                          <a:r>
+                            <a:rPr lang="en-US" dirty="0" smtClean="0"/>
+                            <a:t>Path-reasoner</a:t>
+                          </a:r>
+                          <a:r>
+                            <a:rPr lang="en-US" baseline="0" dirty="0" smtClean="0"/>
+                            <a:t> Error</a:t>
+                          </a:r>
+                          <a:endParaRPr lang="en-US" dirty="0" smtClean="0"/>
+                        </a:p>
+                      </a:txBody>
+                      <a:tcPr/>
+                    </a:tc>
+                    <a:tc gridSpan="2">
+                      <a:txBody>
+                        <a:bodyPr/>
+                        <a:lstStyle/>
+                        <a:p>
+                          <a:pPr marL="0" marR="0" indent="0" algn="ctr" defTabSz="914400" rtl="0" eaLnBrk="1" fontAlgn="auto" latinLnBrk="0" hangingPunct="1">
+                            <a:lnSpc>
+                              <a:spcPct val="100000"/>
+                            </a:lnSpc>
+                            <a:spcBef>
+                              <a:spcPts val="0"/>
+                            </a:spcBef>
+                            <a:spcAft>
+                              <a:spcPts val="0"/>
+                            </a:spcAft>
+                            <a:buClrTx/>
+                            <a:buSzTx/>
+                            <a:buFontTx/>
+                            <a:buNone/>
+                            <a:tabLst/>
+                            <a:defRPr/>
+                          </a:pPr>
+                          <a14:m>
+                            <m:oMath xmlns:m="http://schemas.openxmlformats.org/officeDocument/2006/math">
+                              <m:r>
+                                <a:rPr lang="en-US" b="0" i="1" smtClean="0">
+                                  <a:latin typeface="Cambria Math" charset="0"/>
+                                </a:rPr>
+                                <m:t>𝑝</m:t>
+                              </m:r>
+                              <m:r>
+                                <a:rPr lang="en-US" b="0" i="1" smtClean="0">
+                                  <a:latin typeface="Cambria Math" charset="0"/>
+                                </a:rPr>
+                                <m:t>(</m:t>
+                              </m:r>
+                              <m:r>
+                                <a:rPr lang="en-US" b="0" i="1" smtClean="0">
+                                  <a:latin typeface="Cambria Math" charset="0"/>
+                                </a:rPr>
+                                <m:t>𝑟</m:t>
+                              </m:r>
+                              <m:r>
+                                <a:rPr lang="en-US" b="0" i="1" smtClean="0">
+                                  <a:latin typeface="Cambria Math" charset="0"/>
+                                </a:rPr>
+                                <m:t>|</m:t>
+                              </m:r>
+                              <m:sSup>
+                                <m:sSupPr>
+                                  <m:ctrlPr>
+                                    <a:rPr lang="en-US" b="0" i="1" smtClean="0">
+                                      <a:latin typeface="Cambria Math" charset="0"/>
+                                    </a:rPr>
+                                  </m:ctrlPr>
+                                </m:sSupPr>
+                                <m:e>
+                                  <m:r>
+                                    <a:rPr lang="en-US" b="0" i="1" smtClean="0">
+                                      <a:latin typeface="Cambria Math" charset="0"/>
+                                    </a:rPr>
+                                    <m:t>𝐿</m:t>
+                                  </m:r>
+                                </m:e>
+                                <m:sup>
+                                  <m:r>
+                                    <a:rPr lang="en-US" b="0" i="1" smtClean="0">
+                                      <a:latin typeface="Cambria Math" charset="0"/>
+                                    </a:rPr>
+                                    <m:t>+</m:t>
+                                  </m:r>
+                                </m:sup>
+                              </m:sSup>
+                              <m:r>
+                                <a:rPr lang="en-US" b="0" i="1" smtClean="0">
+                                  <a:latin typeface="Cambria Math" charset="0"/>
+                                </a:rPr>
+                                <m:t>)</m:t>
+                              </m:r>
+                            </m:oMath>
+                          </a14:m>
+                          <a:r>
+                            <a:rPr lang="en-US" baseline="0" dirty="0" smtClean="0"/>
+                            <a:t> &lt; </a:t>
+                          </a:r>
+                          <a14:m>
+                            <m:oMath xmlns:m="http://schemas.openxmlformats.org/officeDocument/2006/math">
+                              <m:r>
+                                <a:rPr lang="en-US" b="0" i="1" smtClean="0">
+                                  <a:latin typeface="Cambria Math" charset="0"/>
+                                </a:rPr>
+                                <m:t>𝑝</m:t>
+                              </m:r>
+                              <m:r>
+                                <a:rPr lang="en-US" b="0" i="1" smtClean="0">
+                                  <a:latin typeface="Cambria Math" charset="0"/>
+                                </a:rPr>
+                                <m:t>(</m:t>
+                              </m:r>
+                              <m:r>
+                                <a:rPr lang="en-US" b="0" i="1" smtClean="0">
+                                  <a:latin typeface="Cambria Math" charset="0"/>
+                                </a:rPr>
+                                <m:t>𝑟</m:t>
+                              </m:r>
+                              <m:r>
+                                <a:rPr lang="en-US" b="0" i="1" smtClean="0">
+                                  <a:latin typeface="Cambria Math" charset="0"/>
+                                </a:rPr>
+                                <m:t>|</m:t>
+                              </m:r>
+                              <m:sSup>
+                                <m:sSupPr>
+                                  <m:ctrlPr>
+                                    <a:rPr lang="en-US" b="0" i="1" smtClean="0">
+                                      <a:latin typeface="Cambria Math" charset="0"/>
+                                    </a:rPr>
+                                  </m:ctrlPr>
+                                </m:sSupPr>
+                                <m:e>
+                                  <m:r>
+                                    <a:rPr lang="en-US" b="0" i="1" smtClean="0">
+                                      <a:latin typeface="Cambria Math" charset="0"/>
+                                    </a:rPr>
+                                    <m:t>𝐿</m:t>
+                                  </m:r>
+                                </m:e>
+                                <m:sup>
+                                  <m:r>
+                                    <a:rPr lang="en-US" b="0" i="1" smtClean="0">
+                                      <a:latin typeface="Cambria Math" charset="0"/>
+                                    </a:rPr>
+                                    <m:t>−</m:t>
+                                  </m:r>
+                                </m:sup>
+                              </m:sSup>
+                              <m:r>
+                                <a:rPr lang="en-US" b="0" i="1" smtClean="0">
+                                  <a:latin typeface="Cambria Math" charset="0"/>
+                                </a:rPr>
+                                <m:t>)</m:t>
+                              </m:r>
+                            </m:oMath>
+                          </a14:m>
+                          <a:endParaRPr lang="en-US" dirty="0" smtClean="0"/>
+                        </a:p>
+                      </a:txBody>
+                      <a:tcPr/>
+                    </a:tc>
+                    <a:tc hMerge="1">
+                      <a:txBody>
+                        <a:bodyPr/>
+                        <a:lstStyle/>
+                        <a:p>
+                          <a:pPr marL="0" marR="0" indent="0" algn="ctr" defTabSz="914400" rtl="0" eaLnBrk="1" fontAlgn="auto" latinLnBrk="0" hangingPunct="1">
+                            <a:lnSpc>
+                              <a:spcPct val="100000"/>
+                            </a:lnSpc>
+                            <a:spcBef>
+                              <a:spcPts val="0"/>
+                            </a:spcBef>
+                            <a:spcAft>
+                              <a:spcPts val="0"/>
+                            </a:spcAft>
+                            <a:buClrTx/>
+                            <a:buSzTx/>
+                            <a:buFontTx/>
+                            <a:buNone/>
+                            <a:tabLst/>
+                            <a:defRPr/>
+                          </a:pPr>
+                          <a:endParaRPr lang="en-US" dirty="0" smtClean="0"/>
+                        </a:p>
+                      </a:txBody>
+                      <a:tcPr/>
+                    </a:tc>
+                  </a:tr>
+                </a:tbl>
+              </a:graphicData>
+            </a:graphic>
+          </p:graphicFrame>
+        </mc:Choice>
+        <mc:Fallback xmlns="">
+          <p:graphicFrame>
+            <p:nvGraphicFramePr>
+              <p:cNvPr id="5" name="Table 4"/>
+              <p:cNvGraphicFramePr>
+                <a:graphicFrameLocks noGrp="1"/>
+              </p:cNvGraphicFramePr>
+              <p:nvPr>
+                <p:extLst>
+                  <p:ext uri="{D42A27DB-BD31-4B8C-83A1-F6EECF244321}">
+                    <p14:modId xmlns:p14="http://schemas.microsoft.com/office/powerpoint/2010/main" val="1638251691"/>
+                  </p:ext>
+                </p:extLst>
+              </p:nvPr>
+            </p:nvGraphicFramePr>
+            <p:xfrm>
+              <a:off x="1031966" y="1420559"/>
+              <a:ext cx="6645767" cy="1463040"/>
+            </p:xfrm>
+            <a:graphic>
+              <a:graphicData uri="http://schemas.openxmlformats.org/drawingml/2006/table">
+                <a:tbl>
+                  <a:tblPr firstRow="1" bandRow="1">
+                    <a:tableStyleId>{5C22544A-7EE6-4342-B048-85BDC9FD1C3A}</a:tableStyleId>
+                  </a:tblPr>
+                  <a:tblGrid>
+                    <a:gridCol w="2194559"/>
+                    <a:gridCol w="2116183"/>
+                    <a:gridCol w="2335025"/>
+                  </a:tblGrid>
+                  <a:tr h="365760">
+                    <a:tc>
+                      <a:txBody>
+                        <a:bodyPr/>
+                        <a:lstStyle/>
+                        <a:p>
+                          <a:r>
+                            <a:rPr lang="en-US" dirty="0" smtClean="0"/>
+                            <a:t>Error Type</a:t>
+                          </a:r>
+                          <a:endParaRPr lang="en-US" dirty="0"/>
+                        </a:p>
+                      </a:txBody>
+                      <a:tcPr/>
+                    </a:tc>
+                    <a:tc>
+                      <a:txBody>
+                        <a:bodyPr/>
+                        <a:lstStyle/>
+                        <a:p>
+                          <a:r>
+                            <a:rPr lang="en-US" dirty="0" smtClean="0"/>
+                            <a:t>Positive Sample</a:t>
+                          </a:r>
+                          <a:endParaRPr lang="en-US" dirty="0"/>
+                        </a:p>
+                      </a:txBody>
+                      <a:tcPr/>
+                    </a:tc>
+                    <a:tc>
+                      <a:txBody>
+                        <a:bodyPr/>
+                        <a:lstStyle/>
+                        <a:p>
+                          <a:r>
+                            <a:rPr lang="en-US" dirty="0" smtClean="0"/>
+                            <a:t>Negative Sample</a:t>
+                          </a:r>
+                          <a:endParaRPr lang="en-US" dirty="0"/>
+                        </a:p>
+                      </a:txBody>
+                      <a:tcPr/>
+                    </a:tc>
+                  </a:tr>
+                  <a:tr h="365760">
+                    <a:tc rowSpan="2">
+                      <a:txBody>
+                        <a:bodyPr/>
+                        <a:lstStyle/>
+                        <a:p>
+                          <a:pPr algn="ctr"/>
+                          <a:r>
+                            <a:rPr lang="en-US" dirty="0" smtClean="0"/>
+                            <a:t>Path-finder</a:t>
+                          </a:r>
+                          <a:r>
+                            <a:rPr lang="en-US" baseline="0" dirty="0" smtClean="0"/>
+                            <a:t> Error</a:t>
+                          </a:r>
+                          <a:endParaRPr lang="en-US" dirty="0"/>
+                        </a:p>
+                      </a:txBody>
+                      <a:tcPr/>
+                    </a:tc>
+                    <a:tc>
+                      <a:txBody>
+                        <a:bodyPr/>
+                        <a:lstStyle/>
+                        <a:p>
+                          <a:r>
+                            <a:rPr lang="en-US" dirty="0" smtClean="0"/>
+                            <a:t>✖ (find no paths)</a:t>
+                          </a:r>
+                          <a:endParaRPr lang="en-US" dirty="0"/>
+                        </a:p>
+                      </a:txBody>
+                      <a:tcPr/>
+                    </a:tc>
+                    <a:tc>
+                      <a:txBody>
+                        <a:bodyPr/>
+                        <a:lstStyle/>
+                        <a:p>
+                          <a:pPr marL="0" marR="0" indent="0" algn="l" defTabSz="914400" rtl="0" eaLnBrk="1" fontAlgn="auto" latinLnBrk="0" hangingPunct="1">
+                            <a:lnSpc>
+                              <a:spcPct val="100000"/>
+                            </a:lnSpc>
+                            <a:spcBef>
+                              <a:spcPts val="0"/>
+                            </a:spcBef>
+                            <a:spcAft>
+                              <a:spcPts val="0"/>
+                            </a:spcAft>
+                            <a:buClrTx/>
+                            <a:buSzTx/>
+                            <a:buFontTx/>
+                            <a:buNone/>
+                            <a:tabLst/>
+                            <a:defRPr/>
+                          </a:pPr>
+                          <a:r>
+                            <a:rPr lang="en-US" dirty="0" smtClean="0"/>
+                            <a:t>✔ (find paths)</a:t>
+                          </a:r>
+                        </a:p>
+                      </a:txBody>
+                      <a:tcPr/>
+                    </a:tc>
+                  </a:tr>
+                  <a:tr h="365760">
+                    <a:tc vMerge="1">
+                      <a:txBody>
+                        <a:bodyPr/>
+                        <a:lstStyle/>
+                        <a:p>
+                          <a:endParaRPr lang="en-US" dirty="0"/>
+                        </a:p>
+                      </a:txBody>
+                      <a:tcPr/>
+                    </a:tc>
+                    <a:tc>
+                      <a:txBody>
+                        <a:bodyPr/>
+                        <a:lstStyle/>
+                        <a:p>
+                          <a:pPr marL="0" marR="0" indent="0" algn="l" defTabSz="914400" rtl="0" eaLnBrk="1" fontAlgn="auto" latinLnBrk="0" hangingPunct="1">
+                            <a:lnSpc>
+                              <a:spcPct val="100000"/>
+                            </a:lnSpc>
+                            <a:spcBef>
+                              <a:spcPts val="0"/>
+                            </a:spcBef>
+                            <a:spcAft>
+                              <a:spcPts val="0"/>
+                            </a:spcAft>
+                            <a:buClrTx/>
+                            <a:buSzTx/>
+                            <a:buFontTx/>
+                            <a:buNone/>
+                            <a:tabLst/>
+                            <a:defRPr/>
+                          </a:pPr>
+                          <a:r>
+                            <a:rPr lang="en-US" dirty="0" smtClean="0"/>
+                            <a:t>✖ (find no paths)</a:t>
+                          </a:r>
+                        </a:p>
+                      </a:txBody>
+                      <a:tcPr/>
+                    </a:tc>
+                    <a:tc>
+                      <a:txBody>
+                        <a:bodyPr/>
+                        <a:lstStyle/>
+                        <a:p>
+                          <a:pPr marL="0" marR="0" indent="0" algn="l" defTabSz="914400" rtl="0" eaLnBrk="1" fontAlgn="auto" latinLnBrk="0" hangingPunct="1">
+                            <a:lnSpc>
+                              <a:spcPct val="100000"/>
+                            </a:lnSpc>
+                            <a:spcBef>
+                              <a:spcPts val="0"/>
+                            </a:spcBef>
+                            <a:spcAft>
+                              <a:spcPts val="0"/>
+                            </a:spcAft>
+                            <a:buClrTx/>
+                            <a:buSzTx/>
+                            <a:buFontTx/>
+                            <a:buNone/>
+                            <a:tabLst/>
+                            <a:defRPr/>
+                          </a:pPr>
+                          <a:r>
+                            <a:rPr lang="en-US" dirty="0" smtClean="0"/>
+                            <a:t>✖ (find no paths)</a:t>
+                          </a:r>
+                        </a:p>
+                      </a:txBody>
+                      <a:tcPr/>
+                    </a:tc>
+                  </a:tr>
+                  <a:tr h="365760">
+                    <a:tc>
+                      <a:txBody>
+                        <a:bodyPr/>
+                        <a:lstStyle/>
+                        <a:p>
+                          <a:pPr marL="0" marR="0" indent="0" algn="ctr" defTabSz="914400" rtl="0" eaLnBrk="1" fontAlgn="auto" latinLnBrk="0" hangingPunct="1">
+                            <a:lnSpc>
+                              <a:spcPct val="100000"/>
+                            </a:lnSpc>
+                            <a:spcBef>
+                              <a:spcPts val="0"/>
+                            </a:spcBef>
+                            <a:spcAft>
+                              <a:spcPts val="0"/>
+                            </a:spcAft>
+                            <a:buClrTx/>
+                            <a:buSzTx/>
+                            <a:buFontTx/>
+                            <a:buNone/>
+                            <a:tabLst/>
+                            <a:defRPr/>
+                          </a:pPr>
+                          <a:r>
+                            <a:rPr lang="en-US" dirty="0" smtClean="0"/>
+                            <a:t>Path-reasoner</a:t>
+                          </a:r>
+                          <a:r>
+                            <a:rPr lang="en-US" baseline="0" dirty="0" smtClean="0"/>
+                            <a:t> Error</a:t>
+                          </a:r>
+                          <a:endParaRPr lang="en-US" dirty="0" smtClean="0"/>
+                        </a:p>
+                      </a:txBody>
+                      <a:tcPr/>
+                    </a:tc>
+                    <a:tc gridSpan="2">
+                      <a:txBody>
+                        <a:bodyPr/>
+                        <a:lstStyle/>
+                        <a:p>
+                          <a:endParaRPr lang="en-US"/>
+                        </a:p>
+                      </a:txBody>
+                      <a:tcPr>
+                        <a:blipFill rotWithShape="0">
+                          <a:blip r:embed="rId2"/>
+                          <a:stretch>
+                            <a:fillRect l="-49384" t="-310000" r="-547" b="-25000"/>
+                          </a:stretch>
+                        </a:blipFill>
+                      </a:tcPr>
+                    </a:tc>
+                    <a:tc hMerge="1">
+                      <a:txBody>
+                        <a:bodyPr/>
+                        <a:lstStyle/>
+                        <a:p>
+                          <a:pPr marL="0" marR="0" indent="0" algn="ctr" defTabSz="914400" rtl="0" eaLnBrk="1" fontAlgn="auto" latinLnBrk="0" hangingPunct="1">
+                            <a:lnSpc>
+                              <a:spcPct val="100000"/>
+                            </a:lnSpc>
+                            <a:spcBef>
+                              <a:spcPts val="0"/>
+                            </a:spcBef>
+                            <a:spcAft>
+                              <a:spcPts val="0"/>
+                            </a:spcAft>
+                            <a:buClrTx/>
+                            <a:buSzTx/>
+                            <a:buFontTx/>
+                            <a:buNone/>
+                            <a:tabLst/>
+                            <a:defRPr/>
+                          </a:pPr>
+                          <a:endParaRPr lang="en-US" dirty="0" smtClean="0"/>
+                        </a:p>
+                      </a:txBody>
+                      <a:tcPr/>
+                    </a:tc>
+                  </a:tr>
+                </a:tbl>
+              </a:graphicData>
+            </a:graphic>
+          </p:graphicFrame>
+        </mc:Fallback>
+      </mc:AlternateContent>
+      <p:graphicFrame>
+        <p:nvGraphicFramePr>
+          <p:cNvPr id="14" name="Content Placeholder 3"/>
+          <p:cNvGraphicFramePr>
+            <a:graphicFrameLocks/>
+          </p:cNvGraphicFramePr>
+          <p:nvPr>
+            <p:extLst>
+              <p:ext uri="{D42A27DB-BD31-4B8C-83A1-F6EECF244321}">
+                <p14:modId xmlns:p14="http://schemas.microsoft.com/office/powerpoint/2010/main" val="1185522998"/>
+              </p:ext>
+            </p:extLst>
+          </p:nvPr>
+        </p:nvGraphicFramePr>
+        <p:xfrm>
+          <a:off x="2629327" y="3188240"/>
+          <a:ext cx="3451044" cy="3046350"/>
+        </p:xfrm>
+        <a:graphic>
+          <a:graphicData uri="http://schemas.openxmlformats.org/drawingml/2006/chart">
+            <c:chart xmlns:c="http://schemas.openxmlformats.org/drawingml/2006/chart" xmlns:r="http://schemas.openxmlformats.org/officeDocument/2006/relationships" r:id="rId3"/>
+          </a:graphicData>
+        </a:graphic>
+      </p:graphicFrame>
+    </p:spTree>
+    <p:extLst>
+      <p:ext uri="{BB962C8B-B14F-4D97-AF65-F5344CB8AC3E}">
+        <p14:creationId xmlns:p14="http://schemas.microsoft.com/office/powerpoint/2010/main" val="688513463"/>
+      </p:ext>
+    </p:extLst>
+  </p:cSld>
+  <p:clrMapOvr>
+    <a:masterClrMapping/>
+  </p:clrMapOvr>
+  <p:timing>
+    <p:tnLst>
+      <p:par>
+        <p:cTn id="1" dur="indefinite" restart="never" nodeType="tmRoot">
+          <p:childTnLst>
+            <p:seq concurrent="1" nextAc="seek">
+              <p:cTn id="2" dur="indefinite" nodeType="mainSeq">
+                <p:childTnLst>
+                  <p:par>
+                    <p:cTn id="3" fill="hold">
+                      <p:stCondLst>
+                        <p:cond delay="indefinite"/>
+                      </p:stCondLst>
+                      <p:childTnLst>
+                        <p:par>
+                          <p:cTn id="4" fill="hold">
+                            <p:stCondLst>
+                              <p:cond delay="0"/>
+                            </p:stCondLst>
+                            <p:childTnLst>
+                              <p:par>
+                                <p:cTn id="5" presetID="3" presetClass="entr" presetSubtype="10" fill="hold" nodeType="clickEffect">
+                                  <p:stCondLst>
+                                    <p:cond delay="0"/>
+                                  </p:stCondLst>
+                                  <p:childTnLst>
+                                    <p:set>
+                                      <p:cBhvr>
+                                        <p:cTn id="6" dur="1" fill="hold">
+                                          <p:stCondLst>
+                                            <p:cond delay="0"/>
+                                          </p:stCondLst>
+                                        </p:cTn>
+                                        <p:tgtEl>
+                                          <p:spTgt spid="5"/>
+                                        </p:tgtEl>
+                                        <p:attrNameLst>
+                                          <p:attrName>style.visibility</p:attrName>
+                                        </p:attrNameLst>
+                                      </p:cBhvr>
+                                      <p:to>
+                                        <p:strVal val="visible"/>
+                                      </p:to>
+                                    </p:set>
+                                    <p:animEffect transition="in" filter="blinds(horizontal)">
+                                      <p:cBhvr>
+                                        <p:cTn id="7" dur="500"/>
+                                        <p:tgtEl>
+                                          <p:spTgt spid="5"/>
+                                        </p:tgtEl>
+                                      </p:cBhvr>
+                                    </p:animEffect>
+                                  </p:childTnLst>
+                                </p:cTn>
+                              </p:par>
+                            </p:childTnLst>
+                          </p:cTn>
+                        </p:par>
+                      </p:childTnLst>
+                    </p:cTn>
+                  </p:par>
+                  <p:par>
+                    <p:cTn id="8" fill="hold">
+                      <p:stCondLst>
+                        <p:cond delay="indefinite"/>
+                      </p:stCondLst>
+                      <p:childTnLst>
+                        <p:par>
+                          <p:cTn id="9" fill="hold">
+                            <p:stCondLst>
+                              <p:cond delay="0"/>
+                            </p:stCondLst>
+                            <p:childTnLst>
+                              <p:par>
+                                <p:cTn id="10" presetID="3" presetClass="entr" presetSubtype="10" fill="hold" grpId="0" nodeType="clickEffect">
+                                  <p:stCondLst>
+                                    <p:cond delay="0"/>
+                                  </p:stCondLst>
+                                  <p:childTnLst>
+                                    <p:set>
+                                      <p:cBhvr>
+                                        <p:cTn id="11" dur="1" fill="hold">
+                                          <p:stCondLst>
+                                            <p:cond delay="0"/>
+                                          </p:stCondLst>
+                                        </p:cTn>
+                                        <p:tgtEl>
+                                          <p:spTgt spid="14"/>
+                                        </p:tgtEl>
+                                        <p:attrNameLst>
+                                          <p:attrName>style.visibility</p:attrName>
+                                        </p:attrNameLst>
+                                      </p:cBhvr>
+                                      <p:to>
+                                        <p:strVal val="visible"/>
+                                      </p:to>
+                                    </p:set>
+                                    <p:animEffect transition="in" filter="blinds(horizontal)">
+                                      <p:cBhvr>
+                                        <p:cTn id="12" dur="500"/>
+                                        <p:tgtEl>
+                                          <p:spTgt spid="14"/>
+                                        </p:tgtEl>
+                                      </p:cBhvr>
+                                    </p:animEffect>
+                                  </p:childTnLst>
+                                </p:cTn>
+                              </p:par>
+                            </p:childTnLst>
+                          </p:cTn>
+                        </p:par>
+                      </p:childTnLst>
+                    </p:cTn>
+                  </p:par>
+                </p:childTnLst>
+              </p:cTn>
+              <p:prevCondLst>
+                <p:cond evt="onPrev" delay="0">
+                  <p:tgtEl>
+                    <p:sldTgt/>
+                  </p:tgtEl>
+                </p:cond>
+              </p:prevCondLst>
+              <p:nextCondLst>
+                <p:cond evt="onNext" delay="0">
+                  <p:tgtEl>
+                    <p:sldTgt/>
+                  </p:tgtEl>
+                </p:cond>
+              </p:nextCondLst>
+            </p:seq>
+          </p:childTnLst>
+        </p:cTn>
+      </p:par>
+    </p:tnLst>
+    <p:bldLst>
+      <p:bldGraphic spid="14" grpId="0">
+        <p:bldAsOne/>
+      </p:bldGraphic>
+    </p:bldLst>
+  </p:timing>
+</p:sld>
+</file>
+
+<file path=ppt/slides/slide22.xml><?xml version="1.0" encoding="utf-8"?>
+<p:sld xmlns:a="http://schemas.openxmlformats.org/drawingml/2006/main" xmlns:r="http://schemas.openxmlformats.org/officeDocument/2006/relationships" xmlns:p="http://schemas.openxmlformats.org/presentationml/2006/main">
+  <p:cSld>
+    <p:spTree>
+      <p:nvGrpSpPr>
+        <p:cNvPr id="1" name=""/>
+        <p:cNvGrpSpPr/>
+        <p:nvPr/>
+      </p:nvGrpSpPr>
+      <p:grpSpPr>
+        <a:xfrm>
+          <a:off x="0" y="0"/>
+          <a:ext cx="0" cy="0"/>
+          <a:chOff x="0" y="0"/>
+          <a:chExt cx="0" cy="0"/>
+        </a:xfrm>
+      </p:grpSpPr>
+      <p:sp>
+        <p:nvSpPr>
+          <p:cNvPr id="2" name="Title 1"/>
+          <p:cNvSpPr>
+            <a:spLocks noGrp="1"/>
+          </p:cNvSpPr>
+          <p:nvPr>
+            <p:ph type="title"/>
+          </p:nvPr>
+        </p:nvSpPr>
+        <p:spPr/>
+        <p:txBody>
+          <a:bodyPr/>
+          <a:lstStyle/>
+          <a:p>
+            <a:r>
+              <a:rPr lang="en-US" dirty="0" smtClean="0"/>
+              <a:t>Prior &amp; Posterior</a:t>
+            </a:r>
+            <a:endParaRPr lang="en-US" dirty="0"/>
+          </a:p>
+        </p:txBody>
+      </p:sp>
+      <p:sp>
+        <p:nvSpPr>
+          <p:cNvPr id="4" name="Slide Number Placeholder 3"/>
+          <p:cNvSpPr>
+            <a:spLocks noGrp="1"/>
+          </p:cNvSpPr>
+          <p:nvPr>
+            <p:ph type="sldNum" sz="quarter" idx="12"/>
+          </p:nvPr>
+        </p:nvSpPr>
+        <p:spPr/>
+        <p:txBody>
+          <a:bodyPr/>
+          <a:lstStyle/>
+          <a:p>
+            <a:fld id="{7065BB2C-E040-0B41-A79C-72407BBCFFEE}" type="slidenum">
+              <a:rPr lang="en-US" smtClean="0"/>
+              <a:t>22</a:t>
+            </a:fld>
+            <a:endParaRPr lang="en-US"/>
+          </a:p>
+        </p:txBody>
+      </p:sp>
+      <p:grpSp>
+        <p:nvGrpSpPr>
+          <p:cNvPr id="14" name="Group 13"/>
+          <p:cNvGrpSpPr/>
+          <p:nvPr/>
+        </p:nvGrpSpPr>
+        <p:grpSpPr>
+          <a:xfrm>
+            <a:off x="2312125" y="4206239"/>
+            <a:ext cx="4297680" cy="744583"/>
+            <a:chOff x="1423851" y="3487782"/>
+            <a:chExt cx="4297680" cy="744583"/>
+          </a:xfrm>
+        </p:grpSpPr>
+        <p:cxnSp>
+          <p:nvCxnSpPr>
+            <p:cNvPr id="6" name="Straight Connector 5"/>
+            <p:cNvCxnSpPr/>
+            <p:nvPr/>
+          </p:nvCxnSpPr>
+          <p:spPr>
+            <a:xfrm>
+              <a:off x="1423851" y="4232365"/>
+              <a:ext cx="4297680" cy="0"/>
+            </a:xfrm>
+            <a:prstGeom prst="line">
+              <a:avLst/>
+            </a:prstGeom>
+            <a:ln>
+              <a:solidFill>
+                <a:schemeClr val="tx1"/>
+              </a:solidFill>
+            </a:ln>
+          </p:spPr>
+          <p:style>
+            <a:lnRef idx="1">
+              <a:schemeClr val="accent1"/>
+            </a:lnRef>
+            <a:fillRef idx="0">
+              <a:schemeClr val="accent1"/>
+            </a:fillRef>
+            <a:effectRef idx="0">
+              <a:schemeClr val="accent1"/>
+            </a:effectRef>
+            <a:fontRef idx="minor">
+              <a:schemeClr val="tx1"/>
+            </a:fontRef>
+          </p:style>
+        </p:cxnSp>
+        <p:sp>
+          <p:nvSpPr>
+            <p:cNvPr id="13" name="Freeform 12"/>
+            <p:cNvSpPr/>
+            <p:nvPr/>
+          </p:nvSpPr>
+          <p:spPr>
+            <a:xfrm>
+              <a:off x="1554479" y="3487782"/>
+              <a:ext cx="4075611" cy="651483"/>
+            </a:xfrm>
+            <a:custGeom>
+              <a:avLst/>
+              <a:gdLst>
+                <a:gd name="connsiteX0" fmla="*/ 0 w 4572000"/>
+                <a:gd name="connsiteY0" fmla="*/ 966957 h 1095926"/>
+                <a:gd name="connsiteX1" fmla="*/ 535578 w 4572000"/>
+                <a:gd name="connsiteY1" fmla="*/ 326877 h 1095926"/>
+                <a:gd name="connsiteX2" fmla="*/ 849086 w 4572000"/>
+                <a:gd name="connsiteY2" fmla="*/ 26431 h 1095926"/>
+                <a:gd name="connsiteX3" fmla="*/ 1188720 w 4572000"/>
+                <a:gd name="connsiteY3" fmla="*/ 980020 h 1095926"/>
+                <a:gd name="connsiteX4" fmla="*/ 1672046 w 4572000"/>
+                <a:gd name="connsiteY4" fmla="*/ 966957 h 1095926"/>
+                <a:gd name="connsiteX5" fmla="*/ 2011680 w 4572000"/>
+                <a:gd name="connsiteY5" fmla="*/ 39494 h 1095926"/>
+                <a:gd name="connsiteX6" fmla="*/ 2508069 w 4572000"/>
+                <a:gd name="connsiteY6" fmla="*/ 771014 h 1095926"/>
+                <a:gd name="connsiteX7" fmla="*/ 2926080 w 4572000"/>
+                <a:gd name="connsiteY7" fmla="*/ 1071460 h 1095926"/>
+                <a:gd name="connsiteX8" fmla="*/ 3735978 w 4572000"/>
+                <a:gd name="connsiteY8" fmla="*/ 170123 h 1095926"/>
+                <a:gd name="connsiteX9" fmla="*/ 4036423 w 4572000"/>
+                <a:gd name="connsiteY9" fmla="*/ 183186 h 1095926"/>
+                <a:gd name="connsiteX10" fmla="*/ 4153989 w 4572000"/>
+                <a:gd name="connsiteY10" fmla="*/ 888580 h 1095926"/>
+                <a:gd name="connsiteX11" fmla="*/ 4572000 w 4572000"/>
+                <a:gd name="connsiteY11" fmla="*/ 1032271 h 1095926"/>
+              </a:gdLst>
+              <a:ahLst/>
+              <a:cxnLst>
+                <a:cxn ang="0">
+                  <a:pos x="connsiteX0" y="connsiteY0"/>
+                </a:cxn>
+                <a:cxn ang="0">
+                  <a:pos x="connsiteX1" y="connsiteY1"/>
+                </a:cxn>
+                <a:cxn ang="0">
+                  <a:pos x="connsiteX2" y="connsiteY2"/>
+                </a:cxn>
+                <a:cxn ang="0">
+                  <a:pos x="connsiteX3" y="connsiteY3"/>
+                </a:cxn>
+                <a:cxn ang="0">
+                  <a:pos x="connsiteX4" y="connsiteY4"/>
+                </a:cxn>
+                <a:cxn ang="0">
+                  <a:pos x="connsiteX5" y="connsiteY5"/>
+                </a:cxn>
+                <a:cxn ang="0">
+                  <a:pos x="connsiteX6" y="connsiteY6"/>
+                </a:cxn>
+                <a:cxn ang="0">
+                  <a:pos x="connsiteX7" y="connsiteY7"/>
+                </a:cxn>
+                <a:cxn ang="0">
+                  <a:pos x="connsiteX8" y="connsiteY8"/>
+                </a:cxn>
+                <a:cxn ang="0">
+                  <a:pos x="connsiteX9" y="connsiteY9"/>
+                </a:cxn>
+                <a:cxn ang="0">
+                  <a:pos x="connsiteX10" y="connsiteY10"/>
+                </a:cxn>
+                <a:cxn ang="0">
+                  <a:pos x="connsiteX11" y="connsiteY11"/>
+                </a:cxn>
+              </a:cxnLst>
+              <a:rect l="l" t="t" r="r" b="b"/>
+              <a:pathLst>
+                <a:path w="4572000" h="1095926">
+                  <a:moveTo>
+                    <a:pt x="0" y="966957"/>
+                  </a:moveTo>
+                  <a:cubicBezTo>
+                    <a:pt x="197032" y="725294"/>
+                    <a:pt x="394064" y="483631"/>
+                    <a:pt x="535578" y="326877"/>
+                  </a:cubicBezTo>
+                  <a:cubicBezTo>
+                    <a:pt x="677092" y="170123"/>
+                    <a:pt x="740229" y="-82426"/>
+                    <a:pt x="849086" y="26431"/>
+                  </a:cubicBezTo>
+                  <a:cubicBezTo>
+                    <a:pt x="957943" y="135288"/>
+                    <a:pt x="1051560" y="823266"/>
+                    <a:pt x="1188720" y="980020"/>
+                  </a:cubicBezTo>
+                  <a:cubicBezTo>
+                    <a:pt x="1325880" y="1136774"/>
+                    <a:pt x="1534886" y="1123711"/>
+                    <a:pt x="1672046" y="966957"/>
+                  </a:cubicBezTo>
+                  <a:cubicBezTo>
+                    <a:pt x="1809206" y="810203"/>
+                    <a:pt x="1872343" y="72151"/>
+                    <a:pt x="2011680" y="39494"/>
+                  </a:cubicBezTo>
+                  <a:cubicBezTo>
+                    <a:pt x="2151017" y="6837"/>
+                    <a:pt x="2355669" y="599020"/>
+                    <a:pt x="2508069" y="771014"/>
+                  </a:cubicBezTo>
+                  <a:cubicBezTo>
+                    <a:pt x="2660469" y="943008"/>
+                    <a:pt x="2721429" y="1171608"/>
+                    <a:pt x="2926080" y="1071460"/>
+                  </a:cubicBezTo>
+                  <a:cubicBezTo>
+                    <a:pt x="3130731" y="971312"/>
+                    <a:pt x="3550921" y="318169"/>
+                    <a:pt x="3735978" y="170123"/>
+                  </a:cubicBezTo>
+                  <a:cubicBezTo>
+                    <a:pt x="3921035" y="22077"/>
+                    <a:pt x="3966755" y="63443"/>
+                    <a:pt x="4036423" y="183186"/>
+                  </a:cubicBezTo>
+                  <a:cubicBezTo>
+                    <a:pt x="4106091" y="302929"/>
+                    <a:pt x="4064726" y="747066"/>
+                    <a:pt x="4153989" y="888580"/>
+                  </a:cubicBezTo>
+                  <a:cubicBezTo>
+                    <a:pt x="4243252" y="1030094"/>
+                    <a:pt x="4423955" y="997437"/>
+                    <a:pt x="4572000" y="1032271"/>
+                  </a:cubicBezTo>
+                </a:path>
+              </a:pathLst>
+            </a:custGeom>
+            <a:noFill/>
+            <a:ln>
+              <a:solidFill>
+                <a:schemeClr val="tx1"/>
+              </a:solidFill>
+            </a:ln>
+          </p:spPr>
+          <p:style>
+            <a:lnRef idx="2">
+              <a:schemeClr val="accent1">
+                <a:shade val="50000"/>
+              </a:schemeClr>
+            </a:lnRef>
+            <a:fillRef idx="1">
+              <a:schemeClr val="accent1"/>
+            </a:fillRef>
+            <a:effectRef idx="0">
+              <a:schemeClr val="accent1"/>
+            </a:effectRef>
+            <a:fontRef idx="minor">
+              <a:schemeClr val="lt1"/>
+            </a:fontRef>
+          </p:style>
+          <p:txBody>
+            <a:bodyPr rtlCol="0" anchor="ctr"/>
+            <a:lstStyle/>
+            <a:p>
+              <a:pPr algn="ctr"/>
+              <a:endParaRPr lang="en-US"/>
+            </a:p>
+          </p:txBody>
+        </p:sp>
+      </p:grpSp>
+      <p:cxnSp>
+        <p:nvCxnSpPr>
+          <p:cNvPr id="19" name="Straight Connector 18"/>
+          <p:cNvCxnSpPr/>
+          <p:nvPr/>
+        </p:nvCxnSpPr>
+        <p:spPr>
+          <a:xfrm>
+            <a:off x="2312125" y="2764970"/>
+            <a:ext cx="4297680" cy="0"/>
+          </a:xfrm>
+          <a:prstGeom prst="line">
+            <a:avLst/>
+          </a:prstGeom>
+          <a:ln>
+            <a:solidFill>
+              <a:schemeClr val="tx1"/>
+            </a:solidFill>
+          </a:ln>
+        </p:spPr>
+        <p:style>
+          <a:lnRef idx="1">
+            <a:schemeClr val="accent1"/>
+          </a:lnRef>
+          <a:fillRef idx="0">
+            <a:schemeClr val="accent1"/>
+          </a:fillRef>
+          <a:effectRef idx="0">
+            <a:schemeClr val="accent1"/>
+          </a:effectRef>
+          <a:fontRef idx="minor">
+            <a:schemeClr val="tx1"/>
+          </a:fontRef>
+        </p:style>
+      </p:cxnSp>
+      <p:sp>
+        <p:nvSpPr>
+          <p:cNvPr id="20" name="Freeform 19"/>
+          <p:cNvSpPr/>
+          <p:nvPr/>
+        </p:nvSpPr>
+        <p:spPr>
+          <a:xfrm>
+            <a:off x="2455817" y="1523429"/>
+            <a:ext cx="822960" cy="1230221"/>
+          </a:xfrm>
+          <a:custGeom>
+            <a:avLst/>
+            <a:gdLst>
+              <a:gd name="connsiteX0" fmla="*/ 0 w 822960"/>
+              <a:gd name="connsiteY0" fmla="*/ 1154457 h 1230221"/>
+              <a:gd name="connsiteX1" fmla="*/ 156754 w 822960"/>
+              <a:gd name="connsiteY1" fmla="*/ 1049954 h 1230221"/>
+              <a:gd name="connsiteX2" fmla="*/ 431074 w 822960"/>
+              <a:gd name="connsiteY2" fmla="*/ 279245 h 1230221"/>
+              <a:gd name="connsiteX3" fmla="*/ 600892 w 822960"/>
+              <a:gd name="connsiteY3" fmla="*/ 44114 h 1230221"/>
+              <a:gd name="connsiteX4" fmla="*/ 627017 w 822960"/>
+              <a:gd name="connsiteY4" fmla="*/ 1089142 h 1230221"/>
+              <a:gd name="connsiteX5" fmla="*/ 822960 w 822960"/>
+              <a:gd name="connsiteY5" fmla="*/ 1219771 h 1230221"/>
+            </a:gdLst>
+            <a:ahLst/>
+            <a:cxnLst>
+              <a:cxn ang="0">
+                <a:pos x="connsiteX0" y="connsiteY0"/>
+              </a:cxn>
+              <a:cxn ang="0">
+                <a:pos x="connsiteX1" y="connsiteY1"/>
+              </a:cxn>
+              <a:cxn ang="0">
+                <a:pos x="connsiteX2" y="connsiteY2"/>
+              </a:cxn>
+              <a:cxn ang="0">
+                <a:pos x="connsiteX3" y="connsiteY3"/>
+              </a:cxn>
+              <a:cxn ang="0">
+                <a:pos x="connsiteX4" y="connsiteY4"/>
+              </a:cxn>
+              <a:cxn ang="0">
+                <a:pos x="connsiteX5" y="connsiteY5"/>
+              </a:cxn>
+            </a:cxnLst>
+            <a:rect l="l" t="t" r="r" b="b"/>
+            <a:pathLst>
+              <a:path w="822960" h="1230221">
+                <a:moveTo>
+                  <a:pt x="0" y="1154457"/>
+                </a:moveTo>
+                <a:cubicBezTo>
+                  <a:pt x="42454" y="1175140"/>
+                  <a:pt x="84908" y="1195823"/>
+                  <a:pt x="156754" y="1049954"/>
+                </a:cubicBezTo>
+                <a:cubicBezTo>
+                  <a:pt x="228600" y="904085"/>
+                  <a:pt x="357051" y="446885"/>
+                  <a:pt x="431074" y="279245"/>
+                </a:cubicBezTo>
+                <a:cubicBezTo>
+                  <a:pt x="505097" y="111605"/>
+                  <a:pt x="568235" y="-90869"/>
+                  <a:pt x="600892" y="44114"/>
+                </a:cubicBezTo>
+                <a:cubicBezTo>
+                  <a:pt x="633549" y="179097"/>
+                  <a:pt x="590006" y="893199"/>
+                  <a:pt x="627017" y="1089142"/>
+                </a:cubicBezTo>
+                <a:cubicBezTo>
+                  <a:pt x="664028" y="1285085"/>
+                  <a:pt x="822960" y="1219771"/>
+                  <a:pt x="822960" y="1219771"/>
+                </a:cubicBezTo>
+              </a:path>
+            </a:pathLst>
+          </a:custGeom>
+          <a:noFill/>
+          <a:ln>
+            <a:solidFill>
+              <a:schemeClr val="tx1"/>
+            </a:solidFill>
+          </a:ln>
+        </p:spPr>
+        <p:style>
+          <a:lnRef idx="2">
+            <a:schemeClr val="accent1">
+              <a:shade val="50000"/>
+            </a:schemeClr>
+          </a:lnRef>
+          <a:fillRef idx="1">
+            <a:schemeClr val="accent1"/>
+          </a:fillRef>
+          <a:effectRef idx="0">
+            <a:schemeClr val="accent1"/>
+          </a:effectRef>
+          <a:fontRef idx="minor">
+            <a:schemeClr val="lt1"/>
+          </a:fontRef>
+        </p:style>
+        <p:txBody>
+          <a:bodyPr rtlCol="0" anchor="ctr"/>
+          <a:lstStyle/>
+          <a:p>
+            <a:pPr algn="ctr"/>
+            <a:endParaRPr lang="en-US"/>
+          </a:p>
+        </p:txBody>
+      </p:sp>
+      <p:sp>
+        <p:nvSpPr>
+          <p:cNvPr id="21" name="Freeform 20"/>
+          <p:cNvSpPr/>
+          <p:nvPr/>
+        </p:nvSpPr>
+        <p:spPr>
+          <a:xfrm>
+            <a:off x="3749040" y="1534749"/>
+            <a:ext cx="822960" cy="1230221"/>
+          </a:xfrm>
+          <a:custGeom>
+            <a:avLst/>
+            <a:gdLst>
+              <a:gd name="connsiteX0" fmla="*/ 0 w 822960"/>
+              <a:gd name="connsiteY0" fmla="*/ 1154457 h 1230221"/>
+              <a:gd name="connsiteX1" fmla="*/ 156754 w 822960"/>
+              <a:gd name="connsiteY1" fmla="*/ 1049954 h 1230221"/>
+              <a:gd name="connsiteX2" fmla="*/ 431074 w 822960"/>
+              <a:gd name="connsiteY2" fmla="*/ 279245 h 1230221"/>
+              <a:gd name="connsiteX3" fmla="*/ 600892 w 822960"/>
+              <a:gd name="connsiteY3" fmla="*/ 44114 h 1230221"/>
+              <a:gd name="connsiteX4" fmla="*/ 627017 w 822960"/>
+              <a:gd name="connsiteY4" fmla="*/ 1089142 h 1230221"/>
+              <a:gd name="connsiteX5" fmla="*/ 822960 w 822960"/>
+              <a:gd name="connsiteY5" fmla="*/ 1219771 h 1230221"/>
+            </a:gdLst>
+            <a:ahLst/>
+            <a:cxnLst>
+              <a:cxn ang="0">
+                <a:pos x="connsiteX0" y="connsiteY0"/>
+              </a:cxn>
+              <a:cxn ang="0">
+                <a:pos x="connsiteX1" y="connsiteY1"/>
+              </a:cxn>
+              <a:cxn ang="0">
+                <a:pos x="connsiteX2" y="connsiteY2"/>
+              </a:cxn>
+              <a:cxn ang="0">
+                <a:pos x="connsiteX3" y="connsiteY3"/>
+              </a:cxn>
+              <a:cxn ang="0">
+                <a:pos x="connsiteX4" y="connsiteY4"/>
+              </a:cxn>
+              <a:cxn ang="0">
+                <a:pos x="connsiteX5" y="connsiteY5"/>
+              </a:cxn>
+            </a:cxnLst>
+            <a:rect l="l" t="t" r="r" b="b"/>
+            <a:pathLst>
+              <a:path w="822960" h="1230221">
+                <a:moveTo>
+                  <a:pt x="0" y="1154457"/>
+                </a:moveTo>
+                <a:cubicBezTo>
+                  <a:pt x="42454" y="1175140"/>
+                  <a:pt x="84908" y="1195823"/>
+                  <a:pt x="156754" y="1049954"/>
+                </a:cubicBezTo>
+                <a:cubicBezTo>
+                  <a:pt x="228600" y="904085"/>
+                  <a:pt x="357051" y="446885"/>
+                  <a:pt x="431074" y="279245"/>
+                </a:cubicBezTo>
+                <a:cubicBezTo>
+                  <a:pt x="505097" y="111605"/>
+                  <a:pt x="568235" y="-90869"/>
+                  <a:pt x="600892" y="44114"/>
+                </a:cubicBezTo>
+                <a:cubicBezTo>
+                  <a:pt x="633549" y="179097"/>
+                  <a:pt x="590006" y="893199"/>
+                  <a:pt x="627017" y="1089142"/>
+                </a:cubicBezTo>
+                <a:cubicBezTo>
+                  <a:pt x="664028" y="1285085"/>
+                  <a:pt x="822960" y="1219771"/>
+                  <a:pt x="822960" y="1219771"/>
+                </a:cubicBezTo>
+              </a:path>
+            </a:pathLst>
+          </a:custGeom>
+          <a:noFill/>
+          <a:ln>
+            <a:solidFill>
+              <a:schemeClr val="tx1"/>
+            </a:solidFill>
+          </a:ln>
+        </p:spPr>
+        <p:style>
+          <a:lnRef idx="2">
+            <a:schemeClr val="accent1">
+              <a:shade val="50000"/>
+            </a:schemeClr>
+          </a:lnRef>
+          <a:fillRef idx="1">
+            <a:schemeClr val="accent1"/>
+          </a:fillRef>
+          <a:effectRef idx="0">
+            <a:schemeClr val="accent1"/>
+          </a:effectRef>
+          <a:fontRef idx="minor">
+            <a:schemeClr val="lt1"/>
+          </a:fontRef>
+        </p:style>
+        <p:txBody>
+          <a:bodyPr rtlCol="0" anchor="ctr"/>
+          <a:lstStyle/>
+          <a:p>
+            <a:pPr algn="ctr"/>
+            <a:endParaRPr lang="en-US"/>
+          </a:p>
+        </p:txBody>
+      </p:sp>
+      <p:sp>
+        <p:nvSpPr>
+          <p:cNvPr id="22" name="Freeform 21"/>
+          <p:cNvSpPr/>
+          <p:nvPr/>
+        </p:nvSpPr>
+        <p:spPr>
+          <a:xfrm>
+            <a:off x="5634990" y="1534749"/>
+            <a:ext cx="822960" cy="1230221"/>
+          </a:xfrm>
+          <a:custGeom>
+            <a:avLst/>
+            <a:gdLst>
+              <a:gd name="connsiteX0" fmla="*/ 0 w 822960"/>
+              <a:gd name="connsiteY0" fmla="*/ 1154457 h 1230221"/>
+              <a:gd name="connsiteX1" fmla="*/ 156754 w 822960"/>
+              <a:gd name="connsiteY1" fmla="*/ 1049954 h 1230221"/>
+              <a:gd name="connsiteX2" fmla="*/ 431074 w 822960"/>
+              <a:gd name="connsiteY2" fmla="*/ 279245 h 1230221"/>
+              <a:gd name="connsiteX3" fmla="*/ 600892 w 822960"/>
+              <a:gd name="connsiteY3" fmla="*/ 44114 h 1230221"/>
+              <a:gd name="connsiteX4" fmla="*/ 627017 w 822960"/>
+              <a:gd name="connsiteY4" fmla="*/ 1089142 h 1230221"/>
+              <a:gd name="connsiteX5" fmla="*/ 822960 w 822960"/>
+              <a:gd name="connsiteY5" fmla="*/ 1219771 h 1230221"/>
+            </a:gdLst>
+            <a:ahLst/>
+            <a:cxnLst>
+              <a:cxn ang="0">
+                <a:pos x="connsiteX0" y="connsiteY0"/>
+              </a:cxn>
+              <a:cxn ang="0">
+                <a:pos x="connsiteX1" y="connsiteY1"/>
+              </a:cxn>
+              <a:cxn ang="0">
+                <a:pos x="connsiteX2" y="connsiteY2"/>
+              </a:cxn>
+              <a:cxn ang="0">
+                <a:pos x="connsiteX3" y="connsiteY3"/>
+              </a:cxn>
+              <a:cxn ang="0">
+                <a:pos x="connsiteX4" y="connsiteY4"/>
+              </a:cxn>
+              <a:cxn ang="0">
+                <a:pos x="connsiteX5" y="connsiteY5"/>
+              </a:cxn>
+            </a:cxnLst>
+            <a:rect l="l" t="t" r="r" b="b"/>
+            <a:pathLst>
+              <a:path w="822960" h="1230221">
+                <a:moveTo>
+                  <a:pt x="0" y="1154457"/>
+                </a:moveTo>
+                <a:cubicBezTo>
+                  <a:pt x="42454" y="1175140"/>
+                  <a:pt x="84908" y="1195823"/>
+                  <a:pt x="156754" y="1049954"/>
+                </a:cubicBezTo>
+                <a:cubicBezTo>
+                  <a:pt x="228600" y="904085"/>
+                  <a:pt x="357051" y="446885"/>
+                  <a:pt x="431074" y="279245"/>
+                </a:cubicBezTo>
+                <a:cubicBezTo>
+                  <a:pt x="505097" y="111605"/>
+                  <a:pt x="568235" y="-90869"/>
+                  <a:pt x="600892" y="44114"/>
+                </a:cubicBezTo>
+                <a:cubicBezTo>
+                  <a:pt x="633549" y="179097"/>
+                  <a:pt x="590006" y="893199"/>
+                  <a:pt x="627017" y="1089142"/>
+                </a:cubicBezTo>
+                <a:cubicBezTo>
+                  <a:pt x="664028" y="1285085"/>
+                  <a:pt x="822960" y="1219771"/>
+                  <a:pt x="822960" y="1219771"/>
+                </a:cubicBezTo>
+              </a:path>
+            </a:pathLst>
+          </a:custGeom>
+          <a:noFill/>
+          <a:ln>
+            <a:solidFill>
+              <a:schemeClr val="tx1"/>
+            </a:solidFill>
+          </a:ln>
+        </p:spPr>
+        <p:style>
+          <a:lnRef idx="2">
+            <a:schemeClr val="accent1">
+              <a:shade val="50000"/>
+            </a:schemeClr>
+          </a:lnRef>
+          <a:fillRef idx="1">
+            <a:schemeClr val="accent1"/>
+          </a:fillRef>
+          <a:effectRef idx="0">
+            <a:schemeClr val="accent1"/>
+          </a:effectRef>
+          <a:fontRef idx="minor">
+            <a:schemeClr val="lt1"/>
+          </a:fontRef>
+        </p:style>
+        <p:txBody>
+          <a:bodyPr rtlCol="0" anchor="ctr"/>
+          <a:lstStyle/>
+          <a:p>
+            <a:pPr algn="ctr"/>
+            <a:endParaRPr lang="en-US"/>
+          </a:p>
+        </p:txBody>
+      </p:sp>
+      <p:sp>
+        <p:nvSpPr>
+          <p:cNvPr id="23" name="TextBox 22"/>
+          <p:cNvSpPr txBox="1"/>
+          <p:nvPr/>
+        </p:nvSpPr>
+        <p:spPr>
+          <a:xfrm>
+            <a:off x="251764" y="1984022"/>
+            <a:ext cx="2174763" cy="369332"/>
+          </a:xfrm>
+          <a:prstGeom prst="rect">
+            <a:avLst/>
+          </a:prstGeom>
+          <a:noFill/>
+        </p:spPr>
+        <p:txBody>
+          <a:bodyPr wrap="none" rtlCol="0">
+            <a:spAutoFit/>
+          </a:bodyPr>
+          <a:lstStyle/>
+          <a:p>
+            <a:r>
+              <a:rPr lang="en-US" smtClean="0"/>
+              <a:t>Posterior distribution</a:t>
+            </a:r>
+            <a:endParaRPr lang="en-US" dirty="0"/>
+          </a:p>
+        </p:txBody>
+      </p:sp>
+      <p:sp>
+        <p:nvSpPr>
+          <p:cNvPr id="24" name="TextBox 23"/>
+          <p:cNvSpPr txBox="1"/>
+          <p:nvPr/>
+        </p:nvSpPr>
+        <p:spPr>
+          <a:xfrm>
+            <a:off x="2593728" y="2806872"/>
+            <a:ext cx="547137" cy="369332"/>
+          </a:xfrm>
+          <a:prstGeom prst="rect">
+            <a:avLst/>
+          </a:prstGeom>
+          <a:noFill/>
+        </p:spPr>
+        <p:txBody>
+          <a:bodyPr wrap="none" rtlCol="0">
+            <a:spAutoFit/>
+          </a:bodyPr>
+          <a:lstStyle/>
+          <a:p>
+            <a:r>
+              <a:rPr lang="en-US" smtClean="0"/>
+              <a:t>rel1</a:t>
+            </a:r>
+            <a:endParaRPr lang="en-US"/>
+          </a:p>
+        </p:txBody>
+      </p:sp>
+      <p:sp>
+        <p:nvSpPr>
+          <p:cNvPr id="25" name="TextBox 24"/>
+          <p:cNvSpPr txBox="1"/>
+          <p:nvPr/>
+        </p:nvSpPr>
+        <p:spPr>
+          <a:xfrm>
+            <a:off x="3886951" y="2806872"/>
+            <a:ext cx="547137" cy="369332"/>
+          </a:xfrm>
+          <a:prstGeom prst="rect">
+            <a:avLst/>
+          </a:prstGeom>
+          <a:noFill/>
+        </p:spPr>
+        <p:txBody>
+          <a:bodyPr wrap="none" rtlCol="0">
+            <a:spAutoFit/>
+          </a:bodyPr>
+          <a:lstStyle/>
+          <a:p>
+            <a:r>
+              <a:rPr lang="en-US" smtClean="0"/>
+              <a:t>rel2</a:t>
+            </a:r>
+            <a:endParaRPr lang="en-US"/>
+          </a:p>
+        </p:txBody>
+      </p:sp>
+      <p:sp>
+        <p:nvSpPr>
+          <p:cNvPr id="26" name="TextBox 25"/>
+          <p:cNvSpPr txBox="1"/>
+          <p:nvPr/>
+        </p:nvSpPr>
+        <p:spPr>
+          <a:xfrm>
+            <a:off x="5772901" y="2800711"/>
+            <a:ext cx="547137" cy="369332"/>
+          </a:xfrm>
+          <a:prstGeom prst="rect">
+            <a:avLst/>
+          </a:prstGeom>
+          <a:noFill/>
+        </p:spPr>
+        <p:txBody>
+          <a:bodyPr wrap="none" rtlCol="0">
+            <a:spAutoFit/>
+          </a:bodyPr>
+          <a:lstStyle/>
+          <a:p>
+            <a:r>
+              <a:rPr lang="en-US" dirty="0" smtClean="0"/>
+              <a:t>rel3</a:t>
+            </a:r>
+            <a:endParaRPr lang="en-US" dirty="0"/>
+          </a:p>
+        </p:txBody>
+      </p:sp>
+      <p:sp>
+        <p:nvSpPr>
+          <p:cNvPr id="27" name="TextBox 26"/>
+          <p:cNvSpPr txBox="1"/>
+          <p:nvPr/>
+        </p:nvSpPr>
+        <p:spPr>
+          <a:xfrm>
+            <a:off x="303710" y="4489017"/>
+            <a:ext cx="1780296" cy="369332"/>
+          </a:xfrm>
+          <a:prstGeom prst="rect">
+            <a:avLst/>
+          </a:prstGeom>
+          <a:noFill/>
+        </p:spPr>
+        <p:txBody>
+          <a:bodyPr wrap="none" rtlCol="0">
+            <a:spAutoFit/>
+          </a:bodyPr>
+          <a:lstStyle/>
+          <a:p>
+            <a:r>
+              <a:rPr lang="en-US" smtClean="0"/>
+              <a:t>Prior distribution</a:t>
+            </a:r>
+            <a:endParaRPr lang="en-US" dirty="0"/>
+          </a:p>
+        </p:txBody>
+      </p:sp>
+      <p:sp>
+        <p:nvSpPr>
+          <p:cNvPr id="28" name="TextBox 27"/>
+          <p:cNvSpPr txBox="1"/>
+          <p:nvPr/>
+        </p:nvSpPr>
+        <p:spPr>
+          <a:xfrm>
+            <a:off x="6656899" y="2546425"/>
+            <a:ext cx="282450" cy="369332"/>
+          </a:xfrm>
+          <a:prstGeom prst="rect">
+            <a:avLst/>
+          </a:prstGeom>
+          <a:noFill/>
+        </p:spPr>
+        <p:txBody>
+          <a:bodyPr wrap="none" rtlCol="0">
+            <a:spAutoFit/>
+          </a:bodyPr>
+          <a:lstStyle/>
+          <a:p>
+            <a:r>
+              <a:rPr lang="en-US" dirty="0" smtClean="0"/>
+              <a:t>L</a:t>
+            </a:r>
+            <a:endParaRPr lang="en-US" dirty="0"/>
+          </a:p>
+        </p:txBody>
+      </p:sp>
+      <p:sp>
+        <p:nvSpPr>
+          <p:cNvPr id="29" name="TextBox 28"/>
+          <p:cNvSpPr txBox="1"/>
+          <p:nvPr/>
+        </p:nvSpPr>
+        <p:spPr>
+          <a:xfrm>
+            <a:off x="6667776" y="4766156"/>
+            <a:ext cx="282450" cy="369332"/>
+          </a:xfrm>
+          <a:prstGeom prst="rect">
+            <a:avLst/>
+          </a:prstGeom>
+          <a:noFill/>
+        </p:spPr>
+        <p:txBody>
+          <a:bodyPr wrap="none" rtlCol="0">
+            <a:spAutoFit/>
+          </a:bodyPr>
+          <a:lstStyle/>
+          <a:p>
+            <a:r>
+              <a:rPr lang="en-US" smtClean="0"/>
+              <a:t>L</a:t>
+            </a:r>
+            <a:endParaRPr lang="en-US"/>
+          </a:p>
+        </p:txBody>
+      </p:sp>
+    </p:spTree>
+    <p:extLst>
+      <p:ext uri="{BB962C8B-B14F-4D97-AF65-F5344CB8AC3E}">
+        <p14:creationId xmlns:p14="http://schemas.microsoft.com/office/powerpoint/2010/main" val="485255185"/>
+      </p:ext>
+    </p:extLst>
+  </p:cSld>
+  <p:clrMapOvr>
+    <a:masterClrMapping/>
+  </p:clrMapOvr>
   <p:timing>
     <p:tnLst>
       <p:par>
@@ -38000,8 +39135,8 @@
           </p:style>
         </p:cxnSp>
       </p:grpSp>
-      <mc:AlternateContent xmlns:mc="http://schemas.openxmlformats.org/markup-compatibility/2006">
-        <mc:Choice xmlns:a14="http://schemas.microsoft.com/office/drawing/2010/main" Requires="a14">
+      <mc:AlternateContent xmlns:mc="http://schemas.openxmlformats.org/markup-compatibility/2006" xmlns:a14="http://schemas.microsoft.com/office/drawing/2010/main">
+        <mc:Choice Requires="a14">
           <p:sp>
             <p:nvSpPr>
               <p:cNvPr id="66" name="Rectangle 65"/>
@@ -38364,7 +39499,7 @@
             </p:txBody>
           </p:sp>
         </mc:Choice>
-        <mc:Fallback>
+        <mc:Fallback xmlns="">
           <p:sp>
             <p:nvSpPr>
               <p:cNvPr id="66" name="Rectangle 65"/>
@@ -38403,8 +39538,8 @@
           </p:sp>
         </mc:Fallback>
       </mc:AlternateContent>
-      <mc:AlternateContent xmlns:mc="http://schemas.openxmlformats.org/markup-compatibility/2006">
-        <mc:Choice xmlns:a14="http://schemas.microsoft.com/office/drawing/2010/main" Requires="a14">
+      <mc:AlternateContent xmlns:mc="http://schemas.openxmlformats.org/markup-compatibility/2006" xmlns:a14="http://schemas.microsoft.com/office/drawing/2010/main">
+        <mc:Choice Requires="a14">
           <p:sp>
             <p:nvSpPr>
               <p:cNvPr id="67" name="Rectangle 66"/>
@@ -38561,7 +39696,7 @@
             </p:txBody>
           </p:sp>
         </mc:Choice>
-        <mc:Fallback>
+        <mc:Fallback xmlns="">
           <p:sp>
             <p:nvSpPr>
               <p:cNvPr id="67" name="Rectangle 66"/>
@@ -41338,13 +42473,8 @@
           <a:p>
             <a:r>
               <a:rPr lang="en-US" dirty="0" smtClean="0"/>
-              <a:t>We are tackling sequential </a:t>
+              <a:t>We are tackling sequential discrete variables.</a:t>
             </a:r>
-            <a:r>
-              <a:rPr lang="en-US" dirty="0" smtClean="0"/>
-              <a:t>discrete variables.</a:t>
-            </a:r>
-            <a:endParaRPr lang="en-US" dirty="0" smtClean="0"/>
           </a:p>
         </p:txBody>
       </p:sp>

--- a/images/naacl2018.pptx
+++ b/images/naacl2018.pptx
@@ -5,31 +5,32 @@
     <p:sldMasterId id="2147483660" r:id="rId1"/>
   </p:sldMasterIdLst>
   <p:notesMasterIdLst>
-    <p:notesMasterId r:id="rId24"/>
+    <p:notesMasterId r:id="rId25"/>
   </p:notesMasterIdLst>
   <p:sldIdLst>
     <p:sldId id="256" r:id="rId2"/>
-    <p:sldId id="311" r:id="rId3"/>
-    <p:sldId id="313" r:id="rId4"/>
-    <p:sldId id="330" r:id="rId5"/>
-    <p:sldId id="314" r:id="rId6"/>
-    <p:sldId id="333" r:id="rId7"/>
-    <p:sldId id="323" r:id="rId8"/>
-    <p:sldId id="324" r:id="rId9"/>
-    <p:sldId id="328" r:id="rId10"/>
-    <p:sldId id="326" r:id="rId11"/>
-    <p:sldId id="327" r:id="rId12"/>
-    <p:sldId id="315" r:id="rId13"/>
-    <p:sldId id="331" r:id="rId14"/>
-    <p:sldId id="332" r:id="rId15"/>
-    <p:sldId id="300" r:id="rId16"/>
-    <p:sldId id="334" r:id="rId17"/>
-    <p:sldId id="335" r:id="rId18"/>
-    <p:sldId id="336" r:id="rId19"/>
-    <p:sldId id="271" r:id="rId20"/>
-    <p:sldId id="273" r:id="rId21"/>
-    <p:sldId id="295" r:id="rId22"/>
-    <p:sldId id="337" r:id="rId23"/>
+    <p:sldId id="338" r:id="rId3"/>
+    <p:sldId id="311" r:id="rId4"/>
+    <p:sldId id="313" r:id="rId5"/>
+    <p:sldId id="330" r:id="rId6"/>
+    <p:sldId id="314" r:id="rId7"/>
+    <p:sldId id="333" r:id="rId8"/>
+    <p:sldId id="323" r:id="rId9"/>
+    <p:sldId id="324" r:id="rId10"/>
+    <p:sldId id="328" r:id="rId11"/>
+    <p:sldId id="326" r:id="rId12"/>
+    <p:sldId id="327" r:id="rId13"/>
+    <p:sldId id="315" r:id="rId14"/>
+    <p:sldId id="331" r:id="rId15"/>
+    <p:sldId id="332" r:id="rId16"/>
+    <p:sldId id="300" r:id="rId17"/>
+    <p:sldId id="334" r:id="rId18"/>
+    <p:sldId id="335" r:id="rId19"/>
+    <p:sldId id="336" r:id="rId20"/>
+    <p:sldId id="271" r:id="rId21"/>
+    <p:sldId id="273" r:id="rId22"/>
+    <p:sldId id="295" r:id="rId23"/>
+    <p:sldId id="337" r:id="rId24"/>
   </p:sldIdLst>
   <p:sldSz cx="9144000" cy="6858000" type="screen4x3"/>
   <p:notesSz cx="6858000" cy="9144000"/>
@@ -1652,7 +1653,7 @@
           <a:p>
             <a:fld id="{7693DCF1-F9EF-AA44-A123-FD1B42A0E006}" type="slidenum">
               <a:rPr lang="en-US" smtClean="0"/>
-              <a:t>3</a:t>
+              <a:t>4</a:t>
             </a:fld>
             <a:endParaRPr lang="en-US"/>
           </a:p>
@@ -1736,7 +1737,7 @@
           <a:p>
             <a:fld id="{7693DCF1-F9EF-AA44-A123-FD1B42A0E006}" type="slidenum">
               <a:rPr lang="en-US" smtClean="0"/>
-              <a:t>7</a:t>
+              <a:t>8</a:t>
             </a:fld>
             <a:endParaRPr lang="en-US"/>
           </a:p>
@@ -1820,7 +1821,7 @@
           <a:p>
             <a:fld id="{7693DCF1-F9EF-AA44-A123-FD1B42A0E006}" type="slidenum">
               <a:rPr lang="en-US" smtClean="0"/>
-              <a:t>8</a:t>
+              <a:t>9</a:t>
             </a:fld>
             <a:endParaRPr lang="en-US"/>
           </a:p>
@@ -1904,7 +1905,7 @@
           <a:p>
             <a:fld id="{7693DCF1-F9EF-AA44-A123-FD1B42A0E006}" type="slidenum">
               <a:rPr lang="en-US" smtClean="0"/>
-              <a:t>9</a:t>
+              <a:t>10</a:t>
             </a:fld>
             <a:endParaRPr lang="en-US"/>
           </a:p>
@@ -1988,7 +1989,7 @@
           <a:p>
             <a:fld id="{7693DCF1-F9EF-AA44-A123-FD1B42A0E006}" type="slidenum">
               <a:rPr lang="en-US" smtClean="0"/>
-              <a:t>12</a:t>
+              <a:t>13</a:t>
             </a:fld>
             <a:endParaRPr lang="en-US"/>
           </a:p>
@@ -2072,7 +2073,7 @@
           <a:p>
             <a:fld id="{7693DCF1-F9EF-AA44-A123-FD1B42A0E006}" type="slidenum">
               <a:rPr lang="en-US" smtClean="0"/>
-              <a:t>15</a:t>
+              <a:t>16</a:t>
             </a:fld>
             <a:endParaRPr lang="en-US"/>
           </a:p>
@@ -2156,7 +2157,7 @@
           <a:p>
             <a:fld id="{7693DCF1-F9EF-AA44-A123-FD1B42A0E006}" type="slidenum">
               <a:rPr lang="en-US" smtClean="0"/>
-              <a:t>19</a:t>
+              <a:t>20</a:t>
             </a:fld>
             <a:endParaRPr lang="en-US"/>
           </a:p>
@@ -2240,7 +2241,7 @@
           <a:p>
             <a:fld id="{7693DCF1-F9EF-AA44-A123-FD1B42A0E006}" type="slidenum">
               <a:rPr lang="en-US" smtClean="0"/>
-              <a:t>20</a:t>
+              <a:t>21</a:t>
             </a:fld>
             <a:endParaRPr lang="en-US"/>
           </a:p>
@@ -3759,6 +3760,776 @@
           <a:lstStyle/>
           <a:p>
             <a:r>
+              <a:rPr lang="en-US" dirty="0" smtClean="0"/>
+              <a:t>Challenge of VAE in KG</a:t>
+            </a:r>
+            <a:endParaRPr lang="en-US" dirty="0"/>
+          </a:p>
+        </p:txBody>
+      </p:sp>
+      <p:sp>
+        <p:nvSpPr>
+          <p:cNvPr id="3" name="Content Placeholder 2"/>
+          <p:cNvSpPr>
+            <a:spLocks noGrp="1"/>
+          </p:cNvSpPr>
+          <p:nvPr>
+            <p:ph idx="1"/>
+          </p:nvPr>
+        </p:nvSpPr>
+        <p:spPr/>
+        <p:txBody>
+          <a:bodyPr>
+            <a:normAutofit/>
+          </a:bodyPr>
+          <a:lstStyle/>
+          <a:p>
+            <a:r>
+              <a:rPr lang="en-US" dirty="0" smtClean="0"/>
+              <a:t>Existing VAE methods only consider continuous latent vectors:</a:t>
+            </a:r>
+          </a:p>
+          <a:p>
+            <a:pPr lvl="1"/>
+            <a:r>
+              <a:rPr lang="en-US" dirty="0" smtClean="0"/>
+              <a:t>NLP applications:</a:t>
+            </a:r>
+          </a:p>
+          <a:p>
+            <a:pPr lvl="2"/>
+            <a:r>
+              <a:rPr lang="en-US" dirty="0" smtClean="0"/>
+              <a:t>Machine </a:t>
+            </a:r>
+            <a:r>
+              <a:rPr lang="en-US" dirty="0"/>
+              <a:t>t</a:t>
+            </a:r>
+            <a:r>
+              <a:rPr lang="en-US" dirty="0" smtClean="0"/>
+              <a:t>ranslation </a:t>
+            </a:r>
+            <a:r>
+              <a:rPr lang="en-US" dirty="0"/>
+              <a:t>(</a:t>
+            </a:r>
+            <a:r>
+              <a:rPr lang="en-US" dirty="0" smtClean="0"/>
+              <a:t>Biao et al. 2016)</a:t>
+            </a:r>
+          </a:p>
+          <a:p>
+            <a:pPr lvl="2"/>
+            <a:r>
+              <a:rPr lang="en-US" dirty="0" smtClean="0"/>
+              <a:t>Text generation (</a:t>
+            </a:r>
+            <a:r>
+              <a:rPr lang="fi-FI" dirty="0"/>
+              <a:t>K </a:t>
+            </a:r>
+            <a:r>
+              <a:rPr lang="fi-FI" dirty="0" err="1"/>
+              <a:t>Guu</a:t>
+            </a:r>
+            <a:r>
+              <a:rPr lang="fi-FI" dirty="0"/>
+              <a:t> </a:t>
+            </a:r>
+            <a:r>
+              <a:rPr lang="fi-FI" dirty="0" smtClean="0"/>
+              <a:t>et al. ‎</a:t>
+            </a:r>
+            <a:r>
+              <a:rPr lang="fi-FI" dirty="0"/>
+              <a:t>2017</a:t>
+            </a:r>
+            <a:r>
+              <a:rPr lang="en-US" dirty="0" smtClean="0"/>
+              <a:t>)</a:t>
+            </a:r>
+          </a:p>
+          <a:p>
+            <a:pPr lvl="2"/>
+            <a:r>
+              <a:rPr lang="en-US" dirty="0" smtClean="0"/>
+              <a:t>Dialogue generation (</a:t>
+            </a:r>
+            <a:r>
+              <a:rPr lang="en-US" dirty="0"/>
+              <a:t>TH </a:t>
+            </a:r>
+            <a:r>
+              <a:rPr lang="en-US" dirty="0" smtClean="0"/>
+              <a:t>Wen et al. 2017)</a:t>
+            </a:r>
+          </a:p>
+          <a:p>
+            <a:pPr lvl="1"/>
+            <a:r>
+              <a:rPr lang="en-US" dirty="0" smtClean="0"/>
+              <a:t>CV applications:</a:t>
+            </a:r>
+          </a:p>
+          <a:p>
+            <a:pPr lvl="2"/>
+            <a:r>
+              <a:rPr lang="en-US" dirty="0" smtClean="0"/>
+              <a:t>Image </a:t>
+            </a:r>
+            <a:r>
+              <a:rPr lang="en-US" dirty="0"/>
+              <a:t>classification (</a:t>
+            </a:r>
+            <a:r>
+              <a:rPr lang="hr-HR" dirty="0"/>
+              <a:t>DP </a:t>
+            </a:r>
+            <a:r>
+              <a:rPr lang="hr-HR" dirty="0" err="1"/>
+              <a:t>Kingma</a:t>
+            </a:r>
+            <a:r>
+              <a:rPr lang="hr-HR" dirty="0"/>
+              <a:t> </a:t>
+            </a:r>
+            <a:r>
+              <a:rPr lang="hr-HR" dirty="0" err="1"/>
+              <a:t>et</a:t>
+            </a:r>
+            <a:r>
+              <a:rPr lang="hr-HR" dirty="0"/>
+              <a:t> </a:t>
+            </a:r>
+            <a:r>
+              <a:rPr lang="hr-HR" dirty="0" err="1"/>
+              <a:t>al</a:t>
+            </a:r>
+            <a:r>
+              <a:rPr lang="hr-HR" dirty="0"/>
+              <a:t>. ‎2013</a:t>
+            </a:r>
+            <a:r>
+              <a:rPr lang="en-US" dirty="0" smtClean="0"/>
+              <a:t>)</a:t>
+            </a:r>
+          </a:p>
+          <a:p>
+            <a:pPr lvl="2"/>
+            <a:r>
+              <a:rPr lang="en-US" dirty="0" smtClean="0"/>
+              <a:t>Image captioning (</a:t>
+            </a:r>
+            <a:r>
+              <a:rPr lang="en-US" dirty="0" err="1" smtClean="0"/>
+              <a:t>Liwei</a:t>
+            </a:r>
+            <a:r>
+              <a:rPr lang="en-US" dirty="0" smtClean="0"/>
+              <a:t> et al. 2017)</a:t>
+            </a:r>
+          </a:p>
+          <a:p>
+            <a:pPr lvl="2"/>
+            <a:r>
+              <a:rPr lang="en-US" dirty="0"/>
+              <a:t>Visual </a:t>
+            </a:r>
+            <a:r>
+              <a:rPr lang="en-US" dirty="0" smtClean="0"/>
+              <a:t>question </a:t>
+            </a:r>
+            <a:r>
+              <a:rPr lang="en-US" dirty="0"/>
+              <a:t>generation (</a:t>
+            </a:r>
+            <a:r>
+              <a:rPr lang="en-US" dirty="0" err="1"/>
+              <a:t>Unnat</a:t>
+            </a:r>
+            <a:r>
+              <a:rPr lang="en-US" dirty="0"/>
+              <a:t> et al. 2017</a:t>
+            </a:r>
+            <a:r>
+              <a:rPr lang="en-US" dirty="0" smtClean="0"/>
+              <a:t>)</a:t>
+            </a:r>
+          </a:p>
+          <a:p>
+            <a:r>
+              <a:rPr lang="en-US" dirty="0" smtClean="0"/>
+              <a:t>We are tackling sequential discrete variables.</a:t>
+            </a:r>
+          </a:p>
+        </p:txBody>
+      </p:sp>
+      <p:sp>
+        <p:nvSpPr>
+          <p:cNvPr id="4" name="Slide Number Placeholder 3"/>
+          <p:cNvSpPr>
+            <a:spLocks noGrp="1"/>
+          </p:cNvSpPr>
+          <p:nvPr>
+            <p:ph type="sldNum" sz="quarter" idx="12"/>
+          </p:nvPr>
+        </p:nvSpPr>
+        <p:spPr/>
+        <p:txBody>
+          <a:bodyPr/>
+          <a:lstStyle/>
+          <a:p>
+            <a:fld id="{7065BB2C-E040-0B41-A79C-72407BBCFFEE}" type="slidenum">
+              <a:rPr lang="en-US" smtClean="0"/>
+              <a:t>10</a:t>
+            </a:fld>
+            <a:endParaRPr lang="en-US"/>
+          </a:p>
+        </p:txBody>
+      </p:sp>
+    </p:spTree>
+    <p:extLst>
+      <p:ext uri="{BB962C8B-B14F-4D97-AF65-F5344CB8AC3E}">
+        <p14:creationId xmlns:p14="http://schemas.microsoft.com/office/powerpoint/2010/main" val="1678724911"/>
+      </p:ext>
+    </p:extLst>
+  </p:cSld>
+  <p:clrMapOvr>
+    <a:masterClrMapping/>
+  </p:clrMapOvr>
+  <p:timing>
+    <p:tnLst>
+      <p:par>
+        <p:cTn id="1" dur="indefinite" restart="never" nodeType="tmRoot">
+          <p:childTnLst>
+            <p:seq concurrent="1" nextAc="seek">
+              <p:cTn id="2" dur="indefinite" nodeType="mainSeq">
+                <p:childTnLst>
+                  <p:par>
+                    <p:cTn id="3" fill="hold">
+                      <p:stCondLst>
+                        <p:cond delay="indefinite"/>
+                      </p:stCondLst>
+                      <p:childTnLst>
+                        <p:par>
+                          <p:cTn id="4" fill="hold">
+                            <p:stCondLst>
+                              <p:cond delay="0"/>
+                            </p:stCondLst>
+                            <p:childTnLst>
+                              <p:par>
+                                <p:cTn id="5" presetID="3" presetClass="entr" presetSubtype="10" fill="hold" nodeType="clickEffect">
+                                  <p:stCondLst>
+                                    <p:cond delay="0"/>
+                                  </p:stCondLst>
+                                  <p:childTnLst>
+                                    <p:set>
+                                      <p:cBhvr>
+                                        <p:cTn id="6" dur="1" fill="hold">
+                                          <p:stCondLst>
+                                            <p:cond delay="0"/>
+                                          </p:stCondLst>
+                                        </p:cTn>
+                                        <p:tgtEl>
+                                          <p:spTgt spid="3">
+                                            <p:txEl>
+                                              <p:pRg st="0" end="0"/>
+                                            </p:txEl>
+                                          </p:spTgt>
+                                        </p:tgtEl>
+                                        <p:attrNameLst>
+                                          <p:attrName>style.visibility</p:attrName>
+                                        </p:attrNameLst>
+                                      </p:cBhvr>
+                                      <p:to>
+                                        <p:strVal val="visible"/>
+                                      </p:to>
+                                    </p:set>
+                                    <p:animEffect transition="in" filter="blinds(horizontal)">
+                                      <p:cBhvr>
+                                        <p:cTn id="7" dur="500"/>
+                                        <p:tgtEl>
+                                          <p:spTgt spid="3">
+                                            <p:txEl>
+                                              <p:pRg st="0" end="0"/>
+                                            </p:txEl>
+                                          </p:spTgt>
+                                        </p:tgtEl>
+                                      </p:cBhvr>
+                                    </p:animEffect>
+                                  </p:childTnLst>
+                                </p:cTn>
+                              </p:par>
+                              <p:par>
+                                <p:cTn id="8" presetID="3" presetClass="entr" presetSubtype="10" fill="hold" nodeType="withEffect">
+                                  <p:stCondLst>
+                                    <p:cond delay="0"/>
+                                  </p:stCondLst>
+                                  <p:childTnLst>
+                                    <p:set>
+                                      <p:cBhvr>
+                                        <p:cTn id="9" dur="1" fill="hold">
+                                          <p:stCondLst>
+                                            <p:cond delay="0"/>
+                                          </p:stCondLst>
+                                        </p:cTn>
+                                        <p:tgtEl>
+                                          <p:spTgt spid="3">
+                                            <p:txEl>
+                                              <p:pRg st="1" end="1"/>
+                                            </p:txEl>
+                                          </p:spTgt>
+                                        </p:tgtEl>
+                                        <p:attrNameLst>
+                                          <p:attrName>style.visibility</p:attrName>
+                                        </p:attrNameLst>
+                                      </p:cBhvr>
+                                      <p:to>
+                                        <p:strVal val="visible"/>
+                                      </p:to>
+                                    </p:set>
+                                    <p:animEffect transition="in" filter="blinds(horizontal)">
+                                      <p:cBhvr>
+                                        <p:cTn id="10" dur="500"/>
+                                        <p:tgtEl>
+                                          <p:spTgt spid="3">
+                                            <p:txEl>
+                                              <p:pRg st="1" end="1"/>
+                                            </p:txEl>
+                                          </p:spTgt>
+                                        </p:tgtEl>
+                                      </p:cBhvr>
+                                    </p:animEffect>
+                                  </p:childTnLst>
+                                </p:cTn>
+                              </p:par>
+                              <p:par>
+                                <p:cTn id="11" presetID="3" presetClass="entr" presetSubtype="10" fill="hold" nodeType="withEffect">
+                                  <p:stCondLst>
+                                    <p:cond delay="0"/>
+                                  </p:stCondLst>
+                                  <p:childTnLst>
+                                    <p:set>
+                                      <p:cBhvr>
+                                        <p:cTn id="12" dur="1" fill="hold">
+                                          <p:stCondLst>
+                                            <p:cond delay="0"/>
+                                          </p:stCondLst>
+                                        </p:cTn>
+                                        <p:tgtEl>
+                                          <p:spTgt spid="3">
+                                            <p:txEl>
+                                              <p:pRg st="2" end="2"/>
+                                            </p:txEl>
+                                          </p:spTgt>
+                                        </p:tgtEl>
+                                        <p:attrNameLst>
+                                          <p:attrName>style.visibility</p:attrName>
+                                        </p:attrNameLst>
+                                      </p:cBhvr>
+                                      <p:to>
+                                        <p:strVal val="visible"/>
+                                      </p:to>
+                                    </p:set>
+                                    <p:animEffect transition="in" filter="blinds(horizontal)">
+                                      <p:cBhvr>
+                                        <p:cTn id="13" dur="500"/>
+                                        <p:tgtEl>
+                                          <p:spTgt spid="3">
+                                            <p:txEl>
+                                              <p:pRg st="2" end="2"/>
+                                            </p:txEl>
+                                          </p:spTgt>
+                                        </p:tgtEl>
+                                      </p:cBhvr>
+                                    </p:animEffect>
+                                  </p:childTnLst>
+                                </p:cTn>
+                              </p:par>
+                              <p:par>
+                                <p:cTn id="14" presetID="3" presetClass="entr" presetSubtype="10" fill="hold" nodeType="withEffect">
+                                  <p:stCondLst>
+                                    <p:cond delay="0"/>
+                                  </p:stCondLst>
+                                  <p:childTnLst>
+                                    <p:set>
+                                      <p:cBhvr>
+                                        <p:cTn id="15" dur="1" fill="hold">
+                                          <p:stCondLst>
+                                            <p:cond delay="0"/>
+                                          </p:stCondLst>
+                                        </p:cTn>
+                                        <p:tgtEl>
+                                          <p:spTgt spid="3">
+                                            <p:txEl>
+                                              <p:pRg st="3" end="3"/>
+                                            </p:txEl>
+                                          </p:spTgt>
+                                        </p:tgtEl>
+                                        <p:attrNameLst>
+                                          <p:attrName>style.visibility</p:attrName>
+                                        </p:attrNameLst>
+                                      </p:cBhvr>
+                                      <p:to>
+                                        <p:strVal val="visible"/>
+                                      </p:to>
+                                    </p:set>
+                                    <p:animEffect transition="in" filter="blinds(horizontal)">
+                                      <p:cBhvr>
+                                        <p:cTn id="16" dur="500"/>
+                                        <p:tgtEl>
+                                          <p:spTgt spid="3">
+                                            <p:txEl>
+                                              <p:pRg st="3" end="3"/>
+                                            </p:txEl>
+                                          </p:spTgt>
+                                        </p:tgtEl>
+                                      </p:cBhvr>
+                                    </p:animEffect>
+                                  </p:childTnLst>
+                                </p:cTn>
+                              </p:par>
+                              <p:par>
+                                <p:cTn id="17" presetID="3" presetClass="entr" presetSubtype="10" fill="hold" nodeType="withEffect">
+                                  <p:stCondLst>
+                                    <p:cond delay="0"/>
+                                  </p:stCondLst>
+                                  <p:childTnLst>
+                                    <p:set>
+                                      <p:cBhvr>
+                                        <p:cTn id="18" dur="1" fill="hold">
+                                          <p:stCondLst>
+                                            <p:cond delay="0"/>
+                                          </p:stCondLst>
+                                        </p:cTn>
+                                        <p:tgtEl>
+                                          <p:spTgt spid="3">
+                                            <p:txEl>
+                                              <p:pRg st="4" end="4"/>
+                                            </p:txEl>
+                                          </p:spTgt>
+                                        </p:tgtEl>
+                                        <p:attrNameLst>
+                                          <p:attrName>style.visibility</p:attrName>
+                                        </p:attrNameLst>
+                                      </p:cBhvr>
+                                      <p:to>
+                                        <p:strVal val="visible"/>
+                                      </p:to>
+                                    </p:set>
+                                    <p:animEffect transition="in" filter="blinds(horizontal)">
+                                      <p:cBhvr>
+                                        <p:cTn id="19" dur="500"/>
+                                        <p:tgtEl>
+                                          <p:spTgt spid="3">
+                                            <p:txEl>
+                                              <p:pRg st="4" end="4"/>
+                                            </p:txEl>
+                                          </p:spTgt>
+                                        </p:tgtEl>
+                                      </p:cBhvr>
+                                    </p:animEffect>
+                                  </p:childTnLst>
+                                </p:cTn>
+                              </p:par>
+                              <p:par>
+                                <p:cTn id="20" presetID="3" presetClass="entr" presetSubtype="10" fill="hold" nodeType="withEffect">
+                                  <p:stCondLst>
+                                    <p:cond delay="0"/>
+                                  </p:stCondLst>
+                                  <p:childTnLst>
+                                    <p:set>
+                                      <p:cBhvr>
+                                        <p:cTn id="21" dur="1" fill="hold">
+                                          <p:stCondLst>
+                                            <p:cond delay="0"/>
+                                          </p:stCondLst>
+                                        </p:cTn>
+                                        <p:tgtEl>
+                                          <p:spTgt spid="3">
+                                            <p:txEl>
+                                              <p:pRg st="5" end="5"/>
+                                            </p:txEl>
+                                          </p:spTgt>
+                                        </p:tgtEl>
+                                        <p:attrNameLst>
+                                          <p:attrName>style.visibility</p:attrName>
+                                        </p:attrNameLst>
+                                      </p:cBhvr>
+                                      <p:to>
+                                        <p:strVal val="visible"/>
+                                      </p:to>
+                                    </p:set>
+                                    <p:animEffect transition="in" filter="blinds(horizontal)">
+                                      <p:cBhvr>
+                                        <p:cTn id="22" dur="500"/>
+                                        <p:tgtEl>
+                                          <p:spTgt spid="3">
+                                            <p:txEl>
+                                              <p:pRg st="5" end="5"/>
+                                            </p:txEl>
+                                          </p:spTgt>
+                                        </p:tgtEl>
+                                      </p:cBhvr>
+                                    </p:animEffect>
+                                  </p:childTnLst>
+                                </p:cTn>
+                              </p:par>
+                              <p:par>
+                                <p:cTn id="23" presetID="3" presetClass="entr" presetSubtype="10" fill="hold" nodeType="withEffect">
+                                  <p:stCondLst>
+                                    <p:cond delay="0"/>
+                                  </p:stCondLst>
+                                  <p:childTnLst>
+                                    <p:set>
+                                      <p:cBhvr>
+                                        <p:cTn id="24" dur="1" fill="hold">
+                                          <p:stCondLst>
+                                            <p:cond delay="0"/>
+                                          </p:stCondLst>
+                                        </p:cTn>
+                                        <p:tgtEl>
+                                          <p:spTgt spid="3">
+                                            <p:txEl>
+                                              <p:pRg st="6" end="6"/>
+                                            </p:txEl>
+                                          </p:spTgt>
+                                        </p:tgtEl>
+                                        <p:attrNameLst>
+                                          <p:attrName>style.visibility</p:attrName>
+                                        </p:attrNameLst>
+                                      </p:cBhvr>
+                                      <p:to>
+                                        <p:strVal val="visible"/>
+                                      </p:to>
+                                    </p:set>
+                                    <p:animEffect transition="in" filter="blinds(horizontal)">
+                                      <p:cBhvr>
+                                        <p:cTn id="25" dur="500"/>
+                                        <p:tgtEl>
+                                          <p:spTgt spid="3">
+                                            <p:txEl>
+                                              <p:pRg st="6" end="6"/>
+                                            </p:txEl>
+                                          </p:spTgt>
+                                        </p:tgtEl>
+                                      </p:cBhvr>
+                                    </p:animEffect>
+                                  </p:childTnLst>
+                                </p:cTn>
+                              </p:par>
+                              <p:par>
+                                <p:cTn id="26" presetID="3" presetClass="entr" presetSubtype="10" fill="hold" nodeType="withEffect">
+                                  <p:stCondLst>
+                                    <p:cond delay="0"/>
+                                  </p:stCondLst>
+                                  <p:childTnLst>
+                                    <p:set>
+                                      <p:cBhvr>
+                                        <p:cTn id="27" dur="1" fill="hold">
+                                          <p:stCondLst>
+                                            <p:cond delay="0"/>
+                                          </p:stCondLst>
+                                        </p:cTn>
+                                        <p:tgtEl>
+                                          <p:spTgt spid="3">
+                                            <p:txEl>
+                                              <p:pRg st="7" end="7"/>
+                                            </p:txEl>
+                                          </p:spTgt>
+                                        </p:tgtEl>
+                                        <p:attrNameLst>
+                                          <p:attrName>style.visibility</p:attrName>
+                                        </p:attrNameLst>
+                                      </p:cBhvr>
+                                      <p:to>
+                                        <p:strVal val="visible"/>
+                                      </p:to>
+                                    </p:set>
+                                    <p:animEffect transition="in" filter="blinds(horizontal)">
+                                      <p:cBhvr>
+                                        <p:cTn id="28" dur="500"/>
+                                        <p:tgtEl>
+                                          <p:spTgt spid="3">
+                                            <p:txEl>
+                                              <p:pRg st="7" end="7"/>
+                                            </p:txEl>
+                                          </p:spTgt>
+                                        </p:tgtEl>
+                                      </p:cBhvr>
+                                    </p:animEffect>
+                                  </p:childTnLst>
+                                </p:cTn>
+                              </p:par>
+                              <p:par>
+                                <p:cTn id="29" presetID="3" presetClass="entr" presetSubtype="10" fill="hold" nodeType="withEffect">
+                                  <p:stCondLst>
+                                    <p:cond delay="0"/>
+                                  </p:stCondLst>
+                                  <p:childTnLst>
+                                    <p:set>
+                                      <p:cBhvr>
+                                        <p:cTn id="30" dur="1" fill="hold">
+                                          <p:stCondLst>
+                                            <p:cond delay="0"/>
+                                          </p:stCondLst>
+                                        </p:cTn>
+                                        <p:tgtEl>
+                                          <p:spTgt spid="3">
+                                            <p:txEl>
+                                              <p:pRg st="8" end="8"/>
+                                            </p:txEl>
+                                          </p:spTgt>
+                                        </p:tgtEl>
+                                        <p:attrNameLst>
+                                          <p:attrName>style.visibility</p:attrName>
+                                        </p:attrNameLst>
+                                      </p:cBhvr>
+                                      <p:to>
+                                        <p:strVal val="visible"/>
+                                      </p:to>
+                                    </p:set>
+                                    <p:animEffect transition="in" filter="blinds(horizontal)">
+                                      <p:cBhvr>
+                                        <p:cTn id="31" dur="500"/>
+                                        <p:tgtEl>
+                                          <p:spTgt spid="3">
+                                            <p:txEl>
+                                              <p:pRg st="8" end="8"/>
+                                            </p:txEl>
+                                          </p:spTgt>
+                                        </p:tgtEl>
+                                      </p:cBhvr>
+                                    </p:animEffect>
+                                  </p:childTnLst>
+                                </p:cTn>
+                              </p:par>
+                            </p:childTnLst>
+                          </p:cTn>
+                        </p:par>
+                      </p:childTnLst>
+                    </p:cTn>
+                  </p:par>
+                  <p:par>
+                    <p:cTn id="32" fill="hold">
+                      <p:stCondLst>
+                        <p:cond delay="indefinite"/>
+                      </p:stCondLst>
+                      <p:childTnLst>
+                        <p:par>
+                          <p:cTn id="33" fill="hold">
+                            <p:stCondLst>
+                              <p:cond delay="0"/>
+                            </p:stCondLst>
+                            <p:childTnLst>
+                              <p:par>
+                                <p:cTn id="34" presetID="3" presetClass="entr" presetSubtype="10" fill="hold" nodeType="clickEffect">
+                                  <p:stCondLst>
+                                    <p:cond delay="0"/>
+                                  </p:stCondLst>
+                                  <p:childTnLst>
+                                    <p:set>
+                                      <p:cBhvr>
+                                        <p:cTn id="35" dur="1" fill="hold">
+                                          <p:stCondLst>
+                                            <p:cond delay="0"/>
+                                          </p:stCondLst>
+                                        </p:cTn>
+                                        <p:tgtEl>
+                                          <p:spTgt spid="3">
+                                            <p:txEl>
+                                              <p:pRg st="9" end="9"/>
+                                            </p:txEl>
+                                          </p:spTgt>
+                                        </p:tgtEl>
+                                        <p:attrNameLst>
+                                          <p:attrName>style.visibility</p:attrName>
+                                        </p:attrNameLst>
+                                      </p:cBhvr>
+                                      <p:to>
+                                        <p:strVal val="visible"/>
+                                      </p:to>
+                                    </p:set>
+                                    <p:animEffect transition="in" filter="blinds(horizontal)">
+                                      <p:cBhvr>
+                                        <p:cTn id="36" dur="500"/>
+                                        <p:tgtEl>
+                                          <p:spTgt spid="3">
+                                            <p:txEl>
+                                              <p:pRg st="9" end="9"/>
+                                            </p:txEl>
+                                          </p:spTgt>
+                                        </p:tgtEl>
+                                      </p:cBhvr>
+                                    </p:animEffect>
+                                  </p:childTnLst>
+                                </p:cTn>
+                              </p:par>
+                            </p:childTnLst>
+                          </p:cTn>
+                        </p:par>
+                      </p:childTnLst>
+                    </p:cTn>
+                  </p:par>
+                </p:childTnLst>
+              </p:cTn>
+              <p:prevCondLst>
+                <p:cond evt="onPrev" delay="0">
+                  <p:tgtEl>
+                    <p:sldTgt/>
+                  </p:tgtEl>
+                </p:cond>
+              </p:prevCondLst>
+              <p:nextCondLst>
+                <p:cond evt="onNext" delay="0">
+                  <p:tgtEl>
+                    <p:sldTgt/>
+                  </p:tgtEl>
+                </p:cond>
+              </p:nextCondLst>
+            </p:seq>
+          </p:childTnLst>
+        </p:cTn>
+      </p:par>
+    </p:tnLst>
+  </p:timing>
+</p:sld>
+</file>
+
+<file path=ppt/slides/slide11.xml><?xml version="1.0" encoding="utf-8"?>
+<p:sld xmlns:a="http://schemas.openxmlformats.org/drawingml/2006/main" xmlns:r="http://schemas.openxmlformats.org/officeDocument/2006/relationships" xmlns:p="http://schemas.openxmlformats.org/presentationml/2006/main">
+  <p:cSld>
+    <p:spTree>
+      <p:nvGrpSpPr>
+        <p:cNvPr id="1" name=""/>
+        <p:cNvGrpSpPr/>
+        <p:nvPr/>
+      </p:nvGrpSpPr>
+      <p:grpSpPr>
+        <a:xfrm>
+          <a:off x="0" y="0"/>
+          <a:ext cx="0" cy="0"/>
+          <a:chOff x="0" y="0"/>
+          <a:chExt cx="0" cy="0"/>
+        </a:xfrm>
+      </p:grpSpPr>
+      <p:sp>
+        <p:nvSpPr>
+          <p:cNvPr id="2" name="Title 1"/>
+          <p:cNvSpPr>
+            <a:spLocks noGrp="1"/>
+          </p:cNvSpPr>
+          <p:nvPr>
+            <p:ph type="title"/>
+          </p:nvPr>
+        </p:nvSpPr>
+        <p:spPr/>
+        <p:txBody>
+          <a:bodyPr/>
+          <a:lstStyle/>
+          <a:p>
+            <a:r>
               <a:rPr lang="en-US" altLang="zh-CN" dirty="0" smtClean="0"/>
               <a:t>KG </a:t>
             </a:r>
@@ -3940,28 +4711,6 @@
               <a:p>
                 <a:r>
                   <a:rPr lang="en-US" dirty="0"/>
-                  <a:t>We view </a:t>
-                </a:r>
-                <a:r>
-                  <a:rPr lang="en-US" dirty="0" smtClean="0"/>
-                  <a:t>the sampling of latent </a:t>
-                </a:r>
-                <a:r>
-                  <a:rPr lang="en-US" dirty="0"/>
-                  <a:t>variable as </a:t>
-                </a:r>
-                <a:r>
-                  <a:rPr lang="en-US" dirty="0" smtClean="0"/>
-                  <a:t>a Markov Decision </a:t>
-                </a:r>
-                <a:r>
-                  <a:rPr lang="en-US" dirty="0" smtClean="0"/>
-                  <a:t>Process</a:t>
-                </a:r>
-              </a:p>
-              <a:p>
-                <a:r>
-                  <a:rPr lang="en-US" dirty="0" smtClean="0"/>
                   <a:t>Our prior distribution </a:t>
                 </a:r>
                 <a14:m>
@@ -4093,10 +4842,40 @@
                   </m:oMath>
                 </a14:m>
                 <a:r>
+                  <a:rPr lang="en-US" dirty="0"/>
+                  <a:t> is </a:t>
+                </a:r>
+                <a:r>
                   <a:rPr lang="en-US" dirty="0" smtClean="0"/>
-                  <a:t> is trainable</a:t>
+                  <a:t>trainable</a:t>
                 </a:r>
                 <a:endParaRPr lang="en-US" dirty="0" smtClean="0"/>
+              </a:p>
+              <a:p>
+                <a:r>
+                  <a:rPr lang="en-US" dirty="0" smtClean="0"/>
+                  <a:t>We </a:t>
+                </a:r>
+                <a:r>
+                  <a:rPr lang="en-US" dirty="0"/>
+                  <a:t>view </a:t>
+                </a:r>
+                <a:r>
+                  <a:rPr lang="en-US" dirty="0" smtClean="0"/>
+                  <a:t>the sampling of latent </a:t>
+                </a:r>
+                <a:r>
+                  <a:rPr lang="en-US" dirty="0"/>
+                  <a:t>variable as </a:t>
+                </a:r>
+                <a:r>
+                  <a:rPr lang="en-US" dirty="0" smtClean="0"/>
+                  <a:t>a Markov Decision </a:t>
+                </a:r>
+                <a:r>
+                  <a:rPr lang="en-US" dirty="0" smtClean="0"/>
+                  <a:t>Process</a:t>
+                </a:r>
               </a:p>
             </p:txBody>
           </p:sp>
@@ -4152,7 +4931,7 @@
           <a:p>
             <a:fld id="{7065BB2C-E040-0B41-A79C-72407BBCFFEE}" type="slidenum">
               <a:rPr lang="en-US" smtClean="0"/>
-              <a:t>10</a:t>
+              <a:t>11</a:t>
             </a:fld>
             <a:endParaRPr lang="en-US"/>
           </a:p>
@@ -6968,7 +7747,7 @@
 </p:sld>
 </file>
 
-<file path=ppt/slides/slide11.xml><?xml version="1.0" encoding="utf-8"?>
+<file path=ppt/slides/slide12.xml><?xml version="1.0" encoding="utf-8"?>
 <p:sld xmlns:a="http://schemas.openxmlformats.org/drawingml/2006/main" xmlns:r="http://schemas.openxmlformats.org/officeDocument/2006/relationships" xmlns:p="http://schemas.openxmlformats.org/presentationml/2006/main">
   <p:cSld>
     <p:spTree>
@@ -7189,7 +7968,7 @@
           <a:p>
             <a:fld id="{7065BB2C-E040-0B41-A79C-72407BBCFFEE}" type="slidenum">
               <a:rPr lang="en-US" smtClean="0"/>
-              <a:t>11</a:t>
+              <a:t>12</a:t>
             </a:fld>
             <a:endParaRPr lang="en-US"/>
           </a:p>
@@ -11177,7 +11956,7 @@
 </p:sld>
 </file>
 
-<file path=ppt/slides/slide12.xml><?xml version="1.0" encoding="utf-8"?>
+<file path=ppt/slides/slide13.xml><?xml version="1.0" encoding="utf-8"?>
 <p:sld xmlns:a="http://schemas.openxmlformats.org/drawingml/2006/main" xmlns:r="http://schemas.openxmlformats.org/officeDocument/2006/relationships" xmlns:p="http://schemas.openxmlformats.org/presentationml/2006/main">
   <p:cSld>
     <p:spTree>
@@ -11257,7 +12036,7 @@
           <a:p>
             <a:fld id="{7065BB2C-E040-0B41-A79C-72407BBCFFEE}" type="slidenum">
               <a:rPr lang="en-US" smtClean="0"/>
-              <a:t>12</a:t>
+              <a:t>13</a:t>
             </a:fld>
             <a:endParaRPr lang="en-US"/>
           </a:p>
@@ -13132,7 +13911,7 @@
 </p:sld>
 </file>
 
-<file path=ppt/slides/slide13.xml><?xml version="1.0" encoding="utf-8"?>
+<file path=ppt/slides/slide14.xml><?xml version="1.0" encoding="utf-8"?>
 <p:sld xmlns:a="http://schemas.openxmlformats.org/drawingml/2006/main" xmlns:r="http://schemas.openxmlformats.org/officeDocument/2006/relationships" xmlns:p="http://schemas.openxmlformats.org/presentationml/2006/main">
   <p:cSld>
     <p:spTree>
@@ -13225,7 +14004,7 @@
           <a:p>
             <a:fld id="{7065BB2C-E040-0B41-A79C-72407BBCFFEE}" type="slidenum">
               <a:rPr lang="en-US" smtClean="0"/>
-              <a:t>13</a:t>
+              <a:t>14</a:t>
             </a:fld>
             <a:endParaRPr lang="en-US"/>
           </a:p>
@@ -17502,7 +18281,7 @@
 </p:sld>
 </file>
 
-<file path=ppt/slides/slide14.xml><?xml version="1.0" encoding="utf-8"?>
+<file path=ppt/slides/slide15.xml><?xml version="1.0" encoding="utf-8"?>
 <p:sld xmlns:a="http://schemas.openxmlformats.org/drawingml/2006/main" xmlns:r="http://schemas.openxmlformats.org/officeDocument/2006/relationships" xmlns:p="http://schemas.openxmlformats.org/presentationml/2006/main">
   <p:cSld>
     <p:spTree>
@@ -17594,7 +18373,7 @@
           <a:p>
             <a:fld id="{7065BB2C-E040-0B41-A79C-72407BBCFFEE}" type="slidenum">
               <a:rPr lang="en-US" smtClean="0"/>
-              <a:t>14</a:t>
+              <a:t>15</a:t>
             </a:fld>
             <a:endParaRPr lang="en-US"/>
           </a:p>
@@ -19516,7 +20295,7 @@
 </p:sld>
 </file>
 
-<file path=ppt/slides/slide15.xml><?xml version="1.0" encoding="utf-8"?>
+<file path=ppt/slides/slide16.xml><?xml version="1.0" encoding="utf-8"?>
 <p:sld xmlns:a="http://schemas.openxmlformats.org/drawingml/2006/main" xmlns:r="http://schemas.openxmlformats.org/officeDocument/2006/relationships" xmlns:p="http://schemas.openxmlformats.org/presentationml/2006/main">
   <p:cSld>
     <p:spTree>
@@ -19573,7 +20352,7 @@
           <a:p>
             <a:fld id="{7065BB2C-E040-0B41-A79C-72407BBCFFEE}" type="slidenum">
               <a:rPr lang="en-US" smtClean="0"/>
-              <a:t>15</a:t>
+              <a:t>16</a:t>
             </a:fld>
             <a:endParaRPr lang="en-US"/>
           </a:p>
@@ -23926,7 +24705,7 @@
 </p:sld>
 </file>
 
-<file path=ppt/slides/slide16.xml><?xml version="1.0" encoding="utf-8"?>
+<file path=ppt/slides/slide17.xml><?xml version="1.0" encoding="utf-8"?>
 <p:sld xmlns:a="http://schemas.openxmlformats.org/drawingml/2006/main" xmlns:r="http://schemas.openxmlformats.org/officeDocument/2006/relationships" xmlns:p="http://schemas.openxmlformats.org/presentationml/2006/main">
   <p:cSld>
     <p:spTree>
@@ -24033,7 +24812,7 @@
           <a:p>
             <a:fld id="{7065BB2C-E040-0B41-A79C-72407BBCFFEE}" type="slidenum">
               <a:rPr lang="en-US" smtClean="0"/>
-              <a:t>16</a:t>
+              <a:t>17</a:t>
             </a:fld>
             <a:endParaRPr lang="en-US"/>
           </a:p>
@@ -24886,7 +25665,7 @@
 </p:sld>
 </file>
 
-<file path=ppt/slides/slide17.xml><?xml version="1.0" encoding="utf-8"?>
+<file path=ppt/slides/slide18.xml><?xml version="1.0" encoding="utf-8"?>
 <p:sld xmlns:a="http://schemas.openxmlformats.org/drawingml/2006/main" xmlns:r="http://schemas.openxmlformats.org/officeDocument/2006/relationships" xmlns:p="http://schemas.openxmlformats.org/presentationml/2006/main">
   <p:cSld>
     <p:spTree>
@@ -24967,7 +25746,7 @@
           <a:p>
             <a:fld id="{7065BB2C-E040-0B41-A79C-72407BBCFFEE}" type="slidenum">
               <a:rPr lang="en-US" smtClean="0"/>
-              <a:t>17</a:t>
+              <a:t>18</a:t>
             </a:fld>
             <a:endParaRPr lang="en-US"/>
           </a:p>
@@ -29000,7 +29779,7 @@
 </p:sld>
 </file>
 
-<file path=ppt/slides/slide18.xml><?xml version="1.0" encoding="utf-8"?>
+<file path=ppt/slides/slide19.xml><?xml version="1.0" encoding="utf-8"?>
 <p:sld xmlns:a="http://schemas.openxmlformats.org/drawingml/2006/main" xmlns:r="http://schemas.openxmlformats.org/officeDocument/2006/relationships" xmlns:p="http://schemas.openxmlformats.org/presentationml/2006/main">
   <p:cSld>
     <p:spTree>
@@ -29083,7 +29862,7 @@
           <a:p>
             <a:fld id="{7065BB2C-E040-0B41-A79C-72407BBCFFEE}" type="slidenum">
               <a:rPr lang="en-US" smtClean="0"/>
-              <a:t>18</a:t>
+              <a:t>19</a:t>
             </a:fld>
             <a:endParaRPr lang="en-US"/>
           </a:p>
@@ -29788,7 +30567,151 @@
 </p:sld>
 </file>
 
-<file path=ppt/slides/slide19.xml><?xml version="1.0" encoding="utf-8"?>
+<file path=ppt/slides/slide2.xml><?xml version="1.0" encoding="utf-8"?>
+<p:sld xmlns:a="http://schemas.openxmlformats.org/drawingml/2006/main" xmlns:r="http://schemas.openxmlformats.org/officeDocument/2006/relationships" xmlns:p="http://schemas.openxmlformats.org/presentationml/2006/main">
+  <p:cSld>
+    <p:spTree>
+      <p:nvGrpSpPr>
+        <p:cNvPr id="1" name=""/>
+        <p:cNvGrpSpPr/>
+        <p:nvPr/>
+      </p:nvGrpSpPr>
+      <p:grpSpPr>
+        <a:xfrm>
+          <a:off x="0" y="0"/>
+          <a:ext cx="0" cy="0"/>
+          <a:chOff x="0" y="0"/>
+          <a:chExt cx="0" cy="0"/>
+        </a:xfrm>
+      </p:grpSpPr>
+      <p:sp>
+        <p:nvSpPr>
+          <p:cNvPr id="2" name="Title 1"/>
+          <p:cNvSpPr>
+            <a:spLocks noGrp="1"/>
+          </p:cNvSpPr>
+          <p:nvPr>
+            <p:ph type="title"/>
+          </p:nvPr>
+        </p:nvSpPr>
+        <p:spPr/>
+        <p:txBody>
+          <a:bodyPr/>
+          <a:lstStyle/>
+          <a:p>
+            <a:r>
+              <a:rPr lang="en-US" dirty="0" smtClean="0"/>
+              <a:t>Outline</a:t>
+            </a:r>
+            <a:endParaRPr lang="en-US" dirty="0"/>
+          </a:p>
+        </p:txBody>
+      </p:sp>
+      <p:sp>
+        <p:nvSpPr>
+          <p:cNvPr id="3" name="Content Placeholder 2"/>
+          <p:cNvSpPr>
+            <a:spLocks noGrp="1"/>
+          </p:cNvSpPr>
+          <p:nvPr>
+            <p:ph idx="1"/>
+          </p:nvPr>
+        </p:nvSpPr>
+        <p:spPr/>
+        <p:txBody>
+          <a:bodyPr/>
+          <a:lstStyle/>
+          <a:p>
+            <a:r>
+              <a:rPr lang="en-US" dirty="0" smtClean="0"/>
+              <a:t>Introduction to Knowledge Graph Completion</a:t>
+            </a:r>
+          </a:p>
+          <a:p>
+            <a:endParaRPr lang="en-US" dirty="0" smtClean="0"/>
+          </a:p>
+          <a:p>
+            <a:r>
+              <a:rPr lang="en-US" dirty="0" smtClean="0"/>
+              <a:t>Reinterpret the problem as a generative model</a:t>
+            </a:r>
+          </a:p>
+          <a:p>
+            <a:endParaRPr lang="en-US" dirty="0" smtClean="0"/>
+          </a:p>
+          <a:p>
+            <a:r>
+              <a:rPr lang="en-US" dirty="0" smtClean="0"/>
+              <a:t>How to resolve the new intractable objective using </a:t>
+            </a:r>
+            <a:r>
+              <a:rPr lang="en-US" dirty="0" err="1" smtClean="0"/>
+              <a:t>variational</a:t>
+            </a:r>
+            <a:r>
+              <a:rPr lang="en-US" dirty="0" smtClean="0"/>
+              <a:t> inference</a:t>
+            </a:r>
+          </a:p>
+          <a:p>
+            <a:endParaRPr lang="en-US" dirty="0"/>
+          </a:p>
+          <a:p>
+            <a:r>
+              <a:rPr lang="en-US" dirty="0" smtClean="0"/>
+              <a:t>Experimental Results and Conclusion</a:t>
+            </a:r>
+            <a:endParaRPr lang="en-US" dirty="0"/>
+          </a:p>
+          <a:p>
+            <a:endParaRPr lang="en-US" dirty="0"/>
+          </a:p>
+        </p:txBody>
+      </p:sp>
+      <p:sp>
+        <p:nvSpPr>
+          <p:cNvPr id="4" name="Slide Number Placeholder 3"/>
+          <p:cNvSpPr>
+            <a:spLocks noGrp="1"/>
+          </p:cNvSpPr>
+          <p:nvPr>
+            <p:ph type="sldNum" sz="quarter" idx="12"/>
+          </p:nvPr>
+        </p:nvSpPr>
+        <p:spPr/>
+        <p:txBody>
+          <a:bodyPr/>
+          <a:lstStyle/>
+          <a:p>
+            <a:fld id="{7065BB2C-E040-0B41-A79C-72407BBCFFEE}" type="slidenum">
+              <a:rPr lang="en-US" smtClean="0"/>
+              <a:t>2</a:t>
+            </a:fld>
+            <a:endParaRPr lang="en-US"/>
+          </a:p>
+        </p:txBody>
+      </p:sp>
+    </p:spTree>
+    <p:extLst>
+      <p:ext uri="{BB962C8B-B14F-4D97-AF65-F5344CB8AC3E}">
+        <p14:creationId xmlns:p14="http://schemas.microsoft.com/office/powerpoint/2010/main" val="1908663513"/>
+      </p:ext>
+    </p:extLst>
+  </p:cSld>
+  <p:clrMapOvr>
+    <a:masterClrMapping/>
+  </p:clrMapOvr>
+  <p:timing>
+    <p:tnLst>
+      <p:par>
+        <p:cTn id="1" dur="indefinite" restart="never" nodeType="tmRoot"/>
+      </p:par>
+    </p:tnLst>
+  </p:timing>
+</p:sld>
+</file>
+
+<file path=ppt/slides/slide20.xml><?xml version="1.0" encoding="utf-8"?>
 <p:sld xmlns:a="http://schemas.openxmlformats.org/drawingml/2006/main" xmlns:r="http://schemas.openxmlformats.org/officeDocument/2006/relationships" xmlns:p="http://schemas.openxmlformats.org/presentationml/2006/main">
   <p:cSld>
     <p:spTree>
@@ -29886,7 +30809,19 @@
             </a:pPr>
             <a:r>
               <a:rPr lang="en-US" dirty="0" smtClean="0"/>
-              <a:t> Our model shows its strength to deal with more complex graph structures.</a:t>
+              <a:t> Our model shows its strength to deal with more </a:t>
+            </a:r>
+            <a:r>
+              <a:rPr lang="en-US" dirty="0" smtClean="0"/>
+              <a:t>complex reasoning </a:t>
+            </a:r>
+            <a:r>
+              <a:rPr lang="en-US" dirty="0" err="1" smtClean="0"/>
+              <a:t>envrionments</a:t>
+            </a:r>
+            <a:r>
+              <a:rPr lang="en-US" dirty="0" smtClean="0"/>
+              <a:t>.</a:t>
             </a:r>
             <a:endParaRPr lang="en-US" dirty="0"/>
           </a:p>
@@ -29940,7 +30875,7 @@
           <a:p>
             <a:fld id="{7065BB2C-E040-0B41-A79C-72407BBCFFEE}" type="slidenum">
               <a:rPr lang="en-US" smtClean="0"/>
-              <a:t>19</a:t>
+              <a:t>20</a:t>
             </a:fld>
             <a:endParaRPr lang="en-US"/>
           </a:p>
@@ -30007,7 +30942,2035 @@
 </p:sld>
 </file>
 
-<file path=ppt/slides/slide2.xml><?xml version="1.0" encoding="utf-8"?>
+<file path=ppt/slides/slide21.xml><?xml version="1.0" encoding="utf-8"?>
+<p:sld xmlns:a="http://schemas.openxmlformats.org/drawingml/2006/main" xmlns:r="http://schemas.openxmlformats.org/officeDocument/2006/relationships" xmlns:p="http://schemas.openxmlformats.org/presentationml/2006/main">
+  <p:cSld>
+    <p:spTree>
+      <p:nvGrpSpPr>
+        <p:cNvPr id="1" name=""/>
+        <p:cNvGrpSpPr/>
+        <p:nvPr/>
+      </p:nvGrpSpPr>
+      <p:grpSpPr>
+        <a:xfrm>
+          <a:off x="0" y="0"/>
+          <a:ext cx="0" cy="0"/>
+          <a:chOff x="0" y="0"/>
+          <a:chExt cx="0" cy="0"/>
+        </a:xfrm>
+      </p:grpSpPr>
+      <p:sp>
+        <p:nvSpPr>
+          <p:cNvPr id="4" name="Slide Number Placeholder 3"/>
+          <p:cNvSpPr>
+            <a:spLocks noGrp="1"/>
+          </p:cNvSpPr>
+          <p:nvPr>
+            <p:ph type="sldNum" sz="quarter" idx="12"/>
+          </p:nvPr>
+        </p:nvSpPr>
+        <p:spPr/>
+        <p:txBody>
+          <a:bodyPr/>
+          <a:lstStyle/>
+          <a:p>
+            <a:fld id="{7065BB2C-E040-0B41-A79C-72407BBCFFEE}" type="slidenum">
+              <a:rPr lang="en-US" smtClean="0"/>
+              <a:t>21</a:t>
+            </a:fld>
+            <a:endParaRPr lang="en-US"/>
+          </a:p>
+        </p:txBody>
+      </p:sp>
+      <p:sp>
+        <p:nvSpPr>
+          <p:cNvPr id="5" name="TextBox 4"/>
+          <p:cNvSpPr txBox="1"/>
+          <p:nvPr/>
+        </p:nvSpPr>
+        <p:spPr>
+          <a:xfrm>
+            <a:off x="3682652" y="2818356"/>
+            <a:ext cx="1981376" cy="769441"/>
+          </a:xfrm>
+          <a:prstGeom prst="rect">
+            <a:avLst/>
+          </a:prstGeom>
+          <a:noFill/>
+        </p:spPr>
+        <p:txBody>
+          <a:bodyPr wrap="none" rtlCol="0">
+            <a:spAutoFit/>
+          </a:bodyPr>
+          <a:lstStyle/>
+          <a:p>
+            <a:pPr algn="ctr"/>
+            <a:r>
+              <a:rPr lang="en-US" sz="4400" dirty="0" smtClean="0"/>
+              <a:t>Thanks!</a:t>
+            </a:r>
+            <a:endParaRPr lang="en-US" sz="4400" dirty="0"/>
+          </a:p>
+        </p:txBody>
+      </p:sp>
+      <p:sp>
+        <p:nvSpPr>
+          <p:cNvPr id="2" name="Rectangle 1"/>
+          <p:cNvSpPr/>
+          <p:nvPr/>
+        </p:nvSpPr>
+        <p:spPr>
+          <a:xfrm>
+            <a:off x="1205151" y="4412121"/>
+            <a:ext cx="6936378" cy="646331"/>
+          </a:xfrm>
+          <a:prstGeom prst="rect">
+            <a:avLst/>
+          </a:prstGeom>
+        </p:spPr>
+        <p:txBody>
+          <a:bodyPr wrap="square">
+            <a:spAutoFit/>
+          </a:bodyPr>
+          <a:lstStyle/>
+          <a:p>
+            <a:r>
+              <a:rPr lang="en-US" dirty="0" smtClean="0"/>
+              <a:t>PPT Link: </a:t>
+            </a:r>
+            <a:r>
+              <a:rPr lang="en-US" dirty="0" smtClean="0">
+                <a:hlinkClick r:id="rId3"/>
+              </a:rPr>
+              <a:t>https</a:t>
+            </a:r>
+            <a:r>
+              <a:rPr lang="en-US" dirty="0">
+                <a:hlinkClick r:id="rId3"/>
+              </a:rPr>
+              <a:t>://</a:t>
+            </a:r>
+            <a:r>
+              <a:rPr lang="en-US" dirty="0" smtClean="0">
+                <a:hlinkClick r:id="rId3"/>
+              </a:rPr>
+              <a:t>wenhuchen.github.io/images/naacl2018.pptx</a:t>
+            </a:r>
+            <a:endParaRPr lang="en-US" dirty="0" smtClean="0"/>
+          </a:p>
+          <a:p>
+            <a:r>
+              <a:rPr lang="en-US" dirty="0"/>
+              <a:t>Dataset link: </a:t>
+            </a:r>
+            <a:r>
+              <a:rPr lang="en-US" dirty="0">
+                <a:hlinkClick r:id="rId4"/>
+              </a:rPr>
+              <a:t>http://cs.ucsb.edu/~</a:t>
+            </a:r>
+            <a:r>
+              <a:rPr lang="en-US" dirty="0" smtClean="0">
+                <a:hlinkClick r:id="rId4"/>
+              </a:rPr>
+              <a:t>xwhan/datasets/NELL-995.zip</a:t>
+            </a:r>
+            <a:endParaRPr lang="en-US" dirty="0" smtClean="0"/>
+          </a:p>
+        </p:txBody>
+      </p:sp>
+    </p:spTree>
+    <p:extLst>
+      <p:ext uri="{BB962C8B-B14F-4D97-AF65-F5344CB8AC3E}">
+        <p14:creationId xmlns:p14="http://schemas.microsoft.com/office/powerpoint/2010/main" val="938246214"/>
+      </p:ext>
+    </p:extLst>
+  </p:cSld>
+  <p:clrMapOvr>
+    <a:masterClrMapping/>
+  </p:clrMapOvr>
+  <mc:AlternateContent xmlns:mc="http://schemas.openxmlformats.org/markup-compatibility/2006" xmlns:p14="http://schemas.microsoft.com/office/powerpoint/2010/main">
+    <mc:Choice Requires="p14">
+      <p:transition spd="slow" p14:dur="2000" advTm="30633"/>
+    </mc:Choice>
+    <mc:Fallback xmlns="">
+      <p:transition spd="slow" advTm="30633"/>
+    </mc:Fallback>
+  </mc:AlternateContent>
+  <p:timing>
+    <p:tnLst>
+      <p:par>
+        <p:cTn id="1" dur="indefinite" restart="never" nodeType="tmRoot"/>
+      </p:par>
+    </p:tnLst>
+  </p:timing>
+</p:sld>
+</file>
+
+<file path=ppt/slides/slide22.xml><?xml version="1.0" encoding="utf-8"?>
+<p:sld xmlns:a="http://schemas.openxmlformats.org/drawingml/2006/main" xmlns:r="http://schemas.openxmlformats.org/officeDocument/2006/relationships" xmlns:p="http://schemas.openxmlformats.org/presentationml/2006/main">
+  <p:cSld>
+    <p:spTree>
+      <p:nvGrpSpPr>
+        <p:cNvPr id="1" name=""/>
+        <p:cNvGrpSpPr/>
+        <p:nvPr/>
+      </p:nvGrpSpPr>
+      <p:grpSpPr>
+        <a:xfrm>
+          <a:off x="0" y="0"/>
+          <a:ext cx="0" cy="0"/>
+          <a:chOff x="0" y="0"/>
+          <a:chExt cx="0" cy="0"/>
+        </a:xfrm>
+      </p:grpSpPr>
+      <p:sp>
+        <p:nvSpPr>
+          <p:cNvPr id="2" name="Title 1"/>
+          <p:cNvSpPr>
+            <a:spLocks noGrp="1"/>
+          </p:cNvSpPr>
+          <p:nvPr>
+            <p:ph type="title"/>
+          </p:nvPr>
+        </p:nvSpPr>
+        <p:spPr/>
+        <p:txBody>
+          <a:bodyPr/>
+          <a:lstStyle/>
+          <a:p>
+            <a:r>
+              <a:rPr lang="en-US" dirty="0" smtClean="0"/>
+              <a:t>Error Analysis</a:t>
+            </a:r>
+            <a:endParaRPr lang="en-US" dirty="0"/>
+          </a:p>
+        </p:txBody>
+      </p:sp>
+      <p:sp>
+        <p:nvSpPr>
+          <p:cNvPr id="4" name="Slide Number Placeholder 3"/>
+          <p:cNvSpPr>
+            <a:spLocks noGrp="1"/>
+          </p:cNvSpPr>
+          <p:nvPr>
+            <p:ph type="sldNum" sz="quarter" idx="12"/>
+          </p:nvPr>
+        </p:nvSpPr>
+        <p:spPr/>
+        <p:txBody>
+          <a:bodyPr/>
+          <a:lstStyle/>
+          <a:p>
+            <a:fld id="{7065BB2C-E040-0B41-A79C-72407BBCFFEE}" type="slidenum">
+              <a:rPr lang="en-US" smtClean="0"/>
+              <a:t>22</a:t>
+            </a:fld>
+            <a:endParaRPr lang="en-US"/>
+          </a:p>
+        </p:txBody>
+      </p:sp>
+      <mc:AlternateContent xmlns:mc="http://schemas.openxmlformats.org/markup-compatibility/2006" xmlns:a14="http://schemas.microsoft.com/office/drawing/2010/main">
+        <mc:Choice Requires="a14">
+          <p:graphicFrame>
+            <p:nvGraphicFramePr>
+              <p:cNvPr id="5" name="Table 4"/>
+              <p:cNvGraphicFramePr>
+                <a:graphicFrameLocks noGrp="1"/>
+              </p:cNvGraphicFramePr>
+              <p:nvPr>
+                <p:extLst>
+                  <p:ext uri="{D42A27DB-BD31-4B8C-83A1-F6EECF244321}">
+                    <p14:modId xmlns:p14="http://schemas.microsoft.com/office/powerpoint/2010/main" val="1638251691"/>
+                  </p:ext>
+                </p:extLst>
+              </p:nvPr>
+            </p:nvGraphicFramePr>
+            <p:xfrm>
+              <a:off x="1031966" y="1420559"/>
+              <a:ext cx="6645767" cy="1463040"/>
+            </p:xfrm>
+            <a:graphic>
+              <a:graphicData uri="http://schemas.openxmlformats.org/drawingml/2006/table">
+                <a:tbl>
+                  <a:tblPr firstRow="1" bandRow="1">
+                    <a:tableStyleId>{5C22544A-7EE6-4342-B048-85BDC9FD1C3A}</a:tableStyleId>
+                  </a:tblPr>
+                  <a:tblGrid>
+                    <a:gridCol w="2194559"/>
+                    <a:gridCol w="2116183"/>
+                    <a:gridCol w="2335025"/>
+                  </a:tblGrid>
+                  <a:tr h="288388">
+                    <a:tc>
+                      <a:txBody>
+                        <a:bodyPr/>
+                        <a:lstStyle/>
+                        <a:p>
+                          <a:r>
+                            <a:rPr lang="en-US" dirty="0" smtClean="0"/>
+                            <a:t>Error Type</a:t>
+                          </a:r>
+                          <a:endParaRPr lang="en-US" dirty="0"/>
+                        </a:p>
+                      </a:txBody>
+                      <a:tcPr/>
+                    </a:tc>
+                    <a:tc>
+                      <a:txBody>
+                        <a:bodyPr/>
+                        <a:lstStyle/>
+                        <a:p>
+                          <a:r>
+                            <a:rPr lang="en-US" dirty="0" smtClean="0"/>
+                            <a:t>Positive Sample</a:t>
+                          </a:r>
+                          <a:endParaRPr lang="en-US" dirty="0"/>
+                        </a:p>
+                      </a:txBody>
+                      <a:tcPr/>
+                    </a:tc>
+                    <a:tc>
+                      <a:txBody>
+                        <a:bodyPr/>
+                        <a:lstStyle/>
+                        <a:p>
+                          <a:r>
+                            <a:rPr lang="en-US" dirty="0" smtClean="0"/>
+                            <a:t>Negative Sample</a:t>
+                          </a:r>
+                          <a:endParaRPr lang="en-US" dirty="0"/>
+                        </a:p>
+                      </a:txBody>
+                      <a:tcPr/>
+                    </a:tc>
+                  </a:tr>
+                  <a:tr h="288388">
+                    <a:tc rowSpan="2">
+                      <a:txBody>
+                        <a:bodyPr/>
+                        <a:lstStyle/>
+                        <a:p>
+                          <a:pPr algn="ctr"/>
+                          <a:r>
+                            <a:rPr lang="en-US" dirty="0" smtClean="0"/>
+                            <a:t>Path-finder</a:t>
+                          </a:r>
+                          <a:r>
+                            <a:rPr lang="en-US" baseline="0" dirty="0" smtClean="0"/>
+                            <a:t> Error</a:t>
+                          </a:r>
+                          <a:endParaRPr lang="en-US" dirty="0"/>
+                        </a:p>
+                      </a:txBody>
+                      <a:tcPr/>
+                    </a:tc>
+                    <a:tc>
+                      <a:txBody>
+                        <a:bodyPr/>
+                        <a:lstStyle/>
+                        <a:p>
+                          <a:r>
+                            <a:rPr lang="en-US" dirty="0" smtClean="0"/>
+                            <a:t>✖ (find no paths)</a:t>
+                          </a:r>
+                          <a:endParaRPr lang="en-US" dirty="0"/>
+                        </a:p>
+                      </a:txBody>
+                      <a:tcPr/>
+                    </a:tc>
+                    <a:tc>
+                      <a:txBody>
+                        <a:bodyPr/>
+                        <a:lstStyle/>
+                        <a:p>
+                          <a:pPr marL="0" marR="0" indent="0" algn="l" defTabSz="914400" rtl="0" eaLnBrk="1" fontAlgn="auto" latinLnBrk="0" hangingPunct="1">
+                            <a:lnSpc>
+                              <a:spcPct val="100000"/>
+                            </a:lnSpc>
+                            <a:spcBef>
+                              <a:spcPts val="0"/>
+                            </a:spcBef>
+                            <a:spcAft>
+                              <a:spcPts val="0"/>
+                            </a:spcAft>
+                            <a:buClrTx/>
+                            <a:buSzTx/>
+                            <a:buFontTx/>
+                            <a:buNone/>
+                            <a:tabLst/>
+                            <a:defRPr/>
+                          </a:pPr>
+                          <a:r>
+                            <a:rPr lang="en-US" dirty="0" smtClean="0"/>
+                            <a:t>✔ (find paths)</a:t>
+                          </a:r>
+                        </a:p>
+                      </a:txBody>
+                      <a:tcPr/>
+                    </a:tc>
+                  </a:tr>
+                  <a:tr h="288388">
+                    <a:tc vMerge="1">
+                      <a:txBody>
+                        <a:bodyPr/>
+                        <a:lstStyle/>
+                        <a:p>
+                          <a:endParaRPr lang="en-US" dirty="0"/>
+                        </a:p>
+                      </a:txBody>
+                      <a:tcPr/>
+                    </a:tc>
+                    <a:tc>
+                      <a:txBody>
+                        <a:bodyPr/>
+                        <a:lstStyle/>
+                        <a:p>
+                          <a:pPr marL="0" marR="0" indent="0" algn="l" defTabSz="914400" rtl="0" eaLnBrk="1" fontAlgn="auto" latinLnBrk="0" hangingPunct="1">
+                            <a:lnSpc>
+                              <a:spcPct val="100000"/>
+                            </a:lnSpc>
+                            <a:spcBef>
+                              <a:spcPts val="0"/>
+                            </a:spcBef>
+                            <a:spcAft>
+                              <a:spcPts val="0"/>
+                            </a:spcAft>
+                            <a:buClrTx/>
+                            <a:buSzTx/>
+                            <a:buFontTx/>
+                            <a:buNone/>
+                            <a:tabLst/>
+                            <a:defRPr/>
+                          </a:pPr>
+                          <a:r>
+                            <a:rPr lang="en-US" dirty="0" smtClean="0"/>
+                            <a:t>✖ (find no paths)</a:t>
+                          </a:r>
+                        </a:p>
+                      </a:txBody>
+                      <a:tcPr/>
+                    </a:tc>
+                    <a:tc>
+                      <a:txBody>
+                        <a:bodyPr/>
+                        <a:lstStyle/>
+                        <a:p>
+                          <a:pPr marL="0" marR="0" indent="0" algn="l" defTabSz="914400" rtl="0" eaLnBrk="1" fontAlgn="auto" latinLnBrk="0" hangingPunct="1">
+                            <a:lnSpc>
+                              <a:spcPct val="100000"/>
+                            </a:lnSpc>
+                            <a:spcBef>
+                              <a:spcPts val="0"/>
+                            </a:spcBef>
+                            <a:spcAft>
+                              <a:spcPts val="0"/>
+                            </a:spcAft>
+                            <a:buClrTx/>
+                            <a:buSzTx/>
+                            <a:buFontTx/>
+                            <a:buNone/>
+                            <a:tabLst/>
+                            <a:defRPr/>
+                          </a:pPr>
+                          <a:r>
+                            <a:rPr lang="en-US" dirty="0" smtClean="0"/>
+                            <a:t>✖ (find no paths)</a:t>
+                          </a:r>
+                        </a:p>
+                      </a:txBody>
+                      <a:tcPr/>
+                    </a:tc>
+                  </a:tr>
+                  <a:tr h="288388">
+                    <a:tc>
+                      <a:txBody>
+                        <a:bodyPr/>
+                        <a:lstStyle/>
+                        <a:p>
+                          <a:pPr marL="0" marR="0" indent="0" algn="ctr" defTabSz="914400" rtl="0" eaLnBrk="1" fontAlgn="auto" latinLnBrk="0" hangingPunct="1">
+                            <a:lnSpc>
+                              <a:spcPct val="100000"/>
+                            </a:lnSpc>
+                            <a:spcBef>
+                              <a:spcPts val="0"/>
+                            </a:spcBef>
+                            <a:spcAft>
+                              <a:spcPts val="0"/>
+                            </a:spcAft>
+                            <a:buClrTx/>
+                            <a:buSzTx/>
+                            <a:buFontTx/>
+                            <a:buNone/>
+                            <a:tabLst/>
+                            <a:defRPr/>
+                          </a:pPr>
+                          <a:r>
+                            <a:rPr lang="en-US" dirty="0" smtClean="0"/>
+                            <a:t>Path-reasoner</a:t>
+                          </a:r>
+                          <a:r>
+                            <a:rPr lang="en-US" baseline="0" dirty="0" smtClean="0"/>
+                            <a:t> Error</a:t>
+                          </a:r>
+                          <a:endParaRPr lang="en-US" dirty="0" smtClean="0"/>
+                        </a:p>
+                      </a:txBody>
+                      <a:tcPr/>
+                    </a:tc>
+                    <a:tc gridSpan="2">
+                      <a:txBody>
+                        <a:bodyPr/>
+                        <a:lstStyle/>
+                        <a:p>
+                          <a:pPr marL="0" marR="0" indent="0" algn="ctr" defTabSz="914400" rtl="0" eaLnBrk="1" fontAlgn="auto" latinLnBrk="0" hangingPunct="1">
+                            <a:lnSpc>
+                              <a:spcPct val="100000"/>
+                            </a:lnSpc>
+                            <a:spcBef>
+                              <a:spcPts val="0"/>
+                            </a:spcBef>
+                            <a:spcAft>
+                              <a:spcPts val="0"/>
+                            </a:spcAft>
+                            <a:buClrTx/>
+                            <a:buSzTx/>
+                            <a:buFontTx/>
+                            <a:buNone/>
+                            <a:tabLst/>
+                            <a:defRPr/>
+                          </a:pPr>
+                          <a14:m>
+                            <m:oMath xmlns:m="http://schemas.openxmlformats.org/officeDocument/2006/math">
+                              <m:r>
+                                <a:rPr lang="en-US" b="0" i="1" smtClean="0">
+                                  <a:latin typeface="Cambria Math" charset="0"/>
+                                </a:rPr>
+                                <m:t>𝑝</m:t>
+                              </m:r>
+                              <m:r>
+                                <a:rPr lang="en-US" b="0" i="1" smtClean="0">
+                                  <a:latin typeface="Cambria Math" charset="0"/>
+                                </a:rPr>
+                                <m:t>(</m:t>
+                              </m:r>
+                              <m:r>
+                                <a:rPr lang="en-US" b="0" i="1" smtClean="0">
+                                  <a:latin typeface="Cambria Math" charset="0"/>
+                                </a:rPr>
+                                <m:t>𝑟</m:t>
+                              </m:r>
+                              <m:r>
+                                <a:rPr lang="en-US" b="0" i="1" smtClean="0">
+                                  <a:latin typeface="Cambria Math" charset="0"/>
+                                </a:rPr>
+                                <m:t>|</m:t>
+                              </m:r>
+                              <m:sSup>
+                                <m:sSupPr>
+                                  <m:ctrlPr>
+                                    <a:rPr lang="en-US" b="0" i="1" smtClean="0">
+                                      <a:latin typeface="Cambria Math" charset="0"/>
+                                    </a:rPr>
+                                  </m:ctrlPr>
+                                </m:sSupPr>
+                                <m:e>
+                                  <m:r>
+                                    <a:rPr lang="en-US" b="0" i="1" smtClean="0">
+                                      <a:latin typeface="Cambria Math" charset="0"/>
+                                    </a:rPr>
+                                    <m:t>𝐿</m:t>
+                                  </m:r>
+                                </m:e>
+                                <m:sup>
+                                  <m:r>
+                                    <a:rPr lang="en-US" b="0" i="1" smtClean="0">
+                                      <a:latin typeface="Cambria Math" charset="0"/>
+                                    </a:rPr>
+                                    <m:t>+</m:t>
+                                  </m:r>
+                                </m:sup>
+                              </m:sSup>
+                              <m:r>
+                                <a:rPr lang="en-US" b="0" i="1" smtClean="0">
+                                  <a:latin typeface="Cambria Math" charset="0"/>
+                                </a:rPr>
+                                <m:t>)</m:t>
+                              </m:r>
+                            </m:oMath>
+                          </a14:m>
+                          <a:r>
+                            <a:rPr lang="en-US" baseline="0" dirty="0" smtClean="0"/>
+                            <a:t> &lt; </a:t>
+                          </a:r>
+                          <a14:m>
+                            <m:oMath xmlns:m="http://schemas.openxmlformats.org/officeDocument/2006/math">
+                              <m:r>
+                                <a:rPr lang="en-US" b="0" i="1" smtClean="0">
+                                  <a:latin typeface="Cambria Math" charset="0"/>
+                                </a:rPr>
+                                <m:t>𝑝</m:t>
+                              </m:r>
+                              <m:r>
+                                <a:rPr lang="en-US" b="0" i="1" smtClean="0">
+                                  <a:latin typeface="Cambria Math" charset="0"/>
+                                </a:rPr>
+                                <m:t>(</m:t>
+                              </m:r>
+                              <m:r>
+                                <a:rPr lang="en-US" b="0" i="1" smtClean="0">
+                                  <a:latin typeface="Cambria Math" charset="0"/>
+                                </a:rPr>
+                                <m:t>𝑟</m:t>
+                              </m:r>
+                              <m:r>
+                                <a:rPr lang="en-US" b="0" i="1" smtClean="0">
+                                  <a:latin typeface="Cambria Math" charset="0"/>
+                                </a:rPr>
+                                <m:t>|</m:t>
+                              </m:r>
+                              <m:sSup>
+                                <m:sSupPr>
+                                  <m:ctrlPr>
+                                    <a:rPr lang="en-US" b="0" i="1" smtClean="0">
+                                      <a:latin typeface="Cambria Math" charset="0"/>
+                                    </a:rPr>
+                                  </m:ctrlPr>
+                                </m:sSupPr>
+                                <m:e>
+                                  <m:r>
+                                    <a:rPr lang="en-US" b="0" i="1" smtClean="0">
+                                      <a:latin typeface="Cambria Math" charset="0"/>
+                                    </a:rPr>
+                                    <m:t>𝐿</m:t>
+                                  </m:r>
+                                </m:e>
+                                <m:sup>
+                                  <m:r>
+                                    <a:rPr lang="en-US" b="0" i="1" smtClean="0">
+                                      <a:latin typeface="Cambria Math" charset="0"/>
+                                    </a:rPr>
+                                    <m:t>−</m:t>
+                                  </m:r>
+                                </m:sup>
+                              </m:sSup>
+                              <m:r>
+                                <a:rPr lang="en-US" b="0" i="1" smtClean="0">
+                                  <a:latin typeface="Cambria Math" charset="0"/>
+                                </a:rPr>
+                                <m:t>)</m:t>
+                              </m:r>
+                            </m:oMath>
+                          </a14:m>
+                          <a:endParaRPr lang="en-US" dirty="0" smtClean="0"/>
+                        </a:p>
+                      </a:txBody>
+                      <a:tcPr/>
+                    </a:tc>
+                    <a:tc hMerge="1">
+                      <a:txBody>
+                        <a:bodyPr/>
+                        <a:lstStyle/>
+                        <a:p>
+                          <a:pPr marL="0" marR="0" indent="0" algn="ctr" defTabSz="914400" rtl="0" eaLnBrk="1" fontAlgn="auto" latinLnBrk="0" hangingPunct="1">
+                            <a:lnSpc>
+                              <a:spcPct val="100000"/>
+                            </a:lnSpc>
+                            <a:spcBef>
+                              <a:spcPts val="0"/>
+                            </a:spcBef>
+                            <a:spcAft>
+                              <a:spcPts val="0"/>
+                            </a:spcAft>
+                            <a:buClrTx/>
+                            <a:buSzTx/>
+                            <a:buFontTx/>
+                            <a:buNone/>
+                            <a:tabLst/>
+                            <a:defRPr/>
+                          </a:pPr>
+                          <a:endParaRPr lang="en-US" dirty="0" smtClean="0"/>
+                        </a:p>
+                      </a:txBody>
+                      <a:tcPr/>
+                    </a:tc>
+                  </a:tr>
+                </a:tbl>
+              </a:graphicData>
+            </a:graphic>
+          </p:graphicFrame>
+        </mc:Choice>
+        <mc:Fallback xmlns="">
+          <p:graphicFrame>
+            <p:nvGraphicFramePr>
+              <p:cNvPr id="5" name="Table 4"/>
+              <p:cNvGraphicFramePr>
+                <a:graphicFrameLocks noGrp="1"/>
+              </p:cNvGraphicFramePr>
+              <p:nvPr>
+                <p:extLst>
+                  <p:ext uri="{D42A27DB-BD31-4B8C-83A1-F6EECF244321}">
+                    <p14:modId xmlns:p14="http://schemas.microsoft.com/office/powerpoint/2010/main" val="1638251691"/>
+                  </p:ext>
+                </p:extLst>
+              </p:nvPr>
+            </p:nvGraphicFramePr>
+            <p:xfrm>
+              <a:off x="1031966" y="1420559"/>
+              <a:ext cx="6645767" cy="1463040"/>
+            </p:xfrm>
+            <a:graphic>
+              <a:graphicData uri="http://schemas.openxmlformats.org/drawingml/2006/table">
+                <a:tbl>
+                  <a:tblPr firstRow="1" bandRow="1">
+                    <a:tableStyleId>{5C22544A-7EE6-4342-B048-85BDC9FD1C3A}</a:tableStyleId>
+                  </a:tblPr>
+                  <a:tblGrid>
+                    <a:gridCol w="2194559"/>
+                    <a:gridCol w="2116183"/>
+                    <a:gridCol w="2335025"/>
+                  </a:tblGrid>
+                  <a:tr h="365760">
+                    <a:tc>
+                      <a:txBody>
+                        <a:bodyPr/>
+                        <a:lstStyle/>
+                        <a:p>
+                          <a:r>
+                            <a:rPr lang="en-US" dirty="0" smtClean="0"/>
+                            <a:t>Error Type</a:t>
+                          </a:r>
+                          <a:endParaRPr lang="en-US" dirty="0"/>
+                        </a:p>
+                      </a:txBody>
+                      <a:tcPr/>
+                    </a:tc>
+                    <a:tc>
+                      <a:txBody>
+                        <a:bodyPr/>
+                        <a:lstStyle/>
+                        <a:p>
+                          <a:r>
+                            <a:rPr lang="en-US" dirty="0" smtClean="0"/>
+                            <a:t>Positive Sample</a:t>
+                          </a:r>
+                          <a:endParaRPr lang="en-US" dirty="0"/>
+                        </a:p>
+                      </a:txBody>
+                      <a:tcPr/>
+                    </a:tc>
+                    <a:tc>
+                      <a:txBody>
+                        <a:bodyPr/>
+                        <a:lstStyle/>
+                        <a:p>
+                          <a:r>
+                            <a:rPr lang="en-US" dirty="0" smtClean="0"/>
+                            <a:t>Negative Sample</a:t>
+                          </a:r>
+                          <a:endParaRPr lang="en-US" dirty="0"/>
+                        </a:p>
+                      </a:txBody>
+                      <a:tcPr/>
+                    </a:tc>
+                  </a:tr>
+                  <a:tr h="365760">
+                    <a:tc rowSpan="2">
+                      <a:txBody>
+                        <a:bodyPr/>
+                        <a:lstStyle/>
+                        <a:p>
+                          <a:pPr algn="ctr"/>
+                          <a:r>
+                            <a:rPr lang="en-US" dirty="0" smtClean="0"/>
+                            <a:t>Path-finder</a:t>
+                          </a:r>
+                          <a:r>
+                            <a:rPr lang="en-US" baseline="0" dirty="0" smtClean="0"/>
+                            <a:t> Error</a:t>
+                          </a:r>
+                          <a:endParaRPr lang="en-US" dirty="0"/>
+                        </a:p>
+                      </a:txBody>
+                      <a:tcPr/>
+                    </a:tc>
+                    <a:tc>
+                      <a:txBody>
+                        <a:bodyPr/>
+                        <a:lstStyle/>
+                        <a:p>
+                          <a:r>
+                            <a:rPr lang="en-US" dirty="0" smtClean="0"/>
+                            <a:t>✖ (find no paths)</a:t>
+                          </a:r>
+                          <a:endParaRPr lang="en-US" dirty="0"/>
+                        </a:p>
+                      </a:txBody>
+                      <a:tcPr/>
+                    </a:tc>
+                    <a:tc>
+                      <a:txBody>
+                        <a:bodyPr/>
+                        <a:lstStyle/>
+                        <a:p>
+                          <a:pPr marL="0" marR="0" indent="0" algn="l" defTabSz="914400" rtl="0" eaLnBrk="1" fontAlgn="auto" latinLnBrk="0" hangingPunct="1">
+                            <a:lnSpc>
+                              <a:spcPct val="100000"/>
+                            </a:lnSpc>
+                            <a:spcBef>
+                              <a:spcPts val="0"/>
+                            </a:spcBef>
+                            <a:spcAft>
+                              <a:spcPts val="0"/>
+                            </a:spcAft>
+                            <a:buClrTx/>
+                            <a:buSzTx/>
+                            <a:buFontTx/>
+                            <a:buNone/>
+                            <a:tabLst/>
+                            <a:defRPr/>
+                          </a:pPr>
+                          <a:r>
+                            <a:rPr lang="en-US" dirty="0" smtClean="0"/>
+                            <a:t>✔ (find paths)</a:t>
+                          </a:r>
+                        </a:p>
+                      </a:txBody>
+                      <a:tcPr/>
+                    </a:tc>
+                  </a:tr>
+                  <a:tr h="365760">
+                    <a:tc vMerge="1">
+                      <a:txBody>
+                        <a:bodyPr/>
+                        <a:lstStyle/>
+                        <a:p>
+                          <a:endParaRPr lang="en-US" dirty="0"/>
+                        </a:p>
+                      </a:txBody>
+                      <a:tcPr/>
+                    </a:tc>
+                    <a:tc>
+                      <a:txBody>
+                        <a:bodyPr/>
+                        <a:lstStyle/>
+                        <a:p>
+                          <a:pPr marL="0" marR="0" indent="0" algn="l" defTabSz="914400" rtl="0" eaLnBrk="1" fontAlgn="auto" latinLnBrk="0" hangingPunct="1">
+                            <a:lnSpc>
+                              <a:spcPct val="100000"/>
+                            </a:lnSpc>
+                            <a:spcBef>
+                              <a:spcPts val="0"/>
+                            </a:spcBef>
+                            <a:spcAft>
+                              <a:spcPts val="0"/>
+                            </a:spcAft>
+                            <a:buClrTx/>
+                            <a:buSzTx/>
+                            <a:buFontTx/>
+                            <a:buNone/>
+                            <a:tabLst/>
+                            <a:defRPr/>
+                          </a:pPr>
+                          <a:r>
+                            <a:rPr lang="en-US" dirty="0" smtClean="0"/>
+                            <a:t>✖ (find no paths)</a:t>
+                          </a:r>
+                        </a:p>
+                      </a:txBody>
+                      <a:tcPr/>
+                    </a:tc>
+                    <a:tc>
+                      <a:txBody>
+                        <a:bodyPr/>
+                        <a:lstStyle/>
+                        <a:p>
+                          <a:pPr marL="0" marR="0" indent="0" algn="l" defTabSz="914400" rtl="0" eaLnBrk="1" fontAlgn="auto" latinLnBrk="0" hangingPunct="1">
+                            <a:lnSpc>
+                              <a:spcPct val="100000"/>
+                            </a:lnSpc>
+                            <a:spcBef>
+                              <a:spcPts val="0"/>
+                            </a:spcBef>
+                            <a:spcAft>
+                              <a:spcPts val="0"/>
+                            </a:spcAft>
+                            <a:buClrTx/>
+                            <a:buSzTx/>
+                            <a:buFontTx/>
+                            <a:buNone/>
+                            <a:tabLst/>
+                            <a:defRPr/>
+                          </a:pPr>
+                          <a:r>
+                            <a:rPr lang="en-US" dirty="0" smtClean="0"/>
+                            <a:t>✖ (find no paths)</a:t>
+                          </a:r>
+                        </a:p>
+                      </a:txBody>
+                      <a:tcPr/>
+                    </a:tc>
+                  </a:tr>
+                  <a:tr h="365760">
+                    <a:tc>
+                      <a:txBody>
+                        <a:bodyPr/>
+                        <a:lstStyle/>
+                        <a:p>
+                          <a:pPr marL="0" marR="0" indent="0" algn="ctr" defTabSz="914400" rtl="0" eaLnBrk="1" fontAlgn="auto" latinLnBrk="0" hangingPunct="1">
+                            <a:lnSpc>
+                              <a:spcPct val="100000"/>
+                            </a:lnSpc>
+                            <a:spcBef>
+                              <a:spcPts val="0"/>
+                            </a:spcBef>
+                            <a:spcAft>
+                              <a:spcPts val="0"/>
+                            </a:spcAft>
+                            <a:buClrTx/>
+                            <a:buSzTx/>
+                            <a:buFontTx/>
+                            <a:buNone/>
+                            <a:tabLst/>
+                            <a:defRPr/>
+                          </a:pPr>
+                          <a:r>
+                            <a:rPr lang="en-US" dirty="0" smtClean="0"/>
+                            <a:t>Path-reasoner</a:t>
+                          </a:r>
+                          <a:r>
+                            <a:rPr lang="en-US" baseline="0" dirty="0" smtClean="0"/>
+                            <a:t> Error</a:t>
+                          </a:r>
+                          <a:endParaRPr lang="en-US" dirty="0" smtClean="0"/>
+                        </a:p>
+                      </a:txBody>
+                      <a:tcPr/>
+                    </a:tc>
+                    <a:tc gridSpan="2">
+                      <a:txBody>
+                        <a:bodyPr/>
+                        <a:lstStyle/>
+                        <a:p>
+                          <a:endParaRPr lang="en-US"/>
+                        </a:p>
+                      </a:txBody>
+                      <a:tcPr>
+                        <a:blipFill rotWithShape="0">
+                          <a:blip r:embed="rId2"/>
+                          <a:stretch>
+                            <a:fillRect l="-49384" t="-310000" r="-547" b="-25000"/>
+                          </a:stretch>
+                        </a:blipFill>
+                      </a:tcPr>
+                    </a:tc>
+                    <a:tc hMerge="1">
+                      <a:txBody>
+                        <a:bodyPr/>
+                        <a:lstStyle/>
+                        <a:p>
+                          <a:pPr marL="0" marR="0" indent="0" algn="ctr" defTabSz="914400" rtl="0" eaLnBrk="1" fontAlgn="auto" latinLnBrk="0" hangingPunct="1">
+                            <a:lnSpc>
+                              <a:spcPct val="100000"/>
+                            </a:lnSpc>
+                            <a:spcBef>
+                              <a:spcPts val="0"/>
+                            </a:spcBef>
+                            <a:spcAft>
+                              <a:spcPts val="0"/>
+                            </a:spcAft>
+                            <a:buClrTx/>
+                            <a:buSzTx/>
+                            <a:buFontTx/>
+                            <a:buNone/>
+                            <a:tabLst/>
+                            <a:defRPr/>
+                          </a:pPr>
+                          <a:endParaRPr lang="en-US" dirty="0" smtClean="0"/>
+                        </a:p>
+                      </a:txBody>
+                      <a:tcPr/>
+                    </a:tc>
+                  </a:tr>
+                </a:tbl>
+              </a:graphicData>
+            </a:graphic>
+          </p:graphicFrame>
+        </mc:Fallback>
+      </mc:AlternateContent>
+      <p:graphicFrame>
+        <p:nvGraphicFramePr>
+          <p:cNvPr id="14" name="Content Placeholder 3"/>
+          <p:cNvGraphicFramePr>
+            <a:graphicFrameLocks/>
+          </p:cNvGraphicFramePr>
+          <p:nvPr>
+            <p:extLst>
+              <p:ext uri="{D42A27DB-BD31-4B8C-83A1-F6EECF244321}">
+                <p14:modId xmlns:p14="http://schemas.microsoft.com/office/powerpoint/2010/main" val="1185522998"/>
+              </p:ext>
+            </p:extLst>
+          </p:nvPr>
+        </p:nvGraphicFramePr>
+        <p:xfrm>
+          <a:off x="2629327" y="3188240"/>
+          <a:ext cx="3451044" cy="3046350"/>
+        </p:xfrm>
+        <a:graphic>
+          <a:graphicData uri="http://schemas.openxmlformats.org/drawingml/2006/chart">
+            <c:chart xmlns:c="http://schemas.openxmlformats.org/drawingml/2006/chart" xmlns:r="http://schemas.openxmlformats.org/officeDocument/2006/relationships" r:id="rId3"/>
+          </a:graphicData>
+        </a:graphic>
+      </p:graphicFrame>
+    </p:spTree>
+    <p:extLst>
+      <p:ext uri="{BB962C8B-B14F-4D97-AF65-F5344CB8AC3E}">
+        <p14:creationId xmlns:p14="http://schemas.microsoft.com/office/powerpoint/2010/main" val="688513463"/>
+      </p:ext>
+    </p:extLst>
+  </p:cSld>
+  <p:clrMapOvr>
+    <a:masterClrMapping/>
+  </p:clrMapOvr>
+  <p:timing>
+    <p:tnLst>
+      <p:par>
+        <p:cTn id="1" dur="indefinite" restart="never" nodeType="tmRoot">
+          <p:childTnLst>
+            <p:seq concurrent="1" nextAc="seek">
+              <p:cTn id="2" dur="indefinite" nodeType="mainSeq">
+                <p:childTnLst>
+                  <p:par>
+                    <p:cTn id="3" fill="hold">
+                      <p:stCondLst>
+                        <p:cond delay="indefinite"/>
+                      </p:stCondLst>
+                      <p:childTnLst>
+                        <p:par>
+                          <p:cTn id="4" fill="hold">
+                            <p:stCondLst>
+                              <p:cond delay="0"/>
+                            </p:stCondLst>
+                            <p:childTnLst>
+                              <p:par>
+                                <p:cTn id="5" presetID="3" presetClass="entr" presetSubtype="10" fill="hold" nodeType="clickEffect">
+                                  <p:stCondLst>
+                                    <p:cond delay="0"/>
+                                  </p:stCondLst>
+                                  <p:childTnLst>
+                                    <p:set>
+                                      <p:cBhvr>
+                                        <p:cTn id="6" dur="1" fill="hold">
+                                          <p:stCondLst>
+                                            <p:cond delay="0"/>
+                                          </p:stCondLst>
+                                        </p:cTn>
+                                        <p:tgtEl>
+                                          <p:spTgt spid="5"/>
+                                        </p:tgtEl>
+                                        <p:attrNameLst>
+                                          <p:attrName>style.visibility</p:attrName>
+                                        </p:attrNameLst>
+                                      </p:cBhvr>
+                                      <p:to>
+                                        <p:strVal val="visible"/>
+                                      </p:to>
+                                    </p:set>
+                                    <p:animEffect transition="in" filter="blinds(horizontal)">
+                                      <p:cBhvr>
+                                        <p:cTn id="7" dur="500"/>
+                                        <p:tgtEl>
+                                          <p:spTgt spid="5"/>
+                                        </p:tgtEl>
+                                      </p:cBhvr>
+                                    </p:animEffect>
+                                  </p:childTnLst>
+                                </p:cTn>
+                              </p:par>
+                            </p:childTnLst>
+                          </p:cTn>
+                        </p:par>
+                      </p:childTnLst>
+                    </p:cTn>
+                  </p:par>
+                  <p:par>
+                    <p:cTn id="8" fill="hold">
+                      <p:stCondLst>
+                        <p:cond delay="indefinite"/>
+                      </p:stCondLst>
+                      <p:childTnLst>
+                        <p:par>
+                          <p:cTn id="9" fill="hold">
+                            <p:stCondLst>
+                              <p:cond delay="0"/>
+                            </p:stCondLst>
+                            <p:childTnLst>
+                              <p:par>
+                                <p:cTn id="10" presetID="3" presetClass="entr" presetSubtype="10" fill="hold" grpId="0" nodeType="clickEffect">
+                                  <p:stCondLst>
+                                    <p:cond delay="0"/>
+                                  </p:stCondLst>
+                                  <p:childTnLst>
+                                    <p:set>
+                                      <p:cBhvr>
+                                        <p:cTn id="11" dur="1" fill="hold">
+                                          <p:stCondLst>
+                                            <p:cond delay="0"/>
+                                          </p:stCondLst>
+                                        </p:cTn>
+                                        <p:tgtEl>
+                                          <p:spTgt spid="14"/>
+                                        </p:tgtEl>
+                                        <p:attrNameLst>
+                                          <p:attrName>style.visibility</p:attrName>
+                                        </p:attrNameLst>
+                                      </p:cBhvr>
+                                      <p:to>
+                                        <p:strVal val="visible"/>
+                                      </p:to>
+                                    </p:set>
+                                    <p:animEffect transition="in" filter="blinds(horizontal)">
+                                      <p:cBhvr>
+                                        <p:cTn id="12" dur="500"/>
+                                        <p:tgtEl>
+                                          <p:spTgt spid="14"/>
+                                        </p:tgtEl>
+                                      </p:cBhvr>
+                                    </p:animEffect>
+                                  </p:childTnLst>
+                                </p:cTn>
+                              </p:par>
+                            </p:childTnLst>
+                          </p:cTn>
+                        </p:par>
+                      </p:childTnLst>
+                    </p:cTn>
+                  </p:par>
+                </p:childTnLst>
+              </p:cTn>
+              <p:prevCondLst>
+                <p:cond evt="onPrev" delay="0">
+                  <p:tgtEl>
+                    <p:sldTgt/>
+                  </p:tgtEl>
+                </p:cond>
+              </p:prevCondLst>
+              <p:nextCondLst>
+                <p:cond evt="onNext" delay="0">
+                  <p:tgtEl>
+                    <p:sldTgt/>
+                  </p:tgtEl>
+                </p:cond>
+              </p:nextCondLst>
+            </p:seq>
+          </p:childTnLst>
+        </p:cTn>
+      </p:par>
+    </p:tnLst>
+    <p:bldLst>
+      <p:bldGraphic spid="14" grpId="0">
+        <p:bldAsOne/>
+      </p:bldGraphic>
+    </p:bldLst>
+  </p:timing>
+</p:sld>
+</file>
+
+<file path=ppt/slides/slide23.xml><?xml version="1.0" encoding="utf-8"?>
+<p:sld xmlns:a="http://schemas.openxmlformats.org/drawingml/2006/main" xmlns:r="http://schemas.openxmlformats.org/officeDocument/2006/relationships" xmlns:p="http://schemas.openxmlformats.org/presentationml/2006/main">
+  <p:cSld>
+    <p:spTree>
+      <p:nvGrpSpPr>
+        <p:cNvPr id="1" name=""/>
+        <p:cNvGrpSpPr/>
+        <p:nvPr/>
+      </p:nvGrpSpPr>
+      <p:grpSpPr>
+        <a:xfrm>
+          <a:off x="0" y="0"/>
+          <a:ext cx="0" cy="0"/>
+          <a:chOff x="0" y="0"/>
+          <a:chExt cx="0" cy="0"/>
+        </a:xfrm>
+      </p:grpSpPr>
+      <p:sp>
+        <p:nvSpPr>
+          <p:cNvPr id="2" name="Title 1"/>
+          <p:cNvSpPr>
+            <a:spLocks noGrp="1"/>
+          </p:cNvSpPr>
+          <p:nvPr>
+            <p:ph type="title"/>
+          </p:nvPr>
+        </p:nvSpPr>
+        <p:spPr/>
+        <p:txBody>
+          <a:bodyPr/>
+          <a:lstStyle/>
+          <a:p>
+            <a:r>
+              <a:rPr lang="en-US" dirty="0" smtClean="0"/>
+              <a:t>Prior &amp; Posterior</a:t>
+            </a:r>
+            <a:endParaRPr lang="en-US" dirty="0"/>
+          </a:p>
+        </p:txBody>
+      </p:sp>
+      <p:sp>
+        <p:nvSpPr>
+          <p:cNvPr id="4" name="Slide Number Placeholder 3"/>
+          <p:cNvSpPr>
+            <a:spLocks noGrp="1"/>
+          </p:cNvSpPr>
+          <p:nvPr>
+            <p:ph type="sldNum" sz="quarter" idx="12"/>
+          </p:nvPr>
+        </p:nvSpPr>
+        <p:spPr/>
+        <p:txBody>
+          <a:bodyPr/>
+          <a:lstStyle/>
+          <a:p>
+            <a:fld id="{7065BB2C-E040-0B41-A79C-72407BBCFFEE}" type="slidenum">
+              <a:rPr lang="en-US" smtClean="0"/>
+              <a:t>23</a:t>
+            </a:fld>
+            <a:endParaRPr lang="en-US"/>
+          </a:p>
+        </p:txBody>
+      </p:sp>
+      <p:grpSp>
+        <p:nvGrpSpPr>
+          <p:cNvPr id="14" name="Group 13"/>
+          <p:cNvGrpSpPr/>
+          <p:nvPr/>
+        </p:nvGrpSpPr>
+        <p:grpSpPr>
+          <a:xfrm>
+            <a:off x="2312125" y="4206239"/>
+            <a:ext cx="4297680" cy="744583"/>
+            <a:chOff x="1423851" y="3487782"/>
+            <a:chExt cx="4297680" cy="744583"/>
+          </a:xfrm>
+        </p:grpSpPr>
+        <p:cxnSp>
+          <p:nvCxnSpPr>
+            <p:cNvPr id="6" name="Straight Connector 5"/>
+            <p:cNvCxnSpPr/>
+            <p:nvPr/>
+          </p:nvCxnSpPr>
+          <p:spPr>
+            <a:xfrm>
+              <a:off x="1423851" y="4232365"/>
+              <a:ext cx="4297680" cy="0"/>
+            </a:xfrm>
+            <a:prstGeom prst="line">
+              <a:avLst/>
+            </a:prstGeom>
+            <a:ln>
+              <a:solidFill>
+                <a:schemeClr val="tx1"/>
+              </a:solidFill>
+            </a:ln>
+          </p:spPr>
+          <p:style>
+            <a:lnRef idx="1">
+              <a:schemeClr val="accent1"/>
+            </a:lnRef>
+            <a:fillRef idx="0">
+              <a:schemeClr val="accent1"/>
+            </a:fillRef>
+            <a:effectRef idx="0">
+              <a:schemeClr val="accent1"/>
+            </a:effectRef>
+            <a:fontRef idx="minor">
+              <a:schemeClr val="tx1"/>
+            </a:fontRef>
+          </p:style>
+        </p:cxnSp>
+        <p:sp>
+          <p:nvSpPr>
+            <p:cNvPr id="13" name="Freeform 12"/>
+            <p:cNvSpPr/>
+            <p:nvPr/>
+          </p:nvSpPr>
+          <p:spPr>
+            <a:xfrm>
+              <a:off x="1554479" y="3487782"/>
+              <a:ext cx="4075611" cy="651483"/>
+            </a:xfrm>
+            <a:custGeom>
+              <a:avLst/>
+              <a:gdLst>
+                <a:gd name="connsiteX0" fmla="*/ 0 w 4572000"/>
+                <a:gd name="connsiteY0" fmla="*/ 966957 h 1095926"/>
+                <a:gd name="connsiteX1" fmla="*/ 535578 w 4572000"/>
+                <a:gd name="connsiteY1" fmla="*/ 326877 h 1095926"/>
+                <a:gd name="connsiteX2" fmla="*/ 849086 w 4572000"/>
+                <a:gd name="connsiteY2" fmla="*/ 26431 h 1095926"/>
+                <a:gd name="connsiteX3" fmla="*/ 1188720 w 4572000"/>
+                <a:gd name="connsiteY3" fmla="*/ 980020 h 1095926"/>
+                <a:gd name="connsiteX4" fmla="*/ 1672046 w 4572000"/>
+                <a:gd name="connsiteY4" fmla="*/ 966957 h 1095926"/>
+                <a:gd name="connsiteX5" fmla="*/ 2011680 w 4572000"/>
+                <a:gd name="connsiteY5" fmla="*/ 39494 h 1095926"/>
+                <a:gd name="connsiteX6" fmla="*/ 2508069 w 4572000"/>
+                <a:gd name="connsiteY6" fmla="*/ 771014 h 1095926"/>
+                <a:gd name="connsiteX7" fmla="*/ 2926080 w 4572000"/>
+                <a:gd name="connsiteY7" fmla="*/ 1071460 h 1095926"/>
+                <a:gd name="connsiteX8" fmla="*/ 3735978 w 4572000"/>
+                <a:gd name="connsiteY8" fmla="*/ 170123 h 1095926"/>
+                <a:gd name="connsiteX9" fmla="*/ 4036423 w 4572000"/>
+                <a:gd name="connsiteY9" fmla="*/ 183186 h 1095926"/>
+                <a:gd name="connsiteX10" fmla="*/ 4153989 w 4572000"/>
+                <a:gd name="connsiteY10" fmla="*/ 888580 h 1095926"/>
+                <a:gd name="connsiteX11" fmla="*/ 4572000 w 4572000"/>
+                <a:gd name="connsiteY11" fmla="*/ 1032271 h 1095926"/>
+              </a:gdLst>
+              <a:ahLst/>
+              <a:cxnLst>
+                <a:cxn ang="0">
+                  <a:pos x="connsiteX0" y="connsiteY0"/>
+                </a:cxn>
+                <a:cxn ang="0">
+                  <a:pos x="connsiteX1" y="connsiteY1"/>
+                </a:cxn>
+                <a:cxn ang="0">
+                  <a:pos x="connsiteX2" y="connsiteY2"/>
+                </a:cxn>
+                <a:cxn ang="0">
+                  <a:pos x="connsiteX3" y="connsiteY3"/>
+                </a:cxn>
+                <a:cxn ang="0">
+                  <a:pos x="connsiteX4" y="connsiteY4"/>
+                </a:cxn>
+                <a:cxn ang="0">
+                  <a:pos x="connsiteX5" y="connsiteY5"/>
+                </a:cxn>
+                <a:cxn ang="0">
+                  <a:pos x="connsiteX6" y="connsiteY6"/>
+                </a:cxn>
+                <a:cxn ang="0">
+                  <a:pos x="connsiteX7" y="connsiteY7"/>
+                </a:cxn>
+                <a:cxn ang="0">
+                  <a:pos x="connsiteX8" y="connsiteY8"/>
+                </a:cxn>
+                <a:cxn ang="0">
+                  <a:pos x="connsiteX9" y="connsiteY9"/>
+                </a:cxn>
+                <a:cxn ang="0">
+                  <a:pos x="connsiteX10" y="connsiteY10"/>
+                </a:cxn>
+                <a:cxn ang="0">
+                  <a:pos x="connsiteX11" y="connsiteY11"/>
+                </a:cxn>
+              </a:cxnLst>
+              <a:rect l="l" t="t" r="r" b="b"/>
+              <a:pathLst>
+                <a:path w="4572000" h="1095926">
+                  <a:moveTo>
+                    <a:pt x="0" y="966957"/>
+                  </a:moveTo>
+                  <a:cubicBezTo>
+                    <a:pt x="197032" y="725294"/>
+                    <a:pt x="394064" y="483631"/>
+                    <a:pt x="535578" y="326877"/>
+                  </a:cubicBezTo>
+                  <a:cubicBezTo>
+                    <a:pt x="677092" y="170123"/>
+                    <a:pt x="740229" y="-82426"/>
+                    <a:pt x="849086" y="26431"/>
+                  </a:cubicBezTo>
+                  <a:cubicBezTo>
+                    <a:pt x="957943" y="135288"/>
+                    <a:pt x="1051560" y="823266"/>
+                    <a:pt x="1188720" y="980020"/>
+                  </a:cubicBezTo>
+                  <a:cubicBezTo>
+                    <a:pt x="1325880" y="1136774"/>
+                    <a:pt x="1534886" y="1123711"/>
+                    <a:pt x="1672046" y="966957"/>
+                  </a:cubicBezTo>
+                  <a:cubicBezTo>
+                    <a:pt x="1809206" y="810203"/>
+                    <a:pt x="1872343" y="72151"/>
+                    <a:pt x="2011680" y="39494"/>
+                  </a:cubicBezTo>
+                  <a:cubicBezTo>
+                    <a:pt x="2151017" y="6837"/>
+                    <a:pt x="2355669" y="599020"/>
+                    <a:pt x="2508069" y="771014"/>
+                  </a:cubicBezTo>
+                  <a:cubicBezTo>
+                    <a:pt x="2660469" y="943008"/>
+                    <a:pt x="2721429" y="1171608"/>
+                    <a:pt x="2926080" y="1071460"/>
+                  </a:cubicBezTo>
+                  <a:cubicBezTo>
+                    <a:pt x="3130731" y="971312"/>
+                    <a:pt x="3550921" y="318169"/>
+                    <a:pt x="3735978" y="170123"/>
+                  </a:cubicBezTo>
+                  <a:cubicBezTo>
+                    <a:pt x="3921035" y="22077"/>
+                    <a:pt x="3966755" y="63443"/>
+                    <a:pt x="4036423" y="183186"/>
+                  </a:cubicBezTo>
+                  <a:cubicBezTo>
+                    <a:pt x="4106091" y="302929"/>
+                    <a:pt x="4064726" y="747066"/>
+                    <a:pt x="4153989" y="888580"/>
+                  </a:cubicBezTo>
+                  <a:cubicBezTo>
+                    <a:pt x="4243252" y="1030094"/>
+                    <a:pt x="4423955" y="997437"/>
+                    <a:pt x="4572000" y="1032271"/>
+                  </a:cubicBezTo>
+                </a:path>
+              </a:pathLst>
+            </a:custGeom>
+            <a:noFill/>
+            <a:ln>
+              <a:solidFill>
+                <a:schemeClr val="tx1"/>
+              </a:solidFill>
+            </a:ln>
+          </p:spPr>
+          <p:style>
+            <a:lnRef idx="2">
+              <a:schemeClr val="accent1">
+                <a:shade val="50000"/>
+              </a:schemeClr>
+            </a:lnRef>
+            <a:fillRef idx="1">
+              <a:schemeClr val="accent1"/>
+            </a:fillRef>
+            <a:effectRef idx="0">
+              <a:schemeClr val="accent1"/>
+            </a:effectRef>
+            <a:fontRef idx="minor">
+              <a:schemeClr val="lt1"/>
+            </a:fontRef>
+          </p:style>
+          <p:txBody>
+            <a:bodyPr rtlCol="0" anchor="ctr"/>
+            <a:lstStyle/>
+            <a:p>
+              <a:pPr algn="ctr"/>
+              <a:endParaRPr lang="en-US"/>
+            </a:p>
+          </p:txBody>
+        </p:sp>
+      </p:grpSp>
+      <p:cxnSp>
+        <p:nvCxnSpPr>
+          <p:cNvPr id="19" name="Straight Connector 18"/>
+          <p:cNvCxnSpPr/>
+          <p:nvPr/>
+        </p:nvCxnSpPr>
+        <p:spPr>
+          <a:xfrm>
+            <a:off x="2312125" y="2764970"/>
+            <a:ext cx="4297680" cy="0"/>
+          </a:xfrm>
+          <a:prstGeom prst="line">
+            <a:avLst/>
+          </a:prstGeom>
+          <a:ln>
+            <a:solidFill>
+              <a:schemeClr val="tx1"/>
+            </a:solidFill>
+          </a:ln>
+        </p:spPr>
+        <p:style>
+          <a:lnRef idx="1">
+            <a:schemeClr val="accent1"/>
+          </a:lnRef>
+          <a:fillRef idx="0">
+            <a:schemeClr val="accent1"/>
+          </a:fillRef>
+          <a:effectRef idx="0">
+            <a:schemeClr val="accent1"/>
+          </a:effectRef>
+          <a:fontRef idx="minor">
+            <a:schemeClr val="tx1"/>
+          </a:fontRef>
+        </p:style>
+      </p:cxnSp>
+      <p:sp>
+        <p:nvSpPr>
+          <p:cNvPr id="20" name="Freeform 19"/>
+          <p:cNvSpPr/>
+          <p:nvPr/>
+        </p:nvSpPr>
+        <p:spPr>
+          <a:xfrm>
+            <a:off x="2455817" y="1523429"/>
+            <a:ext cx="822960" cy="1230221"/>
+          </a:xfrm>
+          <a:custGeom>
+            <a:avLst/>
+            <a:gdLst>
+              <a:gd name="connsiteX0" fmla="*/ 0 w 822960"/>
+              <a:gd name="connsiteY0" fmla="*/ 1154457 h 1230221"/>
+              <a:gd name="connsiteX1" fmla="*/ 156754 w 822960"/>
+              <a:gd name="connsiteY1" fmla="*/ 1049954 h 1230221"/>
+              <a:gd name="connsiteX2" fmla="*/ 431074 w 822960"/>
+              <a:gd name="connsiteY2" fmla="*/ 279245 h 1230221"/>
+              <a:gd name="connsiteX3" fmla="*/ 600892 w 822960"/>
+              <a:gd name="connsiteY3" fmla="*/ 44114 h 1230221"/>
+              <a:gd name="connsiteX4" fmla="*/ 627017 w 822960"/>
+              <a:gd name="connsiteY4" fmla="*/ 1089142 h 1230221"/>
+              <a:gd name="connsiteX5" fmla="*/ 822960 w 822960"/>
+              <a:gd name="connsiteY5" fmla="*/ 1219771 h 1230221"/>
+            </a:gdLst>
+            <a:ahLst/>
+            <a:cxnLst>
+              <a:cxn ang="0">
+                <a:pos x="connsiteX0" y="connsiteY0"/>
+              </a:cxn>
+              <a:cxn ang="0">
+                <a:pos x="connsiteX1" y="connsiteY1"/>
+              </a:cxn>
+              <a:cxn ang="0">
+                <a:pos x="connsiteX2" y="connsiteY2"/>
+              </a:cxn>
+              <a:cxn ang="0">
+                <a:pos x="connsiteX3" y="connsiteY3"/>
+              </a:cxn>
+              <a:cxn ang="0">
+                <a:pos x="connsiteX4" y="connsiteY4"/>
+              </a:cxn>
+              <a:cxn ang="0">
+                <a:pos x="connsiteX5" y="connsiteY5"/>
+              </a:cxn>
+            </a:cxnLst>
+            <a:rect l="l" t="t" r="r" b="b"/>
+            <a:pathLst>
+              <a:path w="822960" h="1230221">
+                <a:moveTo>
+                  <a:pt x="0" y="1154457"/>
+                </a:moveTo>
+                <a:cubicBezTo>
+                  <a:pt x="42454" y="1175140"/>
+                  <a:pt x="84908" y="1195823"/>
+                  <a:pt x="156754" y="1049954"/>
+                </a:cubicBezTo>
+                <a:cubicBezTo>
+                  <a:pt x="228600" y="904085"/>
+                  <a:pt x="357051" y="446885"/>
+                  <a:pt x="431074" y="279245"/>
+                </a:cubicBezTo>
+                <a:cubicBezTo>
+                  <a:pt x="505097" y="111605"/>
+                  <a:pt x="568235" y="-90869"/>
+                  <a:pt x="600892" y="44114"/>
+                </a:cubicBezTo>
+                <a:cubicBezTo>
+                  <a:pt x="633549" y="179097"/>
+                  <a:pt x="590006" y="893199"/>
+                  <a:pt x="627017" y="1089142"/>
+                </a:cubicBezTo>
+                <a:cubicBezTo>
+                  <a:pt x="664028" y="1285085"/>
+                  <a:pt x="822960" y="1219771"/>
+                  <a:pt x="822960" y="1219771"/>
+                </a:cubicBezTo>
+              </a:path>
+            </a:pathLst>
+          </a:custGeom>
+          <a:noFill/>
+          <a:ln>
+            <a:solidFill>
+              <a:schemeClr val="tx1"/>
+            </a:solidFill>
+          </a:ln>
+        </p:spPr>
+        <p:style>
+          <a:lnRef idx="2">
+            <a:schemeClr val="accent1">
+              <a:shade val="50000"/>
+            </a:schemeClr>
+          </a:lnRef>
+          <a:fillRef idx="1">
+            <a:schemeClr val="accent1"/>
+          </a:fillRef>
+          <a:effectRef idx="0">
+            <a:schemeClr val="accent1"/>
+          </a:effectRef>
+          <a:fontRef idx="minor">
+            <a:schemeClr val="lt1"/>
+          </a:fontRef>
+        </p:style>
+        <p:txBody>
+          <a:bodyPr rtlCol="0" anchor="ctr"/>
+          <a:lstStyle/>
+          <a:p>
+            <a:pPr algn="ctr"/>
+            <a:endParaRPr lang="en-US"/>
+          </a:p>
+        </p:txBody>
+      </p:sp>
+      <p:sp>
+        <p:nvSpPr>
+          <p:cNvPr id="21" name="Freeform 20"/>
+          <p:cNvSpPr/>
+          <p:nvPr/>
+        </p:nvSpPr>
+        <p:spPr>
+          <a:xfrm>
+            <a:off x="3749040" y="1534749"/>
+            <a:ext cx="822960" cy="1230221"/>
+          </a:xfrm>
+          <a:custGeom>
+            <a:avLst/>
+            <a:gdLst>
+              <a:gd name="connsiteX0" fmla="*/ 0 w 822960"/>
+              <a:gd name="connsiteY0" fmla="*/ 1154457 h 1230221"/>
+              <a:gd name="connsiteX1" fmla="*/ 156754 w 822960"/>
+              <a:gd name="connsiteY1" fmla="*/ 1049954 h 1230221"/>
+              <a:gd name="connsiteX2" fmla="*/ 431074 w 822960"/>
+              <a:gd name="connsiteY2" fmla="*/ 279245 h 1230221"/>
+              <a:gd name="connsiteX3" fmla="*/ 600892 w 822960"/>
+              <a:gd name="connsiteY3" fmla="*/ 44114 h 1230221"/>
+              <a:gd name="connsiteX4" fmla="*/ 627017 w 822960"/>
+              <a:gd name="connsiteY4" fmla="*/ 1089142 h 1230221"/>
+              <a:gd name="connsiteX5" fmla="*/ 822960 w 822960"/>
+              <a:gd name="connsiteY5" fmla="*/ 1219771 h 1230221"/>
+            </a:gdLst>
+            <a:ahLst/>
+            <a:cxnLst>
+              <a:cxn ang="0">
+                <a:pos x="connsiteX0" y="connsiteY0"/>
+              </a:cxn>
+              <a:cxn ang="0">
+                <a:pos x="connsiteX1" y="connsiteY1"/>
+              </a:cxn>
+              <a:cxn ang="0">
+                <a:pos x="connsiteX2" y="connsiteY2"/>
+              </a:cxn>
+              <a:cxn ang="0">
+                <a:pos x="connsiteX3" y="connsiteY3"/>
+              </a:cxn>
+              <a:cxn ang="0">
+                <a:pos x="connsiteX4" y="connsiteY4"/>
+              </a:cxn>
+              <a:cxn ang="0">
+                <a:pos x="connsiteX5" y="connsiteY5"/>
+              </a:cxn>
+            </a:cxnLst>
+            <a:rect l="l" t="t" r="r" b="b"/>
+            <a:pathLst>
+              <a:path w="822960" h="1230221">
+                <a:moveTo>
+                  <a:pt x="0" y="1154457"/>
+                </a:moveTo>
+                <a:cubicBezTo>
+                  <a:pt x="42454" y="1175140"/>
+                  <a:pt x="84908" y="1195823"/>
+                  <a:pt x="156754" y="1049954"/>
+                </a:cubicBezTo>
+                <a:cubicBezTo>
+                  <a:pt x="228600" y="904085"/>
+                  <a:pt x="357051" y="446885"/>
+                  <a:pt x="431074" y="279245"/>
+                </a:cubicBezTo>
+                <a:cubicBezTo>
+                  <a:pt x="505097" y="111605"/>
+                  <a:pt x="568235" y="-90869"/>
+                  <a:pt x="600892" y="44114"/>
+                </a:cubicBezTo>
+                <a:cubicBezTo>
+                  <a:pt x="633549" y="179097"/>
+                  <a:pt x="590006" y="893199"/>
+                  <a:pt x="627017" y="1089142"/>
+                </a:cubicBezTo>
+                <a:cubicBezTo>
+                  <a:pt x="664028" y="1285085"/>
+                  <a:pt x="822960" y="1219771"/>
+                  <a:pt x="822960" y="1219771"/>
+                </a:cubicBezTo>
+              </a:path>
+            </a:pathLst>
+          </a:custGeom>
+          <a:noFill/>
+          <a:ln>
+            <a:solidFill>
+              <a:schemeClr val="tx1"/>
+            </a:solidFill>
+          </a:ln>
+        </p:spPr>
+        <p:style>
+          <a:lnRef idx="2">
+            <a:schemeClr val="accent1">
+              <a:shade val="50000"/>
+            </a:schemeClr>
+          </a:lnRef>
+          <a:fillRef idx="1">
+            <a:schemeClr val="accent1"/>
+          </a:fillRef>
+          <a:effectRef idx="0">
+            <a:schemeClr val="accent1"/>
+          </a:effectRef>
+          <a:fontRef idx="minor">
+            <a:schemeClr val="lt1"/>
+          </a:fontRef>
+        </p:style>
+        <p:txBody>
+          <a:bodyPr rtlCol="0" anchor="ctr"/>
+          <a:lstStyle/>
+          <a:p>
+            <a:pPr algn="ctr"/>
+            <a:endParaRPr lang="en-US"/>
+          </a:p>
+        </p:txBody>
+      </p:sp>
+      <p:sp>
+        <p:nvSpPr>
+          <p:cNvPr id="22" name="Freeform 21"/>
+          <p:cNvSpPr/>
+          <p:nvPr/>
+        </p:nvSpPr>
+        <p:spPr>
+          <a:xfrm>
+            <a:off x="5634990" y="1534749"/>
+            <a:ext cx="822960" cy="1230221"/>
+          </a:xfrm>
+          <a:custGeom>
+            <a:avLst/>
+            <a:gdLst>
+              <a:gd name="connsiteX0" fmla="*/ 0 w 822960"/>
+              <a:gd name="connsiteY0" fmla="*/ 1154457 h 1230221"/>
+              <a:gd name="connsiteX1" fmla="*/ 156754 w 822960"/>
+              <a:gd name="connsiteY1" fmla="*/ 1049954 h 1230221"/>
+              <a:gd name="connsiteX2" fmla="*/ 431074 w 822960"/>
+              <a:gd name="connsiteY2" fmla="*/ 279245 h 1230221"/>
+              <a:gd name="connsiteX3" fmla="*/ 600892 w 822960"/>
+              <a:gd name="connsiteY3" fmla="*/ 44114 h 1230221"/>
+              <a:gd name="connsiteX4" fmla="*/ 627017 w 822960"/>
+              <a:gd name="connsiteY4" fmla="*/ 1089142 h 1230221"/>
+              <a:gd name="connsiteX5" fmla="*/ 822960 w 822960"/>
+              <a:gd name="connsiteY5" fmla="*/ 1219771 h 1230221"/>
+            </a:gdLst>
+            <a:ahLst/>
+            <a:cxnLst>
+              <a:cxn ang="0">
+                <a:pos x="connsiteX0" y="connsiteY0"/>
+              </a:cxn>
+              <a:cxn ang="0">
+                <a:pos x="connsiteX1" y="connsiteY1"/>
+              </a:cxn>
+              <a:cxn ang="0">
+                <a:pos x="connsiteX2" y="connsiteY2"/>
+              </a:cxn>
+              <a:cxn ang="0">
+                <a:pos x="connsiteX3" y="connsiteY3"/>
+              </a:cxn>
+              <a:cxn ang="0">
+                <a:pos x="connsiteX4" y="connsiteY4"/>
+              </a:cxn>
+              <a:cxn ang="0">
+                <a:pos x="connsiteX5" y="connsiteY5"/>
+              </a:cxn>
+            </a:cxnLst>
+            <a:rect l="l" t="t" r="r" b="b"/>
+            <a:pathLst>
+              <a:path w="822960" h="1230221">
+                <a:moveTo>
+                  <a:pt x="0" y="1154457"/>
+                </a:moveTo>
+                <a:cubicBezTo>
+                  <a:pt x="42454" y="1175140"/>
+                  <a:pt x="84908" y="1195823"/>
+                  <a:pt x="156754" y="1049954"/>
+                </a:cubicBezTo>
+                <a:cubicBezTo>
+                  <a:pt x="228600" y="904085"/>
+                  <a:pt x="357051" y="446885"/>
+                  <a:pt x="431074" y="279245"/>
+                </a:cubicBezTo>
+                <a:cubicBezTo>
+                  <a:pt x="505097" y="111605"/>
+                  <a:pt x="568235" y="-90869"/>
+                  <a:pt x="600892" y="44114"/>
+                </a:cubicBezTo>
+                <a:cubicBezTo>
+                  <a:pt x="633549" y="179097"/>
+                  <a:pt x="590006" y="893199"/>
+                  <a:pt x="627017" y="1089142"/>
+                </a:cubicBezTo>
+                <a:cubicBezTo>
+                  <a:pt x="664028" y="1285085"/>
+                  <a:pt x="822960" y="1219771"/>
+                  <a:pt x="822960" y="1219771"/>
+                </a:cubicBezTo>
+              </a:path>
+            </a:pathLst>
+          </a:custGeom>
+          <a:noFill/>
+          <a:ln>
+            <a:solidFill>
+              <a:schemeClr val="tx1"/>
+            </a:solidFill>
+          </a:ln>
+        </p:spPr>
+        <p:style>
+          <a:lnRef idx="2">
+            <a:schemeClr val="accent1">
+              <a:shade val="50000"/>
+            </a:schemeClr>
+          </a:lnRef>
+          <a:fillRef idx="1">
+            <a:schemeClr val="accent1"/>
+          </a:fillRef>
+          <a:effectRef idx="0">
+            <a:schemeClr val="accent1"/>
+          </a:effectRef>
+          <a:fontRef idx="minor">
+            <a:schemeClr val="lt1"/>
+          </a:fontRef>
+        </p:style>
+        <p:txBody>
+          <a:bodyPr rtlCol="0" anchor="ctr"/>
+          <a:lstStyle/>
+          <a:p>
+            <a:pPr algn="ctr"/>
+            <a:endParaRPr lang="en-US"/>
+          </a:p>
+        </p:txBody>
+      </p:sp>
+      <p:sp>
+        <p:nvSpPr>
+          <p:cNvPr id="23" name="TextBox 22"/>
+          <p:cNvSpPr txBox="1"/>
+          <p:nvPr/>
+        </p:nvSpPr>
+        <p:spPr>
+          <a:xfrm>
+            <a:off x="251764" y="1984022"/>
+            <a:ext cx="2174763" cy="369332"/>
+          </a:xfrm>
+          <a:prstGeom prst="rect">
+            <a:avLst/>
+          </a:prstGeom>
+          <a:noFill/>
+        </p:spPr>
+        <p:txBody>
+          <a:bodyPr wrap="none" rtlCol="0">
+            <a:spAutoFit/>
+          </a:bodyPr>
+          <a:lstStyle/>
+          <a:p>
+            <a:r>
+              <a:rPr lang="en-US" smtClean="0"/>
+              <a:t>Posterior distribution</a:t>
+            </a:r>
+            <a:endParaRPr lang="en-US" dirty="0"/>
+          </a:p>
+        </p:txBody>
+      </p:sp>
+      <p:sp>
+        <p:nvSpPr>
+          <p:cNvPr id="24" name="TextBox 23"/>
+          <p:cNvSpPr txBox="1"/>
+          <p:nvPr/>
+        </p:nvSpPr>
+        <p:spPr>
+          <a:xfrm>
+            <a:off x="2593728" y="2806872"/>
+            <a:ext cx="547137" cy="369332"/>
+          </a:xfrm>
+          <a:prstGeom prst="rect">
+            <a:avLst/>
+          </a:prstGeom>
+          <a:noFill/>
+        </p:spPr>
+        <p:txBody>
+          <a:bodyPr wrap="none" rtlCol="0">
+            <a:spAutoFit/>
+          </a:bodyPr>
+          <a:lstStyle/>
+          <a:p>
+            <a:r>
+              <a:rPr lang="en-US" smtClean="0"/>
+              <a:t>rel1</a:t>
+            </a:r>
+            <a:endParaRPr lang="en-US"/>
+          </a:p>
+        </p:txBody>
+      </p:sp>
+      <p:sp>
+        <p:nvSpPr>
+          <p:cNvPr id="25" name="TextBox 24"/>
+          <p:cNvSpPr txBox="1"/>
+          <p:nvPr/>
+        </p:nvSpPr>
+        <p:spPr>
+          <a:xfrm>
+            <a:off x="3886951" y="2806872"/>
+            <a:ext cx="547137" cy="369332"/>
+          </a:xfrm>
+          <a:prstGeom prst="rect">
+            <a:avLst/>
+          </a:prstGeom>
+          <a:noFill/>
+        </p:spPr>
+        <p:txBody>
+          <a:bodyPr wrap="none" rtlCol="0">
+            <a:spAutoFit/>
+          </a:bodyPr>
+          <a:lstStyle/>
+          <a:p>
+            <a:r>
+              <a:rPr lang="en-US" smtClean="0"/>
+              <a:t>rel2</a:t>
+            </a:r>
+            <a:endParaRPr lang="en-US"/>
+          </a:p>
+        </p:txBody>
+      </p:sp>
+      <p:sp>
+        <p:nvSpPr>
+          <p:cNvPr id="26" name="TextBox 25"/>
+          <p:cNvSpPr txBox="1"/>
+          <p:nvPr/>
+        </p:nvSpPr>
+        <p:spPr>
+          <a:xfrm>
+            <a:off x="5772901" y="2800711"/>
+            <a:ext cx="547137" cy="369332"/>
+          </a:xfrm>
+          <a:prstGeom prst="rect">
+            <a:avLst/>
+          </a:prstGeom>
+          <a:noFill/>
+        </p:spPr>
+        <p:txBody>
+          <a:bodyPr wrap="none" rtlCol="0">
+            <a:spAutoFit/>
+          </a:bodyPr>
+          <a:lstStyle/>
+          <a:p>
+            <a:r>
+              <a:rPr lang="en-US" dirty="0" smtClean="0"/>
+              <a:t>rel3</a:t>
+            </a:r>
+            <a:endParaRPr lang="en-US" dirty="0"/>
+          </a:p>
+        </p:txBody>
+      </p:sp>
+      <p:sp>
+        <p:nvSpPr>
+          <p:cNvPr id="27" name="TextBox 26"/>
+          <p:cNvSpPr txBox="1"/>
+          <p:nvPr/>
+        </p:nvSpPr>
+        <p:spPr>
+          <a:xfrm>
+            <a:off x="303710" y="4489017"/>
+            <a:ext cx="1780296" cy="369332"/>
+          </a:xfrm>
+          <a:prstGeom prst="rect">
+            <a:avLst/>
+          </a:prstGeom>
+          <a:noFill/>
+        </p:spPr>
+        <p:txBody>
+          <a:bodyPr wrap="none" rtlCol="0">
+            <a:spAutoFit/>
+          </a:bodyPr>
+          <a:lstStyle/>
+          <a:p>
+            <a:r>
+              <a:rPr lang="en-US" smtClean="0"/>
+              <a:t>Prior distribution</a:t>
+            </a:r>
+            <a:endParaRPr lang="en-US" dirty="0"/>
+          </a:p>
+        </p:txBody>
+      </p:sp>
+      <p:sp>
+        <p:nvSpPr>
+          <p:cNvPr id="28" name="TextBox 27"/>
+          <p:cNvSpPr txBox="1"/>
+          <p:nvPr/>
+        </p:nvSpPr>
+        <p:spPr>
+          <a:xfrm>
+            <a:off x="6656899" y="2546425"/>
+            <a:ext cx="282450" cy="369332"/>
+          </a:xfrm>
+          <a:prstGeom prst="rect">
+            <a:avLst/>
+          </a:prstGeom>
+          <a:noFill/>
+        </p:spPr>
+        <p:txBody>
+          <a:bodyPr wrap="none" rtlCol="0">
+            <a:spAutoFit/>
+          </a:bodyPr>
+          <a:lstStyle/>
+          <a:p>
+            <a:r>
+              <a:rPr lang="en-US" dirty="0" smtClean="0"/>
+              <a:t>L</a:t>
+            </a:r>
+            <a:endParaRPr lang="en-US" dirty="0"/>
+          </a:p>
+        </p:txBody>
+      </p:sp>
+      <p:sp>
+        <p:nvSpPr>
+          <p:cNvPr id="29" name="TextBox 28"/>
+          <p:cNvSpPr txBox="1"/>
+          <p:nvPr/>
+        </p:nvSpPr>
+        <p:spPr>
+          <a:xfrm>
+            <a:off x="6667776" y="4766156"/>
+            <a:ext cx="282450" cy="369332"/>
+          </a:xfrm>
+          <a:prstGeom prst="rect">
+            <a:avLst/>
+          </a:prstGeom>
+          <a:noFill/>
+        </p:spPr>
+        <p:txBody>
+          <a:bodyPr wrap="none" rtlCol="0">
+            <a:spAutoFit/>
+          </a:bodyPr>
+          <a:lstStyle/>
+          <a:p>
+            <a:r>
+              <a:rPr lang="en-US" smtClean="0"/>
+              <a:t>L</a:t>
+            </a:r>
+            <a:endParaRPr lang="en-US"/>
+          </a:p>
+        </p:txBody>
+      </p:sp>
+    </p:spTree>
+    <p:extLst>
+      <p:ext uri="{BB962C8B-B14F-4D97-AF65-F5344CB8AC3E}">
+        <p14:creationId xmlns:p14="http://schemas.microsoft.com/office/powerpoint/2010/main" val="485255185"/>
+      </p:ext>
+    </p:extLst>
+  </p:cSld>
+  <p:clrMapOvr>
+    <a:masterClrMapping/>
+  </p:clrMapOvr>
+  <p:timing>
+    <p:tnLst>
+      <p:par>
+        <p:cTn id="1" dur="indefinite" restart="never" nodeType="tmRoot"/>
+      </p:par>
+    </p:tnLst>
+  </p:timing>
+</p:sld>
+</file>
+
+<file path=ppt/slides/slide3.xml><?xml version="1.0" encoding="utf-8"?>
 <p:sld xmlns:a="http://schemas.openxmlformats.org/drawingml/2006/main" xmlns:r="http://schemas.openxmlformats.org/officeDocument/2006/relationships" xmlns:p="http://schemas.openxmlformats.org/presentationml/2006/main">
   <p:cSld>
     <p:spTree>
@@ -30063,7 +33026,7 @@
           <a:p>
             <a:fld id="{7065BB2C-E040-0B41-A79C-72407BBCFFEE}" type="slidenum">
               <a:rPr lang="en-US" smtClean="0"/>
-              <a:t>2</a:t>
+              <a:t>3</a:t>
             </a:fld>
             <a:endParaRPr lang="en-US"/>
           </a:p>
@@ -31961,2035 +34924,7 @@
 </p:sld>
 </file>
 
-<file path=ppt/slides/slide20.xml><?xml version="1.0" encoding="utf-8"?>
-<p:sld xmlns:a="http://schemas.openxmlformats.org/drawingml/2006/main" xmlns:r="http://schemas.openxmlformats.org/officeDocument/2006/relationships" xmlns:p="http://schemas.openxmlformats.org/presentationml/2006/main">
-  <p:cSld>
-    <p:spTree>
-      <p:nvGrpSpPr>
-        <p:cNvPr id="1" name=""/>
-        <p:cNvGrpSpPr/>
-        <p:nvPr/>
-      </p:nvGrpSpPr>
-      <p:grpSpPr>
-        <a:xfrm>
-          <a:off x="0" y="0"/>
-          <a:ext cx="0" cy="0"/>
-          <a:chOff x="0" y="0"/>
-          <a:chExt cx="0" cy="0"/>
-        </a:xfrm>
-      </p:grpSpPr>
-      <p:sp>
-        <p:nvSpPr>
-          <p:cNvPr id="4" name="Slide Number Placeholder 3"/>
-          <p:cNvSpPr>
-            <a:spLocks noGrp="1"/>
-          </p:cNvSpPr>
-          <p:nvPr>
-            <p:ph type="sldNum" sz="quarter" idx="12"/>
-          </p:nvPr>
-        </p:nvSpPr>
-        <p:spPr/>
-        <p:txBody>
-          <a:bodyPr/>
-          <a:lstStyle/>
-          <a:p>
-            <a:fld id="{7065BB2C-E040-0B41-A79C-72407BBCFFEE}" type="slidenum">
-              <a:rPr lang="en-US" smtClean="0"/>
-              <a:t>20</a:t>
-            </a:fld>
-            <a:endParaRPr lang="en-US"/>
-          </a:p>
-        </p:txBody>
-      </p:sp>
-      <p:sp>
-        <p:nvSpPr>
-          <p:cNvPr id="5" name="TextBox 4"/>
-          <p:cNvSpPr txBox="1"/>
-          <p:nvPr/>
-        </p:nvSpPr>
-        <p:spPr>
-          <a:xfrm>
-            <a:off x="3682652" y="2818356"/>
-            <a:ext cx="1981376" cy="769441"/>
-          </a:xfrm>
-          <a:prstGeom prst="rect">
-            <a:avLst/>
-          </a:prstGeom>
-          <a:noFill/>
-        </p:spPr>
-        <p:txBody>
-          <a:bodyPr wrap="none" rtlCol="0">
-            <a:spAutoFit/>
-          </a:bodyPr>
-          <a:lstStyle/>
-          <a:p>
-            <a:pPr algn="ctr"/>
-            <a:r>
-              <a:rPr lang="en-US" sz="4400" dirty="0" smtClean="0"/>
-              <a:t>Thanks!</a:t>
-            </a:r>
-            <a:endParaRPr lang="en-US" sz="4400" dirty="0"/>
-          </a:p>
-        </p:txBody>
-      </p:sp>
-      <p:sp>
-        <p:nvSpPr>
-          <p:cNvPr id="2" name="Rectangle 1"/>
-          <p:cNvSpPr/>
-          <p:nvPr/>
-        </p:nvSpPr>
-        <p:spPr>
-          <a:xfrm>
-            <a:off x="1205151" y="4412121"/>
-            <a:ext cx="6936378" cy="646331"/>
-          </a:xfrm>
-          <a:prstGeom prst="rect">
-            <a:avLst/>
-          </a:prstGeom>
-        </p:spPr>
-        <p:txBody>
-          <a:bodyPr wrap="square">
-            <a:spAutoFit/>
-          </a:bodyPr>
-          <a:lstStyle/>
-          <a:p>
-            <a:r>
-              <a:rPr lang="en-US" dirty="0" smtClean="0"/>
-              <a:t>PPT Link: </a:t>
-            </a:r>
-            <a:r>
-              <a:rPr lang="en-US" dirty="0" smtClean="0">
-                <a:hlinkClick r:id="rId3"/>
-              </a:rPr>
-              <a:t>https</a:t>
-            </a:r>
-            <a:r>
-              <a:rPr lang="en-US" dirty="0">
-                <a:hlinkClick r:id="rId3"/>
-              </a:rPr>
-              <a:t>://</a:t>
-            </a:r>
-            <a:r>
-              <a:rPr lang="en-US" dirty="0" smtClean="0">
-                <a:hlinkClick r:id="rId3"/>
-              </a:rPr>
-              <a:t>wenhuchen.github.io/images/naacl2018.pptx</a:t>
-            </a:r>
-            <a:endParaRPr lang="en-US" dirty="0" smtClean="0"/>
-          </a:p>
-          <a:p>
-            <a:r>
-              <a:rPr lang="en-US" dirty="0"/>
-              <a:t>Dataset link: </a:t>
-            </a:r>
-            <a:r>
-              <a:rPr lang="en-US" dirty="0">
-                <a:hlinkClick r:id="rId4"/>
-              </a:rPr>
-              <a:t>http://cs.ucsb.edu/~</a:t>
-            </a:r>
-            <a:r>
-              <a:rPr lang="en-US" dirty="0" smtClean="0">
-                <a:hlinkClick r:id="rId4"/>
-              </a:rPr>
-              <a:t>xwhan/datasets/NELL-995.zip</a:t>
-            </a:r>
-            <a:endParaRPr lang="en-US" dirty="0" smtClean="0"/>
-          </a:p>
-        </p:txBody>
-      </p:sp>
-    </p:spTree>
-    <p:extLst>
-      <p:ext uri="{BB962C8B-B14F-4D97-AF65-F5344CB8AC3E}">
-        <p14:creationId xmlns:p14="http://schemas.microsoft.com/office/powerpoint/2010/main" val="938246214"/>
-      </p:ext>
-    </p:extLst>
-  </p:cSld>
-  <p:clrMapOvr>
-    <a:masterClrMapping/>
-  </p:clrMapOvr>
-  <mc:AlternateContent xmlns:mc="http://schemas.openxmlformats.org/markup-compatibility/2006" xmlns:p14="http://schemas.microsoft.com/office/powerpoint/2010/main">
-    <mc:Choice Requires="p14">
-      <p:transition spd="slow" p14:dur="2000" advTm="30633"/>
-    </mc:Choice>
-    <mc:Fallback xmlns="">
-      <p:transition spd="slow" advTm="30633"/>
-    </mc:Fallback>
-  </mc:AlternateContent>
-  <p:timing>
-    <p:tnLst>
-      <p:par>
-        <p:cTn id="1" dur="indefinite" restart="never" nodeType="tmRoot"/>
-      </p:par>
-    </p:tnLst>
-  </p:timing>
-</p:sld>
-</file>
-
-<file path=ppt/slides/slide21.xml><?xml version="1.0" encoding="utf-8"?>
-<p:sld xmlns:a="http://schemas.openxmlformats.org/drawingml/2006/main" xmlns:r="http://schemas.openxmlformats.org/officeDocument/2006/relationships" xmlns:p="http://schemas.openxmlformats.org/presentationml/2006/main">
-  <p:cSld>
-    <p:spTree>
-      <p:nvGrpSpPr>
-        <p:cNvPr id="1" name=""/>
-        <p:cNvGrpSpPr/>
-        <p:nvPr/>
-      </p:nvGrpSpPr>
-      <p:grpSpPr>
-        <a:xfrm>
-          <a:off x="0" y="0"/>
-          <a:ext cx="0" cy="0"/>
-          <a:chOff x="0" y="0"/>
-          <a:chExt cx="0" cy="0"/>
-        </a:xfrm>
-      </p:grpSpPr>
-      <p:sp>
-        <p:nvSpPr>
-          <p:cNvPr id="2" name="Title 1"/>
-          <p:cNvSpPr>
-            <a:spLocks noGrp="1"/>
-          </p:cNvSpPr>
-          <p:nvPr>
-            <p:ph type="title"/>
-          </p:nvPr>
-        </p:nvSpPr>
-        <p:spPr/>
-        <p:txBody>
-          <a:bodyPr/>
-          <a:lstStyle/>
-          <a:p>
-            <a:r>
-              <a:rPr lang="en-US" dirty="0" smtClean="0"/>
-              <a:t>Error Analysis</a:t>
-            </a:r>
-            <a:endParaRPr lang="en-US" dirty="0"/>
-          </a:p>
-        </p:txBody>
-      </p:sp>
-      <p:sp>
-        <p:nvSpPr>
-          <p:cNvPr id="4" name="Slide Number Placeholder 3"/>
-          <p:cNvSpPr>
-            <a:spLocks noGrp="1"/>
-          </p:cNvSpPr>
-          <p:nvPr>
-            <p:ph type="sldNum" sz="quarter" idx="12"/>
-          </p:nvPr>
-        </p:nvSpPr>
-        <p:spPr/>
-        <p:txBody>
-          <a:bodyPr/>
-          <a:lstStyle/>
-          <a:p>
-            <a:fld id="{7065BB2C-E040-0B41-A79C-72407BBCFFEE}" type="slidenum">
-              <a:rPr lang="en-US" smtClean="0"/>
-              <a:t>21</a:t>
-            </a:fld>
-            <a:endParaRPr lang="en-US"/>
-          </a:p>
-        </p:txBody>
-      </p:sp>
-      <mc:AlternateContent xmlns:mc="http://schemas.openxmlformats.org/markup-compatibility/2006" xmlns:a14="http://schemas.microsoft.com/office/drawing/2010/main">
-        <mc:Choice Requires="a14">
-          <p:graphicFrame>
-            <p:nvGraphicFramePr>
-              <p:cNvPr id="5" name="Table 4"/>
-              <p:cNvGraphicFramePr>
-                <a:graphicFrameLocks noGrp="1"/>
-              </p:cNvGraphicFramePr>
-              <p:nvPr>
-                <p:extLst>
-                  <p:ext uri="{D42A27DB-BD31-4B8C-83A1-F6EECF244321}">
-                    <p14:modId xmlns:p14="http://schemas.microsoft.com/office/powerpoint/2010/main" val="1638251691"/>
-                  </p:ext>
-                </p:extLst>
-              </p:nvPr>
-            </p:nvGraphicFramePr>
-            <p:xfrm>
-              <a:off x="1031966" y="1420559"/>
-              <a:ext cx="6645767" cy="1463040"/>
-            </p:xfrm>
-            <a:graphic>
-              <a:graphicData uri="http://schemas.openxmlformats.org/drawingml/2006/table">
-                <a:tbl>
-                  <a:tblPr firstRow="1" bandRow="1">
-                    <a:tableStyleId>{5C22544A-7EE6-4342-B048-85BDC9FD1C3A}</a:tableStyleId>
-                  </a:tblPr>
-                  <a:tblGrid>
-                    <a:gridCol w="2194559"/>
-                    <a:gridCol w="2116183"/>
-                    <a:gridCol w="2335025"/>
-                  </a:tblGrid>
-                  <a:tr h="288388">
-                    <a:tc>
-                      <a:txBody>
-                        <a:bodyPr/>
-                        <a:lstStyle/>
-                        <a:p>
-                          <a:r>
-                            <a:rPr lang="en-US" dirty="0" smtClean="0"/>
-                            <a:t>Error Type</a:t>
-                          </a:r>
-                          <a:endParaRPr lang="en-US" dirty="0"/>
-                        </a:p>
-                      </a:txBody>
-                      <a:tcPr/>
-                    </a:tc>
-                    <a:tc>
-                      <a:txBody>
-                        <a:bodyPr/>
-                        <a:lstStyle/>
-                        <a:p>
-                          <a:r>
-                            <a:rPr lang="en-US" dirty="0" smtClean="0"/>
-                            <a:t>Positive Sample</a:t>
-                          </a:r>
-                          <a:endParaRPr lang="en-US" dirty="0"/>
-                        </a:p>
-                      </a:txBody>
-                      <a:tcPr/>
-                    </a:tc>
-                    <a:tc>
-                      <a:txBody>
-                        <a:bodyPr/>
-                        <a:lstStyle/>
-                        <a:p>
-                          <a:r>
-                            <a:rPr lang="en-US" dirty="0" smtClean="0"/>
-                            <a:t>Negative Sample</a:t>
-                          </a:r>
-                          <a:endParaRPr lang="en-US" dirty="0"/>
-                        </a:p>
-                      </a:txBody>
-                      <a:tcPr/>
-                    </a:tc>
-                  </a:tr>
-                  <a:tr h="288388">
-                    <a:tc rowSpan="2">
-                      <a:txBody>
-                        <a:bodyPr/>
-                        <a:lstStyle/>
-                        <a:p>
-                          <a:pPr algn="ctr"/>
-                          <a:r>
-                            <a:rPr lang="en-US" dirty="0" smtClean="0"/>
-                            <a:t>Path-finder</a:t>
-                          </a:r>
-                          <a:r>
-                            <a:rPr lang="en-US" baseline="0" dirty="0" smtClean="0"/>
-                            <a:t> Error</a:t>
-                          </a:r>
-                          <a:endParaRPr lang="en-US" dirty="0"/>
-                        </a:p>
-                      </a:txBody>
-                      <a:tcPr/>
-                    </a:tc>
-                    <a:tc>
-                      <a:txBody>
-                        <a:bodyPr/>
-                        <a:lstStyle/>
-                        <a:p>
-                          <a:r>
-                            <a:rPr lang="en-US" dirty="0" smtClean="0"/>
-                            <a:t>✖ (find no paths)</a:t>
-                          </a:r>
-                          <a:endParaRPr lang="en-US" dirty="0"/>
-                        </a:p>
-                      </a:txBody>
-                      <a:tcPr/>
-                    </a:tc>
-                    <a:tc>
-                      <a:txBody>
-                        <a:bodyPr/>
-                        <a:lstStyle/>
-                        <a:p>
-                          <a:pPr marL="0" marR="0" indent="0" algn="l" defTabSz="914400" rtl="0" eaLnBrk="1" fontAlgn="auto" latinLnBrk="0" hangingPunct="1">
-                            <a:lnSpc>
-                              <a:spcPct val="100000"/>
-                            </a:lnSpc>
-                            <a:spcBef>
-                              <a:spcPts val="0"/>
-                            </a:spcBef>
-                            <a:spcAft>
-                              <a:spcPts val="0"/>
-                            </a:spcAft>
-                            <a:buClrTx/>
-                            <a:buSzTx/>
-                            <a:buFontTx/>
-                            <a:buNone/>
-                            <a:tabLst/>
-                            <a:defRPr/>
-                          </a:pPr>
-                          <a:r>
-                            <a:rPr lang="en-US" dirty="0" smtClean="0"/>
-                            <a:t>✔ (find paths)</a:t>
-                          </a:r>
-                        </a:p>
-                      </a:txBody>
-                      <a:tcPr/>
-                    </a:tc>
-                  </a:tr>
-                  <a:tr h="288388">
-                    <a:tc vMerge="1">
-                      <a:txBody>
-                        <a:bodyPr/>
-                        <a:lstStyle/>
-                        <a:p>
-                          <a:endParaRPr lang="en-US" dirty="0"/>
-                        </a:p>
-                      </a:txBody>
-                      <a:tcPr/>
-                    </a:tc>
-                    <a:tc>
-                      <a:txBody>
-                        <a:bodyPr/>
-                        <a:lstStyle/>
-                        <a:p>
-                          <a:pPr marL="0" marR="0" indent="0" algn="l" defTabSz="914400" rtl="0" eaLnBrk="1" fontAlgn="auto" latinLnBrk="0" hangingPunct="1">
-                            <a:lnSpc>
-                              <a:spcPct val="100000"/>
-                            </a:lnSpc>
-                            <a:spcBef>
-                              <a:spcPts val="0"/>
-                            </a:spcBef>
-                            <a:spcAft>
-                              <a:spcPts val="0"/>
-                            </a:spcAft>
-                            <a:buClrTx/>
-                            <a:buSzTx/>
-                            <a:buFontTx/>
-                            <a:buNone/>
-                            <a:tabLst/>
-                            <a:defRPr/>
-                          </a:pPr>
-                          <a:r>
-                            <a:rPr lang="en-US" dirty="0" smtClean="0"/>
-                            <a:t>✖ (find no paths)</a:t>
-                          </a:r>
-                        </a:p>
-                      </a:txBody>
-                      <a:tcPr/>
-                    </a:tc>
-                    <a:tc>
-                      <a:txBody>
-                        <a:bodyPr/>
-                        <a:lstStyle/>
-                        <a:p>
-                          <a:pPr marL="0" marR="0" indent="0" algn="l" defTabSz="914400" rtl="0" eaLnBrk="1" fontAlgn="auto" latinLnBrk="0" hangingPunct="1">
-                            <a:lnSpc>
-                              <a:spcPct val="100000"/>
-                            </a:lnSpc>
-                            <a:spcBef>
-                              <a:spcPts val="0"/>
-                            </a:spcBef>
-                            <a:spcAft>
-                              <a:spcPts val="0"/>
-                            </a:spcAft>
-                            <a:buClrTx/>
-                            <a:buSzTx/>
-                            <a:buFontTx/>
-                            <a:buNone/>
-                            <a:tabLst/>
-                            <a:defRPr/>
-                          </a:pPr>
-                          <a:r>
-                            <a:rPr lang="en-US" dirty="0" smtClean="0"/>
-                            <a:t>✖ (find no paths)</a:t>
-                          </a:r>
-                        </a:p>
-                      </a:txBody>
-                      <a:tcPr/>
-                    </a:tc>
-                  </a:tr>
-                  <a:tr h="288388">
-                    <a:tc>
-                      <a:txBody>
-                        <a:bodyPr/>
-                        <a:lstStyle/>
-                        <a:p>
-                          <a:pPr marL="0" marR="0" indent="0" algn="ctr" defTabSz="914400" rtl="0" eaLnBrk="1" fontAlgn="auto" latinLnBrk="0" hangingPunct="1">
-                            <a:lnSpc>
-                              <a:spcPct val="100000"/>
-                            </a:lnSpc>
-                            <a:spcBef>
-                              <a:spcPts val="0"/>
-                            </a:spcBef>
-                            <a:spcAft>
-                              <a:spcPts val="0"/>
-                            </a:spcAft>
-                            <a:buClrTx/>
-                            <a:buSzTx/>
-                            <a:buFontTx/>
-                            <a:buNone/>
-                            <a:tabLst/>
-                            <a:defRPr/>
-                          </a:pPr>
-                          <a:r>
-                            <a:rPr lang="en-US" dirty="0" smtClean="0"/>
-                            <a:t>Path-reasoner</a:t>
-                          </a:r>
-                          <a:r>
-                            <a:rPr lang="en-US" baseline="0" dirty="0" smtClean="0"/>
-                            <a:t> Error</a:t>
-                          </a:r>
-                          <a:endParaRPr lang="en-US" dirty="0" smtClean="0"/>
-                        </a:p>
-                      </a:txBody>
-                      <a:tcPr/>
-                    </a:tc>
-                    <a:tc gridSpan="2">
-                      <a:txBody>
-                        <a:bodyPr/>
-                        <a:lstStyle/>
-                        <a:p>
-                          <a:pPr marL="0" marR="0" indent="0" algn="ctr" defTabSz="914400" rtl="0" eaLnBrk="1" fontAlgn="auto" latinLnBrk="0" hangingPunct="1">
-                            <a:lnSpc>
-                              <a:spcPct val="100000"/>
-                            </a:lnSpc>
-                            <a:spcBef>
-                              <a:spcPts val="0"/>
-                            </a:spcBef>
-                            <a:spcAft>
-                              <a:spcPts val="0"/>
-                            </a:spcAft>
-                            <a:buClrTx/>
-                            <a:buSzTx/>
-                            <a:buFontTx/>
-                            <a:buNone/>
-                            <a:tabLst/>
-                            <a:defRPr/>
-                          </a:pPr>
-                          <a14:m>
-                            <m:oMath xmlns:m="http://schemas.openxmlformats.org/officeDocument/2006/math">
-                              <m:r>
-                                <a:rPr lang="en-US" b="0" i="1" smtClean="0">
-                                  <a:latin typeface="Cambria Math" charset="0"/>
-                                </a:rPr>
-                                <m:t>𝑝</m:t>
-                              </m:r>
-                              <m:r>
-                                <a:rPr lang="en-US" b="0" i="1" smtClean="0">
-                                  <a:latin typeface="Cambria Math" charset="0"/>
-                                </a:rPr>
-                                <m:t>(</m:t>
-                              </m:r>
-                              <m:r>
-                                <a:rPr lang="en-US" b="0" i="1" smtClean="0">
-                                  <a:latin typeface="Cambria Math" charset="0"/>
-                                </a:rPr>
-                                <m:t>𝑟</m:t>
-                              </m:r>
-                              <m:r>
-                                <a:rPr lang="en-US" b="0" i="1" smtClean="0">
-                                  <a:latin typeface="Cambria Math" charset="0"/>
-                                </a:rPr>
-                                <m:t>|</m:t>
-                              </m:r>
-                              <m:sSup>
-                                <m:sSupPr>
-                                  <m:ctrlPr>
-                                    <a:rPr lang="en-US" b="0" i="1" smtClean="0">
-                                      <a:latin typeface="Cambria Math" charset="0"/>
-                                    </a:rPr>
-                                  </m:ctrlPr>
-                                </m:sSupPr>
-                                <m:e>
-                                  <m:r>
-                                    <a:rPr lang="en-US" b="0" i="1" smtClean="0">
-                                      <a:latin typeface="Cambria Math" charset="0"/>
-                                    </a:rPr>
-                                    <m:t>𝐿</m:t>
-                                  </m:r>
-                                </m:e>
-                                <m:sup>
-                                  <m:r>
-                                    <a:rPr lang="en-US" b="0" i="1" smtClean="0">
-                                      <a:latin typeface="Cambria Math" charset="0"/>
-                                    </a:rPr>
-                                    <m:t>+</m:t>
-                                  </m:r>
-                                </m:sup>
-                              </m:sSup>
-                              <m:r>
-                                <a:rPr lang="en-US" b="0" i="1" smtClean="0">
-                                  <a:latin typeface="Cambria Math" charset="0"/>
-                                </a:rPr>
-                                <m:t>)</m:t>
-                              </m:r>
-                            </m:oMath>
-                          </a14:m>
-                          <a:r>
-                            <a:rPr lang="en-US" baseline="0" dirty="0" smtClean="0"/>
-                            <a:t> &lt; </a:t>
-                          </a:r>
-                          <a14:m>
-                            <m:oMath xmlns:m="http://schemas.openxmlformats.org/officeDocument/2006/math">
-                              <m:r>
-                                <a:rPr lang="en-US" b="0" i="1" smtClean="0">
-                                  <a:latin typeface="Cambria Math" charset="0"/>
-                                </a:rPr>
-                                <m:t>𝑝</m:t>
-                              </m:r>
-                              <m:r>
-                                <a:rPr lang="en-US" b="0" i="1" smtClean="0">
-                                  <a:latin typeface="Cambria Math" charset="0"/>
-                                </a:rPr>
-                                <m:t>(</m:t>
-                              </m:r>
-                              <m:r>
-                                <a:rPr lang="en-US" b="0" i="1" smtClean="0">
-                                  <a:latin typeface="Cambria Math" charset="0"/>
-                                </a:rPr>
-                                <m:t>𝑟</m:t>
-                              </m:r>
-                              <m:r>
-                                <a:rPr lang="en-US" b="0" i="1" smtClean="0">
-                                  <a:latin typeface="Cambria Math" charset="0"/>
-                                </a:rPr>
-                                <m:t>|</m:t>
-                              </m:r>
-                              <m:sSup>
-                                <m:sSupPr>
-                                  <m:ctrlPr>
-                                    <a:rPr lang="en-US" b="0" i="1" smtClean="0">
-                                      <a:latin typeface="Cambria Math" charset="0"/>
-                                    </a:rPr>
-                                  </m:ctrlPr>
-                                </m:sSupPr>
-                                <m:e>
-                                  <m:r>
-                                    <a:rPr lang="en-US" b="0" i="1" smtClean="0">
-                                      <a:latin typeface="Cambria Math" charset="0"/>
-                                    </a:rPr>
-                                    <m:t>𝐿</m:t>
-                                  </m:r>
-                                </m:e>
-                                <m:sup>
-                                  <m:r>
-                                    <a:rPr lang="en-US" b="0" i="1" smtClean="0">
-                                      <a:latin typeface="Cambria Math" charset="0"/>
-                                    </a:rPr>
-                                    <m:t>−</m:t>
-                                  </m:r>
-                                </m:sup>
-                              </m:sSup>
-                              <m:r>
-                                <a:rPr lang="en-US" b="0" i="1" smtClean="0">
-                                  <a:latin typeface="Cambria Math" charset="0"/>
-                                </a:rPr>
-                                <m:t>)</m:t>
-                              </m:r>
-                            </m:oMath>
-                          </a14:m>
-                          <a:endParaRPr lang="en-US" dirty="0" smtClean="0"/>
-                        </a:p>
-                      </a:txBody>
-                      <a:tcPr/>
-                    </a:tc>
-                    <a:tc hMerge="1">
-                      <a:txBody>
-                        <a:bodyPr/>
-                        <a:lstStyle/>
-                        <a:p>
-                          <a:pPr marL="0" marR="0" indent="0" algn="ctr" defTabSz="914400" rtl="0" eaLnBrk="1" fontAlgn="auto" latinLnBrk="0" hangingPunct="1">
-                            <a:lnSpc>
-                              <a:spcPct val="100000"/>
-                            </a:lnSpc>
-                            <a:spcBef>
-                              <a:spcPts val="0"/>
-                            </a:spcBef>
-                            <a:spcAft>
-                              <a:spcPts val="0"/>
-                            </a:spcAft>
-                            <a:buClrTx/>
-                            <a:buSzTx/>
-                            <a:buFontTx/>
-                            <a:buNone/>
-                            <a:tabLst/>
-                            <a:defRPr/>
-                          </a:pPr>
-                          <a:endParaRPr lang="en-US" dirty="0" smtClean="0"/>
-                        </a:p>
-                      </a:txBody>
-                      <a:tcPr/>
-                    </a:tc>
-                  </a:tr>
-                </a:tbl>
-              </a:graphicData>
-            </a:graphic>
-          </p:graphicFrame>
-        </mc:Choice>
-        <mc:Fallback xmlns="">
-          <p:graphicFrame>
-            <p:nvGraphicFramePr>
-              <p:cNvPr id="5" name="Table 4"/>
-              <p:cNvGraphicFramePr>
-                <a:graphicFrameLocks noGrp="1"/>
-              </p:cNvGraphicFramePr>
-              <p:nvPr>
-                <p:extLst>
-                  <p:ext uri="{D42A27DB-BD31-4B8C-83A1-F6EECF244321}">
-                    <p14:modId xmlns:p14="http://schemas.microsoft.com/office/powerpoint/2010/main" val="1638251691"/>
-                  </p:ext>
-                </p:extLst>
-              </p:nvPr>
-            </p:nvGraphicFramePr>
-            <p:xfrm>
-              <a:off x="1031966" y="1420559"/>
-              <a:ext cx="6645767" cy="1463040"/>
-            </p:xfrm>
-            <a:graphic>
-              <a:graphicData uri="http://schemas.openxmlformats.org/drawingml/2006/table">
-                <a:tbl>
-                  <a:tblPr firstRow="1" bandRow="1">
-                    <a:tableStyleId>{5C22544A-7EE6-4342-B048-85BDC9FD1C3A}</a:tableStyleId>
-                  </a:tblPr>
-                  <a:tblGrid>
-                    <a:gridCol w="2194559"/>
-                    <a:gridCol w="2116183"/>
-                    <a:gridCol w="2335025"/>
-                  </a:tblGrid>
-                  <a:tr h="365760">
-                    <a:tc>
-                      <a:txBody>
-                        <a:bodyPr/>
-                        <a:lstStyle/>
-                        <a:p>
-                          <a:r>
-                            <a:rPr lang="en-US" dirty="0" smtClean="0"/>
-                            <a:t>Error Type</a:t>
-                          </a:r>
-                          <a:endParaRPr lang="en-US" dirty="0"/>
-                        </a:p>
-                      </a:txBody>
-                      <a:tcPr/>
-                    </a:tc>
-                    <a:tc>
-                      <a:txBody>
-                        <a:bodyPr/>
-                        <a:lstStyle/>
-                        <a:p>
-                          <a:r>
-                            <a:rPr lang="en-US" dirty="0" smtClean="0"/>
-                            <a:t>Positive Sample</a:t>
-                          </a:r>
-                          <a:endParaRPr lang="en-US" dirty="0"/>
-                        </a:p>
-                      </a:txBody>
-                      <a:tcPr/>
-                    </a:tc>
-                    <a:tc>
-                      <a:txBody>
-                        <a:bodyPr/>
-                        <a:lstStyle/>
-                        <a:p>
-                          <a:r>
-                            <a:rPr lang="en-US" dirty="0" smtClean="0"/>
-                            <a:t>Negative Sample</a:t>
-                          </a:r>
-                          <a:endParaRPr lang="en-US" dirty="0"/>
-                        </a:p>
-                      </a:txBody>
-                      <a:tcPr/>
-                    </a:tc>
-                  </a:tr>
-                  <a:tr h="365760">
-                    <a:tc rowSpan="2">
-                      <a:txBody>
-                        <a:bodyPr/>
-                        <a:lstStyle/>
-                        <a:p>
-                          <a:pPr algn="ctr"/>
-                          <a:r>
-                            <a:rPr lang="en-US" dirty="0" smtClean="0"/>
-                            <a:t>Path-finder</a:t>
-                          </a:r>
-                          <a:r>
-                            <a:rPr lang="en-US" baseline="0" dirty="0" smtClean="0"/>
-                            <a:t> Error</a:t>
-                          </a:r>
-                          <a:endParaRPr lang="en-US" dirty="0"/>
-                        </a:p>
-                      </a:txBody>
-                      <a:tcPr/>
-                    </a:tc>
-                    <a:tc>
-                      <a:txBody>
-                        <a:bodyPr/>
-                        <a:lstStyle/>
-                        <a:p>
-                          <a:r>
-                            <a:rPr lang="en-US" dirty="0" smtClean="0"/>
-                            <a:t>✖ (find no paths)</a:t>
-                          </a:r>
-                          <a:endParaRPr lang="en-US" dirty="0"/>
-                        </a:p>
-                      </a:txBody>
-                      <a:tcPr/>
-                    </a:tc>
-                    <a:tc>
-                      <a:txBody>
-                        <a:bodyPr/>
-                        <a:lstStyle/>
-                        <a:p>
-                          <a:pPr marL="0" marR="0" indent="0" algn="l" defTabSz="914400" rtl="0" eaLnBrk="1" fontAlgn="auto" latinLnBrk="0" hangingPunct="1">
-                            <a:lnSpc>
-                              <a:spcPct val="100000"/>
-                            </a:lnSpc>
-                            <a:spcBef>
-                              <a:spcPts val="0"/>
-                            </a:spcBef>
-                            <a:spcAft>
-                              <a:spcPts val="0"/>
-                            </a:spcAft>
-                            <a:buClrTx/>
-                            <a:buSzTx/>
-                            <a:buFontTx/>
-                            <a:buNone/>
-                            <a:tabLst/>
-                            <a:defRPr/>
-                          </a:pPr>
-                          <a:r>
-                            <a:rPr lang="en-US" dirty="0" smtClean="0"/>
-                            <a:t>✔ (find paths)</a:t>
-                          </a:r>
-                        </a:p>
-                      </a:txBody>
-                      <a:tcPr/>
-                    </a:tc>
-                  </a:tr>
-                  <a:tr h="365760">
-                    <a:tc vMerge="1">
-                      <a:txBody>
-                        <a:bodyPr/>
-                        <a:lstStyle/>
-                        <a:p>
-                          <a:endParaRPr lang="en-US" dirty="0"/>
-                        </a:p>
-                      </a:txBody>
-                      <a:tcPr/>
-                    </a:tc>
-                    <a:tc>
-                      <a:txBody>
-                        <a:bodyPr/>
-                        <a:lstStyle/>
-                        <a:p>
-                          <a:pPr marL="0" marR="0" indent="0" algn="l" defTabSz="914400" rtl="0" eaLnBrk="1" fontAlgn="auto" latinLnBrk="0" hangingPunct="1">
-                            <a:lnSpc>
-                              <a:spcPct val="100000"/>
-                            </a:lnSpc>
-                            <a:spcBef>
-                              <a:spcPts val="0"/>
-                            </a:spcBef>
-                            <a:spcAft>
-                              <a:spcPts val="0"/>
-                            </a:spcAft>
-                            <a:buClrTx/>
-                            <a:buSzTx/>
-                            <a:buFontTx/>
-                            <a:buNone/>
-                            <a:tabLst/>
-                            <a:defRPr/>
-                          </a:pPr>
-                          <a:r>
-                            <a:rPr lang="en-US" dirty="0" smtClean="0"/>
-                            <a:t>✖ (find no paths)</a:t>
-                          </a:r>
-                        </a:p>
-                      </a:txBody>
-                      <a:tcPr/>
-                    </a:tc>
-                    <a:tc>
-                      <a:txBody>
-                        <a:bodyPr/>
-                        <a:lstStyle/>
-                        <a:p>
-                          <a:pPr marL="0" marR="0" indent="0" algn="l" defTabSz="914400" rtl="0" eaLnBrk="1" fontAlgn="auto" latinLnBrk="0" hangingPunct="1">
-                            <a:lnSpc>
-                              <a:spcPct val="100000"/>
-                            </a:lnSpc>
-                            <a:spcBef>
-                              <a:spcPts val="0"/>
-                            </a:spcBef>
-                            <a:spcAft>
-                              <a:spcPts val="0"/>
-                            </a:spcAft>
-                            <a:buClrTx/>
-                            <a:buSzTx/>
-                            <a:buFontTx/>
-                            <a:buNone/>
-                            <a:tabLst/>
-                            <a:defRPr/>
-                          </a:pPr>
-                          <a:r>
-                            <a:rPr lang="en-US" dirty="0" smtClean="0"/>
-                            <a:t>✖ (find no paths)</a:t>
-                          </a:r>
-                        </a:p>
-                      </a:txBody>
-                      <a:tcPr/>
-                    </a:tc>
-                  </a:tr>
-                  <a:tr h="365760">
-                    <a:tc>
-                      <a:txBody>
-                        <a:bodyPr/>
-                        <a:lstStyle/>
-                        <a:p>
-                          <a:pPr marL="0" marR="0" indent="0" algn="ctr" defTabSz="914400" rtl="0" eaLnBrk="1" fontAlgn="auto" latinLnBrk="0" hangingPunct="1">
-                            <a:lnSpc>
-                              <a:spcPct val="100000"/>
-                            </a:lnSpc>
-                            <a:spcBef>
-                              <a:spcPts val="0"/>
-                            </a:spcBef>
-                            <a:spcAft>
-                              <a:spcPts val="0"/>
-                            </a:spcAft>
-                            <a:buClrTx/>
-                            <a:buSzTx/>
-                            <a:buFontTx/>
-                            <a:buNone/>
-                            <a:tabLst/>
-                            <a:defRPr/>
-                          </a:pPr>
-                          <a:r>
-                            <a:rPr lang="en-US" dirty="0" smtClean="0"/>
-                            <a:t>Path-reasoner</a:t>
-                          </a:r>
-                          <a:r>
-                            <a:rPr lang="en-US" baseline="0" dirty="0" smtClean="0"/>
-                            <a:t> Error</a:t>
-                          </a:r>
-                          <a:endParaRPr lang="en-US" dirty="0" smtClean="0"/>
-                        </a:p>
-                      </a:txBody>
-                      <a:tcPr/>
-                    </a:tc>
-                    <a:tc gridSpan="2">
-                      <a:txBody>
-                        <a:bodyPr/>
-                        <a:lstStyle/>
-                        <a:p>
-                          <a:endParaRPr lang="en-US"/>
-                        </a:p>
-                      </a:txBody>
-                      <a:tcPr>
-                        <a:blipFill rotWithShape="0">
-                          <a:blip r:embed="rId2"/>
-                          <a:stretch>
-                            <a:fillRect l="-49384" t="-310000" r="-547" b="-25000"/>
-                          </a:stretch>
-                        </a:blipFill>
-                      </a:tcPr>
-                    </a:tc>
-                    <a:tc hMerge="1">
-                      <a:txBody>
-                        <a:bodyPr/>
-                        <a:lstStyle/>
-                        <a:p>
-                          <a:pPr marL="0" marR="0" indent="0" algn="ctr" defTabSz="914400" rtl="0" eaLnBrk="1" fontAlgn="auto" latinLnBrk="0" hangingPunct="1">
-                            <a:lnSpc>
-                              <a:spcPct val="100000"/>
-                            </a:lnSpc>
-                            <a:spcBef>
-                              <a:spcPts val="0"/>
-                            </a:spcBef>
-                            <a:spcAft>
-                              <a:spcPts val="0"/>
-                            </a:spcAft>
-                            <a:buClrTx/>
-                            <a:buSzTx/>
-                            <a:buFontTx/>
-                            <a:buNone/>
-                            <a:tabLst/>
-                            <a:defRPr/>
-                          </a:pPr>
-                          <a:endParaRPr lang="en-US" dirty="0" smtClean="0"/>
-                        </a:p>
-                      </a:txBody>
-                      <a:tcPr/>
-                    </a:tc>
-                  </a:tr>
-                </a:tbl>
-              </a:graphicData>
-            </a:graphic>
-          </p:graphicFrame>
-        </mc:Fallback>
-      </mc:AlternateContent>
-      <p:graphicFrame>
-        <p:nvGraphicFramePr>
-          <p:cNvPr id="14" name="Content Placeholder 3"/>
-          <p:cNvGraphicFramePr>
-            <a:graphicFrameLocks/>
-          </p:cNvGraphicFramePr>
-          <p:nvPr>
-            <p:extLst>
-              <p:ext uri="{D42A27DB-BD31-4B8C-83A1-F6EECF244321}">
-                <p14:modId xmlns:p14="http://schemas.microsoft.com/office/powerpoint/2010/main" val="1185522998"/>
-              </p:ext>
-            </p:extLst>
-          </p:nvPr>
-        </p:nvGraphicFramePr>
-        <p:xfrm>
-          <a:off x="2629327" y="3188240"/>
-          <a:ext cx="3451044" cy="3046350"/>
-        </p:xfrm>
-        <a:graphic>
-          <a:graphicData uri="http://schemas.openxmlformats.org/drawingml/2006/chart">
-            <c:chart xmlns:c="http://schemas.openxmlformats.org/drawingml/2006/chart" xmlns:r="http://schemas.openxmlformats.org/officeDocument/2006/relationships" r:id="rId3"/>
-          </a:graphicData>
-        </a:graphic>
-      </p:graphicFrame>
-    </p:spTree>
-    <p:extLst>
-      <p:ext uri="{BB962C8B-B14F-4D97-AF65-F5344CB8AC3E}">
-        <p14:creationId xmlns:p14="http://schemas.microsoft.com/office/powerpoint/2010/main" val="688513463"/>
-      </p:ext>
-    </p:extLst>
-  </p:cSld>
-  <p:clrMapOvr>
-    <a:masterClrMapping/>
-  </p:clrMapOvr>
-  <p:timing>
-    <p:tnLst>
-      <p:par>
-        <p:cTn id="1" dur="indefinite" restart="never" nodeType="tmRoot">
-          <p:childTnLst>
-            <p:seq concurrent="1" nextAc="seek">
-              <p:cTn id="2" dur="indefinite" nodeType="mainSeq">
-                <p:childTnLst>
-                  <p:par>
-                    <p:cTn id="3" fill="hold">
-                      <p:stCondLst>
-                        <p:cond delay="indefinite"/>
-                      </p:stCondLst>
-                      <p:childTnLst>
-                        <p:par>
-                          <p:cTn id="4" fill="hold">
-                            <p:stCondLst>
-                              <p:cond delay="0"/>
-                            </p:stCondLst>
-                            <p:childTnLst>
-                              <p:par>
-                                <p:cTn id="5" presetID="3" presetClass="entr" presetSubtype="10" fill="hold" nodeType="clickEffect">
-                                  <p:stCondLst>
-                                    <p:cond delay="0"/>
-                                  </p:stCondLst>
-                                  <p:childTnLst>
-                                    <p:set>
-                                      <p:cBhvr>
-                                        <p:cTn id="6" dur="1" fill="hold">
-                                          <p:stCondLst>
-                                            <p:cond delay="0"/>
-                                          </p:stCondLst>
-                                        </p:cTn>
-                                        <p:tgtEl>
-                                          <p:spTgt spid="5"/>
-                                        </p:tgtEl>
-                                        <p:attrNameLst>
-                                          <p:attrName>style.visibility</p:attrName>
-                                        </p:attrNameLst>
-                                      </p:cBhvr>
-                                      <p:to>
-                                        <p:strVal val="visible"/>
-                                      </p:to>
-                                    </p:set>
-                                    <p:animEffect transition="in" filter="blinds(horizontal)">
-                                      <p:cBhvr>
-                                        <p:cTn id="7" dur="500"/>
-                                        <p:tgtEl>
-                                          <p:spTgt spid="5"/>
-                                        </p:tgtEl>
-                                      </p:cBhvr>
-                                    </p:animEffect>
-                                  </p:childTnLst>
-                                </p:cTn>
-                              </p:par>
-                            </p:childTnLst>
-                          </p:cTn>
-                        </p:par>
-                      </p:childTnLst>
-                    </p:cTn>
-                  </p:par>
-                  <p:par>
-                    <p:cTn id="8" fill="hold">
-                      <p:stCondLst>
-                        <p:cond delay="indefinite"/>
-                      </p:stCondLst>
-                      <p:childTnLst>
-                        <p:par>
-                          <p:cTn id="9" fill="hold">
-                            <p:stCondLst>
-                              <p:cond delay="0"/>
-                            </p:stCondLst>
-                            <p:childTnLst>
-                              <p:par>
-                                <p:cTn id="10" presetID="3" presetClass="entr" presetSubtype="10" fill="hold" grpId="0" nodeType="clickEffect">
-                                  <p:stCondLst>
-                                    <p:cond delay="0"/>
-                                  </p:stCondLst>
-                                  <p:childTnLst>
-                                    <p:set>
-                                      <p:cBhvr>
-                                        <p:cTn id="11" dur="1" fill="hold">
-                                          <p:stCondLst>
-                                            <p:cond delay="0"/>
-                                          </p:stCondLst>
-                                        </p:cTn>
-                                        <p:tgtEl>
-                                          <p:spTgt spid="14"/>
-                                        </p:tgtEl>
-                                        <p:attrNameLst>
-                                          <p:attrName>style.visibility</p:attrName>
-                                        </p:attrNameLst>
-                                      </p:cBhvr>
-                                      <p:to>
-                                        <p:strVal val="visible"/>
-                                      </p:to>
-                                    </p:set>
-                                    <p:animEffect transition="in" filter="blinds(horizontal)">
-                                      <p:cBhvr>
-                                        <p:cTn id="12" dur="500"/>
-                                        <p:tgtEl>
-                                          <p:spTgt spid="14"/>
-                                        </p:tgtEl>
-                                      </p:cBhvr>
-                                    </p:animEffect>
-                                  </p:childTnLst>
-                                </p:cTn>
-                              </p:par>
-                            </p:childTnLst>
-                          </p:cTn>
-                        </p:par>
-                      </p:childTnLst>
-                    </p:cTn>
-                  </p:par>
-                </p:childTnLst>
-              </p:cTn>
-              <p:prevCondLst>
-                <p:cond evt="onPrev" delay="0">
-                  <p:tgtEl>
-                    <p:sldTgt/>
-                  </p:tgtEl>
-                </p:cond>
-              </p:prevCondLst>
-              <p:nextCondLst>
-                <p:cond evt="onNext" delay="0">
-                  <p:tgtEl>
-                    <p:sldTgt/>
-                  </p:tgtEl>
-                </p:cond>
-              </p:nextCondLst>
-            </p:seq>
-          </p:childTnLst>
-        </p:cTn>
-      </p:par>
-    </p:tnLst>
-    <p:bldLst>
-      <p:bldGraphic spid="14" grpId="0">
-        <p:bldAsOne/>
-      </p:bldGraphic>
-    </p:bldLst>
-  </p:timing>
-</p:sld>
-</file>
-
-<file path=ppt/slides/slide22.xml><?xml version="1.0" encoding="utf-8"?>
-<p:sld xmlns:a="http://schemas.openxmlformats.org/drawingml/2006/main" xmlns:r="http://schemas.openxmlformats.org/officeDocument/2006/relationships" xmlns:p="http://schemas.openxmlformats.org/presentationml/2006/main">
-  <p:cSld>
-    <p:spTree>
-      <p:nvGrpSpPr>
-        <p:cNvPr id="1" name=""/>
-        <p:cNvGrpSpPr/>
-        <p:nvPr/>
-      </p:nvGrpSpPr>
-      <p:grpSpPr>
-        <a:xfrm>
-          <a:off x="0" y="0"/>
-          <a:ext cx="0" cy="0"/>
-          <a:chOff x="0" y="0"/>
-          <a:chExt cx="0" cy="0"/>
-        </a:xfrm>
-      </p:grpSpPr>
-      <p:sp>
-        <p:nvSpPr>
-          <p:cNvPr id="2" name="Title 1"/>
-          <p:cNvSpPr>
-            <a:spLocks noGrp="1"/>
-          </p:cNvSpPr>
-          <p:nvPr>
-            <p:ph type="title"/>
-          </p:nvPr>
-        </p:nvSpPr>
-        <p:spPr/>
-        <p:txBody>
-          <a:bodyPr/>
-          <a:lstStyle/>
-          <a:p>
-            <a:r>
-              <a:rPr lang="en-US" dirty="0" smtClean="0"/>
-              <a:t>Prior &amp; Posterior</a:t>
-            </a:r>
-            <a:endParaRPr lang="en-US" dirty="0"/>
-          </a:p>
-        </p:txBody>
-      </p:sp>
-      <p:sp>
-        <p:nvSpPr>
-          <p:cNvPr id="4" name="Slide Number Placeholder 3"/>
-          <p:cNvSpPr>
-            <a:spLocks noGrp="1"/>
-          </p:cNvSpPr>
-          <p:nvPr>
-            <p:ph type="sldNum" sz="quarter" idx="12"/>
-          </p:nvPr>
-        </p:nvSpPr>
-        <p:spPr/>
-        <p:txBody>
-          <a:bodyPr/>
-          <a:lstStyle/>
-          <a:p>
-            <a:fld id="{7065BB2C-E040-0B41-A79C-72407BBCFFEE}" type="slidenum">
-              <a:rPr lang="en-US" smtClean="0"/>
-              <a:t>22</a:t>
-            </a:fld>
-            <a:endParaRPr lang="en-US"/>
-          </a:p>
-        </p:txBody>
-      </p:sp>
-      <p:grpSp>
-        <p:nvGrpSpPr>
-          <p:cNvPr id="14" name="Group 13"/>
-          <p:cNvGrpSpPr/>
-          <p:nvPr/>
-        </p:nvGrpSpPr>
-        <p:grpSpPr>
-          <a:xfrm>
-            <a:off x="2312125" y="4206239"/>
-            <a:ext cx="4297680" cy="744583"/>
-            <a:chOff x="1423851" y="3487782"/>
-            <a:chExt cx="4297680" cy="744583"/>
-          </a:xfrm>
-        </p:grpSpPr>
-        <p:cxnSp>
-          <p:nvCxnSpPr>
-            <p:cNvPr id="6" name="Straight Connector 5"/>
-            <p:cNvCxnSpPr/>
-            <p:nvPr/>
-          </p:nvCxnSpPr>
-          <p:spPr>
-            <a:xfrm>
-              <a:off x="1423851" y="4232365"/>
-              <a:ext cx="4297680" cy="0"/>
-            </a:xfrm>
-            <a:prstGeom prst="line">
-              <a:avLst/>
-            </a:prstGeom>
-            <a:ln>
-              <a:solidFill>
-                <a:schemeClr val="tx1"/>
-              </a:solidFill>
-            </a:ln>
-          </p:spPr>
-          <p:style>
-            <a:lnRef idx="1">
-              <a:schemeClr val="accent1"/>
-            </a:lnRef>
-            <a:fillRef idx="0">
-              <a:schemeClr val="accent1"/>
-            </a:fillRef>
-            <a:effectRef idx="0">
-              <a:schemeClr val="accent1"/>
-            </a:effectRef>
-            <a:fontRef idx="minor">
-              <a:schemeClr val="tx1"/>
-            </a:fontRef>
-          </p:style>
-        </p:cxnSp>
-        <p:sp>
-          <p:nvSpPr>
-            <p:cNvPr id="13" name="Freeform 12"/>
-            <p:cNvSpPr/>
-            <p:nvPr/>
-          </p:nvSpPr>
-          <p:spPr>
-            <a:xfrm>
-              <a:off x="1554479" y="3487782"/>
-              <a:ext cx="4075611" cy="651483"/>
-            </a:xfrm>
-            <a:custGeom>
-              <a:avLst/>
-              <a:gdLst>
-                <a:gd name="connsiteX0" fmla="*/ 0 w 4572000"/>
-                <a:gd name="connsiteY0" fmla="*/ 966957 h 1095926"/>
-                <a:gd name="connsiteX1" fmla="*/ 535578 w 4572000"/>
-                <a:gd name="connsiteY1" fmla="*/ 326877 h 1095926"/>
-                <a:gd name="connsiteX2" fmla="*/ 849086 w 4572000"/>
-                <a:gd name="connsiteY2" fmla="*/ 26431 h 1095926"/>
-                <a:gd name="connsiteX3" fmla="*/ 1188720 w 4572000"/>
-                <a:gd name="connsiteY3" fmla="*/ 980020 h 1095926"/>
-                <a:gd name="connsiteX4" fmla="*/ 1672046 w 4572000"/>
-                <a:gd name="connsiteY4" fmla="*/ 966957 h 1095926"/>
-                <a:gd name="connsiteX5" fmla="*/ 2011680 w 4572000"/>
-                <a:gd name="connsiteY5" fmla="*/ 39494 h 1095926"/>
-                <a:gd name="connsiteX6" fmla="*/ 2508069 w 4572000"/>
-                <a:gd name="connsiteY6" fmla="*/ 771014 h 1095926"/>
-                <a:gd name="connsiteX7" fmla="*/ 2926080 w 4572000"/>
-                <a:gd name="connsiteY7" fmla="*/ 1071460 h 1095926"/>
-                <a:gd name="connsiteX8" fmla="*/ 3735978 w 4572000"/>
-                <a:gd name="connsiteY8" fmla="*/ 170123 h 1095926"/>
-                <a:gd name="connsiteX9" fmla="*/ 4036423 w 4572000"/>
-                <a:gd name="connsiteY9" fmla="*/ 183186 h 1095926"/>
-                <a:gd name="connsiteX10" fmla="*/ 4153989 w 4572000"/>
-                <a:gd name="connsiteY10" fmla="*/ 888580 h 1095926"/>
-                <a:gd name="connsiteX11" fmla="*/ 4572000 w 4572000"/>
-                <a:gd name="connsiteY11" fmla="*/ 1032271 h 1095926"/>
-              </a:gdLst>
-              <a:ahLst/>
-              <a:cxnLst>
-                <a:cxn ang="0">
-                  <a:pos x="connsiteX0" y="connsiteY0"/>
-                </a:cxn>
-                <a:cxn ang="0">
-                  <a:pos x="connsiteX1" y="connsiteY1"/>
-                </a:cxn>
-                <a:cxn ang="0">
-                  <a:pos x="connsiteX2" y="connsiteY2"/>
-                </a:cxn>
-                <a:cxn ang="0">
-                  <a:pos x="connsiteX3" y="connsiteY3"/>
-                </a:cxn>
-                <a:cxn ang="0">
-                  <a:pos x="connsiteX4" y="connsiteY4"/>
-                </a:cxn>
-                <a:cxn ang="0">
-                  <a:pos x="connsiteX5" y="connsiteY5"/>
-                </a:cxn>
-                <a:cxn ang="0">
-                  <a:pos x="connsiteX6" y="connsiteY6"/>
-                </a:cxn>
-                <a:cxn ang="0">
-                  <a:pos x="connsiteX7" y="connsiteY7"/>
-                </a:cxn>
-                <a:cxn ang="0">
-                  <a:pos x="connsiteX8" y="connsiteY8"/>
-                </a:cxn>
-                <a:cxn ang="0">
-                  <a:pos x="connsiteX9" y="connsiteY9"/>
-                </a:cxn>
-                <a:cxn ang="0">
-                  <a:pos x="connsiteX10" y="connsiteY10"/>
-                </a:cxn>
-                <a:cxn ang="0">
-                  <a:pos x="connsiteX11" y="connsiteY11"/>
-                </a:cxn>
-              </a:cxnLst>
-              <a:rect l="l" t="t" r="r" b="b"/>
-              <a:pathLst>
-                <a:path w="4572000" h="1095926">
-                  <a:moveTo>
-                    <a:pt x="0" y="966957"/>
-                  </a:moveTo>
-                  <a:cubicBezTo>
-                    <a:pt x="197032" y="725294"/>
-                    <a:pt x="394064" y="483631"/>
-                    <a:pt x="535578" y="326877"/>
-                  </a:cubicBezTo>
-                  <a:cubicBezTo>
-                    <a:pt x="677092" y="170123"/>
-                    <a:pt x="740229" y="-82426"/>
-                    <a:pt x="849086" y="26431"/>
-                  </a:cubicBezTo>
-                  <a:cubicBezTo>
-                    <a:pt x="957943" y="135288"/>
-                    <a:pt x="1051560" y="823266"/>
-                    <a:pt x="1188720" y="980020"/>
-                  </a:cubicBezTo>
-                  <a:cubicBezTo>
-                    <a:pt x="1325880" y="1136774"/>
-                    <a:pt x="1534886" y="1123711"/>
-                    <a:pt x="1672046" y="966957"/>
-                  </a:cubicBezTo>
-                  <a:cubicBezTo>
-                    <a:pt x="1809206" y="810203"/>
-                    <a:pt x="1872343" y="72151"/>
-                    <a:pt x="2011680" y="39494"/>
-                  </a:cubicBezTo>
-                  <a:cubicBezTo>
-                    <a:pt x="2151017" y="6837"/>
-                    <a:pt x="2355669" y="599020"/>
-                    <a:pt x="2508069" y="771014"/>
-                  </a:cubicBezTo>
-                  <a:cubicBezTo>
-                    <a:pt x="2660469" y="943008"/>
-                    <a:pt x="2721429" y="1171608"/>
-                    <a:pt x="2926080" y="1071460"/>
-                  </a:cubicBezTo>
-                  <a:cubicBezTo>
-                    <a:pt x="3130731" y="971312"/>
-                    <a:pt x="3550921" y="318169"/>
-                    <a:pt x="3735978" y="170123"/>
-                  </a:cubicBezTo>
-                  <a:cubicBezTo>
-                    <a:pt x="3921035" y="22077"/>
-                    <a:pt x="3966755" y="63443"/>
-                    <a:pt x="4036423" y="183186"/>
-                  </a:cubicBezTo>
-                  <a:cubicBezTo>
-                    <a:pt x="4106091" y="302929"/>
-                    <a:pt x="4064726" y="747066"/>
-                    <a:pt x="4153989" y="888580"/>
-                  </a:cubicBezTo>
-                  <a:cubicBezTo>
-                    <a:pt x="4243252" y="1030094"/>
-                    <a:pt x="4423955" y="997437"/>
-                    <a:pt x="4572000" y="1032271"/>
-                  </a:cubicBezTo>
-                </a:path>
-              </a:pathLst>
-            </a:custGeom>
-            <a:noFill/>
-            <a:ln>
-              <a:solidFill>
-                <a:schemeClr val="tx1"/>
-              </a:solidFill>
-            </a:ln>
-          </p:spPr>
-          <p:style>
-            <a:lnRef idx="2">
-              <a:schemeClr val="accent1">
-                <a:shade val="50000"/>
-              </a:schemeClr>
-            </a:lnRef>
-            <a:fillRef idx="1">
-              <a:schemeClr val="accent1"/>
-            </a:fillRef>
-            <a:effectRef idx="0">
-              <a:schemeClr val="accent1"/>
-            </a:effectRef>
-            <a:fontRef idx="minor">
-              <a:schemeClr val="lt1"/>
-            </a:fontRef>
-          </p:style>
-          <p:txBody>
-            <a:bodyPr rtlCol="0" anchor="ctr"/>
-            <a:lstStyle/>
-            <a:p>
-              <a:pPr algn="ctr"/>
-              <a:endParaRPr lang="en-US"/>
-            </a:p>
-          </p:txBody>
-        </p:sp>
-      </p:grpSp>
-      <p:cxnSp>
-        <p:nvCxnSpPr>
-          <p:cNvPr id="19" name="Straight Connector 18"/>
-          <p:cNvCxnSpPr/>
-          <p:nvPr/>
-        </p:nvCxnSpPr>
-        <p:spPr>
-          <a:xfrm>
-            <a:off x="2312125" y="2764970"/>
-            <a:ext cx="4297680" cy="0"/>
-          </a:xfrm>
-          <a:prstGeom prst="line">
-            <a:avLst/>
-          </a:prstGeom>
-          <a:ln>
-            <a:solidFill>
-              <a:schemeClr val="tx1"/>
-            </a:solidFill>
-          </a:ln>
-        </p:spPr>
-        <p:style>
-          <a:lnRef idx="1">
-            <a:schemeClr val="accent1"/>
-          </a:lnRef>
-          <a:fillRef idx="0">
-            <a:schemeClr val="accent1"/>
-          </a:fillRef>
-          <a:effectRef idx="0">
-            <a:schemeClr val="accent1"/>
-          </a:effectRef>
-          <a:fontRef idx="minor">
-            <a:schemeClr val="tx1"/>
-          </a:fontRef>
-        </p:style>
-      </p:cxnSp>
-      <p:sp>
-        <p:nvSpPr>
-          <p:cNvPr id="20" name="Freeform 19"/>
-          <p:cNvSpPr/>
-          <p:nvPr/>
-        </p:nvSpPr>
-        <p:spPr>
-          <a:xfrm>
-            <a:off x="2455817" y="1523429"/>
-            <a:ext cx="822960" cy="1230221"/>
-          </a:xfrm>
-          <a:custGeom>
-            <a:avLst/>
-            <a:gdLst>
-              <a:gd name="connsiteX0" fmla="*/ 0 w 822960"/>
-              <a:gd name="connsiteY0" fmla="*/ 1154457 h 1230221"/>
-              <a:gd name="connsiteX1" fmla="*/ 156754 w 822960"/>
-              <a:gd name="connsiteY1" fmla="*/ 1049954 h 1230221"/>
-              <a:gd name="connsiteX2" fmla="*/ 431074 w 822960"/>
-              <a:gd name="connsiteY2" fmla="*/ 279245 h 1230221"/>
-              <a:gd name="connsiteX3" fmla="*/ 600892 w 822960"/>
-              <a:gd name="connsiteY3" fmla="*/ 44114 h 1230221"/>
-              <a:gd name="connsiteX4" fmla="*/ 627017 w 822960"/>
-              <a:gd name="connsiteY4" fmla="*/ 1089142 h 1230221"/>
-              <a:gd name="connsiteX5" fmla="*/ 822960 w 822960"/>
-              <a:gd name="connsiteY5" fmla="*/ 1219771 h 1230221"/>
-            </a:gdLst>
-            <a:ahLst/>
-            <a:cxnLst>
-              <a:cxn ang="0">
-                <a:pos x="connsiteX0" y="connsiteY0"/>
-              </a:cxn>
-              <a:cxn ang="0">
-                <a:pos x="connsiteX1" y="connsiteY1"/>
-              </a:cxn>
-              <a:cxn ang="0">
-                <a:pos x="connsiteX2" y="connsiteY2"/>
-              </a:cxn>
-              <a:cxn ang="0">
-                <a:pos x="connsiteX3" y="connsiteY3"/>
-              </a:cxn>
-              <a:cxn ang="0">
-                <a:pos x="connsiteX4" y="connsiteY4"/>
-              </a:cxn>
-              <a:cxn ang="0">
-                <a:pos x="connsiteX5" y="connsiteY5"/>
-              </a:cxn>
-            </a:cxnLst>
-            <a:rect l="l" t="t" r="r" b="b"/>
-            <a:pathLst>
-              <a:path w="822960" h="1230221">
-                <a:moveTo>
-                  <a:pt x="0" y="1154457"/>
-                </a:moveTo>
-                <a:cubicBezTo>
-                  <a:pt x="42454" y="1175140"/>
-                  <a:pt x="84908" y="1195823"/>
-                  <a:pt x="156754" y="1049954"/>
-                </a:cubicBezTo>
-                <a:cubicBezTo>
-                  <a:pt x="228600" y="904085"/>
-                  <a:pt x="357051" y="446885"/>
-                  <a:pt x="431074" y="279245"/>
-                </a:cubicBezTo>
-                <a:cubicBezTo>
-                  <a:pt x="505097" y="111605"/>
-                  <a:pt x="568235" y="-90869"/>
-                  <a:pt x="600892" y="44114"/>
-                </a:cubicBezTo>
-                <a:cubicBezTo>
-                  <a:pt x="633549" y="179097"/>
-                  <a:pt x="590006" y="893199"/>
-                  <a:pt x="627017" y="1089142"/>
-                </a:cubicBezTo>
-                <a:cubicBezTo>
-                  <a:pt x="664028" y="1285085"/>
-                  <a:pt x="822960" y="1219771"/>
-                  <a:pt x="822960" y="1219771"/>
-                </a:cubicBezTo>
-              </a:path>
-            </a:pathLst>
-          </a:custGeom>
-          <a:noFill/>
-          <a:ln>
-            <a:solidFill>
-              <a:schemeClr val="tx1"/>
-            </a:solidFill>
-          </a:ln>
-        </p:spPr>
-        <p:style>
-          <a:lnRef idx="2">
-            <a:schemeClr val="accent1">
-              <a:shade val="50000"/>
-            </a:schemeClr>
-          </a:lnRef>
-          <a:fillRef idx="1">
-            <a:schemeClr val="accent1"/>
-          </a:fillRef>
-          <a:effectRef idx="0">
-            <a:schemeClr val="accent1"/>
-          </a:effectRef>
-          <a:fontRef idx="minor">
-            <a:schemeClr val="lt1"/>
-          </a:fontRef>
-        </p:style>
-        <p:txBody>
-          <a:bodyPr rtlCol="0" anchor="ctr"/>
-          <a:lstStyle/>
-          <a:p>
-            <a:pPr algn="ctr"/>
-            <a:endParaRPr lang="en-US"/>
-          </a:p>
-        </p:txBody>
-      </p:sp>
-      <p:sp>
-        <p:nvSpPr>
-          <p:cNvPr id="21" name="Freeform 20"/>
-          <p:cNvSpPr/>
-          <p:nvPr/>
-        </p:nvSpPr>
-        <p:spPr>
-          <a:xfrm>
-            <a:off x="3749040" y="1534749"/>
-            <a:ext cx="822960" cy="1230221"/>
-          </a:xfrm>
-          <a:custGeom>
-            <a:avLst/>
-            <a:gdLst>
-              <a:gd name="connsiteX0" fmla="*/ 0 w 822960"/>
-              <a:gd name="connsiteY0" fmla="*/ 1154457 h 1230221"/>
-              <a:gd name="connsiteX1" fmla="*/ 156754 w 822960"/>
-              <a:gd name="connsiteY1" fmla="*/ 1049954 h 1230221"/>
-              <a:gd name="connsiteX2" fmla="*/ 431074 w 822960"/>
-              <a:gd name="connsiteY2" fmla="*/ 279245 h 1230221"/>
-              <a:gd name="connsiteX3" fmla="*/ 600892 w 822960"/>
-              <a:gd name="connsiteY3" fmla="*/ 44114 h 1230221"/>
-              <a:gd name="connsiteX4" fmla="*/ 627017 w 822960"/>
-              <a:gd name="connsiteY4" fmla="*/ 1089142 h 1230221"/>
-              <a:gd name="connsiteX5" fmla="*/ 822960 w 822960"/>
-              <a:gd name="connsiteY5" fmla="*/ 1219771 h 1230221"/>
-            </a:gdLst>
-            <a:ahLst/>
-            <a:cxnLst>
-              <a:cxn ang="0">
-                <a:pos x="connsiteX0" y="connsiteY0"/>
-              </a:cxn>
-              <a:cxn ang="0">
-                <a:pos x="connsiteX1" y="connsiteY1"/>
-              </a:cxn>
-              <a:cxn ang="0">
-                <a:pos x="connsiteX2" y="connsiteY2"/>
-              </a:cxn>
-              <a:cxn ang="0">
-                <a:pos x="connsiteX3" y="connsiteY3"/>
-              </a:cxn>
-              <a:cxn ang="0">
-                <a:pos x="connsiteX4" y="connsiteY4"/>
-              </a:cxn>
-              <a:cxn ang="0">
-                <a:pos x="connsiteX5" y="connsiteY5"/>
-              </a:cxn>
-            </a:cxnLst>
-            <a:rect l="l" t="t" r="r" b="b"/>
-            <a:pathLst>
-              <a:path w="822960" h="1230221">
-                <a:moveTo>
-                  <a:pt x="0" y="1154457"/>
-                </a:moveTo>
-                <a:cubicBezTo>
-                  <a:pt x="42454" y="1175140"/>
-                  <a:pt x="84908" y="1195823"/>
-                  <a:pt x="156754" y="1049954"/>
-                </a:cubicBezTo>
-                <a:cubicBezTo>
-                  <a:pt x="228600" y="904085"/>
-                  <a:pt x="357051" y="446885"/>
-                  <a:pt x="431074" y="279245"/>
-                </a:cubicBezTo>
-                <a:cubicBezTo>
-                  <a:pt x="505097" y="111605"/>
-                  <a:pt x="568235" y="-90869"/>
-                  <a:pt x="600892" y="44114"/>
-                </a:cubicBezTo>
-                <a:cubicBezTo>
-                  <a:pt x="633549" y="179097"/>
-                  <a:pt x="590006" y="893199"/>
-                  <a:pt x="627017" y="1089142"/>
-                </a:cubicBezTo>
-                <a:cubicBezTo>
-                  <a:pt x="664028" y="1285085"/>
-                  <a:pt x="822960" y="1219771"/>
-                  <a:pt x="822960" y="1219771"/>
-                </a:cubicBezTo>
-              </a:path>
-            </a:pathLst>
-          </a:custGeom>
-          <a:noFill/>
-          <a:ln>
-            <a:solidFill>
-              <a:schemeClr val="tx1"/>
-            </a:solidFill>
-          </a:ln>
-        </p:spPr>
-        <p:style>
-          <a:lnRef idx="2">
-            <a:schemeClr val="accent1">
-              <a:shade val="50000"/>
-            </a:schemeClr>
-          </a:lnRef>
-          <a:fillRef idx="1">
-            <a:schemeClr val="accent1"/>
-          </a:fillRef>
-          <a:effectRef idx="0">
-            <a:schemeClr val="accent1"/>
-          </a:effectRef>
-          <a:fontRef idx="minor">
-            <a:schemeClr val="lt1"/>
-          </a:fontRef>
-        </p:style>
-        <p:txBody>
-          <a:bodyPr rtlCol="0" anchor="ctr"/>
-          <a:lstStyle/>
-          <a:p>
-            <a:pPr algn="ctr"/>
-            <a:endParaRPr lang="en-US"/>
-          </a:p>
-        </p:txBody>
-      </p:sp>
-      <p:sp>
-        <p:nvSpPr>
-          <p:cNvPr id="22" name="Freeform 21"/>
-          <p:cNvSpPr/>
-          <p:nvPr/>
-        </p:nvSpPr>
-        <p:spPr>
-          <a:xfrm>
-            <a:off x="5634990" y="1534749"/>
-            <a:ext cx="822960" cy="1230221"/>
-          </a:xfrm>
-          <a:custGeom>
-            <a:avLst/>
-            <a:gdLst>
-              <a:gd name="connsiteX0" fmla="*/ 0 w 822960"/>
-              <a:gd name="connsiteY0" fmla="*/ 1154457 h 1230221"/>
-              <a:gd name="connsiteX1" fmla="*/ 156754 w 822960"/>
-              <a:gd name="connsiteY1" fmla="*/ 1049954 h 1230221"/>
-              <a:gd name="connsiteX2" fmla="*/ 431074 w 822960"/>
-              <a:gd name="connsiteY2" fmla="*/ 279245 h 1230221"/>
-              <a:gd name="connsiteX3" fmla="*/ 600892 w 822960"/>
-              <a:gd name="connsiteY3" fmla="*/ 44114 h 1230221"/>
-              <a:gd name="connsiteX4" fmla="*/ 627017 w 822960"/>
-              <a:gd name="connsiteY4" fmla="*/ 1089142 h 1230221"/>
-              <a:gd name="connsiteX5" fmla="*/ 822960 w 822960"/>
-              <a:gd name="connsiteY5" fmla="*/ 1219771 h 1230221"/>
-            </a:gdLst>
-            <a:ahLst/>
-            <a:cxnLst>
-              <a:cxn ang="0">
-                <a:pos x="connsiteX0" y="connsiteY0"/>
-              </a:cxn>
-              <a:cxn ang="0">
-                <a:pos x="connsiteX1" y="connsiteY1"/>
-              </a:cxn>
-              <a:cxn ang="0">
-                <a:pos x="connsiteX2" y="connsiteY2"/>
-              </a:cxn>
-              <a:cxn ang="0">
-                <a:pos x="connsiteX3" y="connsiteY3"/>
-              </a:cxn>
-              <a:cxn ang="0">
-                <a:pos x="connsiteX4" y="connsiteY4"/>
-              </a:cxn>
-              <a:cxn ang="0">
-                <a:pos x="connsiteX5" y="connsiteY5"/>
-              </a:cxn>
-            </a:cxnLst>
-            <a:rect l="l" t="t" r="r" b="b"/>
-            <a:pathLst>
-              <a:path w="822960" h="1230221">
-                <a:moveTo>
-                  <a:pt x="0" y="1154457"/>
-                </a:moveTo>
-                <a:cubicBezTo>
-                  <a:pt x="42454" y="1175140"/>
-                  <a:pt x="84908" y="1195823"/>
-                  <a:pt x="156754" y="1049954"/>
-                </a:cubicBezTo>
-                <a:cubicBezTo>
-                  <a:pt x="228600" y="904085"/>
-                  <a:pt x="357051" y="446885"/>
-                  <a:pt x="431074" y="279245"/>
-                </a:cubicBezTo>
-                <a:cubicBezTo>
-                  <a:pt x="505097" y="111605"/>
-                  <a:pt x="568235" y="-90869"/>
-                  <a:pt x="600892" y="44114"/>
-                </a:cubicBezTo>
-                <a:cubicBezTo>
-                  <a:pt x="633549" y="179097"/>
-                  <a:pt x="590006" y="893199"/>
-                  <a:pt x="627017" y="1089142"/>
-                </a:cubicBezTo>
-                <a:cubicBezTo>
-                  <a:pt x="664028" y="1285085"/>
-                  <a:pt x="822960" y="1219771"/>
-                  <a:pt x="822960" y="1219771"/>
-                </a:cubicBezTo>
-              </a:path>
-            </a:pathLst>
-          </a:custGeom>
-          <a:noFill/>
-          <a:ln>
-            <a:solidFill>
-              <a:schemeClr val="tx1"/>
-            </a:solidFill>
-          </a:ln>
-        </p:spPr>
-        <p:style>
-          <a:lnRef idx="2">
-            <a:schemeClr val="accent1">
-              <a:shade val="50000"/>
-            </a:schemeClr>
-          </a:lnRef>
-          <a:fillRef idx="1">
-            <a:schemeClr val="accent1"/>
-          </a:fillRef>
-          <a:effectRef idx="0">
-            <a:schemeClr val="accent1"/>
-          </a:effectRef>
-          <a:fontRef idx="minor">
-            <a:schemeClr val="lt1"/>
-          </a:fontRef>
-        </p:style>
-        <p:txBody>
-          <a:bodyPr rtlCol="0" anchor="ctr"/>
-          <a:lstStyle/>
-          <a:p>
-            <a:pPr algn="ctr"/>
-            <a:endParaRPr lang="en-US"/>
-          </a:p>
-        </p:txBody>
-      </p:sp>
-      <p:sp>
-        <p:nvSpPr>
-          <p:cNvPr id="23" name="TextBox 22"/>
-          <p:cNvSpPr txBox="1"/>
-          <p:nvPr/>
-        </p:nvSpPr>
-        <p:spPr>
-          <a:xfrm>
-            <a:off x="251764" y="1984022"/>
-            <a:ext cx="2174763" cy="369332"/>
-          </a:xfrm>
-          <a:prstGeom prst="rect">
-            <a:avLst/>
-          </a:prstGeom>
-          <a:noFill/>
-        </p:spPr>
-        <p:txBody>
-          <a:bodyPr wrap="none" rtlCol="0">
-            <a:spAutoFit/>
-          </a:bodyPr>
-          <a:lstStyle/>
-          <a:p>
-            <a:r>
-              <a:rPr lang="en-US" smtClean="0"/>
-              <a:t>Posterior distribution</a:t>
-            </a:r>
-            <a:endParaRPr lang="en-US" dirty="0"/>
-          </a:p>
-        </p:txBody>
-      </p:sp>
-      <p:sp>
-        <p:nvSpPr>
-          <p:cNvPr id="24" name="TextBox 23"/>
-          <p:cNvSpPr txBox="1"/>
-          <p:nvPr/>
-        </p:nvSpPr>
-        <p:spPr>
-          <a:xfrm>
-            <a:off x="2593728" y="2806872"/>
-            <a:ext cx="547137" cy="369332"/>
-          </a:xfrm>
-          <a:prstGeom prst="rect">
-            <a:avLst/>
-          </a:prstGeom>
-          <a:noFill/>
-        </p:spPr>
-        <p:txBody>
-          <a:bodyPr wrap="none" rtlCol="0">
-            <a:spAutoFit/>
-          </a:bodyPr>
-          <a:lstStyle/>
-          <a:p>
-            <a:r>
-              <a:rPr lang="en-US" smtClean="0"/>
-              <a:t>rel1</a:t>
-            </a:r>
-            <a:endParaRPr lang="en-US"/>
-          </a:p>
-        </p:txBody>
-      </p:sp>
-      <p:sp>
-        <p:nvSpPr>
-          <p:cNvPr id="25" name="TextBox 24"/>
-          <p:cNvSpPr txBox="1"/>
-          <p:nvPr/>
-        </p:nvSpPr>
-        <p:spPr>
-          <a:xfrm>
-            <a:off x="3886951" y="2806872"/>
-            <a:ext cx="547137" cy="369332"/>
-          </a:xfrm>
-          <a:prstGeom prst="rect">
-            <a:avLst/>
-          </a:prstGeom>
-          <a:noFill/>
-        </p:spPr>
-        <p:txBody>
-          <a:bodyPr wrap="none" rtlCol="0">
-            <a:spAutoFit/>
-          </a:bodyPr>
-          <a:lstStyle/>
-          <a:p>
-            <a:r>
-              <a:rPr lang="en-US" smtClean="0"/>
-              <a:t>rel2</a:t>
-            </a:r>
-            <a:endParaRPr lang="en-US"/>
-          </a:p>
-        </p:txBody>
-      </p:sp>
-      <p:sp>
-        <p:nvSpPr>
-          <p:cNvPr id="26" name="TextBox 25"/>
-          <p:cNvSpPr txBox="1"/>
-          <p:nvPr/>
-        </p:nvSpPr>
-        <p:spPr>
-          <a:xfrm>
-            <a:off x="5772901" y="2800711"/>
-            <a:ext cx="547137" cy="369332"/>
-          </a:xfrm>
-          <a:prstGeom prst="rect">
-            <a:avLst/>
-          </a:prstGeom>
-          <a:noFill/>
-        </p:spPr>
-        <p:txBody>
-          <a:bodyPr wrap="none" rtlCol="0">
-            <a:spAutoFit/>
-          </a:bodyPr>
-          <a:lstStyle/>
-          <a:p>
-            <a:r>
-              <a:rPr lang="en-US" dirty="0" smtClean="0"/>
-              <a:t>rel3</a:t>
-            </a:r>
-            <a:endParaRPr lang="en-US" dirty="0"/>
-          </a:p>
-        </p:txBody>
-      </p:sp>
-      <p:sp>
-        <p:nvSpPr>
-          <p:cNvPr id="27" name="TextBox 26"/>
-          <p:cNvSpPr txBox="1"/>
-          <p:nvPr/>
-        </p:nvSpPr>
-        <p:spPr>
-          <a:xfrm>
-            <a:off x="303710" y="4489017"/>
-            <a:ext cx="1780296" cy="369332"/>
-          </a:xfrm>
-          <a:prstGeom prst="rect">
-            <a:avLst/>
-          </a:prstGeom>
-          <a:noFill/>
-        </p:spPr>
-        <p:txBody>
-          <a:bodyPr wrap="none" rtlCol="0">
-            <a:spAutoFit/>
-          </a:bodyPr>
-          <a:lstStyle/>
-          <a:p>
-            <a:r>
-              <a:rPr lang="en-US" smtClean="0"/>
-              <a:t>Prior distribution</a:t>
-            </a:r>
-            <a:endParaRPr lang="en-US" dirty="0"/>
-          </a:p>
-        </p:txBody>
-      </p:sp>
-      <p:sp>
-        <p:nvSpPr>
-          <p:cNvPr id="28" name="TextBox 27"/>
-          <p:cNvSpPr txBox="1"/>
-          <p:nvPr/>
-        </p:nvSpPr>
-        <p:spPr>
-          <a:xfrm>
-            <a:off x="6656899" y="2546425"/>
-            <a:ext cx="282450" cy="369332"/>
-          </a:xfrm>
-          <a:prstGeom prst="rect">
-            <a:avLst/>
-          </a:prstGeom>
-          <a:noFill/>
-        </p:spPr>
-        <p:txBody>
-          <a:bodyPr wrap="none" rtlCol="0">
-            <a:spAutoFit/>
-          </a:bodyPr>
-          <a:lstStyle/>
-          <a:p>
-            <a:r>
-              <a:rPr lang="en-US" dirty="0" smtClean="0"/>
-              <a:t>L</a:t>
-            </a:r>
-            <a:endParaRPr lang="en-US" dirty="0"/>
-          </a:p>
-        </p:txBody>
-      </p:sp>
-      <p:sp>
-        <p:nvSpPr>
-          <p:cNvPr id="29" name="TextBox 28"/>
-          <p:cNvSpPr txBox="1"/>
-          <p:nvPr/>
-        </p:nvSpPr>
-        <p:spPr>
-          <a:xfrm>
-            <a:off x="6667776" y="4766156"/>
-            <a:ext cx="282450" cy="369332"/>
-          </a:xfrm>
-          <a:prstGeom prst="rect">
-            <a:avLst/>
-          </a:prstGeom>
-          <a:noFill/>
-        </p:spPr>
-        <p:txBody>
-          <a:bodyPr wrap="none" rtlCol="0">
-            <a:spAutoFit/>
-          </a:bodyPr>
-          <a:lstStyle/>
-          <a:p>
-            <a:r>
-              <a:rPr lang="en-US" smtClean="0"/>
-              <a:t>L</a:t>
-            </a:r>
-            <a:endParaRPr lang="en-US"/>
-          </a:p>
-        </p:txBody>
-      </p:sp>
-    </p:spTree>
-    <p:extLst>
-      <p:ext uri="{BB962C8B-B14F-4D97-AF65-F5344CB8AC3E}">
-        <p14:creationId xmlns:p14="http://schemas.microsoft.com/office/powerpoint/2010/main" val="485255185"/>
-      </p:ext>
-    </p:extLst>
-  </p:cSld>
-  <p:clrMapOvr>
-    <a:masterClrMapping/>
-  </p:clrMapOvr>
-  <p:timing>
-    <p:tnLst>
-      <p:par>
-        <p:cTn id="1" dur="indefinite" restart="never" nodeType="tmRoot"/>
-      </p:par>
-    </p:tnLst>
-  </p:timing>
-</p:sld>
-</file>
-
-<file path=ppt/slides/slide3.xml><?xml version="1.0" encoding="utf-8"?>
+<file path=ppt/slides/slide4.xml><?xml version="1.0" encoding="utf-8"?>
 <p:sld xmlns:a="http://schemas.openxmlformats.org/drawingml/2006/main" xmlns:r="http://schemas.openxmlformats.org/officeDocument/2006/relationships" xmlns:p="http://schemas.openxmlformats.org/presentationml/2006/main">
   <p:cSld>
     <p:spTree>
@@ -34045,7 +34980,7 @@
           <a:p>
             <a:fld id="{7065BB2C-E040-0B41-A79C-72407BBCFFEE}" type="slidenum">
               <a:rPr lang="en-US" smtClean="0"/>
-              <a:t>3</a:t>
+              <a:t>4</a:t>
             </a:fld>
             <a:endParaRPr lang="en-US"/>
           </a:p>
@@ -35431,7 +36366,7 @@
 </p:sld>
 </file>
 
-<file path=ppt/slides/slide4.xml><?xml version="1.0" encoding="utf-8"?>
+<file path=ppt/slides/slide5.xml><?xml version="1.0" encoding="utf-8"?>
 <p:sld xmlns:a="http://schemas.openxmlformats.org/drawingml/2006/main" xmlns:r="http://schemas.openxmlformats.org/officeDocument/2006/relationships" xmlns:p="http://schemas.openxmlformats.org/presentationml/2006/main">
   <p:cSld>
     <p:spTree>
@@ -35522,7 +36457,7 @@
           <a:p>
             <a:fld id="{7065BB2C-E040-0B41-A79C-72407BBCFFEE}" type="slidenum">
               <a:rPr lang="en-US" smtClean="0"/>
-              <a:t>4</a:t>
+              <a:t>5</a:t>
             </a:fld>
             <a:endParaRPr lang="en-US"/>
           </a:p>
@@ -36274,7 +37209,7 @@
 </p:sld>
 </file>
 
-<file path=ppt/slides/slide5.xml><?xml version="1.0" encoding="utf-8"?>
+<file path=ppt/slides/slide6.xml><?xml version="1.0" encoding="utf-8"?>
 <p:sld xmlns:a="http://schemas.openxmlformats.org/drawingml/2006/main" xmlns:r="http://schemas.openxmlformats.org/officeDocument/2006/relationships" xmlns:p="http://schemas.openxmlformats.org/presentationml/2006/main">
   <p:cSld>
     <p:spTree>
@@ -36518,7 +37453,7 @@
           <a:p>
             <a:fld id="{7065BB2C-E040-0B41-A79C-72407BBCFFEE}" type="slidenum">
               <a:rPr lang="en-US" smtClean="0"/>
-              <a:t>5</a:t>
+              <a:t>6</a:t>
             </a:fld>
             <a:endParaRPr lang="en-US"/>
           </a:p>
@@ -37076,7 +38011,7 @@
 </p:sld>
 </file>
 
-<file path=ppt/slides/slide6.xml><?xml version="1.0" encoding="utf-8"?>
+<file path=ppt/slides/slide7.xml><?xml version="1.0" encoding="utf-8"?>
 <p:sld xmlns:a="http://schemas.openxmlformats.org/drawingml/2006/main" xmlns:r="http://schemas.openxmlformats.org/officeDocument/2006/relationships" xmlns:p="http://schemas.openxmlformats.org/presentationml/2006/main">
   <p:cSld>
     <p:spTree>
@@ -37142,7 +38077,7 @@
           <a:p>
             <a:fld id="{7065BB2C-E040-0B41-A79C-72407BBCFFEE}" type="slidenum">
               <a:rPr lang="en-US" smtClean="0"/>
-              <a:t>6</a:t>
+              <a:t>7</a:t>
             </a:fld>
             <a:endParaRPr lang="en-US"/>
           </a:p>
@@ -40624,7 +41559,7 @@
 </p:sld>
 </file>
 
-<file path=ppt/slides/slide7.xml><?xml version="1.0" encoding="utf-8"?>
+<file path=ppt/slides/slide8.xml><?xml version="1.0" encoding="utf-8"?>
 <p:sld xmlns:a="http://schemas.openxmlformats.org/drawingml/2006/main" xmlns:r="http://schemas.openxmlformats.org/officeDocument/2006/relationships" xmlns:p="http://schemas.openxmlformats.org/presentationml/2006/main">
   <p:cSld>
     <p:spTree>
@@ -40693,7 +41628,11 @@
             </a:r>
             <a:r>
               <a:rPr lang="en-US" dirty="0" smtClean="0"/>
-              <a:t>methods: approximating intractable</a:t>
+              <a:t>methods: </a:t>
+            </a:r>
+            <a:r>
+              <a:rPr lang="en-US" dirty="0" smtClean="0"/>
+              <a:t>optimizing intractable</a:t>
             </a:r>
             <a:r>
               <a:rPr lang="en-US" dirty="0"/>
@@ -40735,7 +41674,7 @@
           <a:p>
             <a:fld id="{7065BB2C-E040-0B41-A79C-72407BBCFFEE}" type="slidenum">
               <a:rPr lang="en-US" smtClean="0"/>
-              <a:t>7</a:t>
+              <a:t>8</a:t>
             </a:fld>
             <a:endParaRPr lang="en-US"/>
           </a:p>
@@ -41678,7 +42617,7 @@
 </p:sld>
 </file>
 
-<file path=ppt/slides/slide8.xml><?xml version="1.0" encoding="utf-8"?>
+<file path=ppt/slides/slide9.xml><?xml version="1.0" encoding="utf-8"?>
 <p:sld xmlns:a="http://schemas.openxmlformats.org/drawingml/2006/main" xmlns:r="http://schemas.openxmlformats.org/officeDocument/2006/relationships" xmlns:p="http://schemas.openxmlformats.org/presentationml/2006/main">
   <p:cSld>
     <p:spTree>
@@ -41774,7 +42713,7 @@
           <a:p>
             <a:fld id="{7065BB2C-E040-0B41-A79C-72407BBCFFEE}" type="slidenum">
               <a:rPr lang="en-US" smtClean="0"/>
-              <a:t>8</a:t>
+              <a:t>9</a:t>
             </a:fld>
             <a:endParaRPr lang="en-US"/>
           </a:p>
@@ -42236,776 +43175,6 @@
       <p:bldP spid="8" grpId="0"/>
       <p:bldP spid="9" grpId="0"/>
     </p:bldLst>
-  </p:timing>
-</p:sld>
-</file>
-
-<file path=ppt/slides/slide9.xml><?xml version="1.0" encoding="utf-8"?>
-<p:sld xmlns:a="http://schemas.openxmlformats.org/drawingml/2006/main" xmlns:r="http://schemas.openxmlformats.org/officeDocument/2006/relationships" xmlns:p="http://schemas.openxmlformats.org/presentationml/2006/main">
-  <p:cSld>
-    <p:spTree>
-      <p:nvGrpSpPr>
-        <p:cNvPr id="1" name=""/>
-        <p:cNvGrpSpPr/>
-        <p:nvPr/>
-      </p:nvGrpSpPr>
-      <p:grpSpPr>
-        <a:xfrm>
-          <a:off x="0" y="0"/>
-          <a:ext cx="0" cy="0"/>
-          <a:chOff x="0" y="0"/>
-          <a:chExt cx="0" cy="0"/>
-        </a:xfrm>
-      </p:grpSpPr>
-      <p:sp>
-        <p:nvSpPr>
-          <p:cNvPr id="2" name="Title 1"/>
-          <p:cNvSpPr>
-            <a:spLocks noGrp="1"/>
-          </p:cNvSpPr>
-          <p:nvPr>
-            <p:ph type="title"/>
-          </p:nvPr>
-        </p:nvSpPr>
-        <p:spPr/>
-        <p:txBody>
-          <a:bodyPr/>
-          <a:lstStyle/>
-          <a:p>
-            <a:r>
-              <a:rPr lang="en-US" dirty="0" smtClean="0"/>
-              <a:t>Challenge of VAE in KG</a:t>
-            </a:r>
-            <a:endParaRPr lang="en-US" dirty="0"/>
-          </a:p>
-        </p:txBody>
-      </p:sp>
-      <p:sp>
-        <p:nvSpPr>
-          <p:cNvPr id="3" name="Content Placeholder 2"/>
-          <p:cNvSpPr>
-            <a:spLocks noGrp="1"/>
-          </p:cNvSpPr>
-          <p:nvPr>
-            <p:ph idx="1"/>
-          </p:nvPr>
-        </p:nvSpPr>
-        <p:spPr/>
-        <p:txBody>
-          <a:bodyPr>
-            <a:normAutofit/>
-          </a:bodyPr>
-          <a:lstStyle/>
-          <a:p>
-            <a:r>
-              <a:rPr lang="en-US" dirty="0" smtClean="0"/>
-              <a:t>Existing VAE methods only consider continuous latent vectors:</a:t>
-            </a:r>
-          </a:p>
-          <a:p>
-            <a:pPr lvl="1"/>
-            <a:r>
-              <a:rPr lang="en-US" dirty="0" smtClean="0"/>
-              <a:t>NLP applications:</a:t>
-            </a:r>
-          </a:p>
-          <a:p>
-            <a:pPr lvl="2"/>
-            <a:r>
-              <a:rPr lang="en-US" dirty="0" smtClean="0"/>
-              <a:t>Machine </a:t>
-            </a:r>
-            <a:r>
-              <a:rPr lang="en-US" dirty="0"/>
-              <a:t>t</a:t>
-            </a:r>
-            <a:r>
-              <a:rPr lang="en-US" dirty="0" smtClean="0"/>
-              <a:t>ranslation </a:t>
-            </a:r>
-            <a:r>
-              <a:rPr lang="en-US" dirty="0"/>
-              <a:t>(</a:t>
-            </a:r>
-            <a:r>
-              <a:rPr lang="en-US" dirty="0" smtClean="0"/>
-              <a:t>Biao et al. 2016)</a:t>
-            </a:r>
-          </a:p>
-          <a:p>
-            <a:pPr lvl="2"/>
-            <a:r>
-              <a:rPr lang="en-US" dirty="0" smtClean="0"/>
-              <a:t>Text generation (</a:t>
-            </a:r>
-            <a:r>
-              <a:rPr lang="fi-FI" dirty="0"/>
-              <a:t>K </a:t>
-            </a:r>
-            <a:r>
-              <a:rPr lang="fi-FI" dirty="0" err="1"/>
-              <a:t>Guu</a:t>
-            </a:r>
-            <a:r>
-              <a:rPr lang="fi-FI" dirty="0"/>
-              <a:t> </a:t>
-            </a:r>
-            <a:r>
-              <a:rPr lang="fi-FI" dirty="0" smtClean="0"/>
-              <a:t>et al. ‎</a:t>
-            </a:r>
-            <a:r>
-              <a:rPr lang="fi-FI" dirty="0"/>
-              <a:t>2017</a:t>
-            </a:r>
-            <a:r>
-              <a:rPr lang="en-US" dirty="0" smtClean="0"/>
-              <a:t>)</a:t>
-            </a:r>
-          </a:p>
-          <a:p>
-            <a:pPr lvl="2"/>
-            <a:r>
-              <a:rPr lang="en-US" dirty="0" smtClean="0"/>
-              <a:t>Dialogue generation (</a:t>
-            </a:r>
-            <a:r>
-              <a:rPr lang="en-US" dirty="0"/>
-              <a:t>TH </a:t>
-            </a:r>
-            <a:r>
-              <a:rPr lang="en-US" dirty="0" smtClean="0"/>
-              <a:t>Wen et al. 2017)</a:t>
-            </a:r>
-          </a:p>
-          <a:p>
-            <a:pPr lvl="1"/>
-            <a:r>
-              <a:rPr lang="en-US" dirty="0" smtClean="0"/>
-              <a:t>CV applications:</a:t>
-            </a:r>
-          </a:p>
-          <a:p>
-            <a:pPr lvl="2"/>
-            <a:r>
-              <a:rPr lang="en-US" dirty="0" smtClean="0"/>
-              <a:t>Image </a:t>
-            </a:r>
-            <a:r>
-              <a:rPr lang="en-US" dirty="0"/>
-              <a:t>classification (</a:t>
-            </a:r>
-            <a:r>
-              <a:rPr lang="hr-HR" dirty="0"/>
-              <a:t>DP </a:t>
-            </a:r>
-            <a:r>
-              <a:rPr lang="hr-HR" dirty="0" err="1"/>
-              <a:t>Kingma</a:t>
-            </a:r>
-            <a:r>
-              <a:rPr lang="hr-HR" dirty="0"/>
-              <a:t> </a:t>
-            </a:r>
-            <a:r>
-              <a:rPr lang="hr-HR" dirty="0" err="1"/>
-              <a:t>et</a:t>
-            </a:r>
-            <a:r>
-              <a:rPr lang="hr-HR" dirty="0"/>
-              <a:t> </a:t>
-            </a:r>
-            <a:r>
-              <a:rPr lang="hr-HR" dirty="0" err="1"/>
-              <a:t>al</a:t>
-            </a:r>
-            <a:r>
-              <a:rPr lang="hr-HR" dirty="0"/>
-              <a:t>. ‎2013</a:t>
-            </a:r>
-            <a:r>
-              <a:rPr lang="en-US" dirty="0" smtClean="0"/>
-              <a:t>)</a:t>
-            </a:r>
-          </a:p>
-          <a:p>
-            <a:pPr lvl="2"/>
-            <a:r>
-              <a:rPr lang="en-US" dirty="0" smtClean="0"/>
-              <a:t>Image captioning (</a:t>
-            </a:r>
-            <a:r>
-              <a:rPr lang="en-US" dirty="0" err="1" smtClean="0"/>
-              <a:t>Liwei</a:t>
-            </a:r>
-            <a:r>
-              <a:rPr lang="en-US" dirty="0" smtClean="0"/>
-              <a:t> et al. 2017)</a:t>
-            </a:r>
-          </a:p>
-          <a:p>
-            <a:pPr lvl="2"/>
-            <a:r>
-              <a:rPr lang="en-US" dirty="0"/>
-              <a:t>Visual </a:t>
-            </a:r>
-            <a:r>
-              <a:rPr lang="en-US" dirty="0" smtClean="0"/>
-              <a:t>question </a:t>
-            </a:r>
-            <a:r>
-              <a:rPr lang="en-US" dirty="0"/>
-              <a:t>generation (</a:t>
-            </a:r>
-            <a:r>
-              <a:rPr lang="en-US" dirty="0" err="1"/>
-              <a:t>Unnat</a:t>
-            </a:r>
-            <a:r>
-              <a:rPr lang="en-US" dirty="0"/>
-              <a:t> et al. 2017</a:t>
-            </a:r>
-            <a:r>
-              <a:rPr lang="en-US" dirty="0" smtClean="0"/>
-              <a:t>)</a:t>
-            </a:r>
-          </a:p>
-          <a:p>
-            <a:r>
-              <a:rPr lang="en-US" dirty="0" smtClean="0"/>
-              <a:t>We are tackling sequential discrete variables.</a:t>
-            </a:r>
-          </a:p>
-        </p:txBody>
-      </p:sp>
-      <p:sp>
-        <p:nvSpPr>
-          <p:cNvPr id="4" name="Slide Number Placeholder 3"/>
-          <p:cNvSpPr>
-            <a:spLocks noGrp="1"/>
-          </p:cNvSpPr>
-          <p:nvPr>
-            <p:ph type="sldNum" sz="quarter" idx="12"/>
-          </p:nvPr>
-        </p:nvSpPr>
-        <p:spPr/>
-        <p:txBody>
-          <a:bodyPr/>
-          <a:lstStyle/>
-          <a:p>
-            <a:fld id="{7065BB2C-E040-0B41-A79C-72407BBCFFEE}" type="slidenum">
-              <a:rPr lang="en-US" smtClean="0"/>
-              <a:t>9</a:t>
-            </a:fld>
-            <a:endParaRPr lang="en-US"/>
-          </a:p>
-        </p:txBody>
-      </p:sp>
-    </p:spTree>
-    <p:extLst>
-      <p:ext uri="{BB962C8B-B14F-4D97-AF65-F5344CB8AC3E}">
-        <p14:creationId xmlns:p14="http://schemas.microsoft.com/office/powerpoint/2010/main" val="1678724911"/>
-      </p:ext>
-    </p:extLst>
-  </p:cSld>
-  <p:clrMapOvr>
-    <a:masterClrMapping/>
-  </p:clrMapOvr>
-  <p:timing>
-    <p:tnLst>
-      <p:par>
-        <p:cTn id="1" dur="indefinite" restart="never" nodeType="tmRoot">
-          <p:childTnLst>
-            <p:seq concurrent="1" nextAc="seek">
-              <p:cTn id="2" dur="indefinite" nodeType="mainSeq">
-                <p:childTnLst>
-                  <p:par>
-                    <p:cTn id="3" fill="hold">
-                      <p:stCondLst>
-                        <p:cond delay="indefinite"/>
-                      </p:stCondLst>
-                      <p:childTnLst>
-                        <p:par>
-                          <p:cTn id="4" fill="hold">
-                            <p:stCondLst>
-                              <p:cond delay="0"/>
-                            </p:stCondLst>
-                            <p:childTnLst>
-                              <p:par>
-                                <p:cTn id="5" presetID="3" presetClass="entr" presetSubtype="10" fill="hold" nodeType="clickEffect">
-                                  <p:stCondLst>
-                                    <p:cond delay="0"/>
-                                  </p:stCondLst>
-                                  <p:childTnLst>
-                                    <p:set>
-                                      <p:cBhvr>
-                                        <p:cTn id="6" dur="1" fill="hold">
-                                          <p:stCondLst>
-                                            <p:cond delay="0"/>
-                                          </p:stCondLst>
-                                        </p:cTn>
-                                        <p:tgtEl>
-                                          <p:spTgt spid="3">
-                                            <p:txEl>
-                                              <p:pRg st="0" end="0"/>
-                                            </p:txEl>
-                                          </p:spTgt>
-                                        </p:tgtEl>
-                                        <p:attrNameLst>
-                                          <p:attrName>style.visibility</p:attrName>
-                                        </p:attrNameLst>
-                                      </p:cBhvr>
-                                      <p:to>
-                                        <p:strVal val="visible"/>
-                                      </p:to>
-                                    </p:set>
-                                    <p:animEffect transition="in" filter="blinds(horizontal)">
-                                      <p:cBhvr>
-                                        <p:cTn id="7" dur="500"/>
-                                        <p:tgtEl>
-                                          <p:spTgt spid="3">
-                                            <p:txEl>
-                                              <p:pRg st="0" end="0"/>
-                                            </p:txEl>
-                                          </p:spTgt>
-                                        </p:tgtEl>
-                                      </p:cBhvr>
-                                    </p:animEffect>
-                                  </p:childTnLst>
-                                </p:cTn>
-                              </p:par>
-                              <p:par>
-                                <p:cTn id="8" presetID="3" presetClass="entr" presetSubtype="10" fill="hold" nodeType="withEffect">
-                                  <p:stCondLst>
-                                    <p:cond delay="0"/>
-                                  </p:stCondLst>
-                                  <p:childTnLst>
-                                    <p:set>
-                                      <p:cBhvr>
-                                        <p:cTn id="9" dur="1" fill="hold">
-                                          <p:stCondLst>
-                                            <p:cond delay="0"/>
-                                          </p:stCondLst>
-                                        </p:cTn>
-                                        <p:tgtEl>
-                                          <p:spTgt spid="3">
-                                            <p:txEl>
-                                              <p:pRg st="1" end="1"/>
-                                            </p:txEl>
-                                          </p:spTgt>
-                                        </p:tgtEl>
-                                        <p:attrNameLst>
-                                          <p:attrName>style.visibility</p:attrName>
-                                        </p:attrNameLst>
-                                      </p:cBhvr>
-                                      <p:to>
-                                        <p:strVal val="visible"/>
-                                      </p:to>
-                                    </p:set>
-                                    <p:animEffect transition="in" filter="blinds(horizontal)">
-                                      <p:cBhvr>
-                                        <p:cTn id="10" dur="500"/>
-                                        <p:tgtEl>
-                                          <p:spTgt spid="3">
-                                            <p:txEl>
-                                              <p:pRg st="1" end="1"/>
-                                            </p:txEl>
-                                          </p:spTgt>
-                                        </p:tgtEl>
-                                      </p:cBhvr>
-                                    </p:animEffect>
-                                  </p:childTnLst>
-                                </p:cTn>
-                              </p:par>
-                              <p:par>
-                                <p:cTn id="11" presetID="3" presetClass="entr" presetSubtype="10" fill="hold" nodeType="withEffect">
-                                  <p:stCondLst>
-                                    <p:cond delay="0"/>
-                                  </p:stCondLst>
-                                  <p:childTnLst>
-                                    <p:set>
-                                      <p:cBhvr>
-                                        <p:cTn id="12" dur="1" fill="hold">
-                                          <p:stCondLst>
-                                            <p:cond delay="0"/>
-                                          </p:stCondLst>
-                                        </p:cTn>
-                                        <p:tgtEl>
-                                          <p:spTgt spid="3">
-                                            <p:txEl>
-                                              <p:pRg st="2" end="2"/>
-                                            </p:txEl>
-                                          </p:spTgt>
-                                        </p:tgtEl>
-                                        <p:attrNameLst>
-                                          <p:attrName>style.visibility</p:attrName>
-                                        </p:attrNameLst>
-                                      </p:cBhvr>
-                                      <p:to>
-                                        <p:strVal val="visible"/>
-                                      </p:to>
-                                    </p:set>
-                                    <p:animEffect transition="in" filter="blinds(horizontal)">
-                                      <p:cBhvr>
-                                        <p:cTn id="13" dur="500"/>
-                                        <p:tgtEl>
-                                          <p:spTgt spid="3">
-                                            <p:txEl>
-                                              <p:pRg st="2" end="2"/>
-                                            </p:txEl>
-                                          </p:spTgt>
-                                        </p:tgtEl>
-                                      </p:cBhvr>
-                                    </p:animEffect>
-                                  </p:childTnLst>
-                                </p:cTn>
-                              </p:par>
-                              <p:par>
-                                <p:cTn id="14" presetID="3" presetClass="entr" presetSubtype="10" fill="hold" nodeType="withEffect">
-                                  <p:stCondLst>
-                                    <p:cond delay="0"/>
-                                  </p:stCondLst>
-                                  <p:childTnLst>
-                                    <p:set>
-                                      <p:cBhvr>
-                                        <p:cTn id="15" dur="1" fill="hold">
-                                          <p:stCondLst>
-                                            <p:cond delay="0"/>
-                                          </p:stCondLst>
-                                        </p:cTn>
-                                        <p:tgtEl>
-                                          <p:spTgt spid="3">
-                                            <p:txEl>
-                                              <p:pRg st="3" end="3"/>
-                                            </p:txEl>
-                                          </p:spTgt>
-                                        </p:tgtEl>
-                                        <p:attrNameLst>
-                                          <p:attrName>style.visibility</p:attrName>
-                                        </p:attrNameLst>
-                                      </p:cBhvr>
-                                      <p:to>
-                                        <p:strVal val="visible"/>
-                                      </p:to>
-                                    </p:set>
-                                    <p:animEffect transition="in" filter="blinds(horizontal)">
-                                      <p:cBhvr>
-                                        <p:cTn id="16" dur="500"/>
-                                        <p:tgtEl>
-                                          <p:spTgt spid="3">
-                                            <p:txEl>
-                                              <p:pRg st="3" end="3"/>
-                                            </p:txEl>
-                                          </p:spTgt>
-                                        </p:tgtEl>
-                                      </p:cBhvr>
-                                    </p:animEffect>
-                                  </p:childTnLst>
-                                </p:cTn>
-                              </p:par>
-                              <p:par>
-                                <p:cTn id="17" presetID="3" presetClass="entr" presetSubtype="10" fill="hold" nodeType="withEffect">
-                                  <p:stCondLst>
-                                    <p:cond delay="0"/>
-                                  </p:stCondLst>
-                                  <p:childTnLst>
-                                    <p:set>
-                                      <p:cBhvr>
-                                        <p:cTn id="18" dur="1" fill="hold">
-                                          <p:stCondLst>
-                                            <p:cond delay="0"/>
-                                          </p:stCondLst>
-                                        </p:cTn>
-                                        <p:tgtEl>
-                                          <p:spTgt spid="3">
-                                            <p:txEl>
-                                              <p:pRg st="4" end="4"/>
-                                            </p:txEl>
-                                          </p:spTgt>
-                                        </p:tgtEl>
-                                        <p:attrNameLst>
-                                          <p:attrName>style.visibility</p:attrName>
-                                        </p:attrNameLst>
-                                      </p:cBhvr>
-                                      <p:to>
-                                        <p:strVal val="visible"/>
-                                      </p:to>
-                                    </p:set>
-                                    <p:animEffect transition="in" filter="blinds(horizontal)">
-                                      <p:cBhvr>
-                                        <p:cTn id="19" dur="500"/>
-                                        <p:tgtEl>
-                                          <p:spTgt spid="3">
-                                            <p:txEl>
-                                              <p:pRg st="4" end="4"/>
-                                            </p:txEl>
-                                          </p:spTgt>
-                                        </p:tgtEl>
-                                      </p:cBhvr>
-                                    </p:animEffect>
-                                  </p:childTnLst>
-                                </p:cTn>
-                              </p:par>
-                              <p:par>
-                                <p:cTn id="20" presetID="3" presetClass="entr" presetSubtype="10" fill="hold" nodeType="withEffect">
-                                  <p:stCondLst>
-                                    <p:cond delay="0"/>
-                                  </p:stCondLst>
-                                  <p:childTnLst>
-                                    <p:set>
-                                      <p:cBhvr>
-                                        <p:cTn id="21" dur="1" fill="hold">
-                                          <p:stCondLst>
-                                            <p:cond delay="0"/>
-                                          </p:stCondLst>
-                                        </p:cTn>
-                                        <p:tgtEl>
-                                          <p:spTgt spid="3">
-                                            <p:txEl>
-                                              <p:pRg st="5" end="5"/>
-                                            </p:txEl>
-                                          </p:spTgt>
-                                        </p:tgtEl>
-                                        <p:attrNameLst>
-                                          <p:attrName>style.visibility</p:attrName>
-                                        </p:attrNameLst>
-                                      </p:cBhvr>
-                                      <p:to>
-                                        <p:strVal val="visible"/>
-                                      </p:to>
-                                    </p:set>
-                                    <p:animEffect transition="in" filter="blinds(horizontal)">
-                                      <p:cBhvr>
-                                        <p:cTn id="22" dur="500"/>
-                                        <p:tgtEl>
-                                          <p:spTgt spid="3">
-                                            <p:txEl>
-                                              <p:pRg st="5" end="5"/>
-                                            </p:txEl>
-                                          </p:spTgt>
-                                        </p:tgtEl>
-                                      </p:cBhvr>
-                                    </p:animEffect>
-                                  </p:childTnLst>
-                                </p:cTn>
-                              </p:par>
-                              <p:par>
-                                <p:cTn id="23" presetID="3" presetClass="entr" presetSubtype="10" fill="hold" nodeType="withEffect">
-                                  <p:stCondLst>
-                                    <p:cond delay="0"/>
-                                  </p:stCondLst>
-                                  <p:childTnLst>
-                                    <p:set>
-                                      <p:cBhvr>
-                                        <p:cTn id="24" dur="1" fill="hold">
-                                          <p:stCondLst>
-                                            <p:cond delay="0"/>
-                                          </p:stCondLst>
-                                        </p:cTn>
-                                        <p:tgtEl>
-                                          <p:spTgt spid="3">
-                                            <p:txEl>
-                                              <p:pRg st="6" end="6"/>
-                                            </p:txEl>
-                                          </p:spTgt>
-                                        </p:tgtEl>
-                                        <p:attrNameLst>
-                                          <p:attrName>style.visibility</p:attrName>
-                                        </p:attrNameLst>
-                                      </p:cBhvr>
-                                      <p:to>
-                                        <p:strVal val="visible"/>
-                                      </p:to>
-                                    </p:set>
-                                    <p:animEffect transition="in" filter="blinds(horizontal)">
-                                      <p:cBhvr>
-                                        <p:cTn id="25" dur="500"/>
-                                        <p:tgtEl>
-                                          <p:spTgt spid="3">
-                                            <p:txEl>
-                                              <p:pRg st="6" end="6"/>
-                                            </p:txEl>
-                                          </p:spTgt>
-                                        </p:tgtEl>
-                                      </p:cBhvr>
-                                    </p:animEffect>
-                                  </p:childTnLst>
-                                </p:cTn>
-                              </p:par>
-                              <p:par>
-                                <p:cTn id="26" presetID="3" presetClass="entr" presetSubtype="10" fill="hold" nodeType="withEffect">
-                                  <p:stCondLst>
-                                    <p:cond delay="0"/>
-                                  </p:stCondLst>
-                                  <p:childTnLst>
-                                    <p:set>
-                                      <p:cBhvr>
-                                        <p:cTn id="27" dur="1" fill="hold">
-                                          <p:stCondLst>
-                                            <p:cond delay="0"/>
-                                          </p:stCondLst>
-                                        </p:cTn>
-                                        <p:tgtEl>
-                                          <p:spTgt spid="3">
-                                            <p:txEl>
-                                              <p:pRg st="7" end="7"/>
-                                            </p:txEl>
-                                          </p:spTgt>
-                                        </p:tgtEl>
-                                        <p:attrNameLst>
-                                          <p:attrName>style.visibility</p:attrName>
-                                        </p:attrNameLst>
-                                      </p:cBhvr>
-                                      <p:to>
-                                        <p:strVal val="visible"/>
-                                      </p:to>
-                                    </p:set>
-                                    <p:animEffect transition="in" filter="blinds(horizontal)">
-                                      <p:cBhvr>
-                                        <p:cTn id="28" dur="500"/>
-                                        <p:tgtEl>
-                                          <p:spTgt spid="3">
-                                            <p:txEl>
-                                              <p:pRg st="7" end="7"/>
-                                            </p:txEl>
-                                          </p:spTgt>
-                                        </p:tgtEl>
-                                      </p:cBhvr>
-                                    </p:animEffect>
-                                  </p:childTnLst>
-                                </p:cTn>
-                              </p:par>
-                              <p:par>
-                                <p:cTn id="29" presetID="3" presetClass="entr" presetSubtype="10" fill="hold" nodeType="withEffect">
-                                  <p:stCondLst>
-                                    <p:cond delay="0"/>
-                                  </p:stCondLst>
-                                  <p:childTnLst>
-                                    <p:set>
-                                      <p:cBhvr>
-                                        <p:cTn id="30" dur="1" fill="hold">
-                                          <p:stCondLst>
-                                            <p:cond delay="0"/>
-                                          </p:stCondLst>
-                                        </p:cTn>
-                                        <p:tgtEl>
-                                          <p:spTgt spid="3">
-                                            <p:txEl>
-                                              <p:pRg st="8" end="8"/>
-                                            </p:txEl>
-                                          </p:spTgt>
-                                        </p:tgtEl>
-                                        <p:attrNameLst>
-                                          <p:attrName>style.visibility</p:attrName>
-                                        </p:attrNameLst>
-                                      </p:cBhvr>
-                                      <p:to>
-                                        <p:strVal val="visible"/>
-                                      </p:to>
-                                    </p:set>
-                                    <p:animEffect transition="in" filter="blinds(horizontal)">
-                                      <p:cBhvr>
-                                        <p:cTn id="31" dur="500"/>
-                                        <p:tgtEl>
-                                          <p:spTgt spid="3">
-                                            <p:txEl>
-                                              <p:pRg st="8" end="8"/>
-                                            </p:txEl>
-                                          </p:spTgt>
-                                        </p:tgtEl>
-                                      </p:cBhvr>
-                                    </p:animEffect>
-                                  </p:childTnLst>
-                                </p:cTn>
-                              </p:par>
-                            </p:childTnLst>
-                          </p:cTn>
-                        </p:par>
-                      </p:childTnLst>
-                    </p:cTn>
-                  </p:par>
-                  <p:par>
-                    <p:cTn id="32" fill="hold">
-                      <p:stCondLst>
-                        <p:cond delay="indefinite"/>
-                      </p:stCondLst>
-                      <p:childTnLst>
-                        <p:par>
-                          <p:cTn id="33" fill="hold">
-                            <p:stCondLst>
-                              <p:cond delay="0"/>
-                            </p:stCondLst>
-                            <p:childTnLst>
-                              <p:par>
-                                <p:cTn id="34" presetID="3" presetClass="entr" presetSubtype="10" fill="hold" nodeType="clickEffect">
-                                  <p:stCondLst>
-                                    <p:cond delay="0"/>
-                                  </p:stCondLst>
-                                  <p:childTnLst>
-                                    <p:set>
-                                      <p:cBhvr>
-                                        <p:cTn id="35" dur="1" fill="hold">
-                                          <p:stCondLst>
-                                            <p:cond delay="0"/>
-                                          </p:stCondLst>
-                                        </p:cTn>
-                                        <p:tgtEl>
-                                          <p:spTgt spid="3">
-                                            <p:txEl>
-                                              <p:pRg st="9" end="9"/>
-                                            </p:txEl>
-                                          </p:spTgt>
-                                        </p:tgtEl>
-                                        <p:attrNameLst>
-                                          <p:attrName>style.visibility</p:attrName>
-                                        </p:attrNameLst>
-                                      </p:cBhvr>
-                                      <p:to>
-                                        <p:strVal val="visible"/>
-                                      </p:to>
-                                    </p:set>
-                                    <p:animEffect transition="in" filter="blinds(horizontal)">
-                                      <p:cBhvr>
-                                        <p:cTn id="36" dur="500"/>
-                                        <p:tgtEl>
-                                          <p:spTgt spid="3">
-                                            <p:txEl>
-                                              <p:pRg st="9" end="9"/>
-                                            </p:txEl>
-                                          </p:spTgt>
-                                        </p:tgtEl>
-                                      </p:cBhvr>
-                                    </p:animEffect>
-                                  </p:childTnLst>
-                                </p:cTn>
-                              </p:par>
-                            </p:childTnLst>
-                          </p:cTn>
-                        </p:par>
-                      </p:childTnLst>
-                    </p:cTn>
-                  </p:par>
-                </p:childTnLst>
-              </p:cTn>
-              <p:prevCondLst>
-                <p:cond evt="onPrev" delay="0">
-                  <p:tgtEl>
-                    <p:sldTgt/>
-                  </p:tgtEl>
-                </p:cond>
-              </p:prevCondLst>
-              <p:nextCondLst>
-                <p:cond evt="onNext" delay="0">
-                  <p:tgtEl>
-                    <p:sldTgt/>
-                  </p:tgtEl>
-                </p:cond>
-              </p:nextCondLst>
-            </p:seq>
-          </p:childTnLst>
-        </p:cTn>
-      </p:par>
-    </p:tnLst>
   </p:timing>
 </p:sld>
 </file>
